--- a/SnackBot.pptx
+++ b/SnackBot.pptx
@@ -6408,7 +6408,7 @@
           <a:p>
             <a:r>
               <a:rPr lang="en-US" dirty="0" smtClean="0"/>
-              <a:t>A data structure that stores a function, and the variables available within the scope where the closure was created</a:t>
+              <a:t>A data structure that stores a function, and the variables available within the scope in which the closure was created</a:t>
             </a:r>
           </a:p>
           <a:p>
@@ -6790,8 +6790,13 @@
             </a:pPr>
             <a:r>
               <a:rPr lang="en-US" u="sng" dirty="0" smtClean="0"/>
-              <a:t>Server Side – Node.js</a:t>
-            </a:r>
+              <a:t>Server Side – </a:t>
+            </a:r>
+            <a:r>
+              <a:rPr lang="en-US" u="sng" dirty="0" smtClean="0"/>
+              <a:t>Node.js</a:t>
+            </a:r>
+            <a:endParaRPr lang="en-US" u="sng" dirty="0" smtClean="0"/>
           </a:p>
           <a:p>
             <a:pPr lvl="1"/>

--- a/SnackBot.pptx
+++ b/SnackBot.pptx
@@ -5276,6 +5276,14 @@
           <a:bodyPr/>
           <a:lstStyle/>
           <a:p>
+            <a:r>
+              <a:rPr lang="en-US" dirty="0" err="1" smtClean="0"/>
+              <a:t>Heroku</a:t>
+            </a:r>
+            <a:r>
+              <a:rPr lang="en-US" dirty="0" smtClean="0"/>
+              <a:t> Environment Variables</a:t>
+            </a:r>
             <a:endParaRPr lang="en-US" dirty="0"/>
           </a:p>
         </p:txBody>
@@ -5295,7 +5303,165 @@
           <a:bodyPr/>
           <a:lstStyle/>
           <a:p>
-            <a:endParaRPr lang="en-US"/>
+            <a:r>
+              <a:rPr lang="en-US" dirty="0" err="1" smtClean="0"/>
+              <a:t>Heroku</a:t>
+            </a:r>
+            <a:r>
+              <a:rPr lang="en-US" dirty="0" smtClean="0"/>
+              <a:t> has what they call </a:t>
+            </a:r>
+            <a:r>
+              <a:rPr lang="en-US" dirty="0" err="1" smtClean="0"/>
+              <a:t>Config</a:t>
+            </a:r>
+            <a:r>
+              <a:rPr lang="en-US" dirty="0" smtClean="0"/>
+              <a:t> </a:t>
+            </a:r>
+            <a:r>
+              <a:rPr lang="en-US" dirty="0" err="1" smtClean="0"/>
+              <a:t>Vars</a:t>
+            </a:r>
+            <a:endParaRPr lang="en-US" dirty="0" smtClean="0"/>
+          </a:p>
+          <a:p>
+            <a:endParaRPr lang="en-US" dirty="0"/>
+          </a:p>
+        </p:txBody>
+      </p:sp>
+      <p:sp>
+        <p:nvSpPr>
+          <p:cNvPr id="4" name="TextBox 3"/>
+          <p:cNvSpPr txBox="1"/>
+          <p:nvPr/>
+        </p:nvSpPr>
+        <p:spPr>
+          <a:xfrm>
+            <a:off x="533400" y="3399749"/>
+            <a:ext cx="3886200" cy="923330"/>
+          </a:xfrm>
+          <a:prstGeom prst="rect">
+            <a:avLst/>
+          </a:prstGeom>
+          <a:noFill/>
+          <a:ln>
+            <a:solidFill>
+              <a:schemeClr val="accent1"/>
+            </a:solidFill>
+          </a:ln>
+        </p:spPr>
+        <p:txBody>
+          <a:bodyPr wrap="square" rtlCol="0">
+            <a:spAutoFit/>
+          </a:bodyPr>
+          <a:lstStyle/>
+          <a:p>
+            <a:r>
+              <a:rPr lang="en-US" dirty="0"/>
+              <a:t>$ cd </a:t>
+            </a:r>
+            <a:r>
+              <a:rPr lang="en-US" dirty="0" err="1"/>
+              <a:t>myapp</a:t>
+            </a:r>
+            <a:r>
+              <a:rPr lang="en-US" dirty="0"/>
+              <a:t> $ </a:t>
+            </a:r>
+            <a:r>
+              <a:rPr lang="en-US" dirty="0" err="1"/>
+              <a:t>heroku</a:t>
+            </a:r>
+            <a:r>
+              <a:rPr lang="en-US" dirty="0"/>
+              <a:t> </a:t>
+            </a:r>
+            <a:r>
+              <a:rPr lang="en-US" dirty="0" err="1"/>
+              <a:t>config:add</a:t>
+            </a:r>
+            <a:r>
+              <a:rPr lang="en-US" dirty="0"/>
+              <a:t> S3_KEY=8N029N81 </a:t>
+            </a:r>
+            <a:r>
+              <a:rPr lang="en-US" dirty="0" smtClean="0"/>
+              <a:t>S3_SECRET=9s83109d3+583493190</a:t>
+            </a:r>
+            <a:endParaRPr lang="en-US" dirty="0" smtClean="0">
+              <a:latin typeface="Cordia New" pitchFamily="34" charset="-34"/>
+              <a:cs typeface="Cordia New" pitchFamily="34" charset="-34"/>
+            </a:endParaRPr>
+          </a:p>
+        </p:txBody>
+      </p:sp>
+      <p:sp>
+        <p:nvSpPr>
+          <p:cNvPr id="5" name="TextBox 4"/>
+          <p:cNvSpPr txBox="1"/>
+          <p:nvPr/>
+        </p:nvSpPr>
+        <p:spPr>
+          <a:xfrm>
+            <a:off x="533400" y="4800600"/>
+            <a:ext cx="3886200" cy="369332"/>
+          </a:xfrm>
+          <a:prstGeom prst="rect">
+            <a:avLst/>
+          </a:prstGeom>
+          <a:noFill/>
+          <a:ln>
+            <a:solidFill>
+              <a:schemeClr val="accent1"/>
+            </a:solidFill>
+          </a:ln>
+        </p:spPr>
+        <p:txBody>
+          <a:bodyPr wrap="square" rtlCol="0">
+            <a:spAutoFit/>
+          </a:bodyPr>
+          <a:lstStyle/>
+          <a:p>
+            <a:r>
+              <a:rPr lang="en-US" dirty="0" err="1" smtClean="0">
+                <a:latin typeface="Cordia New" pitchFamily="34" charset="-34"/>
+                <a:cs typeface="Cordia New" pitchFamily="34" charset="-34"/>
+              </a:rPr>
+              <a:t>var</a:t>
+            </a:r>
+            <a:r>
+              <a:rPr lang="en-US" dirty="0" smtClean="0">
+                <a:latin typeface="Cordia New" pitchFamily="34" charset="-34"/>
+                <a:cs typeface="Cordia New" pitchFamily="34" charset="-34"/>
+              </a:rPr>
+              <a:t> </a:t>
+            </a:r>
+            <a:r>
+              <a:rPr lang="en-US" dirty="0" err="1" smtClean="0">
+                <a:latin typeface="Cordia New" pitchFamily="34" charset="-34"/>
+                <a:cs typeface="Cordia New" pitchFamily="34" charset="-34"/>
+              </a:rPr>
+              <a:t>myEnv</a:t>
+            </a:r>
+            <a:r>
+              <a:rPr lang="en-US" dirty="0" smtClean="0">
+                <a:latin typeface="Cordia New" pitchFamily="34" charset="-34"/>
+                <a:cs typeface="Cordia New" pitchFamily="34" charset="-34"/>
+              </a:rPr>
+              <a:t> = </a:t>
+            </a:r>
+            <a:r>
+              <a:rPr lang="en-US" smtClean="0">
+                <a:latin typeface="Cordia New" pitchFamily="34" charset="-34"/>
+                <a:cs typeface="Cordia New" pitchFamily="34" charset="-34"/>
+              </a:rPr>
+              <a:t>process.env.MY_ENV</a:t>
+            </a:r>
+            <a:endParaRPr lang="en-US" dirty="0" smtClean="0">
+              <a:latin typeface="Cordia New" pitchFamily="34" charset="-34"/>
+              <a:cs typeface="Cordia New" pitchFamily="34" charset="-34"/>
+            </a:endParaRPr>
           </a:p>
         </p:txBody>
       </p:sp>

--- a/SnackBot.pptx
+++ b/SnackBot.pptx
@@ -13,14 +13,21 @@
     <p:sldId id="264" r:id="rId7"/>
     <p:sldId id="262" r:id="rId8"/>
     <p:sldId id="257" r:id="rId9"/>
-    <p:sldId id="259" r:id="rId10"/>
-    <p:sldId id="260" r:id="rId11"/>
-    <p:sldId id="265" r:id="rId12"/>
-    <p:sldId id="258" r:id="rId13"/>
-    <p:sldId id="268" r:id="rId14"/>
-    <p:sldId id="269" r:id="rId15"/>
-    <p:sldId id="270" r:id="rId16"/>
-    <p:sldId id="267" r:id="rId17"/>
+    <p:sldId id="277" r:id="rId10"/>
+    <p:sldId id="259" r:id="rId11"/>
+    <p:sldId id="260" r:id="rId12"/>
+    <p:sldId id="265" r:id="rId13"/>
+    <p:sldId id="258" r:id="rId14"/>
+    <p:sldId id="282" r:id="rId15"/>
+    <p:sldId id="268" r:id="rId16"/>
+    <p:sldId id="269" r:id="rId17"/>
+    <p:sldId id="278" r:id="rId18"/>
+    <p:sldId id="279" r:id="rId19"/>
+    <p:sldId id="273" r:id="rId20"/>
+    <p:sldId id="275" r:id="rId21"/>
+    <p:sldId id="276" r:id="rId22"/>
+    <p:sldId id="270" r:id="rId23"/>
+    <p:sldId id="280" r:id="rId24"/>
   </p:sldIdLst>
   <p:sldSz cx="9144000" cy="6858000" type="screen4x3"/>
   <p:notesSz cx="6858000" cy="9144000"/>
@@ -316,7 +323,7 @@
           <a:p>
             <a:fld id="{C6A6D299-4FF4-4466-BF68-D7A616E4D766}" type="datetimeFigureOut">
               <a:rPr lang="en-US" smtClean="0"/>
-              <a:t>6/17/2012</a:t>
+              <a:t>6/23/2012</a:t>
             </a:fld>
             <a:endParaRPr lang="en-US"/>
           </a:p>
@@ -669,7 +676,7 @@
           <a:p>
             <a:fld id="{C6A6D299-4FF4-4466-BF68-D7A616E4D766}" type="datetimeFigureOut">
               <a:rPr lang="en-US" smtClean="0"/>
-              <a:t>6/17/2012</a:t>
+              <a:t>6/23/2012</a:t>
             </a:fld>
             <a:endParaRPr lang="en-US"/>
           </a:p>
@@ -844,7 +851,7 @@
           <a:p>
             <a:fld id="{C6A6D299-4FF4-4466-BF68-D7A616E4D766}" type="datetimeFigureOut">
               <a:rPr lang="en-US" smtClean="0"/>
-              <a:t>6/17/2012</a:t>
+              <a:t>6/23/2012</a:t>
             </a:fld>
             <a:endParaRPr lang="en-US"/>
           </a:p>
@@ -957,7 +964,7 @@
           <a:p>
             <a:fld id="{C6A6D299-4FF4-4466-BF68-D7A616E4D766}" type="datetimeFigureOut">
               <a:rPr lang="en-US" smtClean="0"/>
-              <a:t>6/17/2012</a:t>
+              <a:t>6/23/2012</a:t>
             </a:fld>
             <a:endParaRPr lang="en-US"/>
           </a:p>
@@ -1315,7 +1322,7 @@
           <a:p>
             <a:fld id="{C6A6D299-4FF4-4466-BF68-D7A616E4D766}" type="datetimeFigureOut">
               <a:rPr lang="en-US" smtClean="0"/>
-              <a:t>6/17/2012</a:t>
+              <a:t>6/23/2012</a:t>
             </a:fld>
             <a:endParaRPr lang="en-US"/>
           </a:p>
@@ -1580,7 +1587,7 @@
           <a:p>
             <a:fld id="{C6A6D299-4FF4-4466-BF68-D7A616E4D766}" type="datetimeFigureOut">
               <a:rPr lang="en-US" smtClean="0"/>
-              <a:t>6/17/2012</a:t>
+              <a:t>6/23/2012</a:t>
             </a:fld>
             <a:endParaRPr lang="en-US"/>
           </a:p>
@@ -1942,7 +1949,7 @@
           <a:p>
             <a:fld id="{C6A6D299-4FF4-4466-BF68-D7A616E4D766}" type="datetimeFigureOut">
               <a:rPr lang="en-US" smtClean="0"/>
-              <a:t>6/17/2012</a:t>
+              <a:t>6/23/2012</a:t>
             </a:fld>
             <a:endParaRPr lang="en-US"/>
           </a:p>
@@ -2169,7 +2176,7 @@
           <a:p>
             <a:fld id="{C6A6D299-4FF4-4466-BF68-D7A616E4D766}" type="datetimeFigureOut">
               <a:rPr lang="en-US" smtClean="0"/>
-              <a:t>6/17/2012</a:t>
+              <a:t>6/23/2012</a:t>
             </a:fld>
             <a:endParaRPr lang="en-US"/>
           </a:p>
@@ -2259,7 +2266,7 @@
           <a:p>
             <a:fld id="{C6A6D299-4FF4-4466-BF68-D7A616E4D766}" type="datetimeFigureOut">
               <a:rPr lang="en-US" smtClean="0"/>
-              <a:t>6/17/2012</a:t>
+              <a:t>6/23/2012</a:t>
             </a:fld>
             <a:endParaRPr lang="en-US"/>
           </a:p>
@@ -2526,7 +2533,7 @@
           <a:p>
             <a:fld id="{C6A6D299-4FF4-4466-BF68-D7A616E4D766}" type="datetimeFigureOut">
               <a:rPr lang="en-US" smtClean="0"/>
-              <a:t>6/17/2012</a:t>
+              <a:t>6/23/2012</a:t>
             </a:fld>
             <a:endParaRPr lang="en-US"/>
           </a:p>
@@ -2754,7 +2761,7 @@
           <a:p>
             <a:fld id="{C6A6D299-4FF4-4466-BF68-D7A616E4D766}" type="datetimeFigureOut">
               <a:rPr lang="en-US" smtClean="0"/>
-              <a:t>6/17/2012</a:t>
+              <a:t>6/23/2012</a:t>
             </a:fld>
             <a:endParaRPr lang="en-US"/>
           </a:p>
@@ -3253,7 +3260,7 @@
           <a:p>
             <a:fld id="{C6A6D299-4FF4-4466-BF68-D7A616E4D766}" type="datetimeFigureOut">
               <a:rPr lang="en-US" smtClean="0"/>
-              <a:t>6/17/2012</a:t>
+              <a:t>6/23/2012</a:t>
             </a:fld>
             <a:endParaRPr lang="en-US"/>
           </a:p>
@@ -3676,11 +3683,7 @@
           <a:p>
             <a:r>
               <a:rPr lang="en-US" dirty="0" smtClean="0"/>
-              <a:t>Snack bot </a:t>
-            </a:r>
-            <a:r>
-              <a:rPr lang="en-US" dirty="0" smtClean="0"/>
-              <a:t>pending</a:t>
+              <a:t>Snack bot pending</a:t>
             </a:r>
           </a:p>
           <a:p>
@@ -3698,7 +3701,6 @@
               <a:rPr lang="en-US" dirty="0"/>
               <a:t>https://github.com/ZECTBynmo/SnackBot</a:t>
             </a:r>
-            <a:endParaRPr lang="en-US" dirty="0"/>
           </a:p>
         </p:txBody>
       </p:sp>
@@ -3779,7 +3781,7 @@
           <a:p>
             <a:r>
               <a:rPr lang="en-US" dirty="0" smtClean="0"/>
-              <a:t>Example – File System module</a:t>
+              <a:t>Node Require</a:t>
             </a:r>
             <a:endParaRPr lang="en-US" dirty="0"/>
           </a:p>
@@ -3787,700 +3789,89 @@
       </p:sp>
       <p:sp>
         <p:nvSpPr>
-          <p:cNvPr id="8" name="Rectangle 7"/>
-          <p:cNvSpPr/>
-          <p:nvPr/>
-        </p:nvSpPr>
-        <p:spPr>
-          <a:xfrm>
-            <a:off x="1066800" y="1600200"/>
-            <a:ext cx="7010400" cy="4893647"/>
-          </a:xfrm>
-          <a:prstGeom prst="rect">
-            <a:avLst/>
-          </a:prstGeom>
-          <a:ln>
-            <a:solidFill>
-              <a:schemeClr val="accent1"/>
-            </a:solidFill>
-          </a:ln>
-        </p:spPr>
-        <p:txBody>
-          <a:bodyPr wrap="square">
-            <a:spAutoFit/>
-          </a:bodyPr>
-          <a:lstStyle/>
-          <a:p>
-            <a:r>
-              <a:rPr lang="en-US" sz="1200" dirty="0" err="1" smtClean="0">
-                <a:latin typeface="Cordia New" pitchFamily="34" charset="-34"/>
-                <a:cs typeface="Cordia New" pitchFamily="34" charset="-34"/>
-              </a:rPr>
+          <p:cNvPr id="3" name="Content Placeholder 2"/>
+          <p:cNvSpPr>
+            <a:spLocks noGrp="1"/>
+          </p:cNvSpPr>
+          <p:nvPr>
+            <p:ph sz="quarter" idx="1"/>
+          </p:nvPr>
+        </p:nvSpPr>
+        <p:spPr/>
+        <p:txBody>
+          <a:bodyPr/>
+          <a:lstStyle/>
+          <a:p>
+            <a:r>
+              <a:rPr lang="en-US" dirty="0" smtClean="0"/>
+              <a:t>Rough equivalent of #include in C++, but returns an object</a:t>
+            </a:r>
+          </a:p>
+          <a:p>
+            <a:r>
+              <a:rPr lang="en-US" dirty="0" smtClean="0"/>
+              <a:t>Some modules written by </a:t>
+            </a:r>
+            <a:r>
+              <a:rPr lang="en-US" dirty="0" err="1" smtClean="0"/>
+              <a:t>Joyent</a:t>
+            </a:r>
+            <a:r>
+              <a:rPr lang="en-US" dirty="0" smtClean="0"/>
+              <a:t>, some by 3</a:t>
+            </a:r>
+            <a:r>
+              <a:rPr lang="en-US" baseline="30000" dirty="0" smtClean="0"/>
+              <a:t>rd</a:t>
+            </a:r>
+            <a:r>
+              <a:rPr lang="en-US" dirty="0" smtClean="0"/>
+              <a:t> parties</a:t>
+            </a:r>
+          </a:p>
+          <a:p>
+            <a:r>
+              <a:rPr lang="en-US" dirty="0" smtClean="0"/>
+              <a:t>ex. “</a:t>
+            </a:r>
+            <a:r>
+              <a:rPr lang="en-US" dirty="0" err="1" smtClean="0"/>
               <a:t>var</a:t>
             </a:r>
             <a:r>
-              <a:rPr lang="en-US" sz="1200" dirty="0" smtClean="0">
-                <a:latin typeface="Cordia New" pitchFamily="34" charset="-34"/>
-                <a:cs typeface="Cordia New" pitchFamily="34" charset="-34"/>
-              </a:rPr>
+              <a:rPr lang="en-US" dirty="0" smtClean="0"/>
               <a:t> </a:t>
             </a:r>
             <a:r>
-              <a:rPr lang="en-US" sz="1200" dirty="0" err="1" smtClean="0">
-                <a:latin typeface="Cordia New" pitchFamily="34" charset="-34"/>
-                <a:cs typeface="Cordia New" pitchFamily="34" charset="-34"/>
-              </a:rPr>
-              <a:t>fs</a:t>
-            </a:r>
-            <a:r>
-              <a:rPr lang="en-US" sz="1200" dirty="0" smtClean="0">
-                <a:latin typeface="Cordia New" pitchFamily="34" charset="-34"/>
-                <a:cs typeface="Cordia New" pitchFamily="34" charset="-34"/>
-              </a:rPr>
-              <a:t> = require('</a:t>
-            </a:r>
-            <a:r>
-              <a:rPr lang="en-US" sz="1200" dirty="0" err="1" smtClean="0">
-                <a:latin typeface="Cordia New" pitchFamily="34" charset="-34"/>
-                <a:cs typeface="Cordia New" pitchFamily="34" charset="-34"/>
-              </a:rPr>
-              <a:t>fs</a:t>
-            </a:r>
-            <a:r>
-              <a:rPr lang="en-US" sz="1200" dirty="0" smtClean="0">
-                <a:latin typeface="Cordia New" pitchFamily="34" charset="-34"/>
-                <a:cs typeface="Cordia New" pitchFamily="34" charset="-34"/>
-              </a:rPr>
-              <a:t>');			</a:t>
-            </a:r>
-            <a:r>
-              <a:rPr lang="en-US" sz="1200" dirty="0">
-                <a:latin typeface="Cordia New" pitchFamily="34" charset="-34"/>
-                <a:cs typeface="Cordia New" pitchFamily="34" charset="-34"/>
-              </a:rPr>
-              <a:t> </a:t>
-            </a:r>
-            <a:r>
-              <a:rPr lang="en-US" sz="1200" dirty="0" smtClean="0">
-                <a:latin typeface="Cordia New" pitchFamily="34" charset="-34"/>
-                <a:cs typeface="Cordia New" pitchFamily="34" charset="-34"/>
-              </a:rPr>
-              <a:t>             	// "include" the file system </a:t>
-            </a:r>
-            <a:r>
-              <a:rPr lang="en-US" sz="1200" dirty="0" smtClean="0">
-                <a:latin typeface="Cordia New" pitchFamily="34" charset="-34"/>
-                <a:cs typeface="Cordia New" pitchFamily="34" charset="-34"/>
-              </a:rPr>
-              <a:t>module</a:t>
-            </a:r>
-          </a:p>
-          <a:p>
-            <a:endParaRPr lang="en-US" sz="1200" dirty="0" smtClean="0">
-              <a:latin typeface="Cordia New" pitchFamily="34" charset="-34"/>
-              <a:cs typeface="Cordia New" pitchFamily="34" charset="-34"/>
-            </a:endParaRPr>
-          </a:p>
-          <a:p>
-            <a:r>
-              <a:rPr lang="en-US" sz="1200" dirty="0" err="1" smtClean="0">
-                <a:latin typeface="Cordia New" pitchFamily="34" charset="-34"/>
-                <a:cs typeface="Cordia New" pitchFamily="34" charset="-34"/>
-              </a:rPr>
-              <a:t>var</a:t>
-            </a:r>
-            <a:r>
-              <a:rPr lang="en-US" sz="1200" dirty="0" smtClean="0">
-                <a:latin typeface="Cordia New" pitchFamily="34" charset="-34"/>
-                <a:cs typeface="Cordia New" pitchFamily="34" charset="-34"/>
-              </a:rPr>
-              <a:t> </a:t>
-            </a:r>
-            <a:r>
-              <a:rPr lang="en-US" sz="1200" dirty="0" err="1" smtClean="0">
-                <a:latin typeface="Cordia New" pitchFamily="34" charset="-34"/>
-                <a:cs typeface="Cordia New" pitchFamily="34" charset="-34"/>
-              </a:rPr>
-              <a:t>inputReadStream</a:t>
-            </a:r>
-            <a:r>
-              <a:rPr lang="en-US" sz="1200" dirty="0" smtClean="0">
-                <a:latin typeface="Cordia New" pitchFamily="34" charset="-34"/>
-                <a:cs typeface="Cordia New" pitchFamily="34" charset="-34"/>
-              </a:rPr>
-              <a:t> = </a:t>
-            </a:r>
-            <a:r>
-              <a:rPr lang="en-US" sz="1200" dirty="0" err="1" smtClean="0">
-                <a:latin typeface="Cordia New" pitchFamily="34" charset="-34"/>
-                <a:cs typeface="Cordia New" pitchFamily="34" charset="-34"/>
-              </a:rPr>
-              <a:t>fs.createReadStream</a:t>
-            </a:r>
-            <a:r>
-              <a:rPr lang="en-US" sz="1200" dirty="0" smtClean="0">
-                <a:latin typeface="Cordia New" pitchFamily="34" charset="-34"/>
-                <a:cs typeface="Cordia New" pitchFamily="34" charset="-34"/>
-              </a:rPr>
-              <a:t>('lines.txt');</a:t>
-            </a:r>
-          </a:p>
-          <a:p>
-            <a:r>
-              <a:rPr lang="en-US" sz="1200" dirty="0" err="1" smtClean="0">
-                <a:latin typeface="Cordia New" pitchFamily="34" charset="-34"/>
-                <a:cs typeface="Cordia New" pitchFamily="34" charset="-34"/>
-              </a:rPr>
-              <a:t>readLines</a:t>
-            </a:r>
-            <a:r>
-              <a:rPr lang="en-US" sz="1200" dirty="0" smtClean="0">
-                <a:latin typeface="Cordia New" pitchFamily="34" charset="-34"/>
-                <a:cs typeface="Cordia New" pitchFamily="34" charset="-34"/>
-              </a:rPr>
-              <a:t>(</a:t>
-            </a:r>
-            <a:r>
-              <a:rPr lang="en-US" sz="1200" dirty="0" err="1" smtClean="0">
-                <a:latin typeface="Cordia New" pitchFamily="34" charset="-34"/>
-                <a:cs typeface="Cordia New" pitchFamily="34" charset="-34"/>
-              </a:rPr>
-              <a:t>inputReadStream</a:t>
-            </a:r>
-            <a:r>
-              <a:rPr lang="en-US" sz="1200" dirty="0" smtClean="0">
-                <a:latin typeface="Cordia New" pitchFamily="34" charset="-34"/>
-                <a:cs typeface="Cordia New" pitchFamily="34" charset="-34"/>
-              </a:rPr>
-              <a:t>, </a:t>
-            </a:r>
-            <a:r>
-              <a:rPr lang="en-US" sz="1200" dirty="0" err="1" smtClean="0">
-                <a:latin typeface="Cordia New" pitchFamily="34" charset="-34"/>
-                <a:cs typeface="Cordia New" pitchFamily="34" charset="-34"/>
-              </a:rPr>
-              <a:t>printLine</a:t>
-            </a:r>
-            <a:r>
-              <a:rPr lang="en-US" sz="1200" dirty="0" smtClean="0">
-                <a:latin typeface="Cordia New" pitchFamily="34" charset="-34"/>
-                <a:cs typeface="Cordia New" pitchFamily="34" charset="-34"/>
-              </a:rPr>
-              <a:t>);</a:t>
-            </a:r>
-          </a:p>
-          <a:p>
-            <a:endParaRPr lang="en-US" sz="1200" dirty="0">
-              <a:latin typeface="Cordia New" pitchFamily="34" charset="-34"/>
-              <a:cs typeface="Cordia New" pitchFamily="34" charset="-34"/>
-            </a:endParaRPr>
-          </a:p>
-          <a:p>
-            <a:r>
-              <a:rPr lang="en-US" sz="1200" dirty="0">
-                <a:latin typeface="Cordia New" pitchFamily="34" charset="-34"/>
-                <a:cs typeface="Cordia New" pitchFamily="34" charset="-34"/>
-              </a:rPr>
-              <a:t>function </a:t>
-            </a:r>
-            <a:r>
-              <a:rPr lang="en-US" sz="1200" dirty="0" err="1">
-                <a:latin typeface="Cordia New" pitchFamily="34" charset="-34"/>
-                <a:cs typeface="Cordia New" pitchFamily="34" charset="-34"/>
-              </a:rPr>
-              <a:t>readLines</a:t>
-            </a:r>
-            <a:r>
-              <a:rPr lang="en-US" sz="1200" dirty="0">
-                <a:latin typeface="Cordia New" pitchFamily="34" charset="-34"/>
-                <a:cs typeface="Cordia New" pitchFamily="34" charset="-34"/>
-              </a:rPr>
-              <a:t>(</a:t>
-            </a:r>
-            <a:r>
-              <a:rPr lang="en-US" sz="1200" dirty="0" err="1">
-                <a:latin typeface="Cordia New" pitchFamily="34" charset="-34"/>
-                <a:cs typeface="Cordia New" pitchFamily="34" charset="-34"/>
-              </a:rPr>
-              <a:t>inputReadStream</a:t>
-            </a:r>
-            <a:r>
-              <a:rPr lang="en-US" sz="1200" dirty="0">
-                <a:latin typeface="Cordia New" pitchFamily="34" charset="-34"/>
-                <a:cs typeface="Cordia New" pitchFamily="34" charset="-34"/>
-              </a:rPr>
-              <a:t>, </a:t>
-            </a:r>
-            <a:r>
-              <a:rPr lang="en-US" sz="1200" dirty="0" err="1">
-                <a:latin typeface="Cordia New" pitchFamily="34" charset="-34"/>
-                <a:cs typeface="Cordia New" pitchFamily="34" charset="-34"/>
-              </a:rPr>
-              <a:t>printLine</a:t>
-            </a:r>
-            <a:r>
-              <a:rPr lang="en-US" sz="1200" dirty="0">
-                <a:latin typeface="Cordia New" pitchFamily="34" charset="-34"/>
-                <a:cs typeface="Cordia New" pitchFamily="34" charset="-34"/>
-              </a:rPr>
-              <a:t>) {		// Declare our function to print out the lines of a file</a:t>
-            </a:r>
-          </a:p>
-          <a:p>
-            <a:r>
-              <a:rPr lang="en-US" sz="1200" dirty="0">
-                <a:latin typeface="Cordia New" pitchFamily="34" charset="-34"/>
-                <a:cs typeface="Cordia New" pitchFamily="34" charset="-34"/>
-              </a:rPr>
-              <a:t>    </a:t>
-            </a:r>
-            <a:r>
-              <a:rPr lang="en-US" sz="1200" dirty="0" err="1">
-                <a:latin typeface="Cordia New" pitchFamily="34" charset="-34"/>
-                <a:cs typeface="Cordia New" pitchFamily="34" charset="-34"/>
-              </a:rPr>
-              <a:t>var</a:t>
-            </a:r>
-            <a:r>
-              <a:rPr lang="en-US" sz="1200" dirty="0">
-                <a:latin typeface="Cordia New" pitchFamily="34" charset="-34"/>
-                <a:cs typeface="Cordia New" pitchFamily="34" charset="-34"/>
-              </a:rPr>
-              <a:t> remaining = '';</a:t>
-            </a:r>
-          </a:p>
-          <a:p>
-            <a:r>
-              <a:rPr lang="en-US" sz="1200" dirty="0">
-                <a:latin typeface="Cordia New" pitchFamily="34" charset="-34"/>
-                <a:cs typeface="Cordia New" pitchFamily="34" charset="-34"/>
-              </a:rPr>
-              <a:t>    </a:t>
-            </a:r>
-            <a:r>
-              <a:rPr lang="en-US" sz="1200" dirty="0" err="1">
-                <a:latin typeface="Cordia New" pitchFamily="34" charset="-34"/>
-                <a:cs typeface="Cordia New" pitchFamily="34" charset="-34"/>
-              </a:rPr>
-              <a:t>inputReadStream.on</a:t>
-            </a:r>
-            <a:r>
-              <a:rPr lang="en-US" sz="1200" dirty="0">
-                <a:latin typeface="Cordia New" pitchFamily="34" charset="-34"/>
-                <a:cs typeface="Cordia New" pitchFamily="34" charset="-34"/>
-              </a:rPr>
-              <a:t>('data', function(data) {		// We got some data from the file!</a:t>
-            </a:r>
-          </a:p>
-          <a:p>
-            <a:r>
-              <a:rPr lang="en-US" sz="1200" dirty="0">
-                <a:latin typeface="Cordia New" pitchFamily="34" charset="-34"/>
-                <a:cs typeface="Cordia New" pitchFamily="34" charset="-34"/>
-              </a:rPr>
-              <a:t>        remaining += data;			// Grab the entire file into a single line (note: + is add and concatenate)</a:t>
-            </a:r>
-          </a:p>
-          <a:p>
-            <a:r>
-              <a:rPr lang="en-US" sz="1200" dirty="0">
-                <a:latin typeface="Cordia New" pitchFamily="34" charset="-34"/>
-                <a:cs typeface="Cordia New" pitchFamily="34" charset="-34"/>
-              </a:rPr>
-              <a:t>        </a:t>
-            </a:r>
-            <a:r>
-              <a:rPr lang="en-US" sz="1200" dirty="0" err="1">
-                <a:latin typeface="Cordia New" pitchFamily="34" charset="-34"/>
-                <a:cs typeface="Cordia New" pitchFamily="34" charset="-34"/>
-              </a:rPr>
-              <a:t>var</a:t>
-            </a:r>
-            <a:r>
-              <a:rPr lang="en-US" sz="1200" dirty="0">
-                <a:latin typeface="Cordia New" pitchFamily="34" charset="-34"/>
-                <a:cs typeface="Cordia New" pitchFamily="34" charset="-34"/>
-              </a:rPr>
-              <a:t> </a:t>
-            </a:r>
-            <a:r>
-              <a:rPr lang="en-US" sz="1200" dirty="0" err="1">
-                <a:latin typeface="Cordia New" pitchFamily="34" charset="-34"/>
-                <a:cs typeface="Cordia New" pitchFamily="34" charset="-34"/>
-              </a:rPr>
-              <a:t>newLineIndex</a:t>
-            </a:r>
-            <a:r>
-              <a:rPr lang="en-US" sz="1200" dirty="0">
-                <a:latin typeface="Cordia New" pitchFamily="34" charset="-34"/>
-                <a:cs typeface="Cordia New" pitchFamily="34" charset="-34"/>
-              </a:rPr>
-              <a:t> = </a:t>
-            </a:r>
-            <a:r>
-              <a:rPr lang="en-US" sz="1200" dirty="0" err="1">
-                <a:latin typeface="Cordia New" pitchFamily="34" charset="-34"/>
-                <a:cs typeface="Cordia New" pitchFamily="34" charset="-34"/>
-              </a:rPr>
-              <a:t>remaining.indexOf</a:t>
-            </a:r>
-            <a:r>
-              <a:rPr lang="en-US" sz="1200" dirty="0">
-                <a:latin typeface="Cordia New" pitchFamily="34" charset="-34"/>
-                <a:cs typeface="Cordia New" pitchFamily="34" charset="-34"/>
-              </a:rPr>
-              <a:t>('\n');		// Find the index of the first newline</a:t>
-            </a:r>
-          </a:p>
-          <a:p>
-            <a:r>
-              <a:rPr lang="en-US" sz="1200" dirty="0">
-                <a:latin typeface="Cordia New" pitchFamily="34" charset="-34"/>
-                <a:cs typeface="Cordia New" pitchFamily="34" charset="-34"/>
-              </a:rPr>
-              <a:t>        while (</a:t>
-            </a:r>
-            <a:r>
-              <a:rPr lang="en-US" sz="1200" dirty="0" err="1">
-                <a:latin typeface="Cordia New" pitchFamily="34" charset="-34"/>
-                <a:cs typeface="Cordia New" pitchFamily="34" charset="-34"/>
-              </a:rPr>
-              <a:t>newLineIndex</a:t>
-            </a:r>
-            <a:r>
-              <a:rPr lang="en-US" sz="1200" dirty="0">
-                <a:latin typeface="Cordia New" pitchFamily="34" charset="-34"/>
-                <a:cs typeface="Cordia New" pitchFamily="34" charset="-34"/>
-              </a:rPr>
-              <a:t> &gt; -1) {			// While there's a newline still coming</a:t>
-            </a:r>
-          </a:p>
-          <a:p>
-            <a:r>
-              <a:rPr lang="en-US" sz="1200" dirty="0">
-                <a:latin typeface="Cordia New" pitchFamily="34" charset="-34"/>
-                <a:cs typeface="Cordia New" pitchFamily="34" charset="-34"/>
-              </a:rPr>
-              <a:t>           </a:t>
-            </a:r>
-            <a:r>
-              <a:rPr lang="en-US" sz="1200" dirty="0" err="1">
-                <a:latin typeface="Cordia New" pitchFamily="34" charset="-34"/>
-                <a:cs typeface="Cordia New" pitchFamily="34" charset="-34"/>
-              </a:rPr>
-              <a:t>var</a:t>
-            </a:r>
-            <a:r>
-              <a:rPr lang="en-US" sz="1200" dirty="0">
-                <a:latin typeface="Cordia New" pitchFamily="34" charset="-34"/>
-                <a:cs typeface="Cordia New" pitchFamily="34" charset="-34"/>
-              </a:rPr>
-              <a:t> line = </a:t>
-            </a:r>
-            <a:r>
-              <a:rPr lang="en-US" sz="1200" dirty="0" err="1">
-                <a:latin typeface="Cordia New" pitchFamily="34" charset="-34"/>
-                <a:cs typeface="Cordia New" pitchFamily="34" charset="-34"/>
-              </a:rPr>
-              <a:t>remaining.substring</a:t>
-            </a:r>
-            <a:r>
-              <a:rPr lang="en-US" sz="1200" dirty="0">
-                <a:latin typeface="Cordia New" pitchFamily="34" charset="-34"/>
-                <a:cs typeface="Cordia New" pitchFamily="34" charset="-34"/>
-              </a:rPr>
-              <a:t>(0, </a:t>
-            </a:r>
-            <a:r>
-              <a:rPr lang="en-US" sz="1200" dirty="0" err="1">
-                <a:latin typeface="Cordia New" pitchFamily="34" charset="-34"/>
-                <a:cs typeface="Cordia New" pitchFamily="34" charset="-34"/>
-              </a:rPr>
-              <a:t>newLineIndex</a:t>
-            </a:r>
-            <a:r>
-              <a:rPr lang="en-US" sz="1200" dirty="0">
-                <a:latin typeface="Cordia New" pitchFamily="34" charset="-34"/>
-                <a:cs typeface="Cordia New" pitchFamily="34" charset="-34"/>
-              </a:rPr>
-              <a:t> );		// Grab </a:t>
-            </a:r>
-            <a:r>
-              <a:rPr lang="en-US" sz="1200" dirty="0" smtClean="0">
-                <a:latin typeface="Cordia New" pitchFamily="34" charset="-34"/>
-                <a:cs typeface="Cordia New" pitchFamily="34" charset="-34"/>
-              </a:rPr>
-              <a:t>until </a:t>
-            </a:r>
-            <a:r>
-              <a:rPr lang="en-US" sz="1200" dirty="0">
-                <a:latin typeface="Cordia New" pitchFamily="34" charset="-34"/>
-                <a:cs typeface="Cordia New" pitchFamily="34" charset="-34"/>
-              </a:rPr>
-              <a:t>the newline and </a:t>
-            </a:r>
-            <a:r>
-              <a:rPr lang="en-US" sz="1200" dirty="0" smtClean="0">
-                <a:latin typeface="Cordia New" pitchFamily="34" charset="-34"/>
-                <a:cs typeface="Cordia New" pitchFamily="34" charset="-34"/>
-              </a:rPr>
-              <a:t>print</a:t>
-            </a:r>
-            <a:endParaRPr lang="en-US" sz="1200" dirty="0">
-              <a:latin typeface="Cordia New" pitchFamily="34" charset="-34"/>
-              <a:cs typeface="Cordia New" pitchFamily="34" charset="-34"/>
-            </a:endParaRPr>
-          </a:p>
-          <a:p>
-            <a:r>
-              <a:rPr lang="en-US" sz="1200" dirty="0">
-                <a:latin typeface="Cordia New" pitchFamily="34" charset="-34"/>
-                <a:cs typeface="Cordia New" pitchFamily="34" charset="-34"/>
-              </a:rPr>
-              <a:t>           remaining = </a:t>
-            </a:r>
-            <a:r>
-              <a:rPr lang="en-US" sz="1200" dirty="0" err="1">
-                <a:latin typeface="Cordia New" pitchFamily="34" charset="-34"/>
-                <a:cs typeface="Cordia New" pitchFamily="34" charset="-34"/>
-              </a:rPr>
-              <a:t>remaining.substring</a:t>
-            </a:r>
-            <a:r>
-              <a:rPr lang="en-US" sz="1200" dirty="0">
-                <a:latin typeface="Cordia New" pitchFamily="34" charset="-34"/>
-                <a:cs typeface="Cordia New" pitchFamily="34" charset="-34"/>
-              </a:rPr>
-              <a:t>(</a:t>
-            </a:r>
-            <a:r>
-              <a:rPr lang="en-US" sz="1200" dirty="0" err="1">
-                <a:latin typeface="Cordia New" pitchFamily="34" charset="-34"/>
-                <a:cs typeface="Cordia New" pitchFamily="34" charset="-34"/>
-              </a:rPr>
-              <a:t>newLineIndex</a:t>
-            </a:r>
-            <a:r>
-              <a:rPr lang="en-US" sz="1200" dirty="0">
-                <a:latin typeface="Cordia New" pitchFamily="34" charset="-34"/>
-                <a:cs typeface="Cordia New" pitchFamily="34" charset="-34"/>
-              </a:rPr>
-              <a:t> + 1);		// Throw out the line we just grabbed, start after the newline</a:t>
-            </a:r>
-          </a:p>
-          <a:p>
-            <a:r>
-              <a:rPr lang="en-US" sz="1200" dirty="0">
-                <a:latin typeface="Cordia New" pitchFamily="34" charset="-34"/>
-                <a:cs typeface="Cordia New" pitchFamily="34" charset="-34"/>
-              </a:rPr>
-              <a:t>           </a:t>
-            </a:r>
-            <a:r>
-              <a:rPr lang="en-US" sz="1200" dirty="0" err="1">
-                <a:latin typeface="Cordia New" pitchFamily="34" charset="-34"/>
-                <a:cs typeface="Cordia New" pitchFamily="34" charset="-34"/>
-              </a:rPr>
-              <a:t>printLine</a:t>
-            </a:r>
-            <a:r>
-              <a:rPr lang="en-US" sz="1200" dirty="0">
-                <a:latin typeface="Cordia New" pitchFamily="34" charset="-34"/>
-                <a:cs typeface="Cordia New" pitchFamily="34" charset="-34"/>
-              </a:rPr>
-              <a:t>(line);			// Print the line we grabbed</a:t>
-            </a:r>
-          </a:p>
-          <a:p>
-            <a:r>
-              <a:rPr lang="en-US" sz="1200" dirty="0">
-                <a:latin typeface="Cordia New" pitchFamily="34" charset="-34"/>
-                <a:cs typeface="Cordia New" pitchFamily="34" charset="-34"/>
-              </a:rPr>
-              <a:t>           </a:t>
-            </a:r>
-            <a:r>
-              <a:rPr lang="en-US" sz="1200" dirty="0" err="1">
-                <a:latin typeface="Cordia New" pitchFamily="34" charset="-34"/>
-                <a:cs typeface="Cordia New" pitchFamily="34" charset="-34"/>
-              </a:rPr>
-              <a:t>newLineIndex</a:t>
-            </a:r>
-            <a:r>
-              <a:rPr lang="en-US" sz="1200" dirty="0">
-                <a:latin typeface="Cordia New" pitchFamily="34" charset="-34"/>
-                <a:cs typeface="Cordia New" pitchFamily="34" charset="-34"/>
-              </a:rPr>
-              <a:t> = </a:t>
-            </a:r>
-            <a:r>
-              <a:rPr lang="en-US" sz="1200" dirty="0" err="1">
-                <a:latin typeface="Cordia New" pitchFamily="34" charset="-34"/>
-                <a:cs typeface="Cordia New" pitchFamily="34" charset="-34"/>
-              </a:rPr>
-              <a:t>remaining.indexOf</a:t>
-            </a:r>
-            <a:r>
-              <a:rPr lang="en-US" sz="1200" dirty="0">
-                <a:latin typeface="Cordia New" pitchFamily="34" charset="-34"/>
-                <a:cs typeface="Cordia New" pitchFamily="34" charset="-34"/>
-              </a:rPr>
-              <a:t>('\n');		// Find the next newline</a:t>
-            </a:r>
-          </a:p>
-          <a:p>
-            <a:r>
-              <a:rPr lang="en-US" sz="1200" dirty="0">
-                <a:latin typeface="Cordia New" pitchFamily="34" charset="-34"/>
-                <a:cs typeface="Cordia New" pitchFamily="34" charset="-34"/>
-              </a:rPr>
-              <a:t>       }</a:t>
-            </a:r>
-          </a:p>
-          <a:p>
-            <a:r>
-              <a:rPr lang="en-US" sz="1200" dirty="0">
-                <a:latin typeface="Cordia New" pitchFamily="34" charset="-34"/>
-                <a:cs typeface="Cordia New" pitchFamily="34" charset="-34"/>
-              </a:rPr>
-              <a:t>    });</a:t>
-            </a:r>
-          </a:p>
-          <a:p>
-            <a:r>
-              <a:rPr lang="en-US" sz="1200" dirty="0">
-                <a:latin typeface="Cordia New" pitchFamily="34" charset="-34"/>
-                <a:cs typeface="Cordia New" pitchFamily="34" charset="-34"/>
-              </a:rPr>
-              <a:t>    </a:t>
-            </a:r>
-            <a:r>
-              <a:rPr lang="en-US" sz="1200" dirty="0" err="1">
-                <a:latin typeface="Cordia New" pitchFamily="34" charset="-34"/>
-                <a:cs typeface="Cordia New" pitchFamily="34" charset="-34"/>
-              </a:rPr>
-              <a:t>inputReadStream.on</a:t>
-            </a:r>
-            <a:r>
-              <a:rPr lang="en-US" sz="1200" dirty="0">
-                <a:latin typeface="Cordia New" pitchFamily="34" charset="-34"/>
-                <a:cs typeface="Cordia New" pitchFamily="34" charset="-34"/>
-              </a:rPr>
-              <a:t>('end', function() {</a:t>
-            </a:r>
-          </a:p>
-          <a:p>
-            <a:r>
-              <a:rPr lang="en-US" sz="1200" dirty="0">
-                <a:latin typeface="Cordia New" pitchFamily="34" charset="-34"/>
-                <a:cs typeface="Cordia New" pitchFamily="34" charset="-34"/>
-              </a:rPr>
-              <a:t>        if (</a:t>
-            </a:r>
-            <a:r>
-              <a:rPr lang="en-US" sz="1200" dirty="0" err="1">
-                <a:latin typeface="Cordia New" pitchFamily="34" charset="-34"/>
-                <a:cs typeface="Cordia New" pitchFamily="34" charset="-34"/>
-              </a:rPr>
-              <a:t>remaining.length</a:t>
-            </a:r>
-            <a:r>
-              <a:rPr lang="en-US" sz="1200" dirty="0">
-                <a:latin typeface="Cordia New" pitchFamily="34" charset="-34"/>
-                <a:cs typeface="Cordia New" pitchFamily="34" charset="-34"/>
-              </a:rPr>
-              <a:t> &gt; 0) { </a:t>
-            </a:r>
-            <a:r>
-              <a:rPr lang="en-US" sz="1200" dirty="0" err="1">
-                <a:latin typeface="Cordia New" pitchFamily="34" charset="-34"/>
-                <a:cs typeface="Cordia New" pitchFamily="34" charset="-34"/>
-              </a:rPr>
-              <a:t>printLine</a:t>
-            </a:r>
-            <a:r>
-              <a:rPr lang="en-US" sz="1200" dirty="0">
-                <a:latin typeface="Cordia New" pitchFamily="34" charset="-34"/>
-                <a:cs typeface="Cordia New" pitchFamily="34" charset="-34"/>
-              </a:rPr>
-              <a:t>(remaining); }</a:t>
-            </a:r>
-          </a:p>
-          <a:p>
-            <a:r>
-              <a:rPr lang="en-US" sz="1200" dirty="0">
-                <a:latin typeface="Cordia New" pitchFamily="34" charset="-34"/>
-                <a:cs typeface="Cordia New" pitchFamily="34" charset="-34"/>
-              </a:rPr>
-              <a:t>    });</a:t>
-            </a:r>
-          </a:p>
-          <a:p>
-            <a:r>
-              <a:rPr lang="en-US" sz="1200" dirty="0">
-                <a:latin typeface="Cordia New" pitchFamily="34" charset="-34"/>
-                <a:cs typeface="Cordia New" pitchFamily="34" charset="-34"/>
-              </a:rPr>
-              <a:t>}</a:t>
-            </a:r>
-          </a:p>
-          <a:p>
-            <a:endParaRPr lang="en-US" sz="1200" dirty="0" smtClean="0">
-              <a:latin typeface="Cordia New" pitchFamily="34" charset="-34"/>
-              <a:cs typeface="Cordia New" pitchFamily="34" charset="-34"/>
-            </a:endParaRPr>
-          </a:p>
-          <a:p>
-            <a:r>
-              <a:rPr lang="en-US" sz="1200" dirty="0">
-                <a:latin typeface="Cordia New" pitchFamily="34" charset="-34"/>
-                <a:cs typeface="Cordia New" pitchFamily="34" charset="-34"/>
-              </a:rPr>
-              <a:t>function </a:t>
-            </a:r>
-            <a:r>
-              <a:rPr lang="en-US" sz="1200" dirty="0" err="1">
-                <a:latin typeface="Cordia New" pitchFamily="34" charset="-34"/>
-                <a:cs typeface="Cordia New" pitchFamily="34" charset="-34"/>
-              </a:rPr>
-              <a:t>printLine</a:t>
-            </a:r>
-            <a:r>
-              <a:rPr lang="en-US" sz="1200" dirty="0">
-                <a:latin typeface="Cordia New" pitchFamily="34" charset="-34"/>
-                <a:cs typeface="Cordia New" pitchFamily="34" charset="-34"/>
-              </a:rPr>
-              <a:t>(data) {</a:t>
-            </a:r>
-          </a:p>
-          <a:p>
-            <a:r>
-              <a:rPr lang="en-US" sz="1200" dirty="0">
-                <a:latin typeface="Cordia New" pitchFamily="34" charset="-34"/>
-                <a:cs typeface="Cordia New" pitchFamily="34" charset="-34"/>
-              </a:rPr>
-              <a:t>    console.log('Line: ' + data);</a:t>
-            </a:r>
-          </a:p>
-          <a:p>
-            <a:r>
-              <a:rPr lang="en-US" sz="1200" dirty="0" smtClean="0">
-                <a:latin typeface="Cordia New" pitchFamily="34" charset="-34"/>
-                <a:cs typeface="Cordia New" pitchFamily="34" charset="-34"/>
-              </a:rPr>
-              <a:t>}</a:t>
-            </a:r>
-            <a:endParaRPr lang="en-US" sz="1200" dirty="0">
-              <a:latin typeface="Cordia New" pitchFamily="34" charset="-34"/>
-              <a:cs typeface="Cordia New" pitchFamily="34" charset="-34"/>
-            </a:endParaRPr>
+              <a:rPr lang="en-US" dirty="0" err="1" smtClean="0"/>
+              <a:t>myModule</a:t>
+            </a:r>
+            <a:r>
+              <a:rPr lang="en-US" dirty="0" smtClean="0"/>
+              <a:t> = require(‘</a:t>
+            </a:r>
+            <a:r>
+              <a:rPr lang="en-US" dirty="0" err="1" smtClean="0"/>
+              <a:t>someModule</a:t>
+            </a:r>
+            <a:r>
+              <a:rPr lang="en-US" dirty="0" smtClean="0"/>
+              <a:t>’);”</a:t>
+            </a:r>
+          </a:p>
+          <a:p>
+            <a:r>
+              <a:rPr lang="en-US" dirty="0" smtClean="0"/>
+              <a:t>Solves the problem of having multiple classes in JavaScript (by allowing you to put things in multiple files)</a:t>
+            </a:r>
+            <a:endParaRPr lang="en-US" dirty="0"/>
           </a:p>
         </p:txBody>
       </p:sp>
     </p:spTree>
     <p:extLst>
       <p:ext uri="{BB962C8B-B14F-4D97-AF65-F5344CB8AC3E}">
-        <p14:creationId xmlns:p14="http://schemas.microsoft.com/office/powerpoint/2010/main" val="3283291423"/>
+        <p14:creationId xmlns:p14="http://schemas.microsoft.com/office/powerpoint/2010/main" val="2340034774"/>
       </p:ext>
     </p:extLst>
   </p:cSld>
@@ -4531,7 +3922,7 @@
           <a:p>
             <a:r>
               <a:rPr lang="en-US" dirty="0" smtClean="0"/>
-              <a:t>Making your own module</a:t>
+              <a:t>Example – File System module</a:t>
             </a:r>
             <a:endParaRPr lang="en-US" dirty="0"/>
           </a:p>
@@ -4539,47 +3930,18 @@
       </p:sp>
       <p:sp>
         <p:nvSpPr>
-          <p:cNvPr id="3" name="Content Placeholder 2"/>
-          <p:cNvSpPr>
-            <a:spLocks noGrp="1"/>
-          </p:cNvSpPr>
-          <p:nvPr>
-            <p:ph sz="quarter" idx="1"/>
-          </p:nvPr>
-        </p:nvSpPr>
-        <p:spPr/>
-        <p:txBody>
-          <a:bodyPr/>
-          <a:lstStyle/>
-          <a:p>
-            <a:r>
-              <a:rPr lang="en-US" dirty="0" smtClean="0"/>
-              <a:t>A variable named ‘exports’ is passed into scope when the file is loaded for the require() call</a:t>
-            </a:r>
-          </a:p>
-          <a:p>
-            <a:r>
-              <a:rPr lang="en-US" dirty="0" smtClean="0"/>
-              <a:t>exports can be given any substructure you want</a:t>
-            </a:r>
-          </a:p>
-        </p:txBody>
-      </p:sp>
-      <p:sp>
-        <p:nvSpPr>
-          <p:cNvPr id="4" name="TextBox 3"/>
-          <p:cNvSpPr txBox="1"/>
+          <p:cNvPr id="8" name="Rectangle 7"/>
+          <p:cNvSpPr/>
           <p:nvPr/>
         </p:nvSpPr>
         <p:spPr>
           <a:xfrm>
-            <a:off x="533400" y="3399749"/>
-            <a:ext cx="3886200" cy="1754326"/>
+            <a:off x="1066800" y="1600200"/>
+            <a:ext cx="7010400" cy="4893647"/>
           </a:xfrm>
           <a:prstGeom prst="rect">
             <a:avLst/>
           </a:prstGeom>
-          <a:noFill/>
           <a:ln>
             <a:solidFill>
               <a:schemeClr val="accent1"/>
@@ -4587,305 +3949,674 @@
           </a:ln>
         </p:spPr>
         <p:txBody>
-          <a:bodyPr wrap="square" rtlCol="0">
+          <a:bodyPr wrap="square">
             <a:spAutoFit/>
           </a:bodyPr>
           <a:lstStyle/>
           <a:p>
-            <a:pPr algn="ctr"/>
-            <a:r>
-              <a:rPr lang="en-US" u="sng" dirty="0" smtClean="0">
-                <a:latin typeface="Cordia New" pitchFamily="34" charset="-34"/>
-                <a:cs typeface="Cordia New" pitchFamily="34" charset="-34"/>
-              </a:rPr>
-              <a:t>First File (myModuleName.js)</a:t>
-            </a:r>
-          </a:p>
-          <a:p>
-            <a:r>
-              <a:rPr lang="en-US" dirty="0" err="1">
+            <a:r>
+              <a:rPr lang="en-US" sz="1200" dirty="0" err="1" smtClean="0">
                 <a:latin typeface="Cordia New" pitchFamily="34" charset="-34"/>
                 <a:cs typeface="Cordia New" pitchFamily="34" charset="-34"/>
               </a:rPr>
               <a:t>var</a:t>
             </a:r>
             <a:r>
-              <a:rPr lang="en-US" dirty="0">
+              <a:rPr lang="en-US" sz="1200" dirty="0" smtClean="0">
                 <a:latin typeface="Cordia New" pitchFamily="34" charset="-34"/>
                 <a:cs typeface="Cordia New" pitchFamily="34" charset="-34"/>
               </a:rPr>
               <a:t> </a:t>
             </a:r>
             <a:r>
-              <a:rPr lang="en-US" dirty="0" err="1" smtClean="0">
-                <a:latin typeface="Cordia New" pitchFamily="34" charset="-34"/>
-                <a:cs typeface="Cordia New" pitchFamily="34" charset="-34"/>
-              </a:rPr>
-              <a:t>myModuleName</a:t>
-            </a:r>
-            <a:r>
-              <a:rPr lang="en-US" dirty="0" smtClean="0">
-                <a:latin typeface="Cordia New" pitchFamily="34" charset="-34"/>
-                <a:cs typeface="Cordia New" pitchFamily="34" charset="-34"/>
-              </a:rPr>
-              <a:t>= </a:t>
-            </a:r>
-            <a:r>
-              <a:rPr lang="en-US" dirty="0">
-                <a:latin typeface="Cordia New" pitchFamily="34" charset="-34"/>
-                <a:cs typeface="Cordia New" pitchFamily="34" charset="-34"/>
-              </a:rPr>
-              <a:t>exports</a:t>
-            </a:r>
-            <a:r>
-              <a:rPr lang="en-US" dirty="0" smtClean="0">
-                <a:latin typeface="Cordia New" pitchFamily="34" charset="-34"/>
-                <a:cs typeface="Cordia New" pitchFamily="34" charset="-34"/>
-              </a:rPr>
-              <a:t>;</a:t>
-            </a:r>
-          </a:p>
-          <a:p>
-            <a:r>
-              <a:rPr lang="en-US" dirty="0" err="1" smtClean="0">
-                <a:latin typeface="Cordia New" pitchFamily="34" charset="-34"/>
-                <a:cs typeface="Cordia New" pitchFamily="34" charset="-34"/>
-              </a:rPr>
-              <a:t>myModuleName.printHello</a:t>
-            </a:r>
-            <a:r>
-              <a:rPr lang="en-US" dirty="0" smtClean="0">
-                <a:latin typeface="Cordia New" pitchFamily="34" charset="-34"/>
-                <a:cs typeface="Cordia New" pitchFamily="34" charset="-34"/>
-              </a:rPr>
-              <a:t> = function() { </a:t>
-            </a:r>
-          </a:p>
-          <a:p>
-            <a:r>
-              <a:rPr lang="en-US" dirty="0">
+              <a:rPr lang="en-US" sz="1200" dirty="0" err="1" smtClean="0">
+                <a:latin typeface="Cordia New" pitchFamily="34" charset="-34"/>
+                <a:cs typeface="Cordia New" pitchFamily="34" charset="-34"/>
+              </a:rPr>
+              <a:t>fs</a:t>
+            </a:r>
+            <a:r>
+              <a:rPr lang="en-US" sz="1200" dirty="0" smtClean="0">
+                <a:latin typeface="Cordia New" pitchFamily="34" charset="-34"/>
+                <a:cs typeface="Cordia New" pitchFamily="34" charset="-34"/>
+              </a:rPr>
+              <a:t> = require('</a:t>
+            </a:r>
+            <a:r>
+              <a:rPr lang="en-US" sz="1200" dirty="0" err="1" smtClean="0">
+                <a:latin typeface="Cordia New" pitchFamily="34" charset="-34"/>
+                <a:cs typeface="Cordia New" pitchFamily="34" charset="-34"/>
+              </a:rPr>
+              <a:t>fs</a:t>
+            </a:r>
+            <a:r>
+              <a:rPr lang="en-US" sz="1200" dirty="0" smtClean="0">
+                <a:latin typeface="Cordia New" pitchFamily="34" charset="-34"/>
+                <a:cs typeface="Cordia New" pitchFamily="34" charset="-34"/>
+              </a:rPr>
+              <a:t>');			</a:t>
+            </a:r>
+            <a:r>
+              <a:rPr lang="en-US" sz="1200" dirty="0">
                 <a:latin typeface="Cordia New" pitchFamily="34" charset="-34"/>
                 <a:cs typeface="Cordia New" pitchFamily="34" charset="-34"/>
               </a:rPr>
               <a:t> </a:t>
             </a:r>
             <a:r>
-              <a:rPr lang="en-US" dirty="0" smtClean="0">
-                <a:latin typeface="Cordia New" pitchFamily="34" charset="-34"/>
-                <a:cs typeface="Cordia New" pitchFamily="34" charset="-34"/>
-              </a:rPr>
-              <a:t>   console.log(‘Hello’</a:t>
-            </a:r>
-            <a:r>
-              <a:rPr lang="en-US" dirty="0" smtClean="0">
-                <a:latin typeface="Cordia New" pitchFamily="34" charset="-34"/>
-                <a:cs typeface="Cordia New" pitchFamily="34" charset="-34"/>
-              </a:rPr>
-              <a:t>);</a:t>
-            </a:r>
-          </a:p>
-          <a:p>
-            <a:r>
-              <a:rPr lang="en-US" dirty="0" smtClean="0">
-                <a:latin typeface="Cordia New" pitchFamily="34" charset="-34"/>
-                <a:cs typeface="Cordia New" pitchFamily="34" charset="-34"/>
-              </a:rPr>
-              <a:t>}</a:t>
-            </a:r>
-          </a:p>
-          <a:p>
-            <a:r>
-              <a:rPr lang="en-US" dirty="0" err="1" smtClean="0">
-                <a:latin typeface="Cordia New" pitchFamily="34" charset="-34"/>
-                <a:cs typeface="Cordia New" pitchFamily="34" charset="-34"/>
-              </a:rPr>
-              <a:t>myModuleName.someValue</a:t>
-            </a:r>
-            <a:r>
-              <a:rPr lang="en-US" dirty="0">
-                <a:latin typeface="Cordia New" pitchFamily="34" charset="-34"/>
-                <a:cs typeface="Cordia New" pitchFamily="34" charset="-34"/>
-              </a:rPr>
-              <a:t> </a:t>
-            </a:r>
-            <a:r>
-              <a:rPr lang="en-US" dirty="0" smtClean="0">
-                <a:latin typeface="Cordia New" pitchFamily="34" charset="-34"/>
-                <a:cs typeface="Cordia New" pitchFamily="34" charset="-34"/>
-              </a:rPr>
-              <a:t>= 510;</a:t>
-            </a:r>
-          </a:p>
-        </p:txBody>
-      </p:sp>
-      <p:sp>
-        <p:nvSpPr>
-          <p:cNvPr id="6" name="TextBox 5"/>
-          <p:cNvSpPr txBox="1"/>
-          <p:nvPr/>
-        </p:nvSpPr>
-        <p:spPr>
-          <a:xfrm>
-            <a:off x="4800600" y="3406676"/>
-            <a:ext cx="3886200" cy="1754326"/>
-          </a:xfrm>
-          <a:prstGeom prst="rect">
-            <a:avLst/>
-          </a:prstGeom>
-          <a:noFill/>
-          <a:ln>
-            <a:solidFill>
-              <a:schemeClr val="accent1"/>
-            </a:solidFill>
-          </a:ln>
-        </p:spPr>
-        <p:txBody>
-          <a:bodyPr wrap="square" rtlCol="0">
-            <a:spAutoFit/>
-          </a:bodyPr>
-          <a:lstStyle/>
-          <a:p>
-            <a:pPr algn="ctr"/>
-            <a:r>
-              <a:rPr lang="en-US" u="sng" dirty="0" smtClean="0">
-                <a:latin typeface="Cordia New" pitchFamily="34" charset="-34"/>
-                <a:cs typeface="Cordia New" pitchFamily="34" charset="-34"/>
-              </a:rPr>
-              <a:t>Second File (nodeModuleExample.js)</a:t>
-            </a:r>
-          </a:p>
-          <a:p>
-            <a:r>
-              <a:rPr lang="en-US" dirty="0" err="1" smtClean="0">
-                <a:latin typeface="Cordia New" pitchFamily="34" charset="-34"/>
-                <a:cs typeface="Cordia New" pitchFamily="34" charset="-34"/>
-              </a:rPr>
-              <a:t>var</a:t>
-            </a:r>
-            <a:r>
-              <a:rPr lang="en-US" dirty="0" smtClean="0">
-                <a:latin typeface="Cordia New" pitchFamily="34" charset="-34"/>
-                <a:cs typeface="Cordia New" pitchFamily="34" charset="-34"/>
-              </a:rPr>
-              <a:t> </a:t>
-            </a:r>
-            <a:r>
-              <a:rPr lang="en-US" dirty="0" err="1" smtClean="0">
-                <a:latin typeface="Cordia New" pitchFamily="34" charset="-34"/>
-                <a:cs typeface="Cordia New" pitchFamily="34" charset="-34"/>
-              </a:rPr>
-              <a:t>myModule</a:t>
-            </a:r>
-            <a:r>
-              <a:rPr lang="en-US" dirty="0">
-                <a:latin typeface="Cordia New" pitchFamily="34" charset="-34"/>
-                <a:cs typeface="Cordia New" pitchFamily="34" charset="-34"/>
-              </a:rPr>
-              <a:t> </a:t>
-            </a:r>
-            <a:r>
-              <a:rPr lang="en-US" dirty="0" smtClean="0">
-                <a:latin typeface="Cordia New" pitchFamily="34" charset="-34"/>
-                <a:cs typeface="Cordia New" pitchFamily="34" charset="-34"/>
-              </a:rPr>
-              <a:t>= require(./</a:t>
-            </a:r>
-            <a:r>
-              <a:rPr lang="en-US" dirty="0" err="1" smtClean="0">
-                <a:latin typeface="Cordia New" pitchFamily="34" charset="-34"/>
-                <a:cs typeface="Cordia New" pitchFamily="34" charset="-34"/>
-              </a:rPr>
-              <a:t>myModuleName</a:t>
-            </a:r>
-            <a:r>
-              <a:rPr lang="en-US" dirty="0" smtClean="0">
-                <a:latin typeface="Cordia New" pitchFamily="34" charset="-34"/>
-                <a:cs typeface="Cordia New" pitchFamily="34" charset="-34"/>
-              </a:rPr>
-              <a:t>);</a:t>
-            </a:r>
-          </a:p>
-          <a:p>
-            <a:r>
-              <a:rPr lang="en-US" dirty="0" err="1" smtClean="0">
-                <a:latin typeface="Cordia New" pitchFamily="34" charset="-34"/>
-                <a:cs typeface="Cordia New" pitchFamily="34" charset="-34"/>
-              </a:rPr>
-              <a:t>myModule.printHello</a:t>
-            </a:r>
-            <a:r>
-              <a:rPr lang="en-US" dirty="0" smtClean="0">
-                <a:latin typeface="Cordia New" pitchFamily="34" charset="-34"/>
-                <a:cs typeface="Cordia New" pitchFamily="34" charset="-34"/>
-              </a:rPr>
-              <a:t>(); 	// Prints hello</a:t>
-            </a:r>
-          </a:p>
-          <a:p>
-            <a:r>
-              <a:rPr lang="en-US" dirty="0" smtClean="0">
-                <a:latin typeface="Cordia New" pitchFamily="34" charset="-34"/>
-                <a:cs typeface="Cordia New" pitchFamily="34" charset="-34"/>
-              </a:rPr>
-              <a:t>console.log( </a:t>
-            </a:r>
-            <a:r>
-              <a:rPr lang="en-US" dirty="0" err="1" smtClean="0">
-                <a:latin typeface="Cordia New" pitchFamily="34" charset="-34"/>
-                <a:cs typeface="Cordia New" pitchFamily="34" charset="-34"/>
-              </a:rPr>
-              <a:t>myModule.someValue</a:t>
-            </a:r>
-            <a:r>
-              <a:rPr lang="en-US" dirty="0">
-                <a:latin typeface="Cordia New" pitchFamily="34" charset="-34"/>
-                <a:cs typeface="Cordia New" pitchFamily="34" charset="-34"/>
-              </a:rPr>
-              <a:t> </a:t>
-            </a:r>
-            <a:r>
-              <a:rPr lang="en-US" dirty="0" smtClean="0">
-                <a:latin typeface="Cordia New" pitchFamily="34" charset="-34"/>
-                <a:cs typeface="Cordia New" pitchFamily="34" charset="-34"/>
-              </a:rPr>
-              <a:t>);	// Prints 510</a:t>
-            </a:r>
-          </a:p>
-          <a:p>
-            <a:r>
-              <a:rPr lang="en-US" dirty="0" smtClean="0">
-                <a:latin typeface="Cordia New" pitchFamily="34" charset="-34"/>
-                <a:cs typeface="Cordia New" pitchFamily="34" charset="-34"/>
-              </a:rPr>
-              <a:t>console.log( </a:t>
-            </a:r>
-            <a:r>
-              <a:rPr lang="en-US" dirty="0" err="1" smtClean="0">
-                <a:latin typeface="Cordia New" pitchFamily="34" charset="-34"/>
-                <a:cs typeface="Cordia New" pitchFamily="34" charset="-34"/>
-              </a:rPr>
-              <a:t>myModule</a:t>
-            </a:r>
-            <a:r>
-              <a:rPr lang="en-US" dirty="0" smtClean="0">
-                <a:latin typeface="Cordia New" pitchFamily="34" charset="-34"/>
-                <a:cs typeface="Cordia New" pitchFamily="34" charset="-34"/>
-              </a:rPr>
-              <a:t> ); 	// Prints module structure</a:t>
-            </a:r>
-          </a:p>
-          <a:p>
-            <a:endParaRPr lang="en-US" dirty="0">
+              <a:rPr lang="en-US" sz="1200" dirty="0" smtClean="0">
+                <a:latin typeface="Cordia New" pitchFamily="34" charset="-34"/>
+                <a:cs typeface="Cordia New" pitchFamily="34" charset="-34"/>
+              </a:rPr>
+              <a:t>             	// "include" the file system module</a:t>
+            </a:r>
+          </a:p>
+          <a:p>
+            <a:endParaRPr lang="en-US" sz="1200" dirty="0" smtClean="0">
               <a:latin typeface="Cordia New" pitchFamily="34" charset="-34"/>
               <a:cs typeface="Cordia New" pitchFamily="34" charset="-34"/>
             </a:endParaRPr>
           </a:p>
+          <a:p>
+            <a:r>
+              <a:rPr lang="en-US" sz="1200" dirty="0" err="1" smtClean="0">
+                <a:latin typeface="Cordia New" pitchFamily="34" charset="-34"/>
+                <a:cs typeface="Cordia New" pitchFamily="34" charset="-34"/>
+              </a:rPr>
+              <a:t>var</a:t>
+            </a:r>
+            <a:r>
+              <a:rPr lang="en-US" sz="1200" dirty="0" smtClean="0">
+                <a:latin typeface="Cordia New" pitchFamily="34" charset="-34"/>
+                <a:cs typeface="Cordia New" pitchFamily="34" charset="-34"/>
+              </a:rPr>
+              <a:t> </a:t>
+            </a:r>
+            <a:r>
+              <a:rPr lang="en-US" sz="1200" dirty="0" err="1" smtClean="0">
+                <a:latin typeface="Cordia New" pitchFamily="34" charset="-34"/>
+                <a:cs typeface="Cordia New" pitchFamily="34" charset="-34"/>
+              </a:rPr>
+              <a:t>inputReadStream</a:t>
+            </a:r>
+            <a:r>
+              <a:rPr lang="en-US" sz="1200" dirty="0" smtClean="0">
+                <a:latin typeface="Cordia New" pitchFamily="34" charset="-34"/>
+                <a:cs typeface="Cordia New" pitchFamily="34" charset="-34"/>
+              </a:rPr>
+              <a:t> = </a:t>
+            </a:r>
+            <a:r>
+              <a:rPr lang="en-US" sz="1200" dirty="0" err="1" smtClean="0">
+                <a:latin typeface="Cordia New" pitchFamily="34" charset="-34"/>
+                <a:cs typeface="Cordia New" pitchFamily="34" charset="-34"/>
+              </a:rPr>
+              <a:t>fs.createReadStream</a:t>
+            </a:r>
+            <a:r>
+              <a:rPr lang="en-US" sz="1200" dirty="0" smtClean="0">
+                <a:latin typeface="Cordia New" pitchFamily="34" charset="-34"/>
+                <a:cs typeface="Cordia New" pitchFamily="34" charset="-34"/>
+              </a:rPr>
+              <a:t>('lines.txt');</a:t>
+            </a:r>
+          </a:p>
+          <a:p>
+            <a:r>
+              <a:rPr lang="en-US" sz="1200" dirty="0" err="1" smtClean="0">
+                <a:latin typeface="Cordia New" pitchFamily="34" charset="-34"/>
+                <a:cs typeface="Cordia New" pitchFamily="34" charset="-34"/>
+              </a:rPr>
+              <a:t>readLines</a:t>
+            </a:r>
+            <a:r>
+              <a:rPr lang="en-US" sz="1200" dirty="0" smtClean="0">
+                <a:latin typeface="Cordia New" pitchFamily="34" charset="-34"/>
+                <a:cs typeface="Cordia New" pitchFamily="34" charset="-34"/>
+              </a:rPr>
+              <a:t>(</a:t>
+            </a:r>
+            <a:r>
+              <a:rPr lang="en-US" sz="1200" dirty="0" err="1" smtClean="0">
+                <a:latin typeface="Cordia New" pitchFamily="34" charset="-34"/>
+                <a:cs typeface="Cordia New" pitchFamily="34" charset="-34"/>
+              </a:rPr>
+              <a:t>inputReadStream</a:t>
+            </a:r>
+            <a:r>
+              <a:rPr lang="en-US" sz="1200" dirty="0" smtClean="0">
+                <a:latin typeface="Cordia New" pitchFamily="34" charset="-34"/>
+                <a:cs typeface="Cordia New" pitchFamily="34" charset="-34"/>
+              </a:rPr>
+              <a:t>, </a:t>
+            </a:r>
+            <a:r>
+              <a:rPr lang="en-US" sz="1200" dirty="0" err="1" smtClean="0">
+                <a:latin typeface="Cordia New" pitchFamily="34" charset="-34"/>
+                <a:cs typeface="Cordia New" pitchFamily="34" charset="-34"/>
+              </a:rPr>
+              <a:t>printLine</a:t>
+            </a:r>
+            <a:r>
+              <a:rPr lang="en-US" sz="1200" dirty="0" smtClean="0">
+                <a:latin typeface="Cordia New" pitchFamily="34" charset="-34"/>
+                <a:cs typeface="Cordia New" pitchFamily="34" charset="-34"/>
+              </a:rPr>
+              <a:t>);</a:t>
+            </a:r>
+          </a:p>
+          <a:p>
+            <a:endParaRPr lang="en-US" sz="1200" dirty="0">
+              <a:latin typeface="Cordia New" pitchFamily="34" charset="-34"/>
+              <a:cs typeface="Cordia New" pitchFamily="34" charset="-34"/>
+            </a:endParaRPr>
+          </a:p>
+          <a:p>
+            <a:r>
+              <a:rPr lang="en-US" sz="1200" dirty="0">
+                <a:latin typeface="Cordia New" pitchFamily="34" charset="-34"/>
+                <a:cs typeface="Cordia New" pitchFamily="34" charset="-34"/>
+              </a:rPr>
+              <a:t>function </a:t>
+            </a:r>
+            <a:r>
+              <a:rPr lang="en-US" sz="1200" dirty="0" err="1">
+                <a:latin typeface="Cordia New" pitchFamily="34" charset="-34"/>
+                <a:cs typeface="Cordia New" pitchFamily="34" charset="-34"/>
+              </a:rPr>
+              <a:t>readLines</a:t>
+            </a:r>
+            <a:r>
+              <a:rPr lang="en-US" sz="1200" dirty="0">
+                <a:latin typeface="Cordia New" pitchFamily="34" charset="-34"/>
+                <a:cs typeface="Cordia New" pitchFamily="34" charset="-34"/>
+              </a:rPr>
+              <a:t>(</a:t>
+            </a:r>
+            <a:r>
+              <a:rPr lang="en-US" sz="1200" dirty="0" err="1">
+                <a:latin typeface="Cordia New" pitchFamily="34" charset="-34"/>
+                <a:cs typeface="Cordia New" pitchFamily="34" charset="-34"/>
+              </a:rPr>
+              <a:t>inputReadStream</a:t>
+            </a:r>
+            <a:r>
+              <a:rPr lang="en-US" sz="1200" dirty="0">
+                <a:latin typeface="Cordia New" pitchFamily="34" charset="-34"/>
+                <a:cs typeface="Cordia New" pitchFamily="34" charset="-34"/>
+              </a:rPr>
+              <a:t>, </a:t>
+            </a:r>
+            <a:r>
+              <a:rPr lang="en-US" sz="1200" dirty="0" err="1">
+                <a:latin typeface="Cordia New" pitchFamily="34" charset="-34"/>
+                <a:cs typeface="Cordia New" pitchFamily="34" charset="-34"/>
+              </a:rPr>
+              <a:t>printLine</a:t>
+            </a:r>
+            <a:r>
+              <a:rPr lang="en-US" sz="1200" dirty="0">
+                <a:latin typeface="Cordia New" pitchFamily="34" charset="-34"/>
+                <a:cs typeface="Cordia New" pitchFamily="34" charset="-34"/>
+              </a:rPr>
+              <a:t>) {		// Declare our function to print out the lines of a file</a:t>
+            </a:r>
+          </a:p>
+          <a:p>
+            <a:r>
+              <a:rPr lang="en-US" sz="1200" dirty="0">
+                <a:latin typeface="Cordia New" pitchFamily="34" charset="-34"/>
+                <a:cs typeface="Cordia New" pitchFamily="34" charset="-34"/>
+              </a:rPr>
+              <a:t>    </a:t>
+            </a:r>
+            <a:r>
+              <a:rPr lang="en-US" sz="1200" dirty="0" err="1">
+                <a:latin typeface="Cordia New" pitchFamily="34" charset="-34"/>
+                <a:cs typeface="Cordia New" pitchFamily="34" charset="-34"/>
+              </a:rPr>
+              <a:t>var</a:t>
+            </a:r>
+            <a:r>
+              <a:rPr lang="en-US" sz="1200" dirty="0">
+                <a:latin typeface="Cordia New" pitchFamily="34" charset="-34"/>
+                <a:cs typeface="Cordia New" pitchFamily="34" charset="-34"/>
+              </a:rPr>
+              <a:t> remaining = '';</a:t>
+            </a:r>
+          </a:p>
+          <a:p>
+            <a:r>
+              <a:rPr lang="en-US" sz="1200" dirty="0">
+                <a:latin typeface="Cordia New" pitchFamily="34" charset="-34"/>
+                <a:cs typeface="Cordia New" pitchFamily="34" charset="-34"/>
+              </a:rPr>
+              <a:t>    </a:t>
+            </a:r>
+            <a:r>
+              <a:rPr lang="en-US" sz="1200" dirty="0" err="1">
+                <a:latin typeface="Cordia New" pitchFamily="34" charset="-34"/>
+                <a:cs typeface="Cordia New" pitchFamily="34" charset="-34"/>
+              </a:rPr>
+              <a:t>inputReadStream.on</a:t>
+            </a:r>
+            <a:r>
+              <a:rPr lang="en-US" sz="1200" dirty="0">
+                <a:latin typeface="Cordia New" pitchFamily="34" charset="-34"/>
+                <a:cs typeface="Cordia New" pitchFamily="34" charset="-34"/>
+              </a:rPr>
+              <a:t>('data', function(data) {		// We got some data from the file!</a:t>
+            </a:r>
+          </a:p>
+          <a:p>
+            <a:r>
+              <a:rPr lang="en-US" sz="1200" dirty="0">
+                <a:latin typeface="Cordia New" pitchFamily="34" charset="-34"/>
+                <a:cs typeface="Cordia New" pitchFamily="34" charset="-34"/>
+              </a:rPr>
+              <a:t>        remaining += data;			// Grab the entire file into a single line (note: + is add and concatenate)</a:t>
+            </a:r>
+          </a:p>
+          <a:p>
+            <a:r>
+              <a:rPr lang="en-US" sz="1200" dirty="0">
+                <a:latin typeface="Cordia New" pitchFamily="34" charset="-34"/>
+                <a:cs typeface="Cordia New" pitchFamily="34" charset="-34"/>
+              </a:rPr>
+              <a:t>        </a:t>
+            </a:r>
+            <a:r>
+              <a:rPr lang="en-US" sz="1200" dirty="0" err="1">
+                <a:latin typeface="Cordia New" pitchFamily="34" charset="-34"/>
+                <a:cs typeface="Cordia New" pitchFamily="34" charset="-34"/>
+              </a:rPr>
+              <a:t>var</a:t>
+            </a:r>
+            <a:r>
+              <a:rPr lang="en-US" sz="1200" dirty="0">
+                <a:latin typeface="Cordia New" pitchFamily="34" charset="-34"/>
+                <a:cs typeface="Cordia New" pitchFamily="34" charset="-34"/>
+              </a:rPr>
+              <a:t> </a:t>
+            </a:r>
+            <a:r>
+              <a:rPr lang="en-US" sz="1200" dirty="0" err="1">
+                <a:latin typeface="Cordia New" pitchFamily="34" charset="-34"/>
+                <a:cs typeface="Cordia New" pitchFamily="34" charset="-34"/>
+              </a:rPr>
+              <a:t>newLineIndex</a:t>
+            </a:r>
+            <a:r>
+              <a:rPr lang="en-US" sz="1200" dirty="0">
+                <a:latin typeface="Cordia New" pitchFamily="34" charset="-34"/>
+                <a:cs typeface="Cordia New" pitchFamily="34" charset="-34"/>
+              </a:rPr>
+              <a:t> = </a:t>
+            </a:r>
+            <a:r>
+              <a:rPr lang="en-US" sz="1200" dirty="0" err="1">
+                <a:latin typeface="Cordia New" pitchFamily="34" charset="-34"/>
+                <a:cs typeface="Cordia New" pitchFamily="34" charset="-34"/>
+              </a:rPr>
+              <a:t>remaining.indexOf</a:t>
+            </a:r>
+            <a:r>
+              <a:rPr lang="en-US" sz="1200" dirty="0">
+                <a:latin typeface="Cordia New" pitchFamily="34" charset="-34"/>
+                <a:cs typeface="Cordia New" pitchFamily="34" charset="-34"/>
+              </a:rPr>
+              <a:t>('\n');		// Find the index of the first newline</a:t>
+            </a:r>
+          </a:p>
+          <a:p>
+            <a:r>
+              <a:rPr lang="en-US" sz="1200" dirty="0">
+                <a:latin typeface="Cordia New" pitchFamily="34" charset="-34"/>
+                <a:cs typeface="Cordia New" pitchFamily="34" charset="-34"/>
+              </a:rPr>
+              <a:t>        while (</a:t>
+            </a:r>
+            <a:r>
+              <a:rPr lang="en-US" sz="1200" dirty="0" err="1">
+                <a:latin typeface="Cordia New" pitchFamily="34" charset="-34"/>
+                <a:cs typeface="Cordia New" pitchFamily="34" charset="-34"/>
+              </a:rPr>
+              <a:t>newLineIndex</a:t>
+            </a:r>
+            <a:r>
+              <a:rPr lang="en-US" sz="1200" dirty="0">
+                <a:latin typeface="Cordia New" pitchFamily="34" charset="-34"/>
+                <a:cs typeface="Cordia New" pitchFamily="34" charset="-34"/>
+              </a:rPr>
+              <a:t> &gt; -1) {			// While there's a newline still coming</a:t>
+            </a:r>
+          </a:p>
+          <a:p>
+            <a:r>
+              <a:rPr lang="en-US" sz="1200" dirty="0">
+                <a:latin typeface="Cordia New" pitchFamily="34" charset="-34"/>
+                <a:cs typeface="Cordia New" pitchFamily="34" charset="-34"/>
+              </a:rPr>
+              <a:t>           </a:t>
+            </a:r>
+            <a:r>
+              <a:rPr lang="en-US" sz="1200" dirty="0" err="1">
+                <a:latin typeface="Cordia New" pitchFamily="34" charset="-34"/>
+                <a:cs typeface="Cordia New" pitchFamily="34" charset="-34"/>
+              </a:rPr>
+              <a:t>var</a:t>
+            </a:r>
+            <a:r>
+              <a:rPr lang="en-US" sz="1200" dirty="0">
+                <a:latin typeface="Cordia New" pitchFamily="34" charset="-34"/>
+                <a:cs typeface="Cordia New" pitchFamily="34" charset="-34"/>
+              </a:rPr>
+              <a:t> line = </a:t>
+            </a:r>
+            <a:r>
+              <a:rPr lang="en-US" sz="1200" dirty="0" err="1">
+                <a:latin typeface="Cordia New" pitchFamily="34" charset="-34"/>
+                <a:cs typeface="Cordia New" pitchFamily="34" charset="-34"/>
+              </a:rPr>
+              <a:t>remaining.substring</a:t>
+            </a:r>
+            <a:r>
+              <a:rPr lang="en-US" sz="1200" dirty="0">
+                <a:latin typeface="Cordia New" pitchFamily="34" charset="-34"/>
+                <a:cs typeface="Cordia New" pitchFamily="34" charset="-34"/>
+              </a:rPr>
+              <a:t>(0, </a:t>
+            </a:r>
+            <a:r>
+              <a:rPr lang="en-US" sz="1200" dirty="0" err="1">
+                <a:latin typeface="Cordia New" pitchFamily="34" charset="-34"/>
+                <a:cs typeface="Cordia New" pitchFamily="34" charset="-34"/>
+              </a:rPr>
+              <a:t>newLineIndex</a:t>
+            </a:r>
+            <a:r>
+              <a:rPr lang="en-US" sz="1200" dirty="0">
+                <a:latin typeface="Cordia New" pitchFamily="34" charset="-34"/>
+                <a:cs typeface="Cordia New" pitchFamily="34" charset="-34"/>
+              </a:rPr>
+              <a:t> );		// Grab </a:t>
+            </a:r>
+            <a:r>
+              <a:rPr lang="en-US" sz="1200" dirty="0" smtClean="0">
+                <a:latin typeface="Cordia New" pitchFamily="34" charset="-34"/>
+                <a:cs typeface="Cordia New" pitchFamily="34" charset="-34"/>
+              </a:rPr>
+              <a:t>until </a:t>
+            </a:r>
+            <a:r>
+              <a:rPr lang="en-US" sz="1200" dirty="0">
+                <a:latin typeface="Cordia New" pitchFamily="34" charset="-34"/>
+                <a:cs typeface="Cordia New" pitchFamily="34" charset="-34"/>
+              </a:rPr>
+              <a:t>the newline and </a:t>
+            </a:r>
+            <a:r>
+              <a:rPr lang="en-US" sz="1200" dirty="0" smtClean="0">
+                <a:latin typeface="Cordia New" pitchFamily="34" charset="-34"/>
+                <a:cs typeface="Cordia New" pitchFamily="34" charset="-34"/>
+              </a:rPr>
+              <a:t>print</a:t>
+            </a:r>
+            <a:endParaRPr lang="en-US" sz="1200" dirty="0">
+              <a:latin typeface="Cordia New" pitchFamily="34" charset="-34"/>
+              <a:cs typeface="Cordia New" pitchFamily="34" charset="-34"/>
+            </a:endParaRPr>
+          </a:p>
+          <a:p>
+            <a:r>
+              <a:rPr lang="en-US" sz="1200" dirty="0">
+                <a:latin typeface="Cordia New" pitchFamily="34" charset="-34"/>
+                <a:cs typeface="Cordia New" pitchFamily="34" charset="-34"/>
+              </a:rPr>
+              <a:t>           remaining = </a:t>
+            </a:r>
+            <a:r>
+              <a:rPr lang="en-US" sz="1200" dirty="0" err="1">
+                <a:latin typeface="Cordia New" pitchFamily="34" charset="-34"/>
+                <a:cs typeface="Cordia New" pitchFamily="34" charset="-34"/>
+              </a:rPr>
+              <a:t>remaining.substring</a:t>
+            </a:r>
+            <a:r>
+              <a:rPr lang="en-US" sz="1200" dirty="0">
+                <a:latin typeface="Cordia New" pitchFamily="34" charset="-34"/>
+                <a:cs typeface="Cordia New" pitchFamily="34" charset="-34"/>
+              </a:rPr>
+              <a:t>(</a:t>
+            </a:r>
+            <a:r>
+              <a:rPr lang="en-US" sz="1200" dirty="0" err="1">
+                <a:latin typeface="Cordia New" pitchFamily="34" charset="-34"/>
+                <a:cs typeface="Cordia New" pitchFamily="34" charset="-34"/>
+              </a:rPr>
+              <a:t>newLineIndex</a:t>
+            </a:r>
+            <a:r>
+              <a:rPr lang="en-US" sz="1200" dirty="0">
+                <a:latin typeface="Cordia New" pitchFamily="34" charset="-34"/>
+                <a:cs typeface="Cordia New" pitchFamily="34" charset="-34"/>
+              </a:rPr>
+              <a:t> + 1);		// Throw out the line we just grabbed, start after the newline</a:t>
+            </a:r>
+          </a:p>
+          <a:p>
+            <a:r>
+              <a:rPr lang="en-US" sz="1200" dirty="0">
+                <a:latin typeface="Cordia New" pitchFamily="34" charset="-34"/>
+                <a:cs typeface="Cordia New" pitchFamily="34" charset="-34"/>
+              </a:rPr>
+              <a:t>           </a:t>
+            </a:r>
+            <a:r>
+              <a:rPr lang="en-US" sz="1200" dirty="0" err="1">
+                <a:latin typeface="Cordia New" pitchFamily="34" charset="-34"/>
+                <a:cs typeface="Cordia New" pitchFamily="34" charset="-34"/>
+              </a:rPr>
+              <a:t>printLine</a:t>
+            </a:r>
+            <a:r>
+              <a:rPr lang="en-US" sz="1200" dirty="0">
+                <a:latin typeface="Cordia New" pitchFamily="34" charset="-34"/>
+                <a:cs typeface="Cordia New" pitchFamily="34" charset="-34"/>
+              </a:rPr>
+              <a:t>(line);			// Print the line we grabbed</a:t>
+            </a:r>
+          </a:p>
+          <a:p>
+            <a:r>
+              <a:rPr lang="en-US" sz="1200" dirty="0">
+                <a:latin typeface="Cordia New" pitchFamily="34" charset="-34"/>
+                <a:cs typeface="Cordia New" pitchFamily="34" charset="-34"/>
+              </a:rPr>
+              <a:t>           </a:t>
+            </a:r>
+            <a:r>
+              <a:rPr lang="en-US" sz="1200" dirty="0" err="1">
+                <a:latin typeface="Cordia New" pitchFamily="34" charset="-34"/>
+                <a:cs typeface="Cordia New" pitchFamily="34" charset="-34"/>
+              </a:rPr>
+              <a:t>newLineIndex</a:t>
+            </a:r>
+            <a:r>
+              <a:rPr lang="en-US" sz="1200" dirty="0">
+                <a:latin typeface="Cordia New" pitchFamily="34" charset="-34"/>
+                <a:cs typeface="Cordia New" pitchFamily="34" charset="-34"/>
+              </a:rPr>
+              <a:t> = </a:t>
+            </a:r>
+            <a:r>
+              <a:rPr lang="en-US" sz="1200" dirty="0" err="1">
+                <a:latin typeface="Cordia New" pitchFamily="34" charset="-34"/>
+                <a:cs typeface="Cordia New" pitchFamily="34" charset="-34"/>
+              </a:rPr>
+              <a:t>remaining.indexOf</a:t>
+            </a:r>
+            <a:r>
+              <a:rPr lang="en-US" sz="1200" dirty="0">
+                <a:latin typeface="Cordia New" pitchFamily="34" charset="-34"/>
+                <a:cs typeface="Cordia New" pitchFamily="34" charset="-34"/>
+              </a:rPr>
+              <a:t>('\n');		// Find the next newline</a:t>
+            </a:r>
+          </a:p>
+          <a:p>
+            <a:r>
+              <a:rPr lang="en-US" sz="1200" dirty="0">
+                <a:latin typeface="Cordia New" pitchFamily="34" charset="-34"/>
+                <a:cs typeface="Cordia New" pitchFamily="34" charset="-34"/>
+              </a:rPr>
+              <a:t>       }</a:t>
+            </a:r>
+          </a:p>
+          <a:p>
+            <a:r>
+              <a:rPr lang="en-US" sz="1200" dirty="0">
+                <a:latin typeface="Cordia New" pitchFamily="34" charset="-34"/>
+                <a:cs typeface="Cordia New" pitchFamily="34" charset="-34"/>
+              </a:rPr>
+              <a:t>    });</a:t>
+            </a:r>
+          </a:p>
+          <a:p>
+            <a:r>
+              <a:rPr lang="en-US" sz="1200" dirty="0">
+                <a:latin typeface="Cordia New" pitchFamily="34" charset="-34"/>
+                <a:cs typeface="Cordia New" pitchFamily="34" charset="-34"/>
+              </a:rPr>
+              <a:t>    </a:t>
+            </a:r>
+            <a:r>
+              <a:rPr lang="en-US" sz="1200" dirty="0" err="1">
+                <a:latin typeface="Cordia New" pitchFamily="34" charset="-34"/>
+                <a:cs typeface="Cordia New" pitchFamily="34" charset="-34"/>
+              </a:rPr>
+              <a:t>inputReadStream.on</a:t>
+            </a:r>
+            <a:r>
+              <a:rPr lang="en-US" sz="1200" dirty="0">
+                <a:latin typeface="Cordia New" pitchFamily="34" charset="-34"/>
+                <a:cs typeface="Cordia New" pitchFamily="34" charset="-34"/>
+              </a:rPr>
+              <a:t>('end', function() {</a:t>
+            </a:r>
+          </a:p>
+          <a:p>
+            <a:r>
+              <a:rPr lang="en-US" sz="1200" dirty="0">
+                <a:latin typeface="Cordia New" pitchFamily="34" charset="-34"/>
+                <a:cs typeface="Cordia New" pitchFamily="34" charset="-34"/>
+              </a:rPr>
+              <a:t>        if (</a:t>
+            </a:r>
+            <a:r>
+              <a:rPr lang="en-US" sz="1200" dirty="0" err="1">
+                <a:latin typeface="Cordia New" pitchFamily="34" charset="-34"/>
+                <a:cs typeface="Cordia New" pitchFamily="34" charset="-34"/>
+              </a:rPr>
+              <a:t>remaining.length</a:t>
+            </a:r>
+            <a:r>
+              <a:rPr lang="en-US" sz="1200" dirty="0">
+                <a:latin typeface="Cordia New" pitchFamily="34" charset="-34"/>
+                <a:cs typeface="Cordia New" pitchFamily="34" charset="-34"/>
+              </a:rPr>
+              <a:t> &gt; 0) { </a:t>
+            </a:r>
+            <a:r>
+              <a:rPr lang="en-US" sz="1200" dirty="0" err="1">
+                <a:latin typeface="Cordia New" pitchFamily="34" charset="-34"/>
+                <a:cs typeface="Cordia New" pitchFamily="34" charset="-34"/>
+              </a:rPr>
+              <a:t>printLine</a:t>
+            </a:r>
+            <a:r>
+              <a:rPr lang="en-US" sz="1200" dirty="0">
+                <a:latin typeface="Cordia New" pitchFamily="34" charset="-34"/>
+                <a:cs typeface="Cordia New" pitchFamily="34" charset="-34"/>
+              </a:rPr>
+              <a:t>(remaining); }</a:t>
+            </a:r>
+          </a:p>
+          <a:p>
+            <a:r>
+              <a:rPr lang="en-US" sz="1200" dirty="0">
+                <a:latin typeface="Cordia New" pitchFamily="34" charset="-34"/>
+                <a:cs typeface="Cordia New" pitchFamily="34" charset="-34"/>
+              </a:rPr>
+              <a:t>    });</a:t>
+            </a:r>
+          </a:p>
+          <a:p>
+            <a:r>
+              <a:rPr lang="en-US" sz="1200" dirty="0">
+                <a:latin typeface="Cordia New" pitchFamily="34" charset="-34"/>
+                <a:cs typeface="Cordia New" pitchFamily="34" charset="-34"/>
+              </a:rPr>
+              <a:t>}</a:t>
+            </a:r>
+          </a:p>
+          <a:p>
+            <a:endParaRPr lang="en-US" sz="1200" dirty="0" smtClean="0">
+              <a:latin typeface="Cordia New" pitchFamily="34" charset="-34"/>
+              <a:cs typeface="Cordia New" pitchFamily="34" charset="-34"/>
+            </a:endParaRPr>
+          </a:p>
+          <a:p>
+            <a:r>
+              <a:rPr lang="en-US" sz="1200" dirty="0">
+                <a:latin typeface="Cordia New" pitchFamily="34" charset="-34"/>
+                <a:cs typeface="Cordia New" pitchFamily="34" charset="-34"/>
+              </a:rPr>
+              <a:t>function </a:t>
+            </a:r>
+            <a:r>
+              <a:rPr lang="en-US" sz="1200" dirty="0" err="1">
+                <a:latin typeface="Cordia New" pitchFamily="34" charset="-34"/>
+                <a:cs typeface="Cordia New" pitchFamily="34" charset="-34"/>
+              </a:rPr>
+              <a:t>printLine</a:t>
+            </a:r>
+            <a:r>
+              <a:rPr lang="en-US" sz="1200" dirty="0">
+                <a:latin typeface="Cordia New" pitchFamily="34" charset="-34"/>
+                <a:cs typeface="Cordia New" pitchFamily="34" charset="-34"/>
+              </a:rPr>
+              <a:t>(data) {</a:t>
+            </a:r>
+          </a:p>
+          <a:p>
+            <a:r>
+              <a:rPr lang="en-US" sz="1200" dirty="0">
+                <a:latin typeface="Cordia New" pitchFamily="34" charset="-34"/>
+                <a:cs typeface="Cordia New" pitchFamily="34" charset="-34"/>
+              </a:rPr>
+              <a:t>    console.log('Line: ' + data);</a:t>
+            </a:r>
+          </a:p>
+          <a:p>
+            <a:r>
+              <a:rPr lang="en-US" sz="1200" dirty="0" smtClean="0">
+                <a:latin typeface="Cordia New" pitchFamily="34" charset="-34"/>
+                <a:cs typeface="Cordia New" pitchFamily="34" charset="-34"/>
+              </a:rPr>
+              <a:t>}</a:t>
+            </a:r>
+            <a:endParaRPr lang="en-US" sz="1200" dirty="0">
+              <a:latin typeface="Cordia New" pitchFamily="34" charset="-34"/>
+              <a:cs typeface="Cordia New" pitchFamily="34" charset="-34"/>
+            </a:endParaRPr>
+          </a:p>
         </p:txBody>
       </p:sp>
     </p:spTree>
     <p:extLst>
       <p:ext uri="{BB962C8B-B14F-4D97-AF65-F5344CB8AC3E}">
-        <p14:creationId xmlns:p14="http://schemas.microsoft.com/office/powerpoint/2010/main" val="4081223386"/>
+        <p14:creationId xmlns:p14="http://schemas.microsoft.com/office/powerpoint/2010/main" val="3283291423"/>
       </p:ext>
     </p:extLst>
   </p:cSld>
@@ -4936,7 +4667,7 @@
           <a:p>
             <a:r>
               <a:rPr lang="en-US" dirty="0" smtClean="0"/>
-              <a:t>NPM – Node package manager</a:t>
+              <a:t>Making your own module</a:t>
             </a:r>
             <a:endParaRPr lang="en-US" dirty="0"/>
           </a:p>
@@ -4959,85 +4690,331 @@
           <a:p>
             <a:r>
               <a:rPr lang="en-US" dirty="0" smtClean="0"/>
-              <a:t>A wrapper for GIT with a public registry</a:t>
-            </a:r>
-          </a:p>
-          <a:p>
-            <a:r>
-              <a:rPr lang="en-US" dirty="0" smtClean="0"/>
-              <a:t>Anyone can write modules and add them to the registry</a:t>
-            </a:r>
-          </a:p>
-          <a:p>
-            <a:r>
-              <a:rPr lang="en-US" dirty="0" smtClean="0"/>
-              <a:t>“Installs” packages by cloning the repository into a </a:t>
-            </a:r>
-            <a:r>
-              <a:rPr lang="en-US" dirty="0" err="1" smtClean="0"/>
-              <a:t>node_modules</a:t>
-            </a:r>
-            <a:r>
-              <a:rPr lang="en-US" dirty="0" smtClean="0"/>
-              <a:t> folder within the project folder</a:t>
-            </a:r>
-          </a:p>
-          <a:p>
-            <a:r>
-              <a:rPr lang="en-US" dirty="0" smtClean="0"/>
-              <a:t>Can also install modules globally, cloning into the central </a:t>
-            </a:r>
-            <a:r>
-              <a:rPr lang="en-US" dirty="0" err="1" smtClean="0"/>
-              <a:t>node_modules</a:t>
-            </a:r>
-            <a:r>
-              <a:rPr lang="en-US" dirty="0" smtClean="0"/>
-              <a:t> folder</a:t>
-            </a:r>
-          </a:p>
-          <a:p>
-            <a:r>
-              <a:rPr lang="en-US" dirty="0" smtClean="0"/>
-              <a:t>NPM </a:t>
-            </a:r>
-            <a:r>
-              <a:rPr lang="en-US" dirty="0"/>
-              <a:t>Registry - </a:t>
+              <a:t>A variable named ‘exports’ is passed into scope when the file is loaded for the require() call</a:t>
+            </a:r>
+          </a:p>
+          <a:p>
+            <a:r>
+              <a:rPr lang="en-US" dirty="0" smtClean="0"/>
+              <a:t>exports can be given any substructure you want</a:t>
+            </a:r>
+          </a:p>
+        </p:txBody>
+      </p:sp>
+      <p:sp>
+        <p:nvSpPr>
+          <p:cNvPr id="4" name="TextBox 3"/>
+          <p:cNvSpPr txBox="1"/>
+          <p:nvPr/>
+        </p:nvSpPr>
+        <p:spPr>
+          <a:xfrm>
+            <a:off x="533400" y="3399749"/>
+            <a:ext cx="3886200" cy="1754326"/>
+          </a:xfrm>
+          <a:prstGeom prst="rect">
+            <a:avLst/>
+          </a:prstGeom>
+          <a:noFill/>
+          <a:ln>
+            <a:solidFill>
+              <a:schemeClr val="accent1"/>
+            </a:solidFill>
+          </a:ln>
+        </p:spPr>
+        <p:txBody>
+          <a:bodyPr wrap="square" rtlCol="0">
+            <a:spAutoFit/>
+          </a:bodyPr>
+          <a:lstStyle/>
+          <a:p>
+            <a:pPr algn="ctr"/>
+            <a:r>
+              <a:rPr lang="en-US" u="sng" dirty="0" smtClean="0">
+                <a:latin typeface="Cordia New" pitchFamily="34" charset="-34"/>
+                <a:cs typeface="Cordia New" pitchFamily="34" charset="-34"/>
+              </a:rPr>
+              <a:t>First File (myModuleName.js)</a:t>
+            </a:r>
+          </a:p>
+          <a:p>
+            <a:r>
+              <a:rPr lang="en-US" dirty="0" err="1">
+                <a:latin typeface="Cordia New" pitchFamily="34" charset="-34"/>
+                <a:cs typeface="Cordia New" pitchFamily="34" charset="-34"/>
+              </a:rPr>
+              <a:t>var</a:t>
             </a:r>
             <a:r>
               <a:rPr lang="en-US" dirty="0">
-                <a:hlinkClick r:id="rId2"/>
-              </a:rPr>
-              <a:t>http://search.npmjs.org</a:t>
+                <a:latin typeface="Cordia New" pitchFamily="34" charset="-34"/>
+                <a:cs typeface="Cordia New" pitchFamily="34" charset="-34"/>
+              </a:rPr>
+              <a:t> </a:t>
+            </a:r>
+            <a:r>
+              <a:rPr lang="en-US" dirty="0" err="1" smtClean="0">
+                <a:latin typeface="Cordia New" pitchFamily="34" charset="-34"/>
+                <a:cs typeface="Cordia New" pitchFamily="34" charset="-34"/>
+              </a:rPr>
+              <a:t>myModuleName</a:t>
             </a:r>
             <a:r>
               <a:rPr lang="en-US" dirty="0" smtClean="0">
-                <a:hlinkClick r:id="rId2"/>
-              </a:rPr>
-              <a:t>/</a:t>
-            </a:r>
-            <a:endParaRPr lang="en-US" dirty="0" smtClean="0"/>
-          </a:p>
-          <a:p>
-            <a:r>
-              <a:rPr lang="en-US" dirty="0" smtClean="0"/>
-              <a:t>Open Source – so people develop for it </a:t>
+                <a:latin typeface="Cordia New" pitchFamily="34" charset="-34"/>
+                <a:cs typeface="Cordia New" pitchFamily="34" charset="-34"/>
+              </a:rPr>
+              <a:t>= </a:t>
+            </a:r>
+            <a:r>
+              <a:rPr lang="en-US" dirty="0">
+                <a:latin typeface="Cordia New" pitchFamily="34" charset="-34"/>
+                <a:cs typeface="Cordia New" pitchFamily="34" charset="-34"/>
+              </a:rPr>
+              <a:t>exports</a:t>
             </a:r>
             <a:r>
               <a:rPr lang="en-US" dirty="0" smtClean="0">
-                <a:hlinkClick r:id="rId3"/>
-              </a:rPr>
-              <a:t>http://blago.dachev.com/modules</a:t>
-            </a:r>
-            <a:endParaRPr lang="en-US" dirty="0" smtClean="0"/>
+                <a:latin typeface="Cordia New" pitchFamily="34" charset="-34"/>
+                <a:cs typeface="Cordia New" pitchFamily="34" charset="-34"/>
+              </a:rPr>
+              <a:t>;</a:t>
+            </a:r>
+          </a:p>
+          <a:p>
+            <a:r>
+              <a:rPr lang="en-US" dirty="0" err="1" smtClean="0">
+                <a:latin typeface="Cordia New" pitchFamily="34" charset="-34"/>
+                <a:cs typeface="Cordia New" pitchFamily="34" charset="-34"/>
+              </a:rPr>
+              <a:t>myModuleName.printHello</a:t>
+            </a:r>
+            <a:r>
+              <a:rPr lang="en-US" dirty="0" smtClean="0">
+                <a:latin typeface="Cordia New" pitchFamily="34" charset="-34"/>
+                <a:cs typeface="Cordia New" pitchFamily="34" charset="-34"/>
+              </a:rPr>
+              <a:t> = function() { </a:t>
+            </a:r>
+          </a:p>
+          <a:p>
+            <a:r>
+              <a:rPr lang="en-US" dirty="0">
+                <a:latin typeface="Cordia New" pitchFamily="34" charset="-34"/>
+                <a:cs typeface="Cordia New" pitchFamily="34" charset="-34"/>
+              </a:rPr>
+              <a:t> </a:t>
+            </a:r>
+            <a:r>
+              <a:rPr lang="en-US" dirty="0" smtClean="0">
+                <a:latin typeface="Cordia New" pitchFamily="34" charset="-34"/>
+                <a:cs typeface="Cordia New" pitchFamily="34" charset="-34"/>
+              </a:rPr>
+              <a:t>   console.log(‘Hello’);</a:t>
+            </a:r>
+          </a:p>
+          <a:p>
+            <a:r>
+              <a:rPr lang="en-US" dirty="0" smtClean="0">
+                <a:latin typeface="Cordia New" pitchFamily="34" charset="-34"/>
+                <a:cs typeface="Cordia New" pitchFamily="34" charset="-34"/>
+              </a:rPr>
+              <a:t>}</a:t>
+            </a:r>
+          </a:p>
+          <a:p>
+            <a:r>
+              <a:rPr lang="en-US" dirty="0" err="1" smtClean="0">
+                <a:latin typeface="Cordia New" pitchFamily="34" charset="-34"/>
+                <a:cs typeface="Cordia New" pitchFamily="34" charset="-34"/>
+              </a:rPr>
+              <a:t>myModuleName.someValue</a:t>
+            </a:r>
+            <a:r>
+              <a:rPr lang="en-US" dirty="0">
+                <a:latin typeface="Cordia New" pitchFamily="34" charset="-34"/>
+                <a:cs typeface="Cordia New" pitchFamily="34" charset="-34"/>
+              </a:rPr>
+              <a:t> </a:t>
+            </a:r>
+            <a:r>
+              <a:rPr lang="en-US" dirty="0" smtClean="0">
+                <a:latin typeface="Cordia New" pitchFamily="34" charset="-34"/>
+                <a:cs typeface="Cordia New" pitchFamily="34" charset="-34"/>
+              </a:rPr>
+              <a:t>= 510;</a:t>
+            </a:r>
+          </a:p>
+        </p:txBody>
+      </p:sp>
+      <p:sp>
+        <p:nvSpPr>
+          <p:cNvPr id="6" name="TextBox 5"/>
+          <p:cNvSpPr txBox="1"/>
+          <p:nvPr/>
+        </p:nvSpPr>
+        <p:spPr>
+          <a:xfrm>
+            <a:off x="4800600" y="3406676"/>
+            <a:ext cx="3886200" cy="1754326"/>
+          </a:xfrm>
+          <a:prstGeom prst="rect">
+            <a:avLst/>
+          </a:prstGeom>
+          <a:noFill/>
+          <a:ln>
+            <a:solidFill>
+              <a:schemeClr val="accent1"/>
+            </a:solidFill>
+          </a:ln>
+        </p:spPr>
+        <p:txBody>
+          <a:bodyPr wrap="square" rtlCol="0">
+            <a:spAutoFit/>
+          </a:bodyPr>
+          <a:lstStyle/>
+          <a:p>
+            <a:pPr algn="ctr"/>
+            <a:r>
+              <a:rPr lang="en-US" u="sng" dirty="0" smtClean="0">
+                <a:latin typeface="Cordia New" pitchFamily="34" charset="-34"/>
+                <a:cs typeface="Cordia New" pitchFamily="34" charset="-34"/>
+              </a:rPr>
+              <a:t>Second File (nodeModuleExample.js)</a:t>
+            </a:r>
+          </a:p>
+          <a:p>
+            <a:r>
+              <a:rPr lang="en-US" dirty="0" err="1" smtClean="0">
+                <a:latin typeface="Cordia New" pitchFamily="34" charset="-34"/>
+                <a:cs typeface="Cordia New" pitchFamily="34" charset="-34"/>
+              </a:rPr>
+              <a:t>var</a:t>
+            </a:r>
+            <a:r>
+              <a:rPr lang="en-US" dirty="0" smtClean="0">
+                <a:latin typeface="Cordia New" pitchFamily="34" charset="-34"/>
+                <a:cs typeface="Cordia New" pitchFamily="34" charset="-34"/>
+              </a:rPr>
+              <a:t> </a:t>
+            </a:r>
+            <a:r>
+              <a:rPr lang="en-US" dirty="0" err="1" smtClean="0">
+                <a:latin typeface="Cordia New" pitchFamily="34" charset="-34"/>
+                <a:cs typeface="Cordia New" pitchFamily="34" charset="-34"/>
+              </a:rPr>
+              <a:t>myModule</a:t>
+            </a:r>
+            <a:r>
+              <a:rPr lang="en-US" dirty="0">
+                <a:latin typeface="Cordia New" pitchFamily="34" charset="-34"/>
+                <a:cs typeface="Cordia New" pitchFamily="34" charset="-34"/>
+              </a:rPr>
+              <a:t> </a:t>
+            </a:r>
+            <a:r>
+              <a:rPr lang="en-US" dirty="0" smtClean="0">
+                <a:latin typeface="Cordia New" pitchFamily="34" charset="-34"/>
+                <a:cs typeface="Cordia New" pitchFamily="34" charset="-34"/>
+              </a:rPr>
+              <a:t>= require(./</a:t>
+            </a:r>
+            <a:r>
+              <a:rPr lang="en-US" dirty="0" err="1" smtClean="0">
+                <a:latin typeface="Cordia New" pitchFamily="34" charset="-34"/>
+                <a:cs typeface="Cordia New" pitchFamily="34" charset="-34"/>
+              </a:rPr>
+              <a:t>myModuleName</a:t>
+            </a:r>
+            <a:r>
+              <a:rPr lang="en-US" dirty="0" smtClean="0">
+                <a:latin typeface="Cordia New" pitchFamily="34" charset="-34"/>
+                <a:cs typeface="Cordia New" pitchFamily="34" charset="-34"/>
+              </a:rPr>
+              <a:t>);</a:t>
+            </a:r>
+          </a:p>
+          <a:p>
+            <a:r>
+              <a:rPr lang="en-US" dirty="0" err="1" smtClean="0">
+                <a:latin typeface="Cordia New" pitchFamily="34" charset="-34"/>
+                <a:cs typeface="Cordia New" pitchFamily="34" charset="-34"/>
+              </a:rPr>
+              <a:t>myModule.printHello</a:t>
+            </a:r>
+            <a:r>
+              <a:rPr lang="en-US" dirty="0" smtClean="0">
+                <a:latin typeface="Cordia New" pitchFamily="34" charset="-34"/>
+                <a:cs typeface="Cordia New" pitchFamily="34" charset="-34"/>
+              </a:rPr>
+              <a:t>(); 	// Prints hello</a:t>
+            </a:r>
+          </a:p>
+          <a:p>
+            <a:r>
+              <a:rPr lang="en-US" dirty="0" smtClean="0">
+                <a:latin typeface="Cordia New" pitchFamily="34" charset="-34"/>
+                <a:cs typeface="Cordia New" pitchFamily="34" charset="-34"/>
+              </a:rPr>
+              <a:t>console.log( </a:t>
+            </a:r>
+            <a:r>
+              <a:rPr lang="en-US" dirty="0" err="1" smtClean="0">
+                <a:latin typeface="Cordia New" pitchFamily="34" charset="-34"/>
+                <a:cs typeface="Cordia New" pitchFamily="34" charset="-34"/>
+              </a:rPr>
+              <a:t>myModule.someValue</a:t>
+            </a:r>
+            <a:r>
+              <a:rPr lang="en-US" dirty="0">
+                <a:latin typeface="Cordia New" pitchFamily="34" charset="-34"/>
+                <a:cs typeface="Cordia New" pitchFamily="34" charset="-34"/>
+              </a:rPr>
+              <a:t> </a:t>
+            </a:r>
+            <a:r>
+              <a:rPr lang="en-US" dirty="0" smtClean="0">
+                <a:latin typeface="Cordia New" pitchFamily="34" charset="-34"/>
+                <a:cs typeface="Cordia New" pitchFamily="34" charset="-34"/>
+              </a:rPr>
+              <a:t>);	// Prints 510</a:t>
+            </a:r>
+          </a:p>
+          <a:p>
+            <a:r>
+              <a:rPr lang="en-US" dirty="0" smtClean="0">
+                <a:latin typeface="Cordia New" pitchFamily="34" charset="-34"/>
+                <a:cs typeface="Cordia New" pitchFamily="34" charset="-34"/>
+              </a:rPr>
+              <a:t>console.log( </a:t>
+            </a:r>
+            <a:r>
+              <a:rPr lang="en-US" dirty="0" err="1" smtClean="0">
+                <a:latin typeface="Cordia New" pitchFamily="34" charset="-34"/>
+                <a:cs typeface="Cordia New" pitchFamily="34" charset="-34"/>
+              </a:rPr>
+              <a:t>myModule</a:t>
+            </a:r>
+            <a:r>
+              <a:rPr lang="en-US" dirty="0" smtClean="0">
+                <a:latin typeface="Cordia New" pitchFamily="34" charset="-34"/>
+                <a:cs typeface="Cordia New" pitchFamily="34" charset="-34"/>
+              </a:rPr>
+              <a:t> ); 	// Prints module structure</a:t>
+            </a:r>
+          </a:p>
+          <a:p>
+            <a:endParaRPr lang="en-US" dirty="0">
+              <a:latin typeface="Cordia New" pitchFamily="34" charset="-34"/>
+              <a:cs typeface="Cordia New" pitchFamily="34" charset="-34"/>
+            </a:endParaRPr>
           </a:p>
         </p:txBody>
       </p:sp>
     </p:spTree>
     <p:extLst>
       <p:ext uri="{BB962C8B-B14F-4D97-AF65-F5344CB8AC3E}">
-        <p14:creationId xmlns:p14="http://schemas.microsoft.com/office/powerpoint/2010/main" val="4160375298"/>
+        <p14:creationId xmlns:p14="http://schemas.microsoft.com/office/powerpoint/2010/main" val="4081223386"/>
       </p:ext>
     </p:extLst>
   </p:cSld>
@@ -5073,7 +5050,7 @@
       </p:grpSpPr>
       <p:sp>
         <p:nvSpPr>
-          <p:cNvPr id="4" name="Title 3"/>
+          <p:cNvPr id="2" name="Title 1"/>
           <p:cNvSpPr>
             <a:spLocks noGrp="1"/>
           </p:cNvSpPr>
@@ -5088,7 +5065,7 @@
           <a:p>
             <a:r>
               <a:rPr lang="en-US" dirty="0" smtClean="0"/>
-              <a:t>Building the bot</a:t>
+              <a:t>NPM – Node package manager</a:t>
             </a:r>
             <a:endParaRPr lang="en-US" dirty="0"/>
           </a:p>
@@ -5096,12 +5073,12 @@
       </p:sp>
       <p:sp>
         <p:nvSpPr>
-          <p:cNvPr id="5" name="Text Placeholder 4"/>
-          <p:cNvSpPr>
-            <a:spLocks noGrp="1"/>
-          </p:cNvSpPr>
-          <p:nvPr>
-            <p:ph type="body" idx="1"/>
+          <p:cNvPr id="3" name="Content Placeholder 2"/>
+          <p:cNvSpPr>
+            <a:spLocks noGrp="1"/>
+          </p:cNvSpPr>
+          <p:nvPr>
+            <p:ph sz="quarter" idx="1"/>
           </p:nvPr>
         </p:nvSpPr>
         <p:spPr/>
@@ -5111,16 +5088,93 @@
           <a:p>
             <a:r>
               <a:rPr lang="en-US" dirty="0" smtClean="0"/>
-              <a:t>Creating an AIM (OSCAR) module</a:t>
-            </a:r>
-            <a:endParaRPr lang="en-US" dirty="0"/>
+              <a:t>A wrapper for </a:t>
+            </a:r>
+            <a:r>
+              <a:rPr lang="en-US" dirty="0" err="1" smtClean="0"/>
+              <a:t>git</a:t>
+            </a:r>
+            <a:r>
+              <a:rPr lang="en-US" dirty="0" smtClean="0"/>
+              <a:t> with a public registry</a:t>
+            </a:r>
+          </a:p>
+          <a:p>
+            <a:r>
+              <a:rPr lang="en-US" dirty="0" smtClean="0"/>
+              <a:t>Anyone can write modules and add them to the registry</a:t>
+            </a:r>
+          </a:p>
+          <a:p>
+            <a:r>
+              <a:rPr lang="en-US" dirty="0" smtClean="0"/>
+              <a:t>“Installs” packages by cloning the repository into a </a:t>
+            </a:r>
+            <a:r>
+              <a:rPr lang="en-US" dirty="0" err="1" smtClean="0"/>
+              <a:t>node_modules</a:t>
+            </a:r>
+            <a:r>
+              <a:rPr lang="en-US" dirty="0" smtClean="0"/>
+              <a:t> folder within the project folder</a:t>
+            </a:r>
+          </a:p>
+          <a:p>
+            <a:r>
+              <a:rPr lang="en-US" dirty="0" smtClean="0"/>
+              <a:t>Can also install modules globally, cloning into the central </a:t>
+            </a:r>
+            <a:r>
+              <a:rPr lang="en-US" dirty="0" err="1" smtClean="0"/>
+              <a:t>node_modules</a:t>
+            </a:r>
+            <a:r>
+              <a:rPr lang="en-US" dirty="0" smtClean="0"/>
+              <a:t> folder</a:t>
+            </a:r>
+          </a:p>
+          <a:p>
+            <a:r>
+              <a:rPr lang="en-US" dirty="0" smtClean="0"/>
+              <a:t>NPM </a:t>
+            </a:r>
+            <a:r>
+              <a:rPr lang="en-US" dirty="0"/>
+              <a:t>Registry - </a:t>
+            </a:r>
+            <a:r>
+              <a:rPr lang="en-US" dirty="0">
+                <a:hlinkClick r:id="rId2"/>
+              </a:rPr>
+              <a:t>http://search.npmjs.org</a:t>
+            </a:r>
+            <a:r>
+              <a:rPr lang="en-US" dirty="0" smtClean="0">
+                <a:hlinkClick r:id="rId2"/>
+              </a:rPr>
+              <a:t>/</a:t>
+            </a:r>
+            <a:endParaRPr lang="en-US" dirty="0" smtClean="0"/>
+          </a:p>
+          <a:p>
+            <a:r>
+              <a:rPr lang="en-US" dirty="0" smtClean="0"/>
+              <a:t>Open Source – so people develop for it </a:t>
+            </a:r>
+            <a:r>
+              <a:rPr lang="en-US" dirty="0" smtClean="0">
+                <a:hlinkClick r:id="rId3"/>
+              </a:rPr>
+              <a:t>http://blago.dachev.com/modules</a:t>
+            </a:r>
+            <a:endParaRPr lang="en-US" dirty="0" smtClean="0"/>
           </a:p>
         </p:txBody>
       </p:sp>
     </p:spTree>
     <p:extLst>
       <p:ext uri="{BB962C8B-B14F-4D97-AF65-F5344CB8AC3E}">
-        <p14:creationId xmlns:p14="http://schemas.microsoft.com/office/powerpoint/2010/main" val="686678396"/>
+        <p14:creationId xmlns:p14="http://schemas.microsoft.com/office/powerpoint/2010/main" val="4160375298"/>
       </p:ext>
     </p:extLst>
   </p:cSld>
@@ -5202,7 +5256,36 @@
           <a:p>
             <a:r>
               <a:rPr lang="en-US" dirty="0" smtClean="0"/>
-              <a:t>Connect to AIM</a:t>
+              <a:t>Create a basic AIM interface</a:t>
+            </a:r>
+          </a:p>
+          <a:p>
+            <a:pPr lvl="1"/>
+            <a:r>
+              <a:rPr lang="en-US" dirty="0" smtClean="0"/>
+              <a:t>connect() – setup and connect to AIM</a:t>
+            </a:r>
+          </a:p>
+          <a:p>
+            <a:pPr lvl="1"/>
+            <a:r>
+              <a:rPr lang="en-US" dirty="0" err="1" smtClean="0"/>
+              <a:t>sendMessage</a:t>
+            </a:r>
+            <a:r>
+              <a:rPr lang="en-US" dirty="0" smtClean="0"/>
+              <a:t>() – send a message to some sender</a:t>
+            </a:r>
+          </a:p>
+          <a:p>
+            <a:pPr lvl="1"/>
+            <a:r>
+              <a:rPr lang="en-US" dirty="0" err="1" smtClean="0"/>
+              <a:t>addKeyResponse</a:t>
+            </a:r>
+            <a:r>
+              <a:rPr lang="en-US" dirty="0" smtClean="0"/>
+              <a:t>() – respond to a message that contains some key (a command)</a:t>
             </a:r>
           </a:p>
           <a:p>
@@ -5227,7 +5310,7 @@
     </p:spTree>
     <p:extLst>
       <p:ext uri="{BB962C8B-B14F-4D97-AF65-F5344CB8AC3E}">
-        <p14:creationId xmlns:p14="http://schemas.microsoft.com/office/powerpoint/2010/main" val="2244919368"/>
+        <p14:creationId xmlns:p14="http://schemas.microsoft.com/office/powerpoint/2010/main" val="1714524797"/>
       </p:ext>
     </p:extLst>
   </p:cSld>
@@ -5263,7 +5346,7 @@
       </p:grpSpPr>
       <p:sp>
         <p:nvSpPr>
-          <p:cNvPr id="2" name="Title 1"/>
+          <p:cNvPr id="4" name="Title 3"/>
           <p:cNvSpPr>
             <a:spLocks noGrp="1"/>
           </p:cNvSpPr>
@@ -5277,12 +5360,8 @@
           <a:lstStyle/>
           <a:p>
             <a:r>
-              <a:rPr lang="en-US" dirty="0" err="1" smtClean="0"/>
-              <a:t>Heroku</a:t>
-            </a:r>
-            <a:r>
-              <a:rPr lang="en-US" dirty="0" smtClean="0"/>
-              <a:t> Environment Variables</a:t>
+              <a:rPr lang="en-US" dirty="0" smtClean="0"/>
+              <a:t>Create a basic AIM API</a:t>
             </a:r>
             <a:endParaRPr lang="en-US" dirty="0"/>
           </a:p>
@@ -5290,12 +5369,12 @@
       </p:sp>
       <p:sp>
         <p:nvSpPr>
-          <p:cNvPr id="3" name="Content Placeholder 2"/>
-          <p:cNvSpPr>
-            <a:spLocks noGrp="1"/>
-          </p:cNvSpPr>
-          <p:nvPr>
-            <p:ph sz="quarter" idx="1"/>
+          <p:cNvPr id="5" name="Text Placeholder 4"/>
+          <p:cNvSpPr>
+            <a:spLocks noGrp="1"/>
+          </p:cNvSpPr>
+          <p:nvPr>
+            <p:ph type="body" idx="1"/>
           </p:nvPr>
         </p:nvSpPr>
         <p:spPr/>
@@ -5304,171 +5383,17 @@
           <a:lstStyle/>
           <a:p>
             <a:r>
-              <a:rPr lang="en-US" dirty="0" err="1" smtClean="0"/>
-              <a:t>Heroku</a:t>
-            </a:r>
-            <a:r>
-              <a:rPr lang="en-US" dirty="0" smtClean="0"/>
-              <a:t> has what they call </a:t>
-            </a:r>
-            <a:r>
-              <a:rPr lang="en-US" dirty="0" err="1" smtClean="0"/>
-              <a:t>Config</a:t>
-            </a:r>
-            <a:r>
-              <a:rPr lang="en-US" dirty="0" smtClean="0"/>
-              <a:t> </a:t>
-            </a:r>
-            <a:r>
-              <a:rPr lang="en-US" dirty="0" err="1" smtClean="0"/>
-              <a:t>Vars</a:t>
-            </a:r>
-            <a:endParaRPr lang="en-US" dirty="0" smtClean="0"/>
-          </a:p>
-          <a:p>
+              <a:rPr lang="en-US" dirty="0" smtClean="0"/>
+              <a:t>Allow us to connect to AIM, send, receive, and handle messages</a:t>
+            </a:r>
             <a:endParaRPr lang="en-US" dirty="0"/>
-          </a:p>
-        </p:txBody>
-      </p:sp>
-      <p:sp>
-        <p:nvSpPr>
-          <p:cNvPr id="4" name="TextBox 3"/>
-          <p:cNvSpPr txBox="1"/>
-          <p:nvPr/>
-        </p:nvSpPr>
-        <p:spPr>
-          <a:xfrm>
-            <a:off x="533400" y="3399749"/>
-            <a:ext cx="3886200" cy="923330"/>
-          </a:xfrm>
-          <a:prstGeom prst="rect">
-            <a:avLst/>
-          </a:prstGeom>
-          <a:noFill/>
-          <a:ln>
-            <a:solidFill>
-              <a:schemeClr val="accent1"/>
-            </a:solidFill>
-          </a:ln>
-        </p:spPr>
-        <p:txBody>
-          <a:bodyPr wrap="square" rtlCol="0">
-            <a:spAutoFit/>
-          </a:bodyPr>
-          <a:lstStyle/>
-          <a:p>
-            <a:r>
-              <a:rPr lang="en-US" dirty="0"/>
-              <a:t>$ cd </a:t>
-            </a:r>
-            <a:r>
-              <a:rPr lang="en-US" dirty="0" err="1"/>
-              <a:t>myapp</a:t>
-            </a:r>
-            <a:r>
-              <a:rPr lang="en-US" dirty="0"/>
-              <a:t> $ </a:t>
-            </a:r>
-            <a:r>
-              <a:rPr lang="en-US" dirty="0" err="1"/>
-              <a:t>heroku</a:t>
-            </a:r>
-            <a:r>
-              <a:rPr lang="en-US" dirty="0"/>
-              <a:t> </a:t>
-            </a:r>
-            <a:r>
-              <a:rPr lang="en-US" dirty="0" err="1"/>
-              <a:t>config:add</a:t>
-            </a:r>
-            <a:r>
-              <a:rPr lang="en-US" dirty="0"/>
-              <a:t> S3_KEY=8N029N81 </a:t>
-            </a:r>
-            <a:r>
-              <a:rPr lang="en-US" dirty="0" smtClean="0"/>
-              <a:t>S3_SECRET=9s83109d3+583493190</a:t>
-            </a:r>
-            <a:endParaRPr lang="en-US" dirty="0" smtClean="0">
-              <a:latin typeface="Cordia New" pitchFamily="34" charset="-34"/>
-              <a:cs typeface="Cordia New" pitchFamily="34" charset="-34"/>
-            </a:endParaRPr>
-          </a:p>
-        </p:txBody>
-      </p:sp>
-      <p:sp>
-        <p:nvSpPr>
-          <p:cNvPr id="5" name="TextBox 4"/>
-          <p:cNvSpPr txBox="1"/>
-          <p:nvPr/>
-        </p:nvSpPr>
-        <p:spPr>
-          <a:xfrm>
-            <a:off x="533400" y="4800600"/>
-            <a:ext cx="3886200" cy="369332"/>
-          </a:xfrm>
-          <a:prstGeom prst="rect">
-            <a:avLst/>
-          </a:prstGeom>
-          <a:noFill/>
-          <a:ln>
-            <a:solidFill>
-              <a:schemeClr val="accent1"/>
-            </a:solidFill>
-          </a:ln>
-        </p:spPr>
-        <p:txBody>
-          <a:bodyPr wrap="square" rtlCol="0">
-            <a:spAutoFit/>
-          </a:bodyPr>
-          <a:lstStyle/>
-          <a:p>
-            <a:r>
-              <a:rPr lang="en-US" dirty="0" err="1" smtClean="0">
-                <a:latin typeface="Cordia New" pitchFamily="34" charset="-34"/>
-                <a:cs typeface="Cordia New" pitchFamily="34" charset="-34"/>
-              </a:rPr>
-              <a:t>var</a:t>
-            </a:r>
-            <a:r>
-              <a:rPr lang="en-US" dirty="0" smtClean="0">
-                <a:latin typeface="Cordia New" pitchFamily="34" charset="-34"/>
-                <a:cs typeface="Cordia New" pitchFamily="34" charset="-34"/>
-              </a:rPr>
-              <a:t> </a:t>
-            </a:r>
-            <a:r>
-              <a:rPr lang="en-US" dirty="0" err="1" smtClean="0">
-                <a:latin typeface="Cordia New" pitchFamily="34" charset="-34"/>
-                <a:cs typeface="Cordia New" pitchFamily="34" charset="-34"/>
-              </a:rPr>
-              <a:t>myEnv</a:t>
-            </a:r>
-            <a:r>
-              <a:rPr lang="en-US" dirty="0" smtClean="0">
-                <a:latin typeface="Cordia New" pitchFamily="34" charset="-34"/>
-                <a:cs typeface="Cordia New" pitchFamily="34" charset="-34"/>
-              </a:rPr>
-              <a:t> = </a:t>
-            </a:r>
-            <a:r>
-              <a:rPr lang="en-US" smtClean="0">
-                <a:latin typeface="Cordia New" pitchFamily="34" charset="-34"/>
-                <a:cs typeface="Cordia New" pitchFamily="34" charset="-34"/>
-              </a:rPr>
-              <a:t>process.env.MY_ENV</a:t>
-            </a:r>
-            <a:endParaRPr lang="en-US" dirty="0" smtClean="0">
-              <a:latin typeface="Cordia New" pitchFamily="34" charset="-34"/>
-              <a:cs typeface="Cordia New" pitchFamily="34" charset="-34"/>
-            </a:endParaRPr>
           </a:p>
         </p:txBody>
       </p:sp>
     </p:spTree>
     <p:extLst>
       <p:ext uri="{BB962C8B-B14F-4D97-AF65-F5344CB8AC3E}">
-        <p14:creationId xmlns:p14="http://schemas.microsoft.com/office/powerpoint/2010/main" val="4154251535"/>
+        <p14:creationId xmlns:p14="http://schemas.microsoft.com/office/powerpoint/2010/main" val="686678396"/>
       </p:ext>
     </p:extLst>
   </p:cSld>
@@ -5504,7 +5429,7 @@
       </p:grpSpPr>
       <p:sp>
         <p:nvSpPr>
-          <p:cNvPr id="2" name="Title 1"/>
+          <p:cNvPr id="4" name="Title 3"/>
           <p:cNvSpPr>
             <a:spLocks noGrp="1"/>
           </p:cNvSpPr>
@@ -5514,35 +5439,88 @@
         </p:nvSpPr>
         <p:spPr/>
         <p:txBody>
+          <a:bodyPr>
+            <a:normAutofit/>
+          </a:bodyPr>
+          <a:lstStyle/>
+          <a:p>
+            <a:r>
+              <a:rPr lang="en-US" dirty="0" smtClean="0"/>
+              <a:t>What are we going to do</a:t>
+            </a:r>
+            <a:endParaRPr lang="en-US" dirty="0"/>
+          </a:p>
+        </p:txBody>
+      </p:sp>
+      <p:sp>
+        <p:nvSpPr>
+          <p:cNvPr id="5" name="Content Placeholder 4"/>
+          <p:cNvSpPr>
+            <a:spLocks noGrp="1"/>
+          </p:cNvSpPr>
+          <p:nvPr>
+            <p:ph sz="quarter" idx="1"/>
+          </p:nvPr>
+        </p:nvSpPr>
+        <p:spPr/>
+        <p:txBody>
           <a:bodyPr/>
           <a:lstStyle/>
           <a:p>
             <a:r>
               <a:rPr lang="en-US" dirty="0" smtClean="0"/>
-              <a:t>JavaScript is weird</a:t>
+              <a:t>Install the OSCAR node module</a:t>
+            </a:r>
+          </a:p>
+          <a:p>
+            <a:r>
+              <a:rPr lang="en-US" dirty="0" smtClean="0"/>
+              <a:t>Create a basic AIM interface</a:t>
+            </a:r>
+          </a:p>
+          <a:p>
+            <a:pPr lvl="1"/>
+            <a:r>
+              <a:rPr lang="en-US" dirty="0" smtClean="0"/>
+              <a:t>connect() – setup and connect to AIM</a:t>
+            </a:r>
+          </a:p>
+          <a:p>
+            <a:pPr lvl="1"/>
+            <a:r>
+              <a:rPr lang="en-US" dirty="0" err="1" smtClean="0"/>
+              <a:t>sendMessage</a:t>
+            </a:r>
+            <a:r>
+              <a:rPr lang="en-US" dirty="0" smtClean="0"/>
+              <a:t>() – send a message to some sender</a:t>
+            </a:r>
+          </a:p>
+          <a:p>
+            <a:pPr lvl="1"/>
+            <a:r>
+              <a:rPr lang="en-US" dirty="0" err="1" smtClean="0"/>
+              <a:t>addKeyResponse</a:t>
+            </a:r>
+            <a:r>
+              <a:rPr lang="en-US" dirty="0" smtClean="0"/>
+              <a:t>() – respond to a message that contains some key (a command)</a:t>
+            </a:r>
+          </a:p>
+          <a:p>
+            <a:r>
+              <a:rPr lang="en-US" dirty="0" smtClean="0"/>
+              <a:t>Handle incoming messages and respond</a:t>
             </a:r>
             <a:endParaRPr lang="en-US" dirty="0"/>
           </a:p>
-        </p:txBody>
-      </p:sp>
-      <p:sp>
-        <p:nvSpPr>
-          <p:cNvPr id="3" name="Content Placeholder 2"/>
-          <p:cNvSpPr>
-            <a:spLocks noGrp="1"/>
-          </p:cNvSpPr>
-          <p:nvPr>
-            <p:ph sz="quarter" idx="1"/>
-          </p:nvPr>
-        </p:nvSpPr>
-        <p:spPr/>
-        <p:txBody>
-          <a:bodyPr/>
-          <a:lstStyle/>
-          <a:p>
-            <a:r>
-              <a:rPr lang="en-US" dirty="0" smtClean="0"/>
-              <a:t>What does this evaluate to?</a:t>
+          <a:p>
+            <a:endParaRPr lang="en-US" dirty="0" smtClean="0"/>
+          </a:p>
+          <a:p>
+            <a:r>
+              <a:rPr lang="en-US" dirty="0" smtClean="0"/>
+              <a:t>(See code AIMTools.js and snackbot.js)</a:t>
             </a:r>
             <a:endParaRPr lang="en-US" dirty="0"/>
           </a:p>
@@ -5551,7 +5529,355 @@
     </p:spTree>
     <p:extLst>
       <p:ext uri="{BB962C8B-B14F-4D97-AF65-F5344CB8AC3E}">
-        <p14:creationId xmlns:p14="http://schemas.microsoft.com/office/powerpoint/2010/main" val="3103770105"/>
+        <p14:creationId xmlns:p14="http://schemas.microsoft.com/office/powerpoint/2010/main" val="2244919368"/>
+      </p:ext>
+    </p:extLst>
+  </p:cSld>
+  <p:clrMapOvr>
+    <a:masterClrMapping/>
+  </p:clrMapOvr>
+  <p:timing>
+    <p:tnLst>
+      <p:par>
+        <p:cTn id="1" dur="indefinite" restart="never" nodeType="tmRoot"/>
+      </p:par>
+    </p:tnLst>
+  </p:timing>
+</p:sld>
+</file>
+
+<file path=ppt/slides/slide17.xml><?xml version="1.0" encoding="utf-8"?>
+<p:sld xmlns:a="http://schemas.openxmlformats.org/drawingml/2006/main" xmlns:r="http://schemas.openxmlformats.org/officeDocument/2006/relationships" xmlns:p="http://schemas.openxmlformats.org/presentationml/2006/main">
+  <p:cSld>
+    <p:spTree>
+      <p:nvGrpSpPr>
+        <p:cNvPr id="1" name=""/>
+        <p:cNvGrpSpPr/>
+        <p:nvPr/>
+      </p:nvGrpSpPr>
+      <p:grpSpPr>
+        <a:xfrm>
+          <a:off x="0" y="0"/>
+          <a:ext cx="0" cy="0"/>
+          <a:chOff x="0" y="0"/>
+          <a:chExt cx="0" cy="0"/>
+        </a:xfrm>
+      </p:grpSpPr>
+      <p:sp>
+        <p:nvSpPr>
+          <p:cNvPr id="4" name="Title 3"/>
+          <p:cNvSpPr>
+            <a:spLocks noGrp="1"/>
+          </p:cNvSpPr>
+          <p:nvPr>
+            <p:ph type="title"/>
+          </p:nvPr>
+        </p:nvSpPr>
+        <p:spPr/>
+        <p:txBody>
+          <a:bodyPr/>
+          <a:lstStyle/>
+          <a:p>
+            <a:r>
+              <a:rPr lang="en-US" dirty="0" smtClean="0"/>
+              <a:t>Create a basic web server API</a:t>
+            </a:r>
+            <a:endParaRPr lang="en-US" dirty="0"/>
+          </a:p>
+        </p:txBody>
+      </p:sp>
+      <p:sp>
+        <p:nvSpPr>
+          <p:cNvPr id="5" name="Text Placeholder 4"/>
+          <p:cNvSpPr>
+            <a:spLocks noGrp="1"/>
+          </p:cNvSpPr>
+          <p:nvPr>
+            <p:ph type="body" idx="1"/>
+          </p:nvPr>
+        </p:nvSpPr>
+        <p:spPr/>
+        <p:txBody>
+          <a:bodyPr/>
+          <a:lstStyle/>
+          <a:p>
+            <a:r>
+              <a:rPr lang="en-US" dirty="0" smtClean="0"/>
+              <a:t>Allow us to serve web pages to a client, and handle HTTP requests</a:t>
+            </a:r>
+            <a:endParaRPr lang="en-US" dirty="0"/>
+          </a:p>
+        </p:txBody>
+      </p:sp>
+    </p:spTree>
+    <p:extLst>
+      <p:ext uri="{BB962C8B-B14F-4D97-AF65-F5344CB8AC3E}">
+        <p14:creationId xmlns:p14="http://schemas.microsoft.com/office/powerpoint/2010/main" val="350658846"/>
+      </p:ext>
+    </p:extLst>
+  </p:cSld>
+  <p:clrMapOvr>
+    <a:masterClrMapping/>
+  </p:clrMapOvr>
+  <p:timing>
+    <p:tnLst>
+      <p:par>
+        <p:cTn id="1" dur="indefinite" restart="never" nodeType="tmRoot"/>
+      </p:par>
+    </p:tnLst>
+  </p:timing>
+</p:sld>
+</file>
+
+<file path=ppt/slides/slide18.xml><?xml version="1.0" encoding="utf-8"?>
+<p:sld xmlns:a="http://schemas.openxmlformats.org/drawingml/2006/main" xmlns:r="http://schemas.openxmlformats.org/officeDocument/2006/relationships" xmlns:p="http://schemas.openxmlformats.org/presentationml/2006/main">
+  <p:cSld>
+    <p:spTree>
+      <p:nvGrpSpPr>
+        <p:cNvPr id="1" name=""/>
+        <p:cNvGrpSpPr/>
+        <p:nvPr/>
+      </p:nvGrpSpPr>
+      <p:grpSpPr>
+        <a:xfrm>
+          <a:off x="0" y="0"/>
+          <a:ext cx="0" cy="0"/>
+          <a:chOff x="0" y="0"/>
+          <a:chExt cx="0" cy="0"/>
+        </a:xfrm>
+      </p:grpSpPr>
+      <p:sp>
+        <p:nvSpPr>
+          <p:cNvPr id="4" name="Title 3"/>
+          <p:cNvSpPr>
+            <a:spLocks noGrp="1"/>
+          </p:cNvSpPr>
+          <p:nvPr>
+            <p:ph type="title"/>
+          </p:nvPr>
+        </p:nvSpPr>
+        <p:spPr/>
+        <p:txBody>
+          <a:bodyPr>
+            <a:normAutofit/>
+          </a:bodyPr>
+          <a:lstStyle/>
+          <a:p>
+            <a:r>
+              <a:rPr lang="en-US" dirty="0" smtClean="0"/>
+              <a:t>What are we going to do</a:t>
+            </a:r>
+            <a:endParaRPr lang="en-US" dirty="0"/>
+          </a:p>
+        </p:txBody>
+      </p:sp>
+      <p:sp>
+        <p:nvSpPr>
+          <p:cNvPr id="5" name="Content Placeholder 4"/>
+          <p:cNvSpPr>
+            <a:spLocks noGrp="1"/>
+          </p:cNvSpPr>
+          <p:nvPr>
+            <p:ph sz="quarter" idx="1"/>
+          </p:nvPr>
+        </p:nvSpPr>
+        <p:spPr/>
+        <p:txBody>
+          <a:bodyPr>
+            <a:normAutofit lnSpcReduction="10000"/>
+          </a:bodyPr>
+          <a:lstStyle/>
+          <a:p>
+            <a:r>
+              <a:rPr lang="en-US" dirty="0" smtClean="0"/>
+              <a:t>Create a basic web server interface</a:t>
+            </a:r>
+          </a:p>
+          <a:p>
+            <a:pPr lvl="1"/>
+            <a:r>
+              <a:rPr lang="en-US" dirty="0" smtClean="0"/>
+              <a:t>Create a server and declare our handling routine</a:t>
+            </a:r>
+            <a:endParaRPr lang="en-US" dirty="0" smtClean="0"/>
+          </a:p>
+          <a:p>
+            <a:pPr lvl="1"/>
+            <a:r>
+              <a:rPr lang="en-US" dirty="0" smtClean="0"/>
+              <a:t>listen() </a:t>
+            </a:r>
+            <a:r>
+              <a:rPr lang="en-US" dirty="0" smtClean="0"/>
+              <a:t>– </a:t>
+            </a:r>
+            <a:r>
+              <a:rPr lang="en-US" dirty="0" smtClean="0"/>
+              <a:t>tell our web server to listen to requests on some port with some host</a:t>
+            </a:r>
+            <a:endParaRPr lang="en-US" dirty="0" smtClean="0"/>
+          </a:p>
+          <a:p>
+            <a:pPr lvl="1"/>
+            <a:r>
+              <a:rPr lang="en-US" dirty="0" err="1" smtClean="0"/>
+              <a:t>addRequestHandler</a:t>
+            </a:r>
+            <a:r>
+              <a:rPr lang="en-US" dirty="0" smtClean="0"/>
+              <a:t>() </a:t>
+            </a:r>
+            <a:r>
+              <a:rPr lang="en-US" dirty="0" smtClean="0"/>
+              <a:t>– </a:t>
+            </a:r>
+            <a:r>
+              <a:rPr lang="en-US" dirty="0" smtClean="0"/>
+              <a:t>respond to a given HTTP request with some handling function</a:t>
+            </a:r>
+          </a:p>
+          <a:p>
+            <a:pPr lvl="1"/>
+            <a:r>
+              <a:rPr lang="en-US" dirty="0" err="1" smtClean="0"/>
+              <a:t>createFileHandler</a:t>
+            </a:r>
+            <a:r>
+              <a:rPr lang="en-US" dirty="0" smtClean="0"/>
+              <a:t>() – create a function to create a handler to respond to a request with the contents of a file</a:t>
+            </a:r>
+            <a:endParaRPr lang="en-US" dirty="0" smtClean="0"/>
+          </a:p>
+          <a:p>
+            <a:r>
+              <a:rPr lang="en-US" dirty="0" smtClean="0"/>
+              <a:t>Handle incoming </a:t>
+            </a:r>
+            <a:r>
+              <a:rPr lang="en-US" dirty="0" smtClean="0"/>
+              <a:t>requests and </a:t>
+            </a:r>
+            <a:r>
+              <a:rPr lang="en-US" dirty="0" smtClean="0"/>
+              <a:t>respond</a:t>
+            </a:r>
+            <a:endParaRPr lang="en-US" dirty="0"/>
+          </a:p>
+          <a:p>
+            <a:endParaRPr lang="en-US" dirty="0" smtClean="0"/>
+          </a:p>
+          <a:p>
+            <a:r>
+              <a:rPr lang="en-US" dirty="0" smtClean="0"/>
+              <a:t>(See code </a:t>
+            </a:r>
+            <a:r>
+              <a:rPr lang="en-US" dirty="0" smtClean="0"/>
+              <a:t>ServerTools.js, index.html, and </a:t>
+            </a:r>
+            <a:r>
+              <a:rPr lang="en-US" dirty="0" smtClean="0"/>
+              <a:t>snackbot.js)</a:t>
+            </a:r>
+            <a:endParaRPr lang="en-US" dirty="0"/>
+          </a:p>
+        </p:txBody>
+      </p:sp>
+    </p:spTree>
+    <p:extLst>
+      <p:ext uri="{BB962C8B-B14F-4D97-AF65-F5344CB8AC3E}">
+        <p14:creationId xmlns:p14="http://schemas.microsoft.com/office/powerpoint/2010/main" val="2114505371"/>
+      </p:ext>
+    </p:extLst>
+  </p:cSld>
+  <p:clrMapOvr>
+    <a:masterClrMapping/>
+  </p:clrMapOvr>
+  <p:timing>
+    <p:tnLst>
+      <p:par>
+        <p:cTn id="1" dur="indefinite" restart="never" nodeType="tmRoot"/>
+      </p:par>
+    </p:tnLst>
+  </p:timing>
+</p:sld>
+</file>
+
+<file path=ppt/slides/slide19.xml><?xml version="1.0" encoding="utf-8"?>
+<p:sld xmlns:a="http://schemas.openxmlformats.org/drawingml/2006/main" xmlns:r="http://schemas.openxmlformats.org/officeDocument/2006/relationships" xmlns:p="http://schemas.openxmlformats.org/presentationml/2006/main">
+  <p:cSld>
+    <p:spTree>
+      <p:nvGrpSpPr>
+        <p:cNvPr id="1" name=""/>
+        <p:cNvGrpSpPr/>
+        <p:nvPr/>
+      </p:nvGrpSpPr>
+      <p:grpSpPr>
+        <a:xfrm>
+          <a:off x="0" y="0"/>
+          <a:ext cx="0" cy="0"/>
+          <a:chOff x="0" y="0"/>
+          <a:chExt cx="0" cy="0"/>
+        </a:xfrm>
+      </p:grpSpPr>
+      <p:sp>
+        <p:nvSpPr>
+          <p:cNvPr id="4" name="Title 3"/>
+          <p:cNvSpPr>
+            <a:spLocks noGrp="1"/>
+          </p:cNvSpPr>
+          <p:nvPr>
+            <p:ph type="title"/>
+          </p:nvPr>
+        </p:nvSpPr>
+        <p:spPr/>
+        <p:txBody>
+          <a:bodyPr/>
+          <a:lstStyle/>
+          <a:p>
+            <a:r>
+              <a:rPr lang="en-US" dirty="0" smtClean="0"/>
+              <a:t>Hosting the bot</a:t>
+            </a:r>
+            <a:endParaRPr lang="en-US" dirty="0"/>
+          </a:p>
+        </p:txBody>
+      </p:sp>
+      <p:sp>
+        <p:nvSpPr>
+          <p:cNvPr id="5" name="Text Placeholder 4"/>
+          <p:cNvSpPr>
+            <a:spLocks noGrp="1"/>
+          </p:cNvSpPr>
+          <p:nvPr>
+            <p:ph type="body" idx="1"/>
+          </p:nvPr>
+        </p:nvSpPr>
+        <p:spPr/>
+        <p:txBody>
+          <a:bodyPr/>
+          <a:lstStyle/>
+          <a:p>
+            <a:r>
+              <a:rPr lang="en-US" dirty="0" smtClean="0"/>
+              <a:t>Run the bot on a </a:t>
+            </a:r>
+            <a:r>
+              <a:rPr lang="en-US" dirty="0" err="1" smtClean="0"/>
+              <a:t>Heroku</a:t>
+            </a:r>
+            <a:r>
+              <a:rPr lang="en-US" dirty="0" smtClean="0"/>
+              <a:t> server</a:t>
+            </a:r>
+            <a:endParaRPr lang="en-US" dirty="0"/>
+          </a:p>
+        </p:txBody>
+      </p:sp>
+    </p:spTree>
+    <p:extLst>
+      <p:ext uri="{BB962C8B-B14F-4D97-AF65-F5344CB8AC3E}">
+        <p14:creationId xmlns:p14="http://schemas.microsoft.com/office/powerpoint/2010/main" val="3862509054"/>
       </p:ext>
     </p:extLst>
   </p:cSld>
@@ -5622,7 +5948,9 @@
         </p:nvSpPr>
         <p:spPr/>
         <p:txBody>
-          <a:bodyPr/>
+          <a:bodyPr>
+            <a:normAutofit/>
+          </a:bodyPr>
           <a:lstStyle/>
           <a:p>
             <a:r>
@@ -5659,22 +5987,25 @@
             <a:pPr lvl="1"/>
             <a:r>
               <a:rPr lang="en-US" dirty="0" smtClean="0"/>
-              <a:t>Connect to AIM</a:t>
-            </a:r>
+              <a:t>AIM API</a:t>
+            </a:r>
+            <a:endParaRPr lang="en-US" dirty="0" smtClean="0"/>
           </a:p>
           <a:p>
             <a:pPr lvl="1"/>
             <a:r>
               <a:rPr lang="en-US" dirty="0" smtClean="0"/>
-              <a:t>Some HTML</a:t>
-            </a:r>
+              <a:t>Server/HTTP API</a:t>
+            </a:r>
+            <a:endParaRPr lang="en-US" dirty="0" smtClean="0"/>
           </a:p>
           <a:p>
             <a:pPr lvl="1"/>
             <a:r>
               <a:rPr lang="en-US" dirty="0" smtClean="0"/>
-              <a:t>Send some files to the client</a:t>
-            </a:r>
+              <a:t>Setup the bot!</a:t>
+            </a:r>
+            <a:endParaRPr lang="en-US" dirty="0" smtClean="0"/>
           </a:p>
           <a:p>
             <a:r>
@@ -5687,6 +6018,14 @@
             <a:r>
               <a:rPr lang="en-US" dirty="0" err="1" smtClean="0"/>
               <a:t>Heroku</a:t>
+            </a:r>
+            <a:r>
+              <a:rPr lang="en-US" dirty="0"/>
+              <a:t> </a:t>
+            </a:r>
+            <a:r>
+              <a:rPr lang="en-US" dirty="0" smtClean="0"/>
+              <a:t>&amp; related considerations</a:t>
             </a:r>
             <a:endParaRPr lang="en-US" dirty="0" smtClean="0"/>
           </a:p>
@@ -5716,6 +6055,708 @@
 </p:sld>
 </file>
 
+<file path=ppt/slides/slide20.xml><?xml version="1.0" encoding="utf-8"?>
+<p:sld xmlns:a="http://schemas.openxmlformats.org/drawingml/2006/main" xmlns:r="http://schemas.openxmlformats.org/officeDocument/2006/relationships" xmlns:p="http://schemas.openxmlformats.org/presentationml/2006/main">
+  <p:cSld>
+    <p:spTree>
+      <p:nvGrpSpPr>
+        <p:cNvPr id="1" name=""/>
+        <p:cNvGrpSpPr/>
+        <p:nvPr/>
+      </p:nvGrpSpPr>
+      <p:grpSpPr>
+        <a:xfrm>
+          <a:off x="0" y="0"/>
+          <a:ext cx="0" cy="0"/>
+          <a:chOff x="0" y="0"/>
+          <a:chExt cx="0" cy="0"/>
+        </a:xfrm>
+      </p:grpSpPr>
+      <p:sp>
+        <p:nvSpPr>
+          <p:cNvPr id="2" name="Title 1"/>
+          <p:cNvSpPr>
+            <a:spLocks noGrp="1"/>
+          </p:cNvSpPr>
+          <p:nvPr>
+            <p:ph type="title"/>
+          </p:nvPr>
+        </p:nvSpPr>
+        <p:spPr/>
+        <p:txBody>
+          <a:bodyPr/>
+          <a:lstStyle/>
+          <a:p>
+            <a:r>
+              <a:rPr lang="en-US" dirty="0" smtClean="0"/>
+              <a:t>What is </a:t>
+            </a:r>
+            <a:r>
+              <a:rPr lang="en-US" dirty="0" err="1" smtClean="0"/>
+              <a:t>Heroku</a:t>
+            </a:r>
+            <a:endParaRPr lang="en-US" dirty="0"/>
+          </a:p>
+        </p:txBody>
+      </p:sp>
+      <p:sp>
+        <p:nvSpPr>
+          <p:cNvPr id="3" name="Content Placeholder 2"/>
+          <p:cNvSpPr>
+            <a:spLocks noGrp="1"/>
+          </p:cNvSpPr>
+          <p:nvPr>
+            <p:ph sz="quarter" idx="1"/>
+          </p:nvPr>
+        </p:nvSpPr>
+        <p:spPr/>
+        <p:txBody>
+          <a:bodyPr/>
+          <a:lstStyle/>
+          <a:p>
+            <a:r>
+              <a:rPr lang="en-US" dirty="0" smtClean="0"/>
+              <a:t>A cloud based application </a:t>
+            </a:r>
+            <a:r>
+              <a:rPr lang="en-US" dirty="0" smtClean="0"/>
+              <a:t>platform built on Amazon web servers</a:t>
+            </a:r>
+            <a:endParaRPr lang="en-US" dirty="0" smtClean="0"/>
+          </a:p>
+          <a:p>
+            <a:r>
+              <a:rPr lang="en-US" dirty="0" smtClean="0"/>
+              <a:t>Code and changes are uploaded using </a:t>
+            </a:r>
+            <a:r>
+              <a:rPr lang="en-US" dirty="0" err="1" smtClean="0"/>
+              <a:t>git</a:t>
+            </a:r>
+            <a:endParaRPr lang="en-US" dirty="0" smtClean="0"/>
+          </a:p>
+          <a:p>
+            <a:r>
+              <a:rPr lang="en-US" dirty="0" smtClean="0"/>
+              <a:t>Free hosting for single processes (up to 750 CPU hours/month)</a:t>
+            </a:r>
+          </a:p>
+          <a:p>
+            <a:r>
+              <a:rPr lang="en-US" dirty="0" smtClean="0"/>
+              <a:t>Applications can be scaled up for money</a:t>
+            </a:r>
+          </a:p>
+          <a:p>
+            <a:pPr lvl="1"/>
+            <a:r>
+              <a:rPr lang="en-US" dirty="0" smtClean="0"/>
+              <a:t>Web </a:t>
+            </a:r>
+            <a:r>
+              <a:rPr lang="en-US" dirty="0" err="1" smtClean="0"/>
+              <a:t>Dynos</a:t>
+            </a:r>
+            <a:r>
+              <a:rPr lang="en-US" dirty="0" smtClean="0"/>
+              <a:t> – runs your code – provides concurrency</a:t>
+            </a:r>
+          </a:p>
+          <a:p>
+            <a:pPr lvl="1"/>
+            <a:r>
+              <a:rPr lang="en-US" dirty="0" smtClean="0"/>
+              <a:t>Worker </a:t>
+            </a:r>
+            <a:r>
+              <a:rPr lang="en-US" dirty="0" err="1" smtClean="0"/>
+              <a:t>Dynos</a:t>
+            </a:r>
+            <a:r>
+              <a:rPr lang="en-US" dirty="0" smtClean="0"/>
+              <a:t> – runs background jobs – provides raw power</a:t>
+            </a:r>
+          </a:p>
+          <a:p>
+            <a:endParaRPr lang="en-US" dirty="0"/>
+          </a:p>
+        </p:txBody>
+      </p:sp>
+    </p:spTree>
+    <p:extLst>
+      <p:ext uri="{BB962C8B-B14F-4D97-AF65-F5344CB8AC3E}">
+        <p14:creationId xmlns:p14="http://schemas.microsoft.com/office/powerpoint/2010/main" val="2058482847"/>
+      </p:ext>
+    </p:extLst>
+  </p:cSld>
+  <p:clrMapOvr>
+    <a:masterClrMapping/>
+  </p:clrMapOvr>
+  <p:timing>
+    <p:tnLst>
+      <p:par>
+        <p:cTn id="1" dur="indefinite" restart="never" nodeType="tmRoot"/>
+      </p:par>
+    </p:tnLst>
+  </p:timing>
+</p:sld>
+</file>
+
+<file path=ppt/slides/slide21.xml><?xml version="1.0" encoding="utf-8"?>
+<p:sld xmlns:a="http://schemas.openxmlformats.org/drawingml/2006/main" xmlns:r="http://schemas.openxmlformats.org/officeDocument/2006/relationships" xmlns:p="http://schemas.openxmlformats.org/presentationml/2006/main">
+  <p:cSld>
+    <p:spTree>
+      <p:nvGrpSpPr>
+        <p:cNvPr id="1" name=""/>
+        <p:cNvGrpSpPr/>
+        <p:nvPr/>
+      </p:nvGrpSpPr>
+      <p:grpSpPr>
+        <a:xfrm>
+          <a:off x="0" y="0"/>
+          <a:ext cx="0" cy="0"/>
+          <a:chOff x="0" y="0"/>
+          <a:chExt cx="0" cy="0"/>
+        </a:xfrm>
+      </p:grpSpPr>
+      <p:sp>
+        <p:nvSpPr>
+          <p:cNvPr id="2" name="Title 1"/>
+          <p:cNvSpPr>
+            <a:spLocks noGrp="1"/>
+          </p:cNvSpPr>
+          <p:nvPr>
+            <p:ph type="title"/>
+          </p:nvPr>
+        </p:nvSpPr>
+        <p:spPr/>
+        <p:txBody>
+          <a:bodyPr>
+            <a:normAutofit fontScale="90000"/>
+          </a:bodyPr>
+          <a:lstStyle/>
+          <a:p>
+            <a:r>
+              <a:rPr lang="en-US" dirty="0" smtClean="0"/>
+              <a:t>Dealing with private passwords in open source repositories	</a:t>
+            </a:r>
+            <a:endParaRPr lang="en-US" dirty="0"/>
+          </a:p>
+        </p:txBody>
+      </p:sp>
+      <p:sp>
+        <p:nvSpPr>
+          <p:cNvPr id="3" name="Content Placeholder 2"/>
+          <p:cNvSpPr>
+            <a:spLocks noGrp="1"/>
+          </p:cNvSpPr>
+          <p:nvPr>
+            <p:ph sz="quarter" idx="1"/>
+          </p:nvPr>
+        </p:nvSpPr>
+        <p:spPr/>
+        <p:txBody>
+          <a:bodyPr/>
+          <a:lstStyle/>
+          <a:p>
+            <a:r>
+              <a:rPr lang="en-US" dirty="0" smtClean="0"/>
+              <a:t>Can’t check passwords into repository</a:t>
+            </a:r>
+          </a:p>
+          <a:p>
+            <a:pPr lvl="1"/>
+            <a:r>
+              <a:rPr lang="en-US" dirty="0" smtClean="0"/>
+              <a:t>No way to have the passwords read from a file</a:t>
+            </a:r>
+          </a:p>
+          <a:p>
+            <a:r>
+              <a:rPr lang="en-US" dirty="0" smtClean="0"/>
+              <a:t>Several Solutions</a:t>
+            </a:r>
+          </a:p>
+          <a:p>
+            <a:pPr lvl="1"/>
+            <a:r>
+              <a:rPr lang="en-US" dirty="0" smtClean="0"/>
+              <a:t>Create a way to set the passwords from an admin page/setup</a:t>
+            </a:r>
+          </a:p>
+          <a:p>
+            <a:pPr lvl="1"/>
+            <a:r>
+              <a:rPr lang="en-US" dirty="0" smtClean="0"/>
+              <a:t>Retrieve the passwords from another domain that you </a:t>
+            </a:r>
+            <a:r>
+              <a:rPr lang="en-US" dirty="0" smtClean="0"/>
+              <a:t>control</a:t>
+            </a:r>
+          </a:p>
+          <a:p>
+            <a:pPr lvl="1"/>
+            <a:r>
+              <a:rPr lang="en-US" dirty="0" smtClean="0"/>
+              <a:t>Maintain separate states between the public repo and the </a:t>
+            </a:r>
+            <a:r>
+              <a:rPr lang="en-US" dirty="0" err="1" smtClean="0"/>
+              <a:t>Heroku</a:t>
+            </a:r>
+            <a:r>
+              <a:rPr lang="en-US" dirty="0" smtClean="0"/>
+              <a:t> server</a:t>
+            </a:r>
+            <a:endParaRPr lang="en-US" dirty="0" smtClean="0"/>
+          </a:p>
+          <a:p>
+            <a:pPr lvl="1"/>
+            <a:r>
+              <a:rPr lang="en-US" dirty="0" smtClean="0"/>
+              <a:t>Use environment variables</a:t>
+            </a:r>
+          </a:p>
+          <a:p>
+            <a:endParaRPr lang="en-US" dirty="0"/>
+          </a:p>
+        </p:txBody>
+      </p:sp>
+    </p:spTree>
+    <p:extLst>
+      <p:ext uri="{BB962C8B-B14F-4D97-AF65-F5344CB8AC3E}">
+        <p14:creationId xmlns:p14="http://schemas.microsoft.com/office/powerpoint/2010/main" val="531209745"/>
+      </p:ext>
+    </p:extLst>
+  </p:cSld>
+  <p:clrMapOvr>
+    <a:masterClrMapping/>
+  </p:clrMapOvr>
+</p:sld>
+</file>
+
+<file path=ppt/slides/slide22.xml><?xml version="1.0" encoding="utf-8"?>
+<p:sld xmlns:a="http://schemas.openxmlformats.org/drawingml/2006/main" xmlns:r="http://schemas.openxmlformats.org/officeDocument/2006/relationships" xmlns:p="http://schemas.openxmlformats.org/presentationml/2006/main">
+  <p:cSld>
+    <p:spTree>
+      <p:nvGrpSpPr>
+        <p:cNvPr id="1" name=""/>
+        <p:cNvGrpSpPr/>
+        <p:nvPr/>
+      </p:nvGrpSpPr>
+      <p:grpSpPr>
+        <a:xfrm>
+          <a:off x="0" y="0"/>
+          <a:ext cx="0" cy="0"/>
+          <a:chOff x="0" y="0"/>
+          <a:chExt cx="0" cy="0"/>
+        </a:xfrm>
+      </p:grpSpPr>
+      <p:sp>
+        <p:nvSpPr>
+          <p:cNvPr id="2" name="Title 1"/>
+          <p:cNvSpPr>
+            <a:spLocks noGrp="1"/>
+          </p:cNvSpPr>
+          <p:nvPr>
+            <p:ph type="title"/>
+          </p:nvPr>
+        </p:nvSpPr>
+        <p:spPr/>
+        <p:txBody>
+          <a:bodyPr/>
+          <a:lstStyle/>
+          <a:p>
+            <a:r>
+              <a:rPr lang="en-US" dirty="0" err="1" smtClean="0"/>
+              <a:t>Heroku</a:t>
+            </a:r>
+            <a:r>
+              <a:rPr lang="en-US" dirty="0" smtClean="0"/>
+              <a:t> Environment Variables</a:t>
+            </a:r>
+            <a:endParaRPr lang="en-US" dirty="0"/>
+          </a:p>
+        </p:txBody>
+      </p:sp>
+      <p:sp>
+        <p:nvSpPr>
+          <p:cNvPr id="3" name="Content Placeholder 2"/>
+          <p:cNvSpPr>
+            <a:spLocks noGrp="1"/>
+          </p:cNvSpPr>
+          <p:nvPr>
+            <p:ph sz="quarter" idx="1"/>
+          </p:nvPr>
+        </p:nvSpPr>
+        <p:spPr/>
+        <p:txBody>
+          <a:bodyPr/>
+          <a:lstStyle/>
+          <a:p>
+            <a:r>
+              <a:rPr lang="en-US" dirty="0" err="1" smtClean="0"/>
+              <a:t>Heroku</a:t>
+            </a:r>
+            <a:r>
+              <a:rPr lang="en-US" dirty="0" smtClean="0"/>
+              <a:t> has what they call </a:t>
+            </a:r>
+            <a:r>
+              <a:rPr lang="en-US" dirty="0" err="1" smtClean="0"/>
+              <a:t>Config</a:t>
+            </a:r>
+            <a:r>
+              <a:rPr lang="en-US" dirty="0" smtClean="0"/>
+              <a:t> </a:t>
+            </a:r>
+            <a:r>
+              <a:rPr lang="en-US" dirty="0" err="1" smtClean="0"/>
+              <a:t>Vars</a:t>
+            </a:r>
+            <a:endParaRPr lang="en-US" dirty="0" smtClean="0"/>
+          </a:p>
+          <a:p>
+            <a:pPr lvl="1"/>
+            <a:r>
+              <a:rPr lang="en-US" dirty="0" smtClean="0"/>
+              <a:t>Must be setup for each </a:t>
+            </a:r>
+            <a:r>
+              <a:rPr lang="en-US" dirty="0" err="1" smtClean="0"/>
+              <a:t>Heroku</a:t>
+            </a:r>
+            <a:r>
+              <a:rPr lang="en-US" dirty="0" smtClean="0"/>
+              <a:t> instance</a:t>
+            </a:r>
+          </a:p>
+          <a:p>
+            <a:pPr lvl="1"/>
+            <a:endParaRPr lang="en-US" dirty="0" smtClean="0"/>
+          </a:p>
+          <a:p>
+            <a:endParaRPr lang="en-US" dirty="0"/>
+          </a:p>
+        </p:txBody>
+      </p:sp>
+      <p:sp>
+        <p:nvSpPr>
+          <p:cNvPr id="4" name="TextBox 3"/>
+          <p:cNvSpPr txBox="1"/>
+          <p:nvPr/>
+        </p:nvSpPr>
+        <p:spPr>
+          <a:xfrm>
+            <a:off x="2667000" y="3871490"/>
+            <a:ext cx="3886200" cy="923330"/>
+          </a:xfrm>
+          <a:prstGeom prst="rect">
+            <a:avLst/>
+          </a:prstGeom>
+          <a:noFill/>
+          <a:ln>
+            <a:solidFill>
+              <a:schemeClr val="accent1"/>
+            </a:solidFill>
+          </a:ln>
+        </p:spPr>
+        <p:txBody>
+          <a:bodyPr wrap="square" rtlCol="0">
+            <a:spAutoFit/>
+          </a:bodyPr>
+          <a:lstStyle/>
+          <a:p>
+            <a:pPr algn="ctr"/>
+            <a:r>
+              <a:rPr lang="en-US" dirty="0" smtClean="0">
+                <a:latin typeface="Cordia New" pitchFamily="34" charset="-34"/>
+                <a:cs typeface="Cordia New" pitchFamily="34" charset="-34"/>
+              </a:rPr>
+              <a:t>Example:</a:t>
+            </a:r>
+          </a:p>
+          <a:p>
+            <a:r>
+              <a:rPr lang="en-US" dirty="0" smtClean="0">
+                <a:latin typeface="Cordia New" pitchFamily="34" charset="-34"/>
+                <a:cs typeface="Cordia New" pitchFamily="34" charset="-34"/>
+              </a:rPr>
+              <a:t>$ </a:t>
+            </a:r>
+            <a:r>
+              <a:rPr lang="en-US" dirty="0">
+                <a:latin typeface="Cordia New" pitchFamily="34" charset="-34"/>
+                <a:cs typeface="Cordia New" pitchFamily="34" charset="-34"/>
+              </a:rPr>
+              <a:t>cd </a:t>
+            </a:r>
+            <a:r>
+              <a:rPr lang="en-US" dirty="0" err="1">
+                <a:latin typeface="Cordia New" pitchFamily="34" charset="-34"/>
+                <a:cs typeface="Cordia New" pitchFamily="34" charset="-34"/>
+              </a:rPr>
+              <a:t>myapp</a:t>
+            </a:r>
+            <a:r>
+              <a:rPr lang="en-US" dirty="0">
+                <a:latin typeface="Cordia New" pitchFamily="34" charset="-34"/>
+                <a:cs typeface="Cordia New" pitchFamily="34" charset="-34"/>
+              </a:rPr>
+              <a:t> $ </a:t>
+            </a:r>
+            <a:r>
+              <a:rPr lang="en-US" dirty="0" err="1">
+                <a:latin typeface="Cordia New" pitchFamily="34" charset="-34"/>
+                <a:cs typeface="Cordia New" pitchFamily="34" charset="-34"/>
+              </a:rPr>
+              <a:t>heroku</a:t>
+            </a:r>
+            <a:r>
+              <a:rPr lang="en-US" dirty="0">
+                <a:latin typeface="Cordia New" pitchFamily="34" charset="-34"/>
+                <a:cs typeface="Cordia New" pitchFamily="34" charset="-34"/>
+              </a:rPr>
+              <a:t> </a:t>
+            </a:r>
+            <a:r>
+              <a:rPr lang="en-US" dirty="0" err="1">
+                <a:latin typeface="Cordia New" pitchFamily="34" charset="-34"/>
+                <a:cs typeface="Cordia New" pitchFamily="34" charset="-34"/>
+              </a:rPr>
+              <a:t>config:add</a:t>
+            </a:r>
+            <a:r>
+              <a:rPr lang="en-US" dirty="0">
+                <a:latin typeface="Cordia New" pitchFamily="34" charset="-34"/>
+                <a:cs typeface="Cordia New" pitchFamily="34" charset="-34"/>
+              </a:rPr>
+              <a:t> S3_KEY=8N029N81 </a:t>
+            </a:r>
+            <a:r>
+              <a:rPr lang="en-US" dirty="0" smtClean="0">
+                <a:latin typeface="Cordia New" pitchFamily="34" charset="-34"/>
+                <a:cs typeface="Cordia New" pitchFamily="34" charset="-34"/>
+              </a:rPr>
+              <a:t>S3_SECRET=9s83109d3+583493190</a:t>
+            </a:r>
+          </a:p>
+        </p:txBody>
+      </p:sp>
+      <p:sp>
+        <p:nvSpPr>
+          <p:cNvPr id="5" name="TextBox 4"/>
+          <p:cNvSpPr txBox="1"/>
+          <p:nvPr/>
+        </p:nvSpPr>
+        <p:spPr>
+          <a:xfrm>
+            <a:off x="2667000" y="5272341"/>
+            <a:ext cx="3886200" cy="646331"/>
+          </a:xfrm>
+          <a:prstGeom prst="rect">
+            <a:avLst/>
+          </a:prstGeom>
+          <a:noFill/>
+          <a:ln>
+            <a:solidFill>
+              <a:schemeClr val="accent1"/>
+            </a:solidFill>
+          </a:ln>
+        </p:spPr>
+        <p:txBody>
+          <a:bodyPr wrap="square" rtlCol="0">
+            <a:spAutoFit/>
+          </a:bodyPr>
+          <a:lstStyle/>
+          <a:p>
+            <a:pPr algn="ctr"/>
+            <a:r>
+              <a:rPr lang="en-US" dirty="0" smtClean="0">
+                <a:latin typeface="Cordia New" pitchFamily="34" charset="-34"/>
+                <a:cs typeface="Cordia New" pitchFamily="34" charset="-34"/>
+              </a:rPr>
+              <a:t>JS Usage:</a:t>
+            </a:r>
+          </a:p>
+          <a:p>
+            <a:r>
+              <a:rPr lang="en-US" dirty="0" err="1" smtClean="0">
+                <a:latin typeface="Cordia New" pitchFamily="34" charset="-34"/>
+                <a:cs typeface="Cordia New" pitchFamily="34" charset="-34"/>
+              </a:rPr>
+              <a:t>var</a:t>
+            </a:r>
+            <a:r>
+              <a:rPr lang="en-US" dirty="0" smtClean="0">
+                <a:latin typeface="Cordia New" pitchFamily="34" charset="-34"/>
+                <a:cs typeface="Cordia New" pitchFamily="34" charset="-34"/>
+              </a:rPr>
+              <a:t> </a:t>
+            </a:r>
+            <a:r>
+              <a:rPr lang="en-US" dirty="0" err="1" smtClean="0">
+                <a:latin typeface="Cordia New" pitchFamily="34" charset="-34"/>
+                <a:cs typeface="Cordia New" pitchFamily="34" charset="-34"/>
+              </a:rPr>
+              <a:t>myEnv</a:t>
+            </a:r>
+            <a:r>
+              <a:rPr lang="en-US" dirty="0" smtClean="0">
+                <a:latin typeface="Cordia New" pitchFamily="34" charset="-34"/>
+                <a:cs typeface="Cordia New" pitchFamily="34" charset="-34"/>
+              </a:rPr>
+              <a:t> = </a:t>
+            </a:r>
+            <a:r>
+              <a:rPr lang="en-US" dirty="0" err="1" smtClean="0">
+                <a:latin typeface="Cordia New" pitchFamily="34" charset="-34"/>
+                <a:cs typeface="Cordia New" pitchFamily="34" charset="-34"/>
+              </a:rPr>
+              <a:t>process.env.MY_ENV</a:t>
+            </a:r>
+            <a:endParaRPr lang="en-US" dirty="0" smtClean="0">
+              <a:latin typeface="Cordia New" pitchFamily="34" charset="-34"/>
+              <a:cs typeface="Cordia New" pitchFamily="34" charset="-34"/>
+            </a:endParaRPr>
+          </a:p>
+        </p:txBody>
+      </p:sp>
+    </p:spTree>
+    <p:extLst>
+      <p:ext uri="{BB962C8B-B14F-4D97-AF65-F5344CB8AC3E}">
+        <p14:creationId xmlns:p14="http://schemas.microsoft.com/office/powerpoint/2010/main" val="4154251535"/>
+      </p:ext>
+    </p:extLst>
+  </p:cSld>
+  <p:clrMapOvr>
+    <a:masterClrMapping/>
+  </p:clrMapOvr>
+  <p:timing>
+    <p:tnLst>
+      <p:par>
+        <p:cTn id="1" dur="indefinite" restart="never" nodeType="tmRoot"/>
+      </p:par>
+    </p:tnLst>
+  </p:timing>
+</p:sld>
+</file>
+
+<file path=ppt/slides/slide23.xml><?xml version="1.0" encoding="utf-8"?>
+<p:sld xmlns:a="http://schemas.openxmlformats.org/drawingml/2006/main" xmlns:r="http://schemas.openxmlformats.org/officeDocument/2006/relationships" xmlns:p="http://schemas.openxmlformats.org/presentationml/2006/main">
+  <p:cSld>
+    <p:spTree>
+      <p:nvGrpSpPr>
+        <p:cNvPr id="1" name=""/>
+        <p:cNvGrpSpPr/>
+        <p:nvPr/>
+      </p:nvGrpSpPr>
+      <p:grpSpPr>
+        <a:xfrm>
+          <a:off x="0" y="0"/>
+          <a:ext cx="0" cy="0"/>
+          <a:chOff x="0" y="0"/>
+          <a:chExt cx="0" cy="0"/>
+        </a:xfrm>
+      </p:grpSpPr>
+      <p:sp>
+        <p:nvSpPr>
+          <p:cNvPr id="2" name="Title 1"/>
+          <p:cNvSpPr>
+            <a:spLocks noGrp="1"/>
+          </p:cNvSpPr>
+          <p:nvPr>
+            <p:ph type="title"/>
+          </p:nvPr>
+        </p:nvSpPr>
+        <p:spPr/>
+        <p:txBody>
+          <a:bodyPr/>
+          <a:lstStyle/>
+          <a:p>
+            <a:r>
+              <a:rPr lang="en-US" dirty="0" smtClean="0"/>
+              <a:t>Bot defensive measures</a:t>
+            </a:r>
+            <a:endParaRPr lang="en-US" dirty="0"/>
+          </a:p>
+        </p:txBody>
+      </p:sp>
+      <p:sp>
+        <p:nvSpPr>
+          <p:cNvPr id="3" name="Content Placeholder 2"/>
+          <p:cNvSpPr>
+            <a:spLocks noGrp="1"/>
+          </p:cNvSpPr>
+          <p:nvPr>
+            <p:ph sz="quarter" idx="1"/>
+          </p:nvPr>
+        </p:nvSpPr>
+        <p:spPr/>
+        <p:txBody>
+          <a:bodyPr/>
+          <a:lstStyle/>
+          <a:p>
+            <a:r>
+              <a:rPr lang="en-US" dirty="0" smtClean="0"/>
+              <a:t>Be careful with passwords/login info</a:t>
+            </a:r>
+          </a:p>
+          <a:p>
+            <a:r>
+              <a:rPr lang="en-US" dirty="0" smtClean="0"/>
+              <a:t>Ignore messages from yourself explicitly</a:t>
+            </a:r>
+          </a:p>
+          <a:p>
+            <a:r>
+              <a:rPr lang="en-US" dirty="0" smtClean="0"/>
+              <a:t>Be on the lookout for others logging in on the same account</a:t>
+            </a:r>
+          </a:p>
+          <a:p>
+            <a:pPr lvl="1"/>
+            <a:r>
+              <a:rPr lang="en-US" dirty="0" smtClean="0"/>
+              <a:t>Some API’s/formats will give you notice of it happening, before/instead of kicking you off</a:t>
+            </a:r>
+          </a:p>
+          <a:p>
+            <a:pPr lvl="1"/>
+            <a:r>
+              <a:rPr lang="en-US" dirty="0" smtClean="0"/>
+              <a:t>AIM allows you to respond to a system message with “1” to sign another account off</a:t>
+            </a:r>
+          </a:p>
+          <a:p>
+            <a:r>
+              <a:rPr lang="en-US" dirty="0" smtClean="0"/>
+              <a:t>Be wary of infinite loops/crashes due to high activity</a:t>
+            </a:r>
+          </a:p>
+          <a:p>
+            <a:r>
+              <a:rPr lang="en-US" dirty="0" smtClean="0"/>
+              <a:t>Debug locally on a different account from your production version</a:t>
+            </a:r>
+            <a:endParaRPr lang="en-US" dirty="0"/>
+          </a:p>
+        </p:txBody>
+      </p:sp>
+    </p:spTree>
+    <p:extLst>
+      <p:ext uri="{BB962C8B-B14F-4D97-AF65-F5344CB8AC3E}">
+        <p14:creationId xmlns:p14="http://schemas.microsoft.com/office/powerpoint/2010/main" val="477290259"/>
+      </p:ext>
+    </p:extLst>
+  </p:cSld>
+  <p:clrMapOvr>
+    <a:masterClrMapping/>
+  </p:clrMapOvr>
+</p:sld>
+</file>
+
 <file path=ppt/slides/slide3.xml><?xml version="1.0" encoding="utf-8"?>
 <p:sld xmlns:a="http://schemas.openxmlformats.org/drawingml/2006/main" xmlns:r="http://schemas.openxmlformats.org/officeDocument/2006/relationships" xmlns:p="http://schemas.openxmlformats.org/presentationml/2006/main">
   <p:cSld>
@@ -5799,23 +6840,7 @@
           <a:p>
             <a:r>
               <a:rPr lang="en-US" dirty="0" smtClean="0"/>
-              <a:t>Primitive types </a:t>
-            </a:r>
-            <a:r>
-              <a:rPr lang="en-US" dirty="0" smtClean="0"/>
-              <a:t>passed </a:t>
-            </a:r>
-            <a:r>
-              <a:rPr lang="en-US" dirty="0" smtClean="0"/>
-              <a:t>by value. Objects </a:t>
-            </a:r>
-            <a:r>
-              <a:rPr lang="en-US" dirty="0" smtClean="0"/>
-              <a:t>passed </a:t>
-            </a:r>
-            <a:r>
-              <a:rPr lang="en-US" dirty="0" smtClean="0"/>
-              <a:t>by reference</a:t>
+              <a:t>Primitive types passed by value. Objects passed by reference</a:t>
             </a:r>
           </a:p>
         </p:txBody>
@@ -6802,30 +7827,37 @@
                 <a:latin typeface="Cordia New" pitchFamily="34" charset="-34"/>
                 <a:cs typeface="Cordia New" pitchFamily="34" charset="-34"/>
               </a:rPr>
-              <a:t>counter1(7);    // Prints '7'</a:t>
-            </a:r>
-          </a:p>
-          <a:p>
-            <a:r>
-              <a:rPr lang="en-US" sz="1400" dirty="0">
-                <a:latin typeface="Cordia New" pitchFamily="34" charset="-34"/>
-                <a:cs typeface="Cordia New" pitchFamily="34" charset="-34"/>
-              </a:rPr>
-              <a:t>counter2(1);    // Prints '1'</a:t>
-            </a:r>
-          </a:p>
-          <a:p>
-            <a:r>
-              <a:rPr lang="en-US" sz="1400" dirty="0">
-                <a:latin typeface="Cordia New" pitchFamily="34" charset="-34"/>
-                <a:cs typeface="Cordia New" pitchFamily="34" charset="-34"/>
-              </a:rPr>
-              <a:t>counter1(1);    // Prints '9'</a:t>
+              <a:t>counter1(7);    // Prints </a:t>
+            </a:r>
+            <a:r>
+              <a:rPr lang="en-US" sz="1400" dirty="0" smtClean="0">
+                <a:latin typeface="Cordia New" pitchFamily="34" charset="-34"/>
+                <a:cs typeface="Cordia New" pitchFamily="34" charset="-34"/>
+              </a:rPr>
+              <a:t>‘8'</a:t>
             </a:r>
             <a:endParaRPr lang="en-US" sz="1400" dirty="0">
               <a:latin typeface="Cordia New" pitchFamily="34" charset="-34"/>
               <a:cs typeface="Cordia New" pitchFamily="34" charset="-34"/>
             </a:endParaRPr>
+          </a:p>
+          <a:p>
+            <a:r>
+              <a:rPr lang="en-US" sz="1400" dirty="0">
+                <a:latin typeface="Cordia New" pitchFamily="34" charset="-34"/>
+                <a:cs typeface="Cordia New" pitchFamily="34" charset="-34"/>
+              </a:rPr>
+              <a:t>counter2(1);    // Prints '1'</a:t>
+            </a:r>
+          </a:p>
+          <a:p>
+            <a:r>
+              <a:rPr lang="en-US" sz="1400" dirty="0">
+                <a:latin typeface="Cordia New" pitchFamily="34" charset="-34"/>
+                <a:cs typeface="Cordia New" pitchFamily="34" charset="-34"/>
+              </a:rPr>
+              <a:t>counter1(1);    // Prints '9'</a:t>
+            </a:r>
           </a:p>
         </p:txBody>
       </p:sp>
@@ -6930,11 +7962,7 @@
             <a:pPr lvl="1"/>
             <a:r>
               <a:rPr lang="en-US" dirty="0" smtClean="0"/>
-              <a:t>Code is </a:t>
-            </a:r>
-            <a:r>
-              <a:rPr lang="en-US" dirty="0" smtClean="0"/>
-              <a:t>sent as simple text</a:t>
+              <a:t>Code is sent as simple text</a:t>
             </a:r>
           </a:p>
           <a:p>
@@ -6956,23 +7984,14 @@
             </a:pPr>
             <a:r>
               <a:rPr lang="en-US" u="sng" dirty="0" smtClean="0"/>
-              <a:t>Server Side – </a:t>
-            </a:r>
-            <a:r>
-              <a:rPr lang="en-US" u="sng" dirty="0" smtClean="0"/>
-              <a:t>Node.js</a:t>
-            </a:r>
-            <a:endParaRPr lang="en-US" u="sng" dirty="0" smtClean="0"/>
+              <a:t>Server Side – Node.js</a:t>
+            </a:r>
           </a:p>
           <a:p>
             <a:pPr lvl="1"/>
             <a:r>
               <a:rPr lang="en-US" dirty="0" smtClean="0"/>
-              <a:t>Node.js is pointed to a JavaScript file from the command line, and then interprets and runs </a:t>
-            </a:r>
-            <a:r>
-              <a:rPr lang="en-US" dirty="0" smtClean="0"/>
-              <a:t>it</a:t>
+              <a:t>Node.js is pointed to a JavaScript file from the command line, and then interprets and runs it</a:t>
             </a:r>
             <a:endParaRPr lang="en-US" dirty="0"/>
           </a:p>
@@ -7077,21 +8096,13 @@
           <a:p>
             <a:r>
               <a:rPr lang="en-US" dirty="0" smtClean="0"/>
-              <a:t>JavaScript’s </a:t>
-            </a:r>
-            <a:r>
-              <a:rPr lang="en-US" dirty="0" smtClean="0"/>
-              <a:t>can be extremely obfuscated.</a:t>
-            </a:r>
-          </a:p>
-          <a:p>
-            <a:r>
-              <a:rPr lang="en-US" dirty="0" smtClean="0"/>
-              <a:t>The </a:t>
-            </a:r>
-            <a:r>
-              <a:rPr lang="en-US" dirty="0" smtClean="0"/>
-              <a:t>only way to protect your client side code is to make it totally illegible</a:t>
+              <a:t>JavaScript’s can be extremely obfuscated.</a:t>
+            </a:r>
+          </a:p>
+          <a:p>
+            <a:r>
+              <a:rPr lang="en-US" dirty="0" smtClean="0"/>
+              <a:t>The only way to protect your client side code is to make it totally illegible</a:t>
             </a:r>
           </a:p>
           <a:p>
@@ -7198,29 +8209,62 @@
           <a:p>
             <a:r>
               <a:rPr lang="en-US" dirty="0" smtClean="0"/>
-              <a:t>Event loop driven web framework where server-side code is written in JavaScript</a:t>
-            </a:r>
-          </a:p>
-          <a:p>
-            <a:r>
-              <a:rPr lang="en-US" dirty="0" smtClean="0"/>
-              <a:t>Fast – C++ V8 under the hood</a:t>
-            </a:r>
-          </a:p>
-          <a:p>
-            <a:r>
-              <a:rPr lang="en-US" dirty="0" smtClean="0"/>
-              <a:t>Non-blocking – Makes no function calls to I/O inside the event loop</a:t>
-            </a:r>
-          </a:p>
-          <a:p>
-            <a:r>
-              <a:rPr lang="en-US" dirty="0" smtClean="0"/>
-              <a:t>Callback based – Tells the OS that it should be notified when a connection is made, and then </a:t>
-            </a:r>
-            <a:r>
-              <a:rPr lang="en-US" dirty="0" smtClean="0"/>
-              <a:t>goes to sleep</a:t>
+              <a:t>A wrapper around Google’s open source JavaScript engine V8</a:t>
+            </a:r>
+          </a:p>
+          <a:p>
+            <a:r>
+              <a:rPr lang="en-US" dirty="0" smtClean="0"/>
+              <a:t>Event </a:t>
+            </a:r>
+            <a:r>
+              <a:rPr lang="en-US" dirty="0" smtClean="0"/>
+              <a:t>loop driven web framework where server-side code is written in JavaScript</a:t>
+            </a:r>
+          </a:p>
+          <a:p>
+            <a:r>
+              <a:rPr lang="en-US" dirty="0" smtClean="0"/>
+              <a:t>Fast – </a:t>
+            </a:r>
+            <a:r>
+              <a:rPr lang="en-US" dirty="0" smtClean="0"/>
+              <a:t>No need to load an interpreter on each request lik</a:t>
+            </a:r>
+            <a:r>
+              <a:rPr lang="en-US" dirty="0" smtClean="0"/>
+              <a:t>e Apache</a:t>
+            </a:r>
+            <a:endParaRPr lang="en-US" dirty="0" smtClean="0"/>
+          </a:p>
+          <a:p>
+            <a:r>
+              <a:rPr lang="en-US" dirty="0" smtClean="0"/>
+              <a:t>Non-blocking – Makes no </a:t>
+            </a:r>
+            <a:r>
+              <a:rPr lang="en-US" dirty="0" smtClean="0"/>
+              <a:t>calls </a:t>
+            </a:r>
+            <a:r>
+              <a:rPr lang="en-US" dirty="0" smtClean="0"/>
+              <a:t>to I/O inside the event loop</a:t>
+            </a:r>
+          </a:p>
+          <a:p>
+            <a:r>
+              <a:rPr lang="en-US" dirty="0" smtClean="0"/>
+              <a:t>Callback based – Tells the OS that it should be notified when a connection is made, and then goes to </a:t>
+            </a:r>
+            <a:r>
+              <a:rPr lang="en-US" dirty="0" smtClean="0"/>
+              <a:t>sleep</a:t>
+            </a:r>
+          </a:p>
+          <a:p>
+            <a:r>
+              <a:rPr lang="en-US" dirty="0" smtClean="0"/>
+              <a:t>Cross platform, works on Mac, Windows, and Linux</a:t>
             </a:r>
             <a:endParaRPr lang="en-US" dirty="0" smtClean="0"/>
           </a:p>
@@ -7275,12 +8319,63 @@
         </p:nvSpPr>
         <p:spPr/>
         <p:txBody>
+          <a:bodyPr>
+            <a:normAutofit fontScale="90000"/>
+          </a:bodyPr>
+          <a:lstStyle/>
+          <a:p>
+            <a:r>
+              <a:rPr lang="en-US" dirty="0"/>
+              <a:t>Node.js </a:t>
+            </a:r>
+            <a:r>
+              <a:rPr lang="en-US" dirty="0" smtClean="0"/>
+              <a:t>Performance </a:t>
+            </a:r>
+            <a:r>
+              <a:rPr lang="en-US" dirty="0" err="1" smtClean="0"/>
+              <a:t>vs</a:t>
+            </a:r>
+            <a:r>
+              <a:rPr lang="en-US" dirty="0" smtClean="0"/>
+              <a:t> Apache/PHP</a:t>
+            </a:r>
+            <a:r>
+              <a:rPr lang="en-US" dirty="0"/>
+              <a:t/>
+            </a:r>
+            <a:br>
+              <a:rPr lang="en-US" dirty="0"/>
+            </a:br>
+            <a:r>
+              <a:rPr lang="en-US" sz="1100" dirty="0" smtClean="0"/>
+              <a:t>Results from: http</a:t>
+            </a:r>
+            <a:r>
+              <a:rPr lang="en-US" sz="1100" dirty="0"/>
+              <a:t>://zgadzaj.com/benchmarking-nodejs-basic-performance-tests-against-apache-php</a:t>
+            </a:r>
+          </a:p>
+        </p:txBody>
+      </p:sp>
+      <p:sp>
+        <p:nvSpPr>
+          <p:cNvPr id="3" name="Content Placeholder 2"/>
+          <p:cNvSpPr>
+            <a:spLocks noGrp="1"/>
+          </p:cNvSpPr>
+          <p:nvPr>
+            <p:ph sz="quarter" idx="1"/>
+          </p:nvPr>
+        </p:nvSpPr>
+        <p:spPr/>
+        <p:txBody>
           <a:bodyPr/>
           <a:lstStyle/>
           <a:p>
             <a:r>
               <a:rPr lang="en-US" dirty="0" smtClean="0"/>
-              <a:t>Node Require</a:t>
+              <a:t>Node is fast! 1Mil requests 20k at a time:</a:t>
             </a:r>
             <a:endParaRPr lang="en-US" dirty="0"/>
           </a:p>
@@ -7288,89 +8383,540 @@
       </p:sp>
       <p:sp>
         <p:nvSpPr>
-          <p:cNvPr id="3" name="Content Placeholder 2"/>
-          <p:cNvSpPr>
-            <a:spLocks noGrp="1"/>
-          </p:cNvSpPr>
-          <p:nvPr>
-            <p:ph sz="quarter" idx="1"/>
-          </p:nvPr>
-        </p:nvSpPr>
-        <p:spPr/>
-        <p:txBody>
-          <a:bodyPr/>
-          <a:lstStyle/>
-          <a:p>
-            <a:r>
-              <a:rPr lang="en-US" dirty="0" smtClean="0"/>
-              <a:t>Rough equivalent of #include in C++, but returns an object</a:t>
-            </a:r>
-          </a:p>
-          <a:p>
-            <a:r>
-              <a:rPr lang="en-US" dirty="0" smtClean="0"/>
-              <a:t>Some modules written by </a:t>
-            </a:r>
-            <a:r>
-              <a:rPr lang="en-US" dirty="0" err="1" smtClean="0"/>
-              <a:t>Joyent</a:t>
-            </a:r>
-            <a:r>
-              <a:rPr lang="en-US" dirty="0" smtClean="0"/>
-              <a:t>, some by 3</a:t>
-            </a:r>
-            <a:r>
-              <a:rPr lang="en-US" baseline="30000" dirty="0" smtClean="0"/>
-              <a:t>rd</a:t>
-            </a:r>
-            <a:r>
-              <a:rPr lang="en-US" dirty="0" smtClean="0"/>
-              <a:t> parties</a:t>
-            </a:r>
-          </a:p>
-          <a:p>
-            <a:r>
-              <a:rPr lang="en-US" dirty="0" smtClean="0"/>
-              <a:t>ex. “</a:t>
-            </a:r>
-            <a:r>
-              <a:rPr lang="en-US" dirty="0" err="1" smtClean="0"/>
-              <a:t>var</a:t>
-            </a:r>
-            <a:r>
-              <a:rPr lang="en-US" dirty="0" smtClean="0"/>
-              <a:t> </a:t>
-            </a:r>
-            <a:r>
-              <a:rPr lang="en-US" dirty="0" err="1" smtClean="0"/>
-              <a:t>myModule</a:t>
-            </a:r>
-            <a:r>
-              <a:rPr lang="en-US" dirty="0" smtClean="0"/>
-              <a:t> = require(‘</a:t>
-            </a:r>
-            <a:r>
-              <a:rPr lang="en-US" dirty="0" err="1" smtClean="0"/>
-              <a:t>someModule</a:t>
-            </a:r>
-            <a:r>
-              <a:rPr lang="en-US" dirty="0" smtClean="0"/>
-              <a:t>’);”</a:t>
-            </a:r>
-          </a:p>
-          <a:p>
-            <a:r>
-              <a:rPr lang="en-US" dirty="0" smtClean="0"/>
-              <a:t>Solves the problem of having multiple classes in JavaScript (by allowing you to put things in multiple files)</a:t>
-            </a:r>
-            <a:endParaRPr lang="en-US" dirty="0"/>
+          <p:cNvPr id="4" name="TextBox 3"/>
+          <p:cNvSpPr txBox="1"/>
+          <p:nvPr/>
+        </p:nvSpPr>
+        <p:spPr>
+          <a:xfrm>
+            <a:off x="533400" y="1905000"/>
+            <a:ext cx="3886200" cy="4770537"/>
+          </a:xfrm>
+          <a:prstGeom prst="rect">
+            <a:avLst/>
+          </a:prstGeom>
+          <a:noFill/>
+          <a:ln>
+            <a:solidFill>
+              <a:schemeClr val="accent1"/>
+            </a:solidFill>
+          </a:ln>
+        </p:spPr>
+        <p:txBody>
+          <a:bodyPr wrap="square" rtlCol="0">
+            <a:spAutoFit/>
+          </a:bodyPr>
+          <a:lstStyle/>
+          <a:p>
+            <a:pPr algn="ctr"/>
+            <a:r>
+              <a:rPr lang="en-US" sz="1600" b="1" u="sng" dirty="0" smtClean="0">
+                <a:latin typeface="Cordia New" pitchFamily="34" charset="-34"/>
+                <a:cs typeface="Cordia New" pitchFamily="34" charset="-34"/>
+              </a:rPr>
+              <a:t>Node.js</a:t>
+            </a:r>
+          </a:p>
+          <a:p>
+            <a:r>
+              <a:rPr lang="en-US" sz="900" dirty="0" smtClean="0"/>
+              <a:t>Concurrency </a:t>
+            </a:r>
+            <a:r>
+              <a:rPr lang="en-US" sz="900" dirty="0"/>
+              <a:t>Level: 20000</a:t>
+            </a:r>
+          </a:p>
+          <a:p>
+            <a:r>
+              <a:rPr lang="en-US" sz="900" dirty="0"/>
+              <a:t>Time taken for tests: 1043.076 seconds</a:t>
+            </a:r>
+          </a:p>
+          <a:p>
+            <a:r>
+              <a:rPr lang="en-US" sz="900" dirty="0"/>
+              <a:t>Complete requests: 1000000</a:t>
+            </a:r>
+          </a:p>
+          <a:p>
+            <a:r>
+              <a:rPr lang="en-US" sz="900" dirty="0"/>
+              <a:t>Failed requests: 25227</a:t>
+            </a:r>
+          </a:p>
+          <a:p>
+            <a:r>
+              <a:rPr lang="en-US" sz="900" dirty="0"/>
+              <a:t>   (Connect: 0, Receive: 8409, Length: 8409, Exceptions: 8409)</a:t>
+            </a:r>
+          </a:p>
+          <a:p>
+            <a:r>
+              <a:rPr lang="en-US" sz="900" dirty="0"/>
+              <a:t>Write errors: 0</a:t>
+            </a:r>
+          </a:p>
+          <a:p>
+            <a:r>
+              <a:rPr lang="en-US" sz="900" dirty="0"/>
+              <a:t>Total transferred: 81265680 bytes</a:t>
+            </a:r>
+          </a:p>
+          <a:p>
+            <a:r>
+              <a:rPr lang="en-US" sz="900" dirty="0"/>
+              <a:t>HTML transferred: 18059040 bytes</a:t>
+            </a:r>
+          </a:p>
+          <a:p>
+            <a:r>
+              <a:rPr lang="en-US" sz="900" dirty="0"/>
+              <a:t>Requests per second: 958.70 [#/sec] (mean)</a:t>
+            </a:r>
+          </a:p>
+          <a:p>
+            <a:r>
+              <a:rPr lang="en-US" sz="900" dirty="0"/>
+              <a:t>Time per request: 20861.529 [</a:t>
+            </a:r>
+            <a:r>
+              <a:rPr lang="en-US" sz="900" dirty="0" err="1"/>
+              <a:t>ms</a:t>
+            </a:r>
+            <a:r>
+              <a:rPr lang="en-US" sz="900" dirty="0"/>
+              <a:t>] (mean)</a:t>
+            </a:r>
+          </a:p>
+          <a:p>
+            <a:r>
+              <a:rPr lang="en-US" sz="900" dirty="0"/>
+              <a:t>Time per request: 1.043 [</a:t>
+            </a:r>
+            <a:r>
+              <a:rPr lang="en-US" sz="900" dirty="0" err="1"/>
+              <a:t>ms</a:t>
+            </a:r>
+            <a:r>
+              <a:rPr lang="en-US" sz="900" dirty="0"/>
+              <a:t>] (mean, across all concurrent requests)</a:t>
+            </a:r>
+          </a:p>
+          <a:p>
+            <a:r>
+              <a:rPr lang="en-US" sz="900" dirty="0"/>
+              <a:t>Transfer rate: 76.08 [Kbytes/sec] received</a:t>
+            </a:r>
+          </a:p>
+          <a:p>
+            <a:r>
+              <a:rPr lang="en-US" sz="900" dirty="0"/>
+              <a:t/>
+            </a:r>
+            <a:br>
+              <a:rPr lang="en-US" sz="900" dirty="0"/>
+            </a:br>
+            <a:endParaRPr lang="en-US" sz="900" dirty="0"/>
+          </a:p>
+          <a:p>
+            <a:r>
+              <a:rPr lang="en-US" sz="900" dirty="0"/>
+              <a:t>Connection Times (</a:t>
+            </a:r>
+            <a:r>
+              <a:rPr lang="en-US" sz="900" dirty="0" err="1"/>
+              <a:t>ms</a:t>
+            </a:r>
+            <a:r>
+              <a:rPr lang="en-US" sz="900" dirty="0"/>
+              <a:t>)</a:t>
+            </a:r>
+          </a:p>
+          <a:p>
+            <a:r>
+              <a:rPr lang="en-US" sz="900" dirty="0"/>
+              <a:t>              min mean[+/-</a:t>
+            </a:r>
+            <a:r>
+              <a:rPr lang="en-US" sz="900" dirty="0" err="1"/>
+              <a:t>sd</a:t>
+            </a:r>
+            <a:r>
+              <a:rPr lang="en-US" sz="900" dirty="0"/>
+              <a:t>] median max</a:t>
+            </a:r>
+          </a:p>
+          <a:p>
+            <a:r>
+              <a:rPr lang="en-US" sz="900" dirty="0"/>
+              <a:t>Connect: 0 10201 2391.8 10840 20177</a:t>
+            </a:r>
+          </a:p>
+          <a:p>
+            <a:r>
+              <a:rPr lang="en-US" sz="900" dirty="0"/>
+              <a:t>Processing: 595 10455 3239.1 10904 39809</a:t>
+            </a:r>
+          </a:p>
+          <a:p>
+            <a:r>
+              <a:rPr lang="en-US" sz="900" dirty="0"/>
+              <a:t>Waiting: 0 8323 2331.0 8728 38740</a:t>
+            </a:r>
+          </a:p>
+          <a:p>
+            <a:r>
+              <a:rPr lang="en-US" sz="900" dirty="0"/>
+              <a:t>Total: 1181 20656 4758.5 21795 44333</a:t>
+            </a:r>
+          </a:p>
+          <a:p>
+            <a:r>
+              <a:rPr lang="en-US" sz="900" dirty="0"/>
+              <a:t/>
+            </a:r>
+            <a:br>
+              <a:rPr lang="en-US" sz="900" dirty="0"/>
+            </a:br>
+            <a:endParaRPr lang="en-US" sz="900" dirty="0"/>
+          </a:p>
+          <a:p>
+            <a:r>
+              <a:rPr lang="en-US" sz="900" dirty="0"/>
+              <a:t>Percentage of the requests served within a certain time (</a:t>
+            </a:r>
+            <a:r>
+              <a:rPr lang="en-US" sz="900" dirty="0" err="1"/>
+              <a:t>ms</a:t>
+            </a:r>
+            <a:r>
+              <a:rPr lang="en-US" sz="900" dirty="0"/>
+              <a:t>)</a:t>
+            </a:r>
+          </a:p>
+          <a:p>
+            <a:r>
+              <a:rPr lang="en-US" sz="900" dirty="0"/>
+              <a:t>  50% 21795</a:t>
+            </a:r>
+          </a:p>
+          <a:p>
+            <a:r>
+              <a:rPr lang="en-US" sz="900" dirty="0"/>
+              <a:t>  66% 21929</a:t>
+            </a:r>
+          </a:p>
+          <a:p>
+            <a:r>
+              <a:rPr lang="en-US" sz="900" dirty="0"/>
+              <a:t>  75% 22047</a:t>
+            </a:r>
+          </a:p>
+          <a:p>
+            <a:r>
+              <a:rPr lang="en-US" sz="900" dirty="0"/>
+              <a:t>  80% 22135</a:t>
+            </a:r>
+          </a:p>
+          <a:p>
+            <a:r>
+              <a:rPr lang="en-US" sz="900" dirty="0"/>
+              <a:t>  90% 22667</a:t>
+            </a:r>
+          </a:p>
+          <a:p>
+            <a:r>
+              <a:rPr lang="en-US" sz="900" dirty="0"/>
+              <a:t>  95% 24252</a:t>
+            </a:r>
+          </a:p>
+          <a:p>
+            <a:r>
+              <a:rPr lang="en-US" sz="900" dirty="0"/>
+              <a:t>  98% 24727</a:t>
+            </a:r>
+          </a:p>
+          <a:p>
+            <a:r>
+              <a:rPr lang="en-US" sz="900" dirty="0"/>
+              <a:t>  99% 25942</a:t>
+            </a:r>
+          </a:p>
+          <a:p>
+            <a:r>
+              <a:rPr lang="en-US" sz="900" dirty="0"/>
+              <a:t> 100% 44333 (longest request)</a:t>
+            </a:r>
+          </a:p>
+        </p:txBody>
+      </p:sp>
+      <p:sp>
+        <p:nvSpPr>
+          <p:cNvPr id="8" name="TextBox 7"/>
+          <p:cNvSpPr txBox="1"/>
+          <p:nvPr/>
+        </p:nvSpPr>
+        <p:spPr>
+          <a:xfrm>
+            <a:off x="4800600" y="1905000"/>
+            <a:ext cx="3886200" cy="4770537"/>
+          </a:xfrm>
+          <a:prstGeom prst="rect">
+            <a:avLst/>
+          </a:prstGeom>
+          <a:noFill/>
+          <a:ln>
+            <a:solidFill>
+              <a:schemeClr val="accent1"/>
+            </a:solidFill>
+          </a:ln>
+        </p:spPr>
+        <p:txBody>
+          <a:bodyPr wrap="square" rtlCol="0">
+            <a:spAutoFit/>
+          </a:bodyPr>
+          <a:lstStyle/>
+          <a:p>
+            <a:pPr algn="ctr"/>
+            <a:r>
+              <a:rPr lang="en-US" sz="1600" b="1" u="sng" dirty="0" smtClean="0">
+                <a:latin typeface="Cordia New" pitchFamily="34" charset="-34"/>
+                <a:cs typeface="Cordia New" pitchFamily="34" charset="-34"/>
+              </a:rPr>
+              <a:t>Apache/PHP</a:t>
+            </a:r>
+          </a:p>
+          <a:p>
+            <a:r>
+              <a:rPr lang="en-US" sz="900" dirty="0"/>
+              <a:t>Concurrency Level: 20000</a:t>
+            </a:r>
+          </a:p>
+          <a:p>
+            <a:r>
+              <a:rPr lang="en-US" sz="900" dirty="0"/>
+              <a:t>Time taken for tests: 3570.753 seconds</a:t>
+            </a:r>
+          </a:p>
+          <a:p>
+            <a:r>
+              <a:rPr lang="en-US" sz="900" dirty="0"/>
+              <a:t>Complete requests: 1000000</a:t>
+            </a:r>
+          </a:p>
+          <a:p>
+            <a:r>
+              <a:rPr lang="en-US" sz="900" dirty="0"/>
+              <a:t>Failed requests: 2617614</a:t>
+            </a:r>
+          </a:p>
+          <a:p>
+            <a:r>
+              <a:rPr lang="en-US" sz="900" dirty="0"/>
+              <a:t>   (Connect: 0, Receive: 848121, Length: 886497, Exceptions: 882996)</a:t>
+            </a:r>
+          </a:p>
+          <a:p>
+            <a:r>
+              <a:rPr lang="en-US" sz="900" dirty="0"/>
+              <a:t>Write errors: 0</a:t>
+            </a:r>
+          </a:p>
+          <a:p>
+            <a:r>
+              <a:rPr lang="en-US" sz="900" dirty="0"/>
+              <a:t>Total transferred: 36832520 bytes</a:t>
+            </a:r>
+          </a:p>
+          <a:p>
+            <a:r>
+              <a:rPr lang="en-US" sz="900" dirty="0"/>
+              <a:t>HTML transferred: 2372264 bytes</a:t>
+            </a:r>
+          </a:p>
+          <a:p>
+            <a:r>
+              <a:rPr lang="en-US" sz="900" dirty="0"/>
+              <a:t>Requests per second: 280.05 [#/sec] (mean)</a:t>
+            </a:r>
+          </a:p>
+          <a:p>
+            <a:r>
+              <a:rPr lang="en-US" sz="900" dirty="0"/>
+              <a:t>Time per request: 71415.058 [</a:t>
+            </a:r>
+            <a:r>
+              <a:rPr lang="en-US" sz="900" dirty="0" err="1"/>
+              <a:t>ms</a:t>
+            </a:r>
+            <a:r>
+              <a:rPr lang="en-US" sz="900" dirty="0"/>
+              <a:t>] (mean)</a:t>
+            </a:r>
+          </a:p>
+          <a:p>
+            <a:r>
+              <a:rPr lang="en-US" sz="900" dirty="0"/>
+              <a:t>Time per request: 3.571 [</a:t>
+            </a:r>
+            <a:r>
+              <a:rPr lang="en-US" sz="900" dirty="0" err="1"/>
+              <a:t>ms</a:t>
+            </a:r>
+            <a:r>
+              <a:rPr lang="en-US" sz="900" dirty="0"/>
+              <a:t>] (mean, across all concurrent requests)</a:t>
+            </a:r>
+          </a:p>
+          <a:p>
+            <a:r>
+              <a:rPr lang="en-US" sz="900" dirty="0"/>
+              <a:t>Transfer rate: 10.07 [Kbytes/sec] received</a:t>
+            </a:r>
+          </a:p>
+          <a:p>
+            <a:r>
+              <a:rPr lang="en-US" sz="900" dirty="0"/>
+              <a:t/>
+            </a:r>
+            <a:br>
+              <a:rPr lang="en-US" sz="900" dirty="0"/>
+            </a:br>
+            <a:endParaRPr lang="en-US" sz="900" dirty="0"/>
+          </a:p>
+          <a:p>
+            <a:r>
+              <a:rPr lang="en-US" sz="900" dirty="0"/>
+              <a:t>Connection Times (</a:t>
+            </a:r>
+            <a:r>
+              <a:rPr lang="en-US" sz="900" dirty="0" err="1"/>
+              <a:t>ms</a:t>
+            </a:r>
+            <a:r>
+              <a:rPr lang="en-US" sz="900" dirty="0"/>
+              <a:t>)</a:t>
+            </a:r>
+          </a:p>
+          <a:p>
+            <a:r>
+              <a:rPr lang="en-US" sz="900" dirty="0"/>
+              <a:t>              min mean[+/-</a:t>
+            </a:r>
+            <a:r>
+              <a:rPr lang="en-US" sz="900" dirty="0" err="1"/>
+              <a:t>sd</a:t>
+            </a:r>
+            <a:r>
+              <a:rPr lang="en-US" sz="900" dirty="0"/>
+              <a:t>] median max</a:t>
+            </a:r>
+          </a:p>
+          <a:p>
+            <a:r>
+              <a:rPr lang="en-US" sz="900" dirty="0"/>
+              <a:t>Connect: 0 4259 14734.0 0 79497</a:t>
+            </a:r>
+          </a:p>
+          <a:p>
+            <a:r>
+              <a:rPr lang="en-US" sz="900" dirty="0"/>
+              <a:t>Processing: 4 64979 51442.2 65543 381910</a:t>
+            </a:r>
+          </a:p>
+          <a:p>
+            <a:r>
+              <a:rPr lang="en-US" sz="900" dirty="0"/>
+              <a:t>Waiting: 0 2725 16784.2 0 249108</a:t>
+            </a:r>
+          </a:p>
+          <a:p>
+            <a:r>
+              <a:rPr lang="en-US" sz="900" dirty="0"/>
+              <a:t>Total: 87 69238 56233.8 68138 426365</a:t>
+            </a:r>
+          </a:p>
+          <a:p>
+            <a:endParaRPr lang="en-US" sz="900" dirty="0" smtClean="0"/>
+          </a:p>
+          <a:p>
+            <a:endParaRPr lang="en-US" sz="900" dirty="0"/>
+          </a:p>
+          <a:p>
+            <a:r>
+              <a:rPr lang="en-US" sz="900" dirty="0"/>
+              <a:t>Percentage of the requests served within a certain time (</a:t>
+            </a:r>
+            <a:r>
+              <a:rPr lang="en-US" sz="900" dirty="0" err="1"/>
+              <a:t>ms</a:t>
+            </a:r>
+            <a:r>
+              <a:rPr lang="en-US" sz="900" dirty="0"/>
+              <a:t>)</a:t>
+            </a:r>
+          </a:p>
+          <a:p>
+            <a:r>
+              <a:rPr lang="en-US" sz="900" dirty="0"/>
+              <a:t>  50% 68138</a:t>
+            </a:r>
+          </a:p>
+          <a:p>
+            <a:r>
+              <a:rPr lang="en-US" sz="900" dirty="0"/>
+              <a:t>  66% 80099</a:t>
+            </a:r>
+          </a:p>
+          <a:p>
+            <a:r>
+              <a:rPr lang="en-US" sz="900" dirty="0"/>
+              <a:t>  75% 84390</a:t>
+            </a:r>
+          </a:p>
+          <a:p>
+            <a:r>
+              <a:rPr lang="en-US" sz="900" dirty="0"/>
+              <a:t>  80% 85475</a:t>
+            </a:r>
+          </a:p>
+          <a:p>
+            <a:r>
+              <a:rPr lang="en-US" sz="900" dirty="0"/>
+              <a:t>  90% 91309</a:t>
+            </a:r>
+          </a:p>
+          <a:p>
+            <a:r>
+              <a:rPr lang="en-US" sz="900" dirty="0"/>
+              <a:t>  95% 134983</a:t>
+            </a:r>
+          </a:p>
+          <a:p>
+            <a:r>
+              <a:rPr lang="en-US" sz="900" dirty="0"/>
+              <a:t>  98% 303390</a:t>
+            </a:r>
+          </a:p>
+          <a:p>
+            <a:r>
+              <a:rPr lang="en-US" sz="900" dirty="0"/>
+              <a:t>  99% 333308</a:t>
+            </a:r>
+          </a:p>
+          <a:p>
+            <a:r>
+              <a:rPr lang="en-US" sz="900" dirty="0"/>
+              <a:t> 100% 426365 (longest request)</a:t>
+            </a:r>
           </a:p>
         </p:txBody>
       </p:sp>
     </p:spTree>
     <p:extLst>
       <p:ext uri="{BB962C8B-B14F-4D97-AF65-F5344CB8AC3E}">
-        <p14:creationId xmlns:p14="http://schemas.microsoft.com/office/powerpoint/2010/main" val="2340034774"/>
+        <p14:creationId xmlns:p14="http://schemas.microsoft.com/office/powerpoint/2010/main" val="2814319056"/>
       </p:ext>
     </p:extLst>
   </p:cSld>

--- a/SnackBot.pptx
+++ b/SnackBot.pptx
@@ -11,23 +11,24 @@
     <p:sldId id="271" r:id="rId5"/>
     <p:sldId id="272" r:id="rId6"/>
     <p:sldId id="264" r:id="rId7"/>
-    <p:sldId id="262" r:id="rId8"/>
-    <p:sldId id="257" r:id="rId9"/>
-    <p:sldId id="277" r:id="rId10"/>
-    <p:sldId id="259" r:id="rId11"/>
-    <p:sldId id="260" r:id="rId12"/>
-    <p:sldId id="265" r:id="rId13"/>
-    <p:sldId id="258" r:id="rId14"/>
+    <p:sldId id="257" r:id="rId8"/>
+    <p:sldId id="277" r:id="rId9"/>
+    <p:sldId id="259" r:id="rId10"/>
+    <p:sldId id="260" r:id="rId11"/>
+    <p:sldId id="265" r:id="rId12"/>
+    <p:sldId id="258" r:id="rId13"/>
+    <p:sldId id="268" r:id="rId14"/>
     <p:sldId id="282" r:id="rId15"/>
-    <p:sldId id="268" r:id="rId16"/>
-    <p:sldId id="269" r:id="rId17"/>
-    <p:sldId id="278" r:id="rId18"/>
-    <p:sldId id="279" r:id="rId19"/>
-    <p:sldId id="273" r:id="rId20"/>
-    <p:sldId id="275" r:id="rId21"/>
-    <p:sldId id="276" r:id="rId22"/>
-    <p:sldId id="270" r:id="rId23"/>
-    <p:sldId id="280" r:id="rId24"/>
+    <p:sldId id="278" r:id="rId16"/>
+    <p:sldId id="279" r:id="rId17"/>
+    <p:sldId id="273" r:id="rId18"/>
+    <p:sldId id="275" r:id="rId19"/>
+    <p:sldId id="285" r:id="rId20"/>
+    <p:sldId id="276" r:id="rId21"/>
+    <p:sldId id="270" r:id="rId22"/>
+    <p:sldId id="280" r:id="rId23"/>
+    <p:sldId id="283" r:id="rId24"/>
+    <p:sldId id="284" r:id="rId25"/>
   </p:sldIdLst>
   <p:sldSz cx="9144000" cy="6858000" type="screen4x3"/>
   <p:notesSz cx="6858000" cy="9144000"/>
@@ -323,7 +324,7 @@
           <a:p>
             <a:fld id="{C6A6D299-4FF4-4466-BF68-D7A616E4D766}" type="datetimeFigureOut">
               <a:rPr lang="en-US" smtClean="0"/>
-              <a:t>6/23/2012</a:t>
+              <a:t>6/28/2012</a:t>
             </a:fld>
             <a:endParaRPr lang="en-US"/>
           </a:p>
@@ -676,7 +677,7 @@
           <a:p>
             <a:fld id="{C6A6D299-4FF4-4466-BF68-D7A616E4D766}" type="datetimeFigureOut">
               <a:rPr lang="en-US" smtClean="0"/>
-              <a:t>6/23/2012</a:t>
+              <a:t>6/28/2012</a:t>
             </a:fld>
             <a:endParaRPr lang="en-US"/>
           </a:p>
@@ -851,7 +852,7 @@
           <a:p>
             <a:fld id="{C6A6D299-4FF4-4466-BF68-D7A616E4D766}" type="datetimeFigureOut">
               <a:rPr lang="en-US" smtClean="0"/>
-              <a:t>6/23/2012</a:t>
+              <a:t>6/28/2012</a:t>
             </a:fld>
             <a:endParaRPr lang="en-US"/>
           </a:p>
@@ -964,7 +965,7 @@
           <a:p>
             <a:fld id="{C6A6D299-4FF4-4466-BF68-D7A616E4D766}" type="datetimeFigureOut">
               <a:rPr lang="en-US" smtClean="0"/>
-              <a:t>6/23/2012</a:t>
+              <a:t>6/28/2012</a:t>
             </a:fld>
             <a:endParaRPr lang="en-US"/>
           </a:p>
@@ -1322,7 +1323,7 @@
           <a:p>
             <a:fld id="{C6A6D299-4FF4-4466-BF68-D7A616E4D766}" type="datetimeFigureOut">
               <a:rPr lang="en-US" smtClean="0"/>
-              <a:t>6/23/2012</a:t>
+              <a:t>6/28/2012</a:t>
             </a:fld>
             <a:endParaRPr lang="en-US"/>
           </a:p>
@@ -1587,7 +1588,7 @@
           <a:p>
             <a:fld id="{C6A6D299-4FF4-4466-BF68-D7A616E4D766}" type="datetimeFigureOut">
               <a:rPr lang="en-US" smtClean="0"/>
-              <a:t>6/23/2012</a:t>
+              <a:t>6/28/2012</a:t>
             </a:fld>
             <a:endParaRPr lang="en-US"/>
           </a:p>
@@ -1949,7 +1950,7 @@
           <a:p>
             <a:fld id="{C6A6D299-4FF4-4466-BF68-D7A616E4D766}" type="datetimeFigureOut">
               <a:rPr lang="en-US" smtClean="0"/>
-              <a:t>6/23/2012</a:t>
+              <a:t>6/28/2012</a:t>
             </a:fld>
             <a:endParaRPr lang="en-US"/>
           </a:p>
@@ -2176,7 +2177,7 @@
           <a:p>
             <a:fld id="{C6A6D299-4FF4-4466-BF68-D7A616E4D766}" type="datetimeFigureOut">
               <a:rPr lang="en-US" smtClean="0"/>
-              <a:t>6/23/2012</a:t>
+              <a:t>6/28/2012</a:t>
             </a:fld>
             <a:endParaRPr lang="en-US"/>
           </a:p>
@@ -2266,7 +2267,7 @@
           <a:p>
             <a:fld id="{C6A6D299-4FF4-4466-BF68-D7A616E4D766}" type="datetimeFigureOut">
               <a:rPr lang="en-US" smtClean="0"/>
-              <a:t>6/23/2012</a:t>
+              <a:t>6/28/2012</a:t>
             </a:fld>
             <a:endParaRPr lang="en-US"/>
           </a:p>
@@ -2533,7 +2534,7 @@
           <a:p>
             <a:fld id="{C6A6D299-4FF4-4466-BF68-D7A616E4D766}" type="datetimeFigureOut">
               <a:rPr lang="en-US" smtClean="0"/>
-              <a:t>6/23/2012</a:t>
+              <a:t>6/28/2012</a:t>
             </a:fld>
             <a:endParaRPr lang="en-US"/>
           </a:p>
@@ -2761,7 +2762,7 @@
           <a:p>
             <a:fld id="{C6A6D299-4FF4-4466-BF68-D7A616E4D766}" type="datetimeFigureOut">
               <a:rPr lang="en-US" smtClean="0"/>
-              <a:t>6/23/2012</a:t>
+              <a:t>6/28/2012</a:t>
             </a:fld>
             <a:endParaRPr lang="en-US"/>
           </a:p>
@@ -3260,7 +3261,7 @@
           <a:p>
             <a:fld id="{C6A6D299-4FF4-4466-BF68-D7A616E4D766}" type="datetimeFigureOut">
               <a:rPr lang="en-US" smtClean="0"/>
-              <a:t>6/23/2012</a:t>
+              <a:t>6/28/2012</a:t>
             </a:fld>
             <a:endParaRPr lang="en-US"/>
           </a:p>
@@ -3781,7 +3782,7 @@
           <a:p>
             <a:r>
               <a:rPr lang="en-US" dirty="0" smtClean="0"/>
-              <a:t>Node Require</a:t>
+              <a:t>Example – File System module</a:t>
             </a:r>
             <a:endParaRPr lang="en-US" dirty="0"/>
           </a:p>
@@ -3789,89 +3790,693 @@
       </p:sp>
       <p:sp>
         <p:nvSpPr>
-          <p:cNvPr id="3" name="Content Placeholder 2"/>
-          <p:cNvSpPr>
-            <a:spLocks noGrp="1"/>
-          </p:cNvSpPr>
-          <p:nvPr>
-            <p:ph sz="quarter" idx="1"/>
-          </p:nvPr>
-        </p:nvSpPr>
-        <p:spPr/>
-        <p:txBody>
-          <a:bodyPr/>
-          <a:lstStyle/>
-          <a:p>
-            <a:r>
-              <a:rPr lang="en-US" dirty="0" smtClean="0"/>
-              <a:t>Rough equivalent of #include in C++, but returns an object</a:t>
-            </a:r>
-          </a:p>
-          <a:p>
-            <a:r>
-              <a:rPr lang="en-US" dirty="0" smtClean="0"/>
-              <a:t>Some modules written by </a:t>
-            </a:r>
-            <a:r>
-              <a:rPr lang="en-US" dirty="0" err="1" smtClean="0"/>
-              <a:t>Joyent</a:t>
-            </a:r>
-            <a:r>
-              <a:rPr lang="en-US" dirty="0" smtClean="0"/>
-              <a:t>, some by 3</a:t>
-            </a:r>
-            <a:r>
-              <a:rPr lang="en-US" baseline="30000" dirty="0" smtClean="0"/>
-              <a:t>rd</a:t>
-            </a:r>
-            <a:r>
-              <a:rPr lang="en-US" dirty="0" smtClean="0"/>
-              <a:t> parties</a:t>
-            </a:r>
-          </a:p>
-          <a:p>
-            <a:r>
-              <a:rPr lang="en-US" dirty="0" smtClean="0"/>
-              <a:t>ex. “</a:t>
-            </a:r>
-            <a:r>
-              <a:rPr lang="en-US" dirty="0" err="1" smtClean="0"/>
+          <p:cNvPr id="8" name="Rectangle 7"/>
+          <p:cNvSpPr/>
+          <p:nvPr/>
+        </p:nvSpPr>
+        <p:spPr>
+          <a:xfrm>
+            <a:off x="1066800" y="1600200"/>
+            <a:ext cx="7010400" cy="4893647"/>
+          </a:xfrm>
+          <a:prstGeom prst="rect">
+            <a:avLst/>
+          </a:prstGeom>
+          <a:ln>
+            <a:solidFill>
+              <a:schemeClr val="accent1"/>
+            </a:solidFill>
+          </a:ln>
+        </p:spPr>
+        <p:txBody>
+          <a:bodyPr wrap="square">
+            <a:spAutoFit/>
+          </a:bodyPr>
+          <a:lstStyle/>
+          <a:p>
+            <a:r>
+              <a:rPr lang="en-US" sz="1200" dirty="0" err="1" smtClean="0">
+                <a:latin typeface="Cordia New" pitchFamily="34" charset="-34"/>
+                <a:cs typeface="Cordia New" pitchFamily="34" charset="-34"/>
+              </a:rPr>
               <a:t>var</a:t>
             </a:r>
             <a:r>
-              <a:rPr lang="en-US" dirty="0" smtClean="0"/>
+              <a:rPr lang="en-US" sz="1200" dirty="0" smtClean="0">
+                <a:latin typeface="Cordia New" pitchFamily="34" charset="-34"/>
+                <a:cs typeface="Cordia New" pitchFamily="34" charset="-34"/>
+              </a:rPr>
               <a:t> </a:t>
             </a:r>
             <a:r>
-              <a:rPr lang="en-US" dirty="0" err="1" smtClean="0"/>
-              <a:t>myModule</a:t>
-            </a:r>
-            <a:r>
-              <a:rPr lang="en-US" dirty="0" smtClean="0"/>
-              <a:t> = require(‘</a:t>
-            </a:r>
-            <a:r>
-              <a:rPr lang="en-US" dirty="0" err="1" smtClean="0"/>
-              <a:t>someModule</a:t>
-            </a:r>
-            <a:r>
-              <a:rPr lang="en-US" dirty="0" smtClean="0"/>
-              <a:t>’);”</a:t>
-            </a:r>
-          </a:p>
-          <a:p>
-            <a:r>
-              <a:rPr lang="en-US" dirty="0" smtClean="0"/>
-              <a:t>Solves the problem of having multiple classes in JavaScript (by allowing you to put things in multiple files)</a:t>
-            </a:r>
-            <a:endParaRPr lang="en-US" dirty="0"/>
+              <a:rPr lang="en-US" sz="1200" dirty="0" err="1" smtClean="0">
+                <a:latin typeface="Cordia New" pitchFamily="34" charset="-34"/>
+                <a:cs typeface="Cordia New" pitchFamily="34" charset="-34"/>
+              </a:rPr>
+              <a:t>fs</a:t>
+            </a:r>
+            <a:r>
+              <a:rPr lang="en-US" sz="1200" dirty="0" smtClean="0">
+                <a:latin typeface="Cordia New" pitchFamily="34" charset="-34"/>
+                <a:cs typeface="Cordia New" pitchFamily="34" charset="-34"/>
+              </a:rPr>
+              <a:t> = require('</a:t>
+            </a:r>
+            <a:r>
+              <a:rPr lang="en-US" sz="1200" dirty="0" err="1" smtClean="0">
+                <a:latin typeface="Cordia New" pitchFamily="34" charset="-34"/>
+                <a:cs typeface="Cordia New" pitchFamily="34" charset="-34"/>
+              </a:rPr>
+              <a:t>fs</a:t>
+            </a:r>
+            <a:r>
+              <a:rPr lang="en-US" sz="1200" dirty="0" smtClean="0">
+                <a:latin typeface="Cordia New" pitchFamily="34" charset="-34"/>
+                <a:cs typeface="Cordia New" pitchFamily="34" charset="-34"/>
+              </a:rPr>
+              <a:t>');			</a:t>
+            </a:r>
+            <a:r>
+              <a:rPr lang="en-US" sz="1200" dirty="0">
+                <a:latin typeface="Cordia New" pitchFamily="34" charset="-34"/>
+                <a:cs typeface="Cordia New" pitchFamily="34" charset="-34"/>
+              </a:rPr>
+              <a:t> </a:t>
+            </a:r>
+            <a:r>
+              <a:rPr lang="en-US" sz="1200" dirty="0" smtClean="0">
+                <a:latin typeface="Cordia New" pitchFamily="34" charset="-34"/>
+                <a:cs typeface="Cordia New" pitchFamily="34" charset="-34"/>
+              </a:rPr>
+              <a:t>             	// "include" the file system module</a:t>
+            </a:r>
+          </a:p>
+          <a:p>
+            <a:endParaRPr lang="en-US" sz="1200" dirty="0" smtClean="0">
+              <a:latin typeface="Cordia New" pitchFamily="34" charset="-34"/>
+              <a:cs typeface="Cordia New" pitchFamily="34" charset="-34"/>
+            </a:endParaRPr>
+          </a:p>
+          <a:p>
+            <a:r>
+              <a:rPr lang="en-US" sz="1200" dirty="0" err="1" smtClean="0">
+                <a:latin typeface="Cordia New" pitchFamily="34" charset="-34"/>
+                <a:cs typeface="Cordia New" pitchFamily="34" charset="-34"/>
+              </a:rPr>
+              <a:t>var</a:t>
+            </a:r>
+            <a:r>
+              <a:rPr lang="en-US" sz="1200" dirty="0" smtClean="0">
+                <a:latin typeface="Cordia New" pitchFamily="34" charset="-34"/>
+                <a:cs typeface="Cordia New" pitchFamily="34" charset="-34"/>
+              </a:rPr>
+              <a:t> </a:t>
+            </a:r>
+            <a:r>
+              <a:rPr lang="en-US" sz="1200" dirty="0" err="1" smtClean="0">
+                <a:latin typeface="Cordia New" pitchFamily="34" charset="-34"/>
+                <a:cs typeface="Cordia New" pitchFamily="34" charset="-34"/>
+              </a:rPr>
+              <a:t>inputReadStream</a:t>
+            </a:r>
+            <a:r>
+              <a:rPr lang="en-US" sz="1200" dirty="0" smtClean="0">
+                <a:latin typeface="Cordia New" pitchFamily="34" charset="-34"/>
+                <a:cs typeface="Cordia New" pitchFamily="34" charset="-34"/>
+              </a:rPr>
+              <a:t> = </a:t>
+            </a:r>
+            <a:r>
+              <a:rPr lang="en-US" sz="1200" dirty="0" err="1" smtClean="0">
+                <a:latin typeface="Cordia New" pitchFamily="34" charset="-34"/>
+                <a:cs typeface="Cordia New" pitchFamily="34" charset="-34"/>
+              </a:rPr>
+              <a:t>fs.createReadStream</a:t>
+            </a:r>
+            <a:r>
+              <a:rPr lang="en-US" sz="1200" dirty="0" smtClean="0">
+                <a:latin typeface="Cordia New" pitchFamily="34" charset="-34"/>
+                <a:cs typeface="Cordia New" pitchFamily="34" charset="-34"/>
+              </a:rPr>
+              <a:t>('lines.txt');</a:t>
+            </a:r>
+          </a:p>
+          <a:p>
+            <a:r>
+              <a:rPr lang="en-US" sz="1200" dirty="0" err="1" smtClean="0">
+                <a:latin typeface="Cordia New" pitchFamily="34" charset="-34"/>
+                <a:cs typeface="Cordia New" pitchFamily="34" charset="-34"/>
+              </a:rPr>
+              <a:t>readLines</a:t>
+            </a:r>
+            <a:r>
+              <a:rPr lang="en-US" sz="1200" dirty="0" smtClean="0">
+                <a:latin typeface="Cordia New" pitchFamily="34" charset="-34"/>
+                <a:cs typeface="Cordia New" pitchFamily="34" charset="-34"/>
+              </a:rPr>
+              <a:t>(</a:t>
+            </a:r>
+            <a:r>
+              <a:rPr lang="en-US" sz="1200" dirty="0" err="1" smtClean="0">
+                <a:latin typeface="Cordia New" pitchFamily="34" charset="-34"/>
+                <a:cs typeface="Cordia New" pitchFamily="34" charset="-34"/>
+              </a:rPr>
+              <a:t>inputReadStream</a:t>
+            </a:r>
+            <a:r>
+              <a:rPr lang="en-US" sz="1200" dirty="0" smtClean="0">
+                <a:latin typeface="Cordia New" pitchFamily="34" charset="-34"/>
+                <a:cs typeface="Cordia New" pitchFamily="34" charset="-34"/>
+              </a:rPr>
+              <a:t>, </a:t>
+            </a:r>
+            <a:r>
+              <a:rPr lang="en-US" sz="1200" dirty="0" err="1" smtClean="0">
+                <a:latin typeface="Cordia New" pitchFamily="34" charset="-34"/>
+                <a:cs typeface="Cordia New" pitchFamily="34" charset="-34"/>
+              </a:rPr>
+              <a:t>printLine</a:t>
+            </a:r>
+            <a:r>
+              <a:rPr lang="en-US" sz="1200" dirty="0" smtClean="0">
+                <a:latin typeface="Cordia New" pitchFamily="34" charset="-34"/>
+                <a:cs typeface="Cordia New" pitchFamily="34" charset="-34"/>
+              </a:rPr>
+              <a:t>);</a:t>
+            </a:r>
+          </a:p>
+          <a:p>
+            <a:endParaRPr lang="en-US" sz="1200" dirty="0">
+              <a:latin typeface="Cordia New" pitchFamily="34" charset="-34"/>
+              <a:cs typeface="Cordia New" pitchFamily="34" charset="-34"/>
+            </a:endParaRPr>
+          </a:p>
+          <a:p>
+            <a:r>
+              <a:rPr lang="en-US" sz="1200" dirty="0">
+                <a:latin typeface="Cordia New" pitchFamily="34" charset="-34"/>
+                <a:cs typeface="Cordia New" pitchFamily="34" charset="-34"/>
+              </a:rPr>
+              <a:t>function </a:t>
+            </a:r>
+            <a:r>
+              <a:rPr lang="en-US" sz="1200" dirty="0" err="1">
+                <a:latin typeface="Cordia New" pitchFamily="34" charset="-34"/>
+                <a:cs typeface="Cordia New" pitchFamily="34" charset="-34"/>
+              </a:rPr>
+              <a:t>readLines</a:t>
+            </a:r>
+            <a:r>
+              <a:rPr lang="en-US" sz="1200" dirty="0">
+                <a:latin typeface="Cordia New" pitchFamily="34" charset="-34"/>
+                <a:cs typeface="Cordia New" pitchFamily="34" charset="-34"/>
+              </a:rPr>
+              <a:t>(</a:t>
+            </a:r>
+            <a:r>
+              <a:rPr lang="en-US" sz="1200" dirty="0" err="1">
+                <a:latin typeface="Cordia New" pitchFamily="34" charset="-34"/>
+                <a:cs typeface="Cordia New" pitchFamily="34" charset="-34"/>
+              </a:rPr>
+              <a:t>inputReadStream</a:t>
+            </a:r>
+            <a:r>
+              <a:rPr lang="en-US" sz="1200" dirty="0">
+                <a:latin typeface="Cordia New" pitchFamily="34" charset="-34"/>
+                <a:cs typeface="Cordia New" pitchFamily="34" charset="-34"/>
+              </a:rPr>
+              <a:t>, </a:t>
+            </a:r>
+            <a:r>
+              <a:rPr lang="en-US" sz="1200" dirty="0" err="1">
+                <a:latin typeface="Cordia New" pitchFamily="34" charset="-34"/>
+                <a:cs typeface="Cordia New" pitchFamily="34" charset="-34"/>
+              </a:rPr>
+              <a:t>printLine</a:t>
+            </a:r>
+            <a:r>
+              <a:rPr lang="en-US" sz="1200" dirty="0">
+                <a:latin typeface="Cordia New" pitchFamily="34" charset="-34"/>
+                <a:cs typeface="Cordia New" pitchFamily="34" charset="-34"/>
+              </a:rPr>
+              <a:t>) {		// Declare our function to print out the lines of a file</a:t>
+            </a:r>
+          </a:p>
+          <a:p>
+            <a:r>
+              <a:rPr lang="en-US" sz="1200" dirty="0">
+                <a:latin typeface="Cordia New" pitchFamily="34" charset="-34"/>
+                <a:cs typeface="Cordia New" pitchFamily="34" charset="-34"/>
+              </a:rPr>
+              <a:t>    </a:t>
+            </a:r>
+            <a:r>
+              <a:rPr lang="en-US" sz="1200" dirty="0" err="1">
+                <a:latin typeface="Cordia New" pitchFamily="34" charset="-34"/>
+                <a:cs typeface="Cordia New" pitchFamily="34" charset="-34"/>
+              </a:rPr>
+              <a:t>var</a:t>
+            </a:r>
+            <a:r>
+              <a:rPr lang="en-US" sz="1200" dirty="0">
+                <a:latin typeface="Cordia New" pitchFamily="34" charset="-34"/>
+                <a:cs typeface="Cordia New" pitchFamily="34" charset="-34"/>
+              </a:rPr>
+              <a:t> remaining = '';</a:t>
+            </a:r>
+          </a:p>
+          <a:p>
+            <a:r>
+              <a:rPr lang="en-US" sz="1200" dirty="0">
+                <a:latin typeface="Cordia New" pitchFamily="34" charset="-34"/>
+                <a:cs typeface="Cordia New" pitchFamily="34" charset="-34"/>
+              </a:rPr>
+              <a:t>    </a:t>
+            </a:r>
+            <a:r>
+              <a:rPr lang="en-US" sz="1200" dirty="0" err="1">
+                <a:latin typeface="Cordia New" pitchFamily="34" charset="-34"/>
+                <a:cs typeface="Cordia New" pitchFamily="34" charset="-34"/>
+              </a:rPr>
+              <a:t>inputReadStream.on</a:t>
+            </a:r>
+            <a:r>
+              <a:rPr lang="en-US" sz="1200" dirty="0">
+                <a:latin typeface="Cordia New" pitchFamily="34" charset="-34"/>
+                <a:cs typeface="Cordia New" pitchFamily="34" charset="-34"/>
+              </a:rPr>
+              <a:t>('data', function(data) {		// We got some data from the file!</a:t>
+            </a:r>
+          </a:p>
+          <a:p>
+            <a:r>
+              <a:rPr lang="en-US" sz="1200" dirty="0">
+                <a:latin typeface="Cordia New" pitchFamily="34" charset="-34"/>
+                <a:cs typeface="Cordia New" pitchFamily="34" charset="-34"/>
+              </a:rPr>
+              <a:t>        remaining += data;			// Grab the entire file into a single line (note: + is add and concatenate)</a:t>
+            </a:r>
+          </a:p>
+          <a:p>
+            <a:r>
+              <a:rPr lang="en-US" sz="1200" dirty="0">
+                <a:latin typeface="Cordia New" pitchFamily="34" charset="-34"/>
+                <a:cs typeface="Cordia New" pitchFamily="34" charset="-34"/>
+              </a:rPr>
+              <a:t>        </a:t>
+            </a:r>
+            <a:r>
+              <a:rPr lang="en-US" sz="1200" dirty="0" err="1">
+                <a:latin typeface="Cordia New" pitchFamily="34" charset="-34"/>
+                <a:cs typeface="Cordia New" pitchFamily="34" charset="-34"/>
+              </a:rPr>
+              <a:t>var</a:t>
+            </a:r>
+            <a:r>
+              <a:rPr lang="en-US" sz="1200" dirty="0">
+                <a:latin typeface="Cordia New" pitchFamily="34" charset="-34"/>
+                <a:cs typeface="Cordia New" pitchFamily="34" charset="-34"/>
+              </a:rPr>
+              <a:t> </a:t>
+            </a:r>
+            <a:r>
+              <a:rPr lang="en-US" sz="1200" dirty="0" err="1">
+                <a:latin typeface="Cordia New" pitchFamily="34" charset="-34"/>
+                <a:cs typeface="Cordia New" pitchFamily="34" charset="-34"/>
+              </a:rPr>
+              <a:t>newLineIndex</a:t>
+            </a:r>
+            <a:r>
+              <a:rPr lang="en-US" sz="1200" dirty="0">
+                <a:latin typeface="Cordia New" pitchFamily="34" charset="-34"/>
+                <a:cs typeface="Cordia New" pitchFamily="34" charset="-34"/>
+              </a:rPr>
+              <a:t> = </a:t>
+            </a:r>
+            <a:r>
+              <a:rPr lang="en-US" sz="1200" dirty="0" err="1">
+                <a:latin typeface="Cordia New" pitchFamily="34" charset="-34"/>
+                <a:cs typeface="Cordia New" pitchFamily="34" charset="-34"/>
+              </a:rPr>
+              <a:t>remaining.indexOf</a:t>
+            </a:r>
+            <a:r>
+              <a:rPr lang="en-US" sz="1200" dirty="0">
+                <a:latin typeface="Cordia New" pitchFamily="34" charset="-34"/>
+                <a:cs typeface="Cordia New" pitchFamily="34" charset="-34"/>
+              </a:rPr>
+              <a:t>('\n');		// Find the index of the first newline</a:t>
+            </a:r>
+          </a:p>
+          <a:p>
+            <a:r>
+              <a:rPr lang="en-US" sz="1200" dirty="0">
+                <a:latin typeface="Cordia New" pitchFamily="34" charset="-34"/>
+                <a:cs typeface="Cordia New" pitchFamily="34" charset="-34"/>
+              </a:rPr>
+              <a:t>        while (</a:t>
+            </a:r>
+            <a:r>
+              <a:rPr lang="en-US" sz="1200" dirty="0" err="1">
+                <a:latin typeface="Cordia New" pitchFamily="34" charset="-34"/>
+                <a:cs typeface="Cordia New" pitchFamily="34" charset="-34"/>
+              </a:rPr>
+              <a:t>newLineIndex</a:t>
+            </a:r>
+            <a:r>
+              <a:rPr lang="en-US" sz="1200" dirty="0">
+                <a:latin typeface="Cordia New" pitchFamily="34" charset="-34"/>
+                <a:cs typeface="Cordia New" pitchFamily="34" charset="-34"/>
+              </a:rPr>
+              <a:t> &gt; -1) {			// While there's a newline still coming</a:t>
+            </a:r>
+          </a:p>
+          <a:p>
+            <a:r>
+              <a:rPr lang="en-US" sz="1200" dirty="0">
+                <a:latin typeface="Cordia New" pitchFamily="34" charset="-34"/>
+                <a:cs typeface="Cordia New" pitchFamily="34" charset="-34"/>
+              </a:rPr>
+              <a:t>           </a:t>
+            </a:r>
+            <a:r>
+              <a:rPr lang="en-US" sz="1200" dirty="0" err="1">
+                <a:latin typeface="Cordia New" pitchFamily="34" charset="-34"/>
+                <a:cs typeface="Cordia New" pitchFamily="34" charset="-34"/>
+              </a:rPr>
+              <a:t>var</a:t>
+            </a:r>
+            <a:r>
+              <a:rPr lang="en-US" sz="1200" dirty="0">
+                <a:latin typeface="Cordia New" pitchFamily="34" charset="-34"/>
+                <a:cs typeface="Cordia New" pitchFamily="34" charset="-34"/>
+              </a:rPr>
+              <a:t> line = </a:t>
+            </a:r>
+            <a:r>
+              <a:rPr lang="en-US" sz="1200" dirty="0" err="1">
+                <a:latin typeface="Cordia New" pitchFamily="34" charset="-34"/>
+                <a:cs typeface="Cordia New" pitchFamily="34" charset="-34"/>
+              </a:rPr>
+              <a:t>remaining.substring</a:t>
+            </a:r>
+            <a:r>
+              <a:rPr lang="en-US" sz="1200" dirty="0">
+                <a:latin typeface="Cordia New" pitchFamily="34" charset="-34"/>
+                <a:cs typeface="Cordia New" pitchFamily="34" charset="-34"/>
+              </a:rPr>
+              <a:t>(0, </a:t>
+            </a:r>
+            <a:r>
+              <a:rPr lang="en-US" sz="1200" dirty="0" err="1">
+                <a:latin typeface="Cordia New" pitchFamily="34" charset="-34"/>
+                <a:cs typeface="Cordia New" pitchFamily="34" charset="-34"/>
+              </a:rPr>
+              <a:t>newLineIndex</a:t>
+            </a:r>
+            <a:r>
+              <a:rPr lang="en-US" sz="1200" dirty="0">
+                <a:latin typeface="Cordia New" pitchFamily="34" charset="-34"/>
+                <a:cs typeface="Cordia New" pitchFamily="34" charset="-34"/>
+              </a:rPr>
+              <a:t> );		// Grab </a:t>
+            </a:r>
+            <a:r>
+              <a:rPr lang="en-US" sz="1200" dirty="0" smtClean="0">
+                <a:latin typeface="Cordia New" pitchFamily="34" charset="-34"/>
+                <a:cs typeface="Cordia New" pitchFamily="34" charset="-34"/>
+              </a:rPr>
+              <a:t>until </a:t>
+            </a:r>
+            <a:r>
+              <a:rPr lang="en-US" sz="1200" dirty="0">
+                <a:latin typeface="Cordia New" pitchFamily="34" charset="-34"/>
+                <a:cs typeface="Cordia New" pitchFamily="34" charset="-34"/>
+              </a:rPr>
+              <a:t>the newline and </a:t>
+            </a:r>
+            <a:r>
+              <a:rPr lang="en-US" sz="1200" dirty="0" smtClean="0">
+                <a:latin typeface="Cordia New" pitchFamily="34" charset="-34"/>
+                <a:cs typeface="Cordia New" pitchFamily="34" charset="-34"/>
+              </a:rPr>
+              <a:t>print</a:t>
+            </a:r>
+            <a:endParaRPr lang="en-US" sz="1200" dirty="0">
+              <a:latin typeface="Cordia New" pitchFamily="34" charset="-34"/>
+              <a:cs typeface="Cordia New" pitchFamily="34" charset="-34"/>
+            </a:endParaRPr>
+          </a:p>
+          <a:p>
+            <a:r>
+              <a:rPr lang="en-US" sz="1200" dirty="0">
+                <a:latin typeface="Cordia New" pitchFamily="34" charset="-34"/>
+                <a:cs typeface="Cordia New" pitchFamily="34" charset="-34"/>
+              </a:rPr>
+              <a:t>           remaining = </a:t>
+            </a:r>
+            <a:r>
+              <a:rPr lang="en-US" sz="1200" dirty="0" err="1">
+                <a:latin typeface="Cordia New" pitchFamily="34" charset="-34"/>
+                <a:cs typeface="Cordia New" pitchFamily="34" charset="-34"/>
+              </a:rPr>
+              <a:t>remaining.substring</a:t>
+            </a:r>
+            <a:r>
+              <a:rPr lang="en-US" sz="1200" dirty="0">
+                <a:latin typeface="Cordia New" pitchFamily="34" charset="-34"/>
+                <a:cs typeface="Cordia New" pitchFamily="34" charset="-34"/>
+              </a:rPr>
+              <a:t>(</a:t>
+            </a:r>
+            <a:r>
+              <a:rPr lang="en-US" sz="1200" dirty="0" err="1">
+                <a:latin typeface="Cordia New" pitchFamily="34" charset="-34"/>
+                <a:cs typeface="Cordia New" pitchFamily="34" charset="-34"/>
+              </a:rPr>
+              <a:t>newLineIndex</a:t>
+            </a:r>
+            <a:r>
+              <a:rPr lang="en-US" sz="1200" dirty="0">
+                <a:latin typeface="Cordia New" pitchFamily="34" charset="-34"/>
+                <a:cs typeface="Cordia New" pitchFamily="34" charset="-34"/>
+              </a:rPr>
+              <a:t> + 1);		// Throw out the line we just grabbed, start after the newline</a:t>
+            </a:r>
+          </a:p>
+          <a:p>
+            <a:r>
+              <a:rPr lang="en-US" sz="1200" dirty="0">
+                <a:latin typeface="Cordia New" pitchFamily="34" charset="-34"/>
+                <a:cs typeface="Cordia New" pitchFamily="34" charset="-34"/>
+              </a:rPr>
+              <a:t>           </a:t>
+            </a:r>
+            <a:r>
+              <a:rPr lang="en-US" sz="1200" dirty="0" err="1">
+                <a:latin typeface="Cordia New" pitchFamily="34" charset="-34"/>
+                <a:cs typeface="Cordia New" pitchFamily="34" charset="-34"/>
+              </a:rPr>
+              <a:t>printLine</a:t>
+            </a:r>
+            <a:r>
+              <a:rPr lang="en-US" sz="1200" dirty="0">
+                <a:latin typeface="Cordia New" pitchFamily="34" charset="-34"/>
+                <a:cs typeface="Cordia New" pitchFamily="34" charset="-34"/>
+              </a:rPr>
+              <a:t>(line);			// Print the line we grabbed</a:t>
+            </a:r>
+          </a:p>
+          <a:p>
+            <a:r>
+              <a:rPr lang="en-US" sz="1200" dirty="0">
+                <a:latin typeface="Cordia New" pitchFamily="34" charset="-34"/>
+                <a:cs typeface="Cordia New" pitchFamily="34" charset="-34"/>
+              </a:rPr>
+              <a:t>           </a:t>
+            </a:r>
+            <a:r>
+              <a:rPr lang="en-US" sz="1200" dirty="0" err="1">
+                <a:latin typeface="Cordia New" pitchFamily="34" charset="-34"/>
+                <a:cs typeface="Cordia New" pitchFamily="34" charset="-34"/>
+              </a:rPr>
+              <a:t>newLineIndex</a:t>
+            </a:r>
+            <a:r>
+              <a:rPr lang="en-US" sz="1200" dirty="0">
+                <a:latin typeface="Cordia New" pitchFamily="34" charset="-34"/>
+                <a:cs typeface="Cordia New" pitchFamily="34" charset="-34"/>
+              </a:rPr>
+              <a:t> = </a:t>
+            </a:r>
+            <a:r>
+              <a:rPr lang="en-US" sz="1200" dirty="0" err="1">
+                <a:latin typeface="Cordia New" pitchFamily="34" charset="-34"/>
+                <a:cs typeface="Cordia New" pitchFamily="34" charset="-34"/>
+              </a:rPr>
+              <a:t>remaining.indexOf</a:t>
+            </a:r>
+            <a:r>
+              <a:rPr lang="en-US" sz="1200" dirty="0">
+                <a:latin typeface="Cordia New" pitchFamily="34" charset="-34"/>
+                <a:cs typeface="Cordia New" pitchFamily="34" charset="-34"/>
+              </a:rPr>
+              <a:t>('\n');		// Find the next newline</a:t>
+            </a:r>
+          </a:p>
+          <a:p>
+            <a:r>
+              <a:rPr lang="en-US" sz="1200" dirty="0">
+                <a:latin typeface="Cordia New" pitchFamily="34" charset="-34"/>
+                <a:cs typeface="Cordia New" pitchFamily="34" charset="-34"/>
+              </a:rPr>
+              <a:t>       }</a:t>
+            </a:r>
+          </a:p>
+          <a:p>
+            <a:r>
+              <a:rPr lang="en-US" sz="1200" dirty="0">
+                <a:latin typeface="Cordia New" pitchFamily="34" charset="-34"/>
+                <a:cs typeface="Cordia New" pitchFamily="34" charset="-34"/>
+              </a:rPr>
+              <a:t>    });</a:t>
+            </a:r>
+          </a:p>
+          <a:p>
+            <a:r>
+              <a:rPr lang="en-US" sz="1200" dirty="0">
+                <a:latin typeface="Cordia New" pitchFamily="34" charset="-34"/>
+                <a:cs typeface="Cordia New" pitchFamily="34" charset="-34"/>
+              </a:rPr>
+              <a:t>    </a:t>
+            </a:r>
+            <a:r>
+              <a:rPr lang="en-US" sz="1200" dirty="0" err="1">
+                <a:latin typeface="Cordia New" pitchFamily="34" charset="-34"/>
+                <a:cs typeface="Cordia New" pitchFamily="34" charset="-34"/>
+              </a:rPr>
+              <a:t>inputReadStream.on</a:t>
+            </a:r>
+            <a:r>
+              <a:rPr lang="en-US" sz="1200" dirty="0">
+                <a:latin typeface="Cordia New" pitchFamily="34" charset="-34"/>
+                <a:cs typeface="Cordia New" pitchFamily="34" charset="-34"/>
+              </a:rPr>
+              <a:t>('end', function() {</a:t>
+            </a:r>
+          </a:p>
+          <a:p>
+            <a:r>
+              <a:rPr lang="en-US" sz="1200" dirty="0">
+                <a:latin typeface="Cordia New" pitchFamily="34" charset="-34"/>
+                <a:cs typeface="Cordia New" pitchFamily="34" charset="-34"/>
+              </a:rPr>
+              <a:t>        if (</a:t>
+            </a:r>
+            <a:r>
+              <a:rPr lang="en-US" sz="1200" dirty="0" err="1">
+                <a:latin typeface="Cordia New" pitchFamily="34" charset="-34"/>
+                <a:cs typeface="Cordia New" pitchFamily="34" charset="-34"/>
+              </a:rPr>
+              <a:t>remaining.length</a:t>
+            </a:r>
+            <a:r>
+              <a:rPr lang="en-US" sz="1200" dirty="0">
+                <a:latin typeface="Cordia New" pitchFamily="34" charset="-34"/>
+                <a:cs typeface="Cordia New" pitchFamily="34" charset="-34"/>
+              </a:rPr>
+              <a:t> &gt; 0) { </a:t>
+            </a:r>
+            <a:r>
+              <a:rPr lang="en-US" sz="1200" dirty="0" err="1">
+                <a:latin typeface="Cordia New" pitchFamily="34" charset="-34"/>
+                <a:cs typeface="Cordia New" pitchFamily="34" charset="-34"/>
+              </a:rPr>
+              <a:t>printLine</a:t>
+            </a:r>
+            <a:r>
+              <a:rPr lang="en-US" sz="1200" dirty="0">
+                <a:latin typeface="Cordia New" pitchFamily="34" charset="-34"/>
+                <a:cs typeface="Cordia New" pitchFamily="34" charset="-34"/>
+              </a:rPr>
+              <a:t>(remaining); }</a:t>
+            </a:r>
+          </a:p>
+          <a:p>
+            <a:r>
+              <a:rPr lang="en-US" sz="1200" dirty="0">
+                <a:latin typeface="Cordia New" pitchFamily="34" charset="-34"/>
+                <a:cs typeface="Cordia New" pitchFamily="34" charset="-34"/>
+              </a:rPr>
+              <a:t>    });</a:t>
+            </a:r>
+          </a:p>
+          <a:p>
+            <a:r>
+              <a:rPr lang="en-US" sz="1200" dirty="0">
+                <a:latin typeface="Cordia New" pitchFamily="34" charset="-34"/>
+                <a:cs typeface="Cordia New" pitchFamily="34" charset="-34"/>
+              </a:rPr>
+              <a:t>}</a:t>
+            </a:r>
+          </a:p>
+          <a:p>
+            <a:endParaRPr lang="en-US" sz="1200" dirty="0" smtClean="0">
+              <a:latin typeface="Cordia New" pitchFamily="34" charset="-34"/>
+              <a:cs typeface="Cordia New" pitchFamily="34" charset="-34"/>
+            </a:endParaRPr>
+          </a:p>
+          <a:p>
+            <a:r>
+              <a:rPr lang="en-US" sz="1200" dirty="0">
+                <a:latin typeface="Cordia New" pitchFamily="34" charset="-34"/>
+                <a:cs typeface="Cordia New" pitchFamily="34" charset="-34"/>
+              </a:rPr>
+              <a:t>function </a:t>
+            </a:r>
+            <a:r>
+              <a:rPr lang="en-US" sz="1200" dirty="0" err="1">
+                <a:latin typeface="Cordia New" pitchFamily="34" charset="-34"/>
+                <a:cs typeface="Cordia New" pitchFamily="34" charset="-34"/>
+              </a:rPr>
+              <a:t>printLine</a:t>
+            </a:r>
+            <a:r>
+              <a:rPr lang="en-US" sz="1200" dirty="0">
+                <a:latin typeface="Cordia New" pitchFamily="34" charset="-34"/>
+                <a:cs typeface="Cordia New" pitchFamily="34" charset="-34"/>
+              </a:rPr>
+              <a:t>(data) {</a:t>
+            </a:r>
+          </a:p>
+          <a:p>
+            <a:r>
+              <a:rPr lang="en-US" sz="1200" dirty="0">
+                <a:latin typeface="Cordia New" pitchFamily="34" charset="-34"/>
+                <a:cs typeface="Cordia New" pitchFamily="34" charset="-34"/>
+              </a:rPr>
+              <a:t>    console.log('Line: ' + data);</a:t>
+            </a:r>
+          </a:p>
+          <a:p>
+            <a:r>
+              <a:rPr lang="en-US" sz="1200" dirty="0" smtClean="0">
+                <a:latin typeface="Cordia New" pitchFamily="34" charset="-34"/>
+                <a:cs typeface="Cordia New" pitchFamily="34" charset="-34"/>
+              </a:rPr>
+              <a:t>}</a:t>
+            </a:r>
+            <a:endParaRPr lang="en-US" sz="1200" dirty="0">
+              <a:latin typeface="Cordia New" pitchFamily="34" charset="-34"/>
+              <a:cs typeface="Cordia New" pitchFamily="34" charset="-34"/>
+            </a:endParaRPr>
           </a:p>
         </p:txBody>
       </p:sp>
     </p:spTree>
     <p:extLst>
       <p:ext uri="{BB962C8B-B14F-4D97-AF65-F5344CB8AC3E}">
-        <p14:creationId xmlns:p14="http://schemas.microsoft.com/office/powerpoint/2010/main" val="2340034774"/>
+        <p14:creationId xmlns:p14="http://schemas.microsoft.com/office/powerpoint/2010/main" val="3283291423"/>
       </p:ext>
     </p:extLst>
   </p:cSld>
@@ -3922,7 +4527,7 @@
           <a:p>
             <a:r>
               <a:rPr lang="en-US" dirty="0" smtClean="0"/>
-              <a:t>Example – File System module</a:t>
+              <a:t>Making your own module</a:t>
             </a:r>
             <a:endParaRPr lang="en-US" dirty="0"/>
           </a:p>
@@ -3930,18 +4535,47 @@
       </p:sp>
       <p:sp>
         <p:nvSpPr>
-          <p:cNvPr id="8" name="Rectangle 7"/>
-          <p:cNvSpPr/>
+          <p:cNvPr id="3" name="Content Placeholder 2"/>
+          <p:cNvSpPr>
+            <a:spLocks noGrp="1"/>
+          </p:cNvSpPr>
+          <p:nvPr>
+            <p:ph sz="quarter" idx="1"/>
+          </p:nvPr>
+        </p:nvSpPr>
+        <p:spPr/>
+        <p:txBody>
+          <a:bodyPr/>
+          <a:lstStyle/>
+          <a:p>
+            <a:r>
+              <a:rPr lang="en-US" dirty="0" smtClean="0"/>
+              <a:t>A variable named ‘exports’ is passed into scope when the file is loaded for the require() call</a:t>
+            </a:r>
+          </a:p>
+          <a:p>
+            <a:r>
+              <a:rPr lang="en-US" dirty="0" smtClean="0"/>
+              <a:t>exports can be given any substructure you want</a:t>
+            </a:r>
+          </a:p>
+        </p:txBody>
+      </p:sp>
+      <p:sp>
+        <p:nvSpPr>
+          <p:cNvPr id="4" name="TextBox 3"/>
+          <p:cNvSpPr txBox="1"/>
           <p:nvPr/>
         </p:nvSpPr>
         <p:spPr>
           <a:xfrm>
-            <a:off x="1066800" y="1600200"/>
-            <a:ext cx="7010400" cy="4893647"/>
+            <a:off x="533400" y="3399749"/>
+            <a:ext cx="3886200" cy="1754326"/>
           </a:xfrm>
           <a:prstGeom prst="rect">
             <a:avLst/>
           </a:prstGeom>
+          <a:noFill/>
           <a:ln>
             <a:solidFill>
               <a:schemeClr val="accent1"/>
@@ -3949,674 +4583,298 @@
           </a:ln>
         </p:spPr>
         <p:txBody>
-          <a:bodyPr wrap="square">
+          <a:bodyPr wrap="square" rtlCol="0">
             <a:spAutoFit/>
           </a:bodyPr>
           <a:lstStyle/>
           <a:p>
-            <a:r>
-              <a:rPr lang="en-US" sz="1200" dirty="0" err="1" smtClean="0">
+            <a:pPr algn="ctr"/>
+            <a:r>
+              <a:rPr lang="en-US" u="sng" dirty="0" smtClean="0">
+                <a:latin typeface="Cordia New" pitchFamily="34" charset="-34"/>
+                <a:cs typeface="Cordia New" pitchFamily="34" charset="-34"/>
+              </a:rPr>
+              <a:t>First File (myModuleName.js)</a:t>
+            </a:r>
+          </a:p>
+          <a:p>
+            <a:r>
+              <a:rPr lang="en-US" dirty="0" err="1">
                 <a:latin typeface="Cordia New" pitchFamily="34" charset="-34"/>
                 <a:cs typeface="Cordia New" pitchFamily="34" charset="-34"/>
               </a:rPr>
               <a:t>var</a:t>
             </a:r>
             <a:r>
-              <a:rPr lang="en-US" sz="1200" dirty="0" smtClean="0">
+              <a:rPr lang="en-US" dirty="0">
                 <a:latin typeface="Cordia New" pitchFamily="34" charset="-34"/>
                 <a:cs typeface="Cordia New" pitchFamily="34" charset="-34"/>
               </a:rPr>
               <a:t> </a:t>
             </a:r>
             <a:r>
-              <a:rPr lang="en-US" sz="1200" dirty="0" err="1" smtClean="0">
-                <a:latin typeface="Cordia New" pitchFamily="34" charset="-34"/>
-                <a:cs typeface="Cordia New" pitchFamily="34" charset="-34"/>
-              </a:rPr>
-              <a:t>fs</a:t>
-            </a:r>
-            <a:r>
-              <a:rPr lang="en-US" sz="1200" dirty="0" smtClean="0">
-                <a:latin typeface="Cordia New" pitchFamily="34" charset="-34"/>
-                <a:cs typeface="Cordia New" pitchFamily="34" charset="-34"/>
-              </a:rPr>
-              <a:t> = require('</a:t>
-            </a:r>
-            <a:r>
-              <a:rPr lang="en-US" sz="1200" dirty="0" err="1" smtClean="0">
-                <a:latin typeface="Cordia New" pitchFamily="34" charset="-34"/>
-                <a:cs typeface="Cordia New" pitchFamily="34" charset="-34"/>
-              </a:rPr>
-              <a:t>fs</a:t>
-            </a:r>
-            <a:r>
-              <a:rPr lang="en-US" sz="1200" dirty="0" smtClean="0">
-                <a:latin typeface="Cordia New" pitchFamily="34" charset="-34"/>
-                <a:cs typeface="Cordia New" pitchFamily="34" charset="-34"/>
-              </a:rPr>
-              <a:t>');			</a:t>
-            </a:r>
-            <a:r>
-              <a:rPr lang="en-US" sz="1200" dirty="0">
+              <a:rPr lang="en-US" dirty="0" err="1" smtClean="0">
+                <a:latin typeface="Cordia New" pitchFamily="34" charset="-34"/>
+                <a:cs typeface="Cordia New" pitchFamily="34" charset="-34"/>
+              </a:rPr>
+              <a:t>myModuleName</a:t>
+            </a:r>
+            <a:r>
+              <a:rPr lang="en-US" dirty="0" smtClean="0">
+                <a:latin typeface="Cordia New" pitchFamily="34" charset="-34"/>
+                <a:cs typeface="Cordia New" pitchFamily="34" charset="-34"/>
+              </a:rPr>
+              <a:t>= </a:t>
+            </a:r>
+            <a:r>
+              <a:rPr lang="en-US" dirty="0">
+                <a:latin typeface="Cordia New" pitchFamily="34" charset="-34"/>
+                <a:cs typeface="Cordia New" pitchFamily="34" charset="-34"/>
+              </a:rPr>
+              <a:t>exports</a:t>
+            </a:r>
+            <a:r>
+              <a:rPr lang="en-US" dirty="0" smtClean="0">
+                <a:latin typeface="Cordia New" pitchFamily="34" charset="-34"/>
+                <a:cs typeface="Cordia New" pitchFamily="34" charset="-34"/>
+              </a:rPr>
+              <a:t>;</a:t>
+            </a:r>
+          </a:p>
+          <a:p>
+            <a:r>
+              <a:rPr lang="en-US" dirty="0" err="1" smtClean="0">
+                <a:latin typeface="Cordia New" pitchFamily="34" charset="-34"/>
+                <a:cs typeface="Cordia New" pitchFamily="34" charset="-34"/>
+              </a:rPr>
+              <a:t>myModuleName.printHello</a:t>
+            </a:r>
+            <a:r>
+              <a:rPr lang="en-US" dirty="0" smtClean="0">
+                <a:latin typeface="Cordia New" pitchFamily="34" charset="-34"/>
+                <a:cs typeface="Cordia New" pitchFamily="34" charset="-34"/>
+              </a:rPr>
+              <a:t> = function() { </a:t>
+            </a:r>
+          </a:p>
+          <a:p>
+            <a:r>
+              <a:rPr lang="en-US" dirty="0">
                 <a:latin typeface="Cordia New" pitchFamily="34" charset="-34"/>
                 <a:cs typeface="Cordia New" pitchFamily="34" charset="-34"/>
               </a:rPr>
               <a:t> </a:t>
             </a:r>
             <a:r>
-              <a:rPr lang="en-US" sz="1200" dirty="0" smtClean="0">
-                <a:latin typeface="Cordia New" pitchFamily="34" charset="-34"/>
-                <a:cs typeface="Cordia New" pitchFamily="34" charset="-34"/>
-              </a:rPr>
-              <a:t>             	// "include" the file system module</a:t>
-            </a:r>
-          </a:p>
-          <a:p>
-            <a:endParaRPr lang="en-US" sz="1200" dirty="0" smtClean="0">
+              <a:rPr lang="en-US" dirty="0" smtClean="0">
+                <a:latin typeface="Cordia New" pitchFamily="34" charset="-34"/>
+                <a:cs typeface="Cordia New" pitchFamily="34" charset="-34"/>
+              </a:rPr>
+              <a:t>   console.log(‘Hello’);</a:t>
+            </a:r>
+          </a:p>
+          <a:p>
+            <a:r>
+              <a:rPr lang="en-US" dirty="0" smtClean="0">
+                <a:latin typeface="Cordia New" pitchFamily="34" charset="-34"/>
+                <a:cs typeface="Cordia New" pitchFamily="34" charset="-34"/>
+              </a:rPr>
+              <a:t>}</a:t>
+            </a:r>
+          </a:p>
+          <a:p>
+            <a:r>
+              <a:rPr lang="en-US" dirty="0" err="1" smtClean="0">
+                <a:latin typeface="Cordia New" pitchFamily="34" charset="-34"/>
+                <a:cs typeface="Cordia New" pitchFamily="34" charset="-34"/>
+              </a:rPr>
+              <a:t>myModuleName.someValue</a:t>
+            </a:r>
+            <a:r>
+              <a:rPr lang="en-US" dirty="0">
+                <a:latin typeface="Cordia New" pitchFamily="34" charset="-34"/>
+                <a:cs typeface="Cordia New" pitchFamily="34" charset="-34"/>
+              </a:rPr>
+              <a:t> </a:t>
+            </a:r>
+            <a:r>
+              <a:rPr lang="en-US" dirty="0" smtClean="0">
+                <a:latin typeface="Cordia New" pitchFamily="34" charset="-34"/>
+                <a:cs typeface="Cordia New" pitchFamily="34" charset="-34"/>
+              </a:rPr>
+              <a:t>= 510;</a:t>
+            </a:r>
+          </a:p>
+        </p:txBody>
+      </p:sp>
+      <p:sp>
+        <p:nvSpPr>
+          <p:cNvPr id="6" name="TextBox 5"/>
+          <p:cNvSpPr txBox="1"/>
+          <p:nvPr/>
+        </p:nvSpPr>
+        <p:spPr>
+          <a:xfrm>
+            <a:off x="4800600" y="3406676"/>
+            <a:ext cx="3886200" cy="1754326"/>
+          </a:xfrm>
+          <a:prstGeom prst="rect">
+            <a:avLst/>
+          </a:prstGeom>
+          <a:noFill/>
+          <a:ln>
+            <a:solidFill>
+              <a:schemeClr val="accent1"/>
+            </a:solidFill>
+          </a:ln>
+        </p:spPr>
+        <p:txBody>
+          <a:bodyPr wrap="square" rtlCol="0">
+            <a:spAutoFit/>
+          </a:bodyPr>
+          <a:lstStyle/>
+          <a:p>
+            <a:pPr algn="ctr"/>
+            <a:r>
+              <a:rPr lang="en-US" u="sng" dirty="0" smtClean="0">
+                <a:latin typeface="Cordia New" pitchFamily="34" charset="-34"/>
+                <a:cs typeface="Cordia New" pitchFamily="34" charset="-34"/>
+              </a:rPr>
+              <a:t>Second File (nodeModuleExample.js)</a:t>
+            </a:r>
+          </a:p>
+          <a:p>
+            <a:r>
+              <a:rPr lang="en-US" dirty="0" err="1" smtClean="0">
+                <a:latin typeface="Cordia New" pitchFamily="34" charset="-34"/>
+                <a:cs typeface="Cordia New" pitchFamily="34" charset="-34"/>
+              </a:rPr>
+              <a:t>var</a:t>
+            </a:r>
+            <a:r>
+              <a:rPr lang="en-US" dirty="0" smtClean="0">
+                <a:latin typeface="Cordia New" pitchFamily="34" charset="-34"/>
+                <a:cs typeface="Cordia New" pitchFamily="34" charset="-34"/>
+              </a:rPr>
+              <a:t> </a:t>
+            </a:r>
+            <a:r>
+              <a:rPr lang="en-US" dirty="0" err="1" smtClean="0">
+                <a:latin typeface="Cordia New" pitchFamily="34" charset="-34"/>
+                <a:cs typeface="Cordia New" pitchFamily="34" charset="-34"/>
+              </a:rPr>
+              <a:t>myModule</a:t>
+            </a:r>
+            <a:r>
+              <a:rPr lang="en-US" dirty="0">
+                <a:latin typeface="Cordia New" pitchFamily="34" charset="-34"/>
+                <a:cs typeface="Cordia New" pitchFamily="34" charset="-34"/>
+              </a:rPr>
+              <a:t> </a:t>
+            </a:r>
+            <a:r>
+              <a:rPr lang="en-US" dirty="0" smtClean="0">
+                <a:latin typeface="Cordia New" pitchFamily="34" charset="-34"/>
+                <a:cs typeface="Cordia New" pitchFamily="34" charset="-34"/>
+              </a:rPr>
+              <a:t>= require(./</a:t>
+            </a:r>
+            <a:r>
+              <a:rPr lang="en-US" dirty="0" err="1" smtClean="0">
+                <a:latin typeface="Cordia New" pitchFamily="34" charset="-34"/>
+                <a:cs typeface="Cordia New" pitchFamily="34" charset="-34"/>
+              </a:rPr>
+              <a:t>myModuleName</a:t>
+            </a:r>
+            <a:r>
+              <a:rPr lang="en-US" dirty="0" smtClean="0">
+                <a:latin typeface="Cordia New" pitchFamily="34" charset="-34"/>
+                <a:cs typeface="Cordia New" pitchFamily="34" charset="-34"/>
+              </a:rPr>
+              <a:t>);</a:t>
+            </a:r>
+          </a:p>
+          <a:p>
+            <a:r>
+              <a:rPr lang="en-US" dirty="0" err="1" smtClean="0">
+                <a:latin typeface="Cordia New" pitchFamily="34" charset="-34"/>
+                <a:cs typeface="Cordia New" pitchFamily="34" charset="-34"/>
+              </a:rPr>
+              <a:t>myModule.printHello</a:t>
+            </a:r>
+            <a:r>
+              <a:rPr lang="en-US" dirty="0" smtClean="0">
+                <a:latin typeface="Cordia New" pitchFamily="34" charset="-34"/>
+                <a:cs typeface="Cordia New" pitchFamily="34" charset="-34"/>
+              </a:rPr>
+              <a:t>(); 	// Prints hello</a:t>
+            </a:r>
+          </a:p>
+          <a:p>
+            <a:r>
+              <a:rPr lang="en-US" dirty="0" smtClean="0">
+                <a:latin typeface="Cordia New" pitchFamily="34" charset="-34"/>
+                <a:cs typeface="Cordia New" pitchFamily="34" charset="-34"/>
+              </a:rPr>
+              <a:t>console.log( </a:t>
+            </a:r>
+            <a:r>
+              <a:rPr lang="en-US" dirty="0" err="1" smtClean="0">
+                <a:latin typeface="Cordia New" pitchFamily="34" charset="-34"/>
+                <a:cs typeface="Cordia New" pitchFamily="34" charset="-34"/>
+              </a:rPr>
+              <a:t>myModule.someValue</a:t>
+            </a:r>
+            <a:r>
+              <a:rPr lang="en-US" dirty="0">
+                <a:latin typeface="Cordia New" pitchFamily="34" charset="-34"/>
+                <a:cs typeface="Cordia New" pitchFamily="34" charset="-34"/>
+              </a:rPr>
+              <a:t> </a:t>
+            </a:r>
+            <a:r>
+              <a:rPr lang="en-US" dirty="0" smtClean="0">
+                <a:latin typeface="Cordia New" pitchFamily="34" charset="-34"/>
+                <a:cs typeface="Cordia New" pitchFamily="34" charset="-34"/>
+              </a:rPr>
+              <a:t>);	// Prints 510</a:t>
+            </a:r>
+          </a:p>
+          <a:p>
+            <a:r>
+              <a:rPr lang="en-US" dirty="0" smtClean="0">
+                <a:latin typeface="Cordia New" pitchFamily="34" charset="-34"/>
+                <a:cs typeface="Cordia New" pitchFamily="34" charset="-34"/>
+              </a:rPr>
+              <a:t>console.log( </a:t>
+            </a:r>
+            <a:r>
+              <a:rPr lang="en-US" dirty="0" err="1" smtClean="0">
+                <a:latin typeface="Cordia New" pitchFamily="34" charset="-34"/>
+                <a:cs typeface="Cordia New" pitchFamily="34" charset="-34"/>
+              </a:rPr>
+              <a:t>myModule</a:t>
+            </a:r>
+            <a:r>
+              <a:rPr lang="en-US" dirty="0" smtClean="0">
+                <a:latin typeface="Cordia New" pitchFamily="34" charset="-34"/>
+                <a:cs typeface="Cordia New" pitchFamily="34" charset="-34"/>
+              </a:rPr>
+              <a:t> ); 	// Prints module structure</a:t>
+            </a:r>
+          </a:p>
+          <a:p>
+            <a:endParaRPr lang="en-US" dirty="0">
               <a:latin typeface="Cordia New" pitchFamily="34" charset="-34"/>
               <a:cs typeface="Cordia New" pitchFamily="34" charset="-34"/>
             </a:endParaRPr>
           </a:p>
-          <a:p>
-            <a:r>
-              <a:rPr lang="en-US" sz="1200" dirty="0" err="1" smtClean="0">
-                <a:latin typeface="Cordia New" pitchFamily="34" charset="-34"/>
-                <a:cs typeface="Cordia New" pitchFamily="34" charset="-34"/>
-              </a:rPr>
-              <a:t>var</a:t>
-            </a:r>
-            <a:r>
-              <a:rPr lang="en-US" sz="1200" dirty="0" smtClean="0">
-                <a:latin typeface="Cordia New" pitchFamily="34" charset="-34"/>
-                <a:cs typeface="Cordia New" pitchFamily="34" charset="-34"/>
-              </a:rPr>
-              <a:t> </a:t>
-            </a:r>
-            <a:r>
-              <a:rPr lang="en-US" sz="1200" dirty="0" err="1" smtClean="0">
-                <a:latin typeface="Cordia New" pitchFamily="34" charset="-34"/>
-                <a:cs typeface="Cordia New" pitchFamily="34" charset="-34"/>
-              </a:rPr>
-              <a:t>inputReadStream</a:t>
-            </a:r>
-            <a:r>
-              <a:rPr lang="en-US" sz="1200" dirty="0" smtClean="0">
-                <a:latin typeface="Cordia New" pitchFamily="34" charset="-34"/>
-                <a:cs typeface="Cordia New" pitchFamily="34" charset="-34"/>
-              </a:rPr>
-              <a:t> = </a:t>
-            </a:r>
-            <a:r>
-              <a:rPr lang="en-US" sz="1200" dirty="0" err="1" smtClean="0">
-                <a:latin typeface="Cordia New" pitchFamily="34" charset="-34"/>
-                <a:cs typeface="Cordia New" pitchFamily="34" charset="-34"/>
-              </a:rPr>
-              <a:t>fs.createReadStream</a:t>
-            </a:r>
-            <a:r>
-              <a:rPr lang="en-US" sz="1200" dirty="0" smtClean="0">
-                <a:latin typeface="Cordia New" pitchFamily="34" charset="-34"/>
-                <a:cs typeface="Cordia New" pitchFamily="34" charset="-34"/>
-              </a:rPr>
-              <a:t>('lines.txt');</a:t>
-            </a:r>
-          </a:p>
-          <a:p>
-            <a:r>
-              <a:rPr lang="en-US" sz="1200" dirty="0" err="1" smtClean="0">
-                <a:latin typeface="Cordia New" pitchFamily="34" charset="-34"/>
-                <a:cs typeface="Cordia New" pitchFamily="34" charset="-34"/>
-              </a:rPr>
-              <a:t>readLines</a:t>
-            </a:r>
-            <a:r>
-              <a:rPr lang="en-US" sz="1200" dirty="0" smtClean="0">
-                <a:latin typeface="Cordia New" pitchFamily="34" charset="-34"/>
-                <a:cs typeface="Cordia New" pitchFamily="34" charset="-34"/>
-              </a:rPr>
-              <a:t>(</a:t>
-            </a:r>
-            <a:r>
-              <a:rPr lang="en-US" sz="1200" dirty="0" err="1" smtClean="0">
-                <a:latin typeface="Cordia New" pitchFamily="34" charset="-34"/>
-                <a:cs typeface="Cordia New" pitchFamily="34" charset="-34"/>
-              </a:rPr>
-              <a:t>inputReadStream</a:t>
-            </a:r>
-            <a:r>
-              <a:rPr lang="en-US" sz="1200" dirty="0" smtClean="0">
-                <a:latin typeface="Cordia New" pitchFamily="34" charset="-34"/>
-                <a:cs typeface="Cordia New" pitchFamily="34" charset="-34"/>
-              </a:rPr>
-              <a:t>, </a:t>
-            </a:r>
-            <a:r>
-              <a:rPr lang="en-US" sz="1200" dirty="0" err="1" smtClean="0">
-                <a:latin typeface="Cordia New" pitchFamily="34" charset="-34"/>
-                <a:cs typeface="Cordia New" pitchFamily="34" charset="-34"/>
-              </a:rPr>
-              <a:t>printLine</a:t>
-            </a:r>
-            <a:r>
-              <a:rPr lang="en-US" sz="1200" dirty="0" smtClean="0">
-                <a:latin typeface="Cordia New" pitchFamily="34" charset="-34"/>
-                <a:cs typeface="Cordia New" pitchFamily="34" charset="-34"/>
-              </a:rPr>
-              <a:t>);</a:t>
-            </a:r>
-          </a:p>
-          <a:p>
-            <a:endParaRPr lang="en-US" sz="1200" dirty="0">
-              <a:latin typeface="Cordia New" pitchFamily="34" charset="-34"/>
-              <a:cs typeface="Cordia New" pitchFamily="34" charset="-34"/>
-            </a:endParaRPr>
-          </a:p>
-          <a:p>
-            <a:r>
-              <a:rPr lang="en-US" sz="1200" dirty="0">
-                <a:latin typeface="Cordia New" pitchFamily="34" charset="-34"/>
-                <a:cs typeface="Cordia New" pitchFamily="34" charset="-34"/>
-              </a:rPr>
-              <a:t>function </a:t>
-            </a:r>
-            <a:r>
-              <a:rPr lang="en-US" sz="1200" dirty="0" err="1">
-                <a:latin typeface="Cordia New" pitchFamily="34" charset="-34"/>
-                <a:cs typeface="Cordia New" pitchFamily="34" charset="-34"/>
-              </a:rPr>
-              <a:t>readLines</a:t>
-            </a:r>
-            <a:r>
-              <a:rPr lang="en-US" sz="1200" dirty="0">
-                <a:latin typeface="Cordia New" pitchFamily="34" charset="-34"/>
-                <a:cs typeface="Cordia New" pitchFamily="34" charset="-34"/>
-              </a:rPr>
-              <a:t>(</a:t>
-            </a:r>
-            <a:r>
-              <a:rPr lang="en-US" sz="1200" dirty="0" err="1">
-                <a:latin typeface="Cordia New" pitchFamily="34" charset="-34"/>
-                <a:cs typeface="Cordia New" pitchFamily="34" charset="-34"/>
-              </a:rPr>
-              <a:t>inputReadStream</a:t>
-            </a:r>
-            <a:r>
-              <a:rPr lang="en-US" sz="1200" dirty="0">
-                <a:latin typeface="Cordia New" pitchFamily="34" charset="-34"/>
-                <a:cs typeface="Cordia New" pitchFamily="34" charset="-34"/>
-              </a:rPr>
-              <a:t>, </a:t>
-            </a:r>
-            <a:r>
-              <a:rPr lang="en-US" sz="1200" dirty="0" err="1">
-                <a:latin typeface="Cordia New" pitchFamily="34" charset="-34"/>
-                <a:cs typeface="Cordia New" pitchFamily="34" charset="-34"/>
-              </a:rPr>
-              <a:t>printLine</a:t>
-            </a:r>
-            <a:r>
-              <a:rPr lang="en-US" sz="1200" dirty="0">
-                <a:latin typeface="Cordia New" pitchFamily="34" charset="-34"/>
-                <a:cs typeface="Cordia New" pitchFamily="34" charset="-34"/>
-              </a:rPr>
-              <a:t>) {		// Declare our function to print out the lines of a file</a:t>
-            </a:r>
-          </a:p>
-          <a:p>
-            <a:r>
-              <a:rPr lang="en-US" sz="1200" dirty="0">
-                <a:latin typeface="Cordia New" pitchFamily="34" charset="-34"/>
-                <a:cs typeface="Cordia New" pitchFamily="34" charset="-34"/>
-              </a:rPr>
-              <a:t>    </a:t>
-            </a:r>
-            <a:r>
-              <a:rPr lang="en-US" sz="1200" dirty="0" err="1">
-                <a:latin typeface="Cordia New" pitchFamily="34" charset="-34"/>
-                <a:cs typeface="Cordia New" pitchFamily="34" charset="-34"/>
-              </a:rPr>
-              <a:t>var</a:t>
-            </a:r>
-            <a:r>
-              <a:rPr lang="en-US" sz="1200" dirty="0">
-                <a:latin typeface="Cordia New" pitchFamily="34" charset="-34"/>
-                <a:cs typeface="Cordia New" pitchFamily="34" charset="-34"/>
-              </a:rPr>
-              <a:t> remaining = '';</a:t>
-            </a:r>
-          </a:p>
-          <a:p>
-            <a:r>
-              <a:rPr lang="en-US" sz="1200" dirty="0">
-                <a:latin typeface="Cordia New" pitchFamily="34" charset="-34"/>
-                <a:cs typeface="Cordia New" pitchFamily="34" charset="-34"/>
-              </a:rPr>
-              <a:t>    </a:t>
-            </a:r>
-            <a:r>
-              <a:rPr lang="en-US" sz="1200" dirty="0" err="1">
-                <a:latin typeface="Cordia New" pitchFamily="34" charset="-34"/>
-                <a:cs typeface="Cordia New" pitchFamily="34" charset="-34"/>
-              </a:rPr>
-              <a:t>inputReadStream.on</a:t>
-            </a:r>
-            <a:r>
-              <a:rPr lang="en-US" sz="1200" dirty="0">
-                <a:latin typeface="Cordia New" pitchFamily="34" charset="-34"/>
-                <a:cs typeface="Cordia New" pitchFamily="34" charset="-34"/>
-              </a:rPr>
-              <a:t>('data', function(data) {		// We got some data from the file!</a:t>
-            </a:r>
-          </a:p>
-          <a:p>
-            <a:r>
-              <a:rPr lang="en-US" sz="1200" dirty="0">
-                <a:latin typeface="Cordia New" pitchFamily="34" charset="-34"/>
-                <a:cs typeface="Cordia New" pitchFamily="34" charset="-34"/>
-              </a:rPr>
-              <a:t>        remaining += data;			// Grab the entire file into a single line (note: + is add and concatenate)</a:t>
-            </a:r>
-          </a:p>
-          <a:p>
-            <a:r>
-              <a:rPr lang="en-US" sz="1200" dirty="0">
-                <a:latin typeface="Cordia New" pitchFamily="34" charset="-34"/>
-                <a:cs typeface="Cordia New" pitchFamily="34" charset="-34"/>
-              </a:rPr>
-              <a:t>        </a:t>
-            </a:r>
-            <a:r>
-              <a:rPr lang="en-US" sz="1200" dirty="0" err="1">
-                <a:latin typeface="Cordia New" pitchFamily="34" charset="-34"/>
-                <a:cs typeface="Cordia New" pitchFamily="34" charset="-34"/>
-              </a:rPr>
-              <a:t>var</a:t>
-            </a:r>
-            <a:r>
-              <a:rPr lang="en-US" sz="1200" dirty="0">
-                <a:latin typeface="Cordia New" pitchFamily="34" charset="-34"/>
-                <a:cs typeface="Cordia New" pitchFamily="34" charset="-34"/>
-              </a:rPr>
-              <a:t> </a:t>
-            </a:r>
-            <a:r>
-              <a:rPr lang="en-US" sz="1200" dirty="0" err="1">
-                <a:latin typeface="Cordia New" pitchFamily="34" charset="-34"/>
-                <a:cs typeface="Cordia New" pitchFamily="34" charset="-34"/>
-              </a:rPr>
-              <a:t>newLineIndex</a:t>
-            </a:r>
-            <a:r>
-              <a:rPr lang="en-US" sz="1200" dirty="0">
-                <a:latin typeface="Cordia New" pitchFamily="34" charset="-34"/>
-                <a:cs typeface="Cordia New" pitchFamily="34" charset="-34"/>
-              </a:rPr>
-              <a:t> = </a:t>
-            </a:r>
-            <a:r>
-              <a:rPr lang="en-US" sz="1200" dirty="0" err="1">
-                <a:latin typeface="Cordia New" pitchFamily="34" charset="-34"/>
-                <a:cs typeface="Cordia New" pitchFamily="34" charset="-34"/>
-              </a:rPr>
-              <a:t>remaining.indexOf</a:t>
-            </a:r>
-            <a:r>
-              <a:rPr lang="en-US" sz="1200" dirty="0">
-                <a:latin typeface="Cordia New" pitchFamily="34" charset="-34"/>
-                <a:cs typeface="Cordia New" pitchFamily="34" charset="-34"/>
-              </a:rPr>
-              <a:t>('\n');		// Find the index of the first newline</a:t>
-            </a:r>
-          </a:p>
-          <a:p>
-            <a:r>
-              <a:rPr lang="en-US" sz="1200" dirty="0">
-                <a:latin typeface="Cordia New" pitchFamily="34" charset="-34"/>
-                <a:cs typeface="Cordia New" pitchFamily="34" charset="-34"/>
-              </a:rPr>
-              <a:t>        while (</a:t>
-            </a:r>
-            <a:r>
-              <a:rPr lang="en-US" sz="1200" dirty="0" err="1">
-                <a:latin typeface="Cordia New" pitchFamily="34" charset="-34"/>
-                <a:cs typeface="Cordia New" pitchFamily="34" charset="-34"/>
-              </a:rPr>
-              <a:t>newLineIndex</a:t>
-            </a:r>
-            <a:r>
-              <a:rPr lang="en-US" sz="1200" dirty="0">
-                <a:latin typeface="Cordia New" pitchFamily="34" charset="-34"/>
-                <a:cs typeface="Cordia New" pitchFamily="34" charset="-34"/>
-              </a:rPr>
-              <a:t> &gt; -1) {			// While there's a newline still coming</a:t>
-            </a:r>
-          </a:p>
-          <a:p>
-            <a:r>
-              <a:rPr lang="en-US" sz="1200" dirty="0">
-                <a:latin typeface="Cordia New" pitchFamily="34" charset="-34"/>
-                <a:cs typeface="Cordia New" pitchFamily="34" charset="-34"/>
-              </a:rPr>
-              <a:t>           </a:t>
-            </a:r>
-            <a:r>
-              <a:rPr lang="en-US" sz="1200" dirty="0" err="1">
-                <a:latin typeface="Cordia New" pitchFamily="34" charset="-34"/>
-                <a:cs typeface="Cordia New" pitchFamily="34" charset="-34"/>
-              </a:rPr>
-              <a:t>var</a:t>
-            </a:r>
-            <a:r>
-              <a:rPr lang="en-US" sz="1200" dirty="0">
-                <a:latin typeface="Cordia New" pitchFamily="34" charset="-34"/>
-                <a:cs typeface="Cordia New" pitchFamily="34" charset="-34"/>
-              </a:rPr>
-              <a:t> line = </a:t>
-            </a:r>
-            <a:r>
-              <a:rPr lang="en-US" sz="1200" dirty="0" err="1">
-                <a:latin typeface="Cordia New" pitchFamily="34" charset="-34"/>
-                <a:cs typeface="Cordia New" pitchFamily="34" charset="-34"/>
-              </a:rPr>
-              <a:t>remaining.substring</a:t>
-            </a:r>
-            <a:r>
-              <a:rPr lang="en-US" sz="1200" dirty="0">
-                <a:latin typeface="Cordia New" pitchFamily="34" charset="-34"/>
-                <a:cs typeface="Cordia New" pitchFamily="34" charset="-34"/>
-              </a:rPr>
-              <a:t>(0, </a:t>
-            </a:r>
-            <a:r>
-              <a:rPr lang="en-US" sz="1200" dirty="0" err="1">
-                <a:latin typeface="Cordia New" pitchFamily="34" charset="-34"/>
-                <a:cs typeface="Cordia New" pitchFamily="34" charset="-34"/>
-              </a:rPr>
-              <a:t>newLineIndex</a:t>
-            </a:r>
-            <a:r>
-              <a:rPr lang="en-US" sz="1200" dirty="0">
-                <a:latin typeface="Cordia New" pitchFamily="34" charset="-34"/>
-                <a:cs typeface="Cordia New" pitchFamily="34" charset="-34"/>
-              </a:rPr>
-              <a:t> );		// Grab </a:t>
-            </a:r>
-            <a:r>
-              <a:rPr lang="en-US" sz="1200" dirty="0" smtClean="0">
-                <a:latin typeface="Cordia New" pitchFamily="34" charset="-34"/>
-                <a:cs typeface="Cordia New" pitchFamily="34" charset="-34"/>
-              </a:rPr>
-              <a:t>until </a:t>
-            </a:r>
-            <a:r>
-              <a:rPr lang="en-US" sz="1200" dirty="0">
-                <a:latin typeface="Cordia New" pitchFamily="34" charset="-34"/>
-                <a:cs typeface="Cordia New" pitchFamily="34" charset="-34"/>
-              </a:rPr>
-              <a:t>the newline and </a:t>
-            </a:r>
-            <a:r>
-              <a:rPr lang="en-US" sz="1200" dirty="0" smtClean="0">
-                <a:latin typeface="Cordia New" pitchFamily="34" charset="-34"/>
-                <a:cs typeface="Cordia New" pitchFamily="34" charset="-34"/>
-              </a:rPr>
-              <a:t>print</a:t>
-            </a:r>
-            <a:endParaRPr lang="en-US" sz="1200" dirty="0">
-              <a:latin typeface="Cordia New" pitchFamily="34" charset="-34"/>
-              <a:cs typeface="Cordia New" pitchFamily="34" charset="-34"/>
-            </a:endParaRPr>
-          </a:p>
-          <a:p>
-            <a:r>
-              <a:rPr lang="en-US" sz="1200" dirty="0">
-                <a:latin typeface="Cordia New" pitchFamily="34" charset="-34"/>
-                <a:cs typeface="Cordia New" pitchFamily="34" charset="-34"/>
-              </a:rPr>
-              <a:t>           remaining = </a:t>
-            </a:r>
-            <a:r>
-              <a:rPr lang="en-US" sz="1200" dirty="0" err="1">
-                <a:latin typeface="Cordia New" pitchFamily="34" charset="-34"/>
-                <a:cs typeface="Cordia New" pitchFamily="34" charset="-34"/>
-              </a:rPr>
-              <a:t>remaining.substring</a:t>
-            </a:r>
-            <a:r>
-              <a:rPr lang="en-US" sz="1200" dirty="0">
-                <a:latin typeface="Cordia New" pitchFamily="34" charset="-34"/>
-                <a:cs typeface="Cordia New" pitchFamily="34" charset="-34"/>
-              </a:rPr>
-              <a:t>(</a:t>
-            </a:r>
-            <a:r>
-              <a:rPr lang="en-US" sz="1200" dirty="0" err="1">
-                <a:latin typeface="Cordia New" pitchFamily="34" charset="-34"/>
-                <a:cs typeface="Cordia New" pitchFamily="34" charset="-34"/>
-              </a:rPr>
-              <a:t>newLineIndex</a:t>
-            </a:r>
-            <a:r>
-              <a:rPr lang="en-US" sz="1200" dirty="0">
-                <a:latin typeface="Cordia New" pitchFamily="34" charset="-34"/>
-                <a:cs typeface="Cordia New" pitchFamily="34" charset="-34"/>
-              </a:rPr>
-              <a:t> + 1);		// Throw out the line we just grabbed, start after the newline</a:t>
-            </a:r>
-          </a:p>
-          <a:p>
-            <a:r>
-              <a:rPr lang="en-US" sz="1200" dirty="0">
-                <a:latin typeface="Cordia New" pitchFamily="34" charset="-34"/>
-                <a:cs typeface="Cordia New" pitchFamily="34" charset="-34"/>
-              </a:rPr>
-              <a:t>           </a:t>
-            </a:r>
-            <a:r>
-              <a:rPr lang="en-US" sz="1200" dirty="0" err="1">
-                <a:latin typeface="Cordia New" pitchFamily="34" charset="-34"/>
-                <a:cs typeface="Cordia New" pitchFamily="34" charset="-34"/>
-              </a:rPr>
-              <a:t>printLine</a:t>
-            </a:r>
-            <a:r>
-              <a:rPr lang="en-US" sz="1200" dirty="0">
-                <a:latin typeface="Cordia New" pitchFamily="34" charset="-34"/>
-                <a:cs typeface="Cordia New" pitchFamily="34" charset="-34"/>
-              </a:rPr>
-              <a:t>(line);			// Print the line we grabbed</a:t>
-            </a:r>
-          </a:p>
-          <a:p>
-            <a:r>
-              <a:rPr lang="en-US" sz="1200" dirty="0">
-                <a:latin typeface="Cordia New" pitchFamily="34" charset="-34"/>
-                <a:cs typeface="Cordia New" pitchFamily="34" charset="-34"/>
-              </a:rPr>
-              <a:t>           </a:t>
-            </a:r>
-            <a:r>
-              <a:rPr lang="en-US" sz="1200" dirty="0" err="1">
-                <a:latin typeface="Cordia New" pitchFamily="34" charset="-34"/>
-                <a:cs typeface="Cordia New" pitchFamily="34" charset="-34"/>
-              </a:rPr>
-              <a:t>newLineIndex</a:t>
-            </a:r>
-            <a:r>
-              <a:rPr lang="en-US" sz="1200" dirty="0">
-                <a:latin typeface="Cordia New" pitchFamily="34" charset="-34"/>
-                <a:cs typeface="Cordia New" pitchFamily="34" charset="-34"/>
-              </a:rPr>
-              <a:t> = </a:t>
-            </a:r>
-            <a:r>
-              <a:rPr lang="en-US" sz="1200" dirty="0" err="1">
-                <a:latin typeface="Cordia New" pitchFamily="34" charset="-34"/>
-                <a:cs typeface="Cordia New" pitchFamily="34" charset="-34"/>
-              </a:rPr>
-              <a:t>remaining.indexOf</a:t>
-            </a:r>
-            <a:r>
-              <a:rPr lang="en-US" sz="1200" dirty="0">
-                <a:latin typeface="Cordia New" pitchFamily="34" charset="-34"/>
-                <a:cs typeface="Cordia New" pitchFamily="34" charset="-34"/>
-              </a:rPr>
-              <a:t>('\n');		// Find the next newline</a:t>
-            </a:r>
-          </a:p>
-          <a:p>
-            <a:r>
-              <a:rPr lang="en-US" sz="1200" dirty="0">
-                <a:latin typeface="Cordia New" pitchFamily="34" charset="-34"/>
-                <a:cs typeface="Cordia New" pitchFamily="34" charset="-34"/>
-              </a:rPr>
-              <a:t>       }</a:t>
-            </a:r>
-          </a:p>
-          <a:p>
-            <a:r>
-              <a:rPr lang="en-US" sz="1200" dirty="0">
-                <a:latin typeface="Cordia New" pitchFamily="34" charset="-34"/>
-                <a:cs typeface="Cordia New" pitchFamily="34" charset="-34"/>
-              </a:rPr>
-              <a:t>    });</a:t>
-            </a:r>
-          </a:p>
-          <a:p>
-            <a:r>
-              <a:rPr lang="en-US" sz="1200" dirty="0">
-                <a:latin typeface="Cordia New" pitchFamily="34" charset="-34"/>
-                <a:cs typeface="Cordia New" pitchFamily="34" charset="-34"/>
-              </a:rPr>
-              <a:t>    </a:t>
-            </a:r>
-            <a:r>
-              <a:rPr lang="en-US" sz="1200" dirty="0" err="1">
-                <a:latin typeface="Cordia New" pitchFamily="34" charset="-34"/>
-                <a:cs typeface="Cordia New" pitchFamily="34" charset="-34"/>
-              </a:rPr>
-              <a:t>inputReadStream.on</a:t>
-            </a:r>
-            <a:r>
-              <a:rPr lang="en-US" sz="1200" dirty="0">
-                <a:latin typeface="Cordia New" pitchFamily="34" charset="-34"/>
-                <a:cs typeface="Cordia New" pitchFamily="34" charset="-34"/>
-              </a:rPr>
-              <a:t>('end', function() {</a:t>
-            </a:r>
-          </a:p>
-          <a:p>
-            <a:r>
-              <a:rPr lang="en-US" sz="1200" dirty="0">
-                <a:latin typeface="Cordia New" pitchFamily="34" charset="-34"/>
-                <a:cs typeface="Cordia New" pitchFamily="34" charset="-34"/>
-              </a:rPr>
-              <a:t>        if (</a:t>
-            </a:r>
-            <a:r>
-              <a:rPr lang="en-US" sz="1200" dirty="0" err="1">
-                <a:latin typeface="Cordia New" pitchFamily="34" charset="-34"/>
-                <a:cs typeface="Cordia New" pitchFamily="34" charset="-34"/>
-              </a:rPr>
-              <a:t>remaining.length</a:t>
-            </a:r>
-            <a:r>
-              <a:rPr lang="en-US" sz="1200" dirty="0">
-                <a:latin typeface="Cordia New" pitchFamily="34" charset="-34"/>
-                <a:cs typeface="Cordia New" pitchFamily="34" charset="-34"/>
-              </a:rPr>
-              <a:t> &gt; 0) { </a:t>
-            </a:r>
-            <a:r>
-              <a:rPr lang="en-US" sz="1200" dirty="0" err="1">
-                <a:latin typeface="Cordia New" pitchFamily="34" charset="-34"/>
-                <a:cs typeface="Cordia New" pitchFamily="34" charset="-34"/>
-              </a:rPr>
-              <a:t>printLine</a:t>
-            </a:r>
-            <a:r>
-              <a:rPr lang="en-US" sz="1200" dirty="0">
-                <a:latin typeface="Cordia New" pitchFamily="34" charset="-34"/>
-                <a:cs typeface="Cordia New" pitchFamily="34" charset="-34"/>
-              </a:rPr>
-              <a:t>(remaining); }</a:t>
-            </a:r>
-          </a:p>
-          <a:p>
-            <a:r>
-              <a:rPr lang="en-US" sz="1200" dirty="0">
-                <a:latin typeface="Cordia New" pitchFamily="34" charset="-34"/>
-                <a:cs typeface="Cordia New" pitchFamily="34" charset="-34"/>
-              </a:rPr>
-              <a:t>    });</a:t>
-            </a:r>
-          </a:p>
-          <a:p>
-            <a:r>
-              <a:rPr lang="en-US" sz="1200" dirty="0">
-                <a:latin typeface="Cordia New" pitchFamily="34" charset="-34"/>
-                <a:cs typeface="Cordia New" pitchFamily="34" charset="-34"/>
-              </a:rPr>
-              <a:t>}</a:t>
-            </a:r>
-          </a:p>
-          <a:p>
-            <a:endParaRPr lang="en-US" sz="1200" dirty="0" smtClean="0">
-              <a:latin typeface="Cordia New" pitchFamily="34" charset="-34"/>
-              <a:cs typeface="Cordia New" pitchFamily="34" charset="-34"/>
-            </a:endParaRPr>
-          </a:p>
-          <a:p>
-            <a:r>
-              <a:rPr lang="en-US" sz="1200" dirty="0">
-                <a:latin typeface="Cordia New" pitchFamily="34" charset="-34"/>
-                <a:cs typeface="Cordia New" pitchFamily="34" charset="-34"/>
-              </a:rPr>
-              <a:t>function </a:t>
-            </a:r>
-            <a:r>
-              <a:rPr lang="en-US" sz="1200" dirty="0" err="1">
-                <a:latin typeface="Cordia New" pitchFamily="34" charset="-34"/>
-                <a:cs typeface="Cordia New" pitchFamily="34" charset="-34"/>
-              </a:rPr>
-              <a:t>printLine</a:t>
-            </a:r>
-            <a:r>
-              <a:rPr lang="en-US" sz="1200" dirty="0">
-                <a:latin typeface="Cordia New" pitchFamily="34" charset="-34"/>
-                <a:cs typeface="Cordia New" pitchFamily="34" charset="-34"/>
-              </a:rPr>
-              <a:t>(data) {</a:t>
-            </a:r>
-          </a:p>
-          <a:p>
-            <a:r>
-              <a:rPr lang="en-US" sz="1200" dirty="0">
-                <a:latin typeface="Cordia New" pitchFamily="34" charset="-34"/>
-                <a:cs typeface="Cordia New" pitchFamily="34" charset="-34"/>
-              </a:rPr>
-              <a:t>    console.log('Line: ' + data);</a:t>
-            </a:r>
-          </a:p>
-          <a:p>
-            <a:r>
-              <a:rPr lang="en-US" sz="1200" dirty="0" smtClean="0">
-                <a:latin typeface="Cordia New" pitchFamily="34" charset="-34"/>
-                <a:cs typeface="Cordia New" pitchFamily="34" charset="-34"/>
-              </a:rPr>
-              <a:t>}</a:t>
-            </a:r>
-            <a:endParaRPr lang="en-US" sz="1200" dirty="0">
-              <a:latin typeface="Cordia New" pitchFamily="34" charset="-34"/>
-              <a:cs typeface="Cordia New" pitchFamily="34" charset="-34"/>
-            </a:endParaRPr>
-          </a:p>
         </p:txBody>
       </p:sp>
     </p:spTree>
     <p:extLst>
       <p:ext uri="{BB962C8B-B14F-4D97-AF65-F5344CB8AC3E}">
-        <p14:creationId xmlns:p14="http://schemas.microsoft.com/office/powerpoint/2010/main" val="3283291423"/>
+        <p14:creationId xmlns:p14="http://schemas.microsoft.com/office/powerpoint/2010/main" val="4081223386"/>
       </p:ext>
     </p:extLst>
   </p:cSld>
@@ -4667,7 +4925,7 @@
           <a:p>
             <a:r>
               <a:rPr lang="en-US" dirty="0" smtClean="0"/>
-              <a:t>Making your own module</a:t>
+              <a:t>NPM – Node package manager</a:t>
             </a:r>
             <a:endParaRPr lang="en-US" dirty="0"/>
           </a:p>
@@ -4690,331 +4948,93 @@
           <a:p>
             <a:r>
               <a:rPr lang="en-US" dirty="0" smtClean="0"/>
-              <a:t>A variable named ‘exports’ is passed into scope when the file is loaded for the require() call</a:t>
-            </a:r>
-          </a:p>
-          <a:p>
-            <a:r>
-              <a:rPr lang="en-US" dirty="0" smtClean="0"/>
-              <a:t>exports can be given any substructure you want</a:t>
-            </a:r>
-          </a:p>
-        </p:txBody>
-      </p:sp>
-      <p:sp>
-        <p:nvSpPr>
-          <p:cNvPr id="4" name="TextBox 3"/>
-          <p:cNvSpPr txBox="1"/>
-          <p:nvPr/>
-        </p:nvSpPr>
-        <p:spPr>
-          <a:xfrm>
-            <a:off x="533400" y="3399749"/>
-            <a:ext cx="3886200" cy="1754326"/>
-          </a:xfrm>
-          <a:prstGeom prst="rect">
-            <a:avLst/>
-          </a:prstGeom>
-          <a:noFill/>
-          <a:ln>
-            <a:solidFill>
-              <a:schemeClr val="accent1"/>
-            </a:solidFill>
-          </a:ln>
-        </p:spPr>
-        <p:txBody>
-          <a:bodyPr wrap="square" rtlCol="0">
-            <a:spAutoFit/>
-          </a:bodyPr>
-          <a:lstStyle/>
-          <a:p>
-            <a:pPr algn="ctr"/>
-            <a:r>
-              <a:rPr lang="en-US" u="sng" dirty="0" smtClean="0">
-                <a:latin typeface="Cordia New" pitchFamily="34" charset="-34"/>
-                <a:cs typeface="Cordia New" pitchFamily="34" charset="-34"/>
-              </a:rPr>
-              <a:t>First File (myModuleName.js)</a:t>
-            </a:r>
-          </a:p>
-          <a:p>
-            <a:r>
-              <a:rPr lang="en-US" dirty="0" err="1">
-                <a:latin typeface="Cordia New" pitchFamily="34" charset="-34"/>
-                <a:cs typeface="Cordia New" pitchFamily="34" charset="-34"/>
-              </a:rPr>
-              <a:t>var</a:t>
+              <a:t>A wrapper for </a:t>
+            </a:r>
+            <a:r>
+              <a:rPr lang="en-US" dirty="0" err="1" smtClean="0"/>
+              <a:t>git</a:t>
+            </a:r>
+            <a:r>
+              <a:rPr lang="en-US" dirty="0" smtClean="0"/>
+              <a:t> with a public registry</a:t>
+            </a:r>
+          </a:p>
+          <a:p>
+            <a:r>
+              <a:rPr lang="en-US" dirty="0" smtClean="0"/>
+              <a:t>Anyone can write modules and add them to the registry</a:t>
+            </a:r>
+          </a:p>
+          <a:p>
+            <a:r>
+              <a:rPr lang="en-US" dirty="0" smtClean="0"/>
+              <a:t>“Installs” packages by cloning the repository into a </a:t>
+            </a:r>
+            <a:r>
+              <a:rPr lang="en-US" dirty="0" err="1" smtClean="0"/>
+              <a:t>node_modules</a:t>
+            </a:r>
+            <a:r>
+              <a:rPr lang="en-US" dirty="0" smtClean="0"/>
+              <a:t> folder within the project folder</a:t>
+            </a:r>
+          </a:p>
+          <a:p>
+            <a:r>
+              <a:rPr lang="en-US" dirty="0" smtClean="0"/>
+              <a:t>Can also install modules globally, cloning into the central </a:t>
+            </a:r>
+            <a:r>
+              <a:rPr lang="en-US" dirty="0" err="1" smtClean="0"/>
+              <a:t>node_modules</a:t>
+            </a:r>
+            <a:r>
+              <a:rPr lang="en-US" dirty="0" smtClean="0"/>
+              <a:t> folder</a:t>
+            </a:r>
+          </a:p>
+          <a:p>
+            <a:r>
+              <a:rPr lang="en-US" dirty="0" smtClean="0"/>
+              <a:t>NPM </a:t>
+            </a:r>
+            <a:r>
+              <a:rPr lang="en-US" dirty="0"/>
+              <a:t>Registry - </a:t>
             </a:r>
             <a:r>
               <a:rPr lang="en-US" dirty="0">
-                <a:latin typeface="Cordia New" pitchFamily="34" charset="-34"/>
-                <a:cs typeface="Cordia New" pitchFamily="34" charset="-34"/>
-              </a:rPr>
-              <a:t> </a:t>
-            </a:r>
-            <a:r>
-              <a:rPr lang="en-US" dirty="0" err="1" smtClean="0">
-                <a:latin typeface="Cordia New" pitchFamily="34" charset="-34"/>
-                <a:cs typeface="Cordia New" pitchFamily="34" charset="-34"/>
-              </a:rPr>
-              <a:t>myModuleName</a:t>
+                <a:hlinkClick r:id="rId2"/>
+              </a:rPr>
+              <a:t>http://search.npmjs.org</a:t>
             </a:r>
             <a:r>
               <a:rPr lang="en-US" dirty="0" smtClean="0">
-                <a:latin typeface="Cordia New" pitchFamily="34" charset="-34"/>
-                <a:cs typeface="Cordia New" pitchFamily="34" charset="-34"/>
-              </a:rPr>
-              <a:t>= </a:t>
-            </a:r>
-            <a:r>
-              <a:rPr lang="en-US" dirty="0">
-                <a:latin typeface="Cordia New" pitchFamily="34" charset="-34"/>
-                <a:cs typeface="Cordia New" pitchFamily="34" charset="-34"/>
-              </a:rPr>
-              <a:t>exports</a:t>
+                <a:hlinkClick r:id="rId2"/>
+              </a:rPr>
+              <a:t>/</a:t>
+            </a:r>
+            <a:endParaRPr lang="en-US" dirty="0" smtClean="0"/>
+          </a:p>
+          <a:p>
+            <a:r>
+              <a:rPr lang="en-US" dirty="0" smtClean="0"/>
+              <a:t>Open Source – so people develop for it </a:t>
             </a:r>
             <a:r>
               <a:rPr lang="en-US" dirty="0" smtClean="0">
-                <a:latin typeface="Cordia New" pitchFamily="34" charset="-34"/>
-                <a:cs typeface="Cordia New" pitchFamily="34" charset="-34"/>
-              </a:rPr>
-              <a:t>;</a:t>
-            </a:r>
-          </a:p>
-          <a:p>
-            <a:r>
-              <a:rPr lang="en-US" dirty="0" err="1" smtClean="0">
-                <a:latin typeface="Cordia New" pitchFamily="34" charset="-34"/>
-                <a:cs typeface="Cordia New" pitchFamily="34" charset="-34"/>
-              </a:rPr>
-              <a:t>myModuleName.printHello</a:t>
-            </a:r>
-            <a:r>
-              <a:rPr lang="en-US" dirty="0" smtClean="0">
-                <a:latin typeface="Cordia New" pitchFamily="34" charset="-34"/>
-                <a:cs typeface="Cordia New" pitchFamily="34" charset="-34"/>
-              </a:rPr>
-              <a:t> = function() { </a:t>
-            </a:r>
-          </a:p>
-          <a:p>
-            <a:r>
-              <a:rPr lang="en-US" dirty="0">
-                <a:latin typeface="Cordia New" pitchFamily="34" charset="-34"/>
-                <a:cs typeface="Cordia New" pitchFamily="34" charset="-34"/>
-              </a:rPr>
-              <a:t> </a:t>
-            </a:r>
-            <a:r>
-              <a:rPr lang="en-US" dirty="0" smtClean="0">
-                <a:latin typeface="Cordia New" pitchFamily="34" charset="-34"/>
-                <a:cs typeface="Cordia New" pitchFamily="34" charset="-34"/>
-              </a:rPr>
-              <a:t>   console.log(‘Hello’);</a:t>
-            </a:r>
-          </a:p>
-          <a:p>
-            <a:r>
-              <a:rPr lang="en-US" dirty="0" smtClean="0">
-                <a:latin typeface="Cordia New" pitchFamily="34" charset="-34"/>
-                <a:cs typeface="Cordia New" pitchFamily="34" charset="-34"/>
-              </a:rPr>
-              <a:t>}</a:t>
-            </a:r>
-          </a:p>
-          <a:p>
-            <a:r>
-              <a:rPr lang="en-US" dirty="0" err="1" smtClean="0">
-                <a:latin typeface="Cordia New" pitchFamily="34" charset="-34"/>
-                <a:cs typeface="Cordia New" pitchFamily="34" charset="-34"/>
-              </a:rPr>
-              <a:t>myModuleName.someValue</a:t>
-            </a:r>
-            <a:r>
-              <a:rPr lang="en-US" dirty="0">
-                <a:latin typeface="Cordia New" pitchFamily="34" charset="-34"/>
-                <a:cs typeface="Cordia New" pitchFamily="34" charset="-34"/>
-              </a:rPr>
-              <a:t> </a:t>
-            </a:r>
-            <a:r>
-              <a:rPr lang="en-US" dirty="0" smtClean="0">
-                <a:latin typeface="Cordia New" pitchFamily="34" charset="-34"/>
-                <a:cs typeface="Cordia New" pitchFamily="34" charset="-34"/>
-              </a:rPr>
-              <a:t>= 510;</a:t>
-            </a:r>
-          </a:p>
-        </p:txBody>
-      </p:sp>
-      <p:sp>
-        <p:nvSpPr>
-          <p:cNvPr id="6" name="TextBox 5"/>
-          <p:cNvSpPr txBox="1"/>
-          <p:nvPr/>
-        </p:nvSpPr>
-        <p:spPr>
-          <a:xfrm>
-            <a:off x="4800600" y="3406676"/>
-            <a:ext cx="3886200" cy="1754326"/>
-          </a:xfrm>
-          <a:prstGeom prst="rect">
-            <a:avLst/>
-          </a:prstGeom>
-          <a:noFill/>
-          <a:ln>
-            <a:solidFill>
-              <a:schemeClr val="accent1"/>
-            </a:solidFill>
-          </a:ln>
-        </p:spPr>
-        <p:txBody>
-          <a:bodyPr wrap="square" rtlCol="0">
-            <a:spAutoFit/>
-          </a:bodyPr>
-          <a:lstStyle/>
-          <a:p>
-            <a:pPr algn="ctr"/>
-            <a:r>
-              <a:rPr lang="en-US" u="sng" dirty="0" smtClean="0">
-                <a:latin typeface="Cordia New" pitchFamily="34" charset="-34"/>
-                <a:cs typeface="Cordia New" pitchFamily="34" charset="-34"/>
-              </a:rPr>
-              <a:t>Second File (nodeModuleExample.js)</a:t>
-            </a:r>
-          </a:p>
-          <a:p>
-            <a:r>
-              <a:rPr lang="en-US" dirty="0" err="1" smtClean="0">
-                <a:latin typeface="Cordia New" pitchFamily="34" charset="-34"/>
-                <a:cs typeface="Cordia New" pitchFamily="34" charset="-34"/>
-              </a:rPr>
-              <a:t>var</a:t>
-            </a:r>
-            <a:r>
-              <a:rPr lang="en-US" dirty="0" smtClean="0">
-                <a:latin typeface="Cordia New" pitchFamily="34" charset="-34"/>
-                <a:cs typeface="Cordia New" pitchFamily="34" charset="-34"/>
-              </a:rPr>
-              <a:t> </a:t>
-            </a:r>
-            <a:r>
-              <a:rPr lang="en-US" dirty="0" err="1" smtClean="0">
-                <a:latin typeface="Cordia New" pitchFamily="34" charset="-34"/>
-                <a:cs typeface="Cordia New" pitchFamily="34" charset="-34"/>
-              </a:rPr>
-              <a:t>myModule</a:t>
-            </a:r>
-            <a:r>
-              <a:rPr lang="en-US" dirty="0">
-                <a:latin typeface="Cordia New" pitchFamily="34" charset="-34"/>
-                <a:cs typeface="Cordia New" pitchFamily="34" charset="-34"/>
-              </a:rPr>
-              <a:t> </a:t>
-            </a:r>
-            <a:r>
-              <a:rPr lang="en-US" dirty="0" smtClean="0">
-                <a:latin typeface="Cordia New" pitchFamily="34" charset="-34"/>
-                <a:cs typeface="Cordia New" pitchFamily="34" charset="-34"/>
-              </a:rPr>
-              <a:t>= require(./</a:t>
-            </a:r>
-            <a:r>
-              <a:rPr lang="en-US" dirty="0" err="1" smtClean="0">
-                <a:latin typeface="Cordia New" pitchFamily="34" charset="-34"/>
-                <a:cs typeface="Cordia New" pitchFamily="34" charset="-34"/>
-              </a:rPr>
-              <a:t>myModuleName</a:t>
-            </a:r>
-            <a:r>
-              <a:rPr lang="en-US" dirty="0" smtClean="0">
-                <a:latin typeface="Cordia New" pitchFamily="34" charset="-34"/>
-                <a:cs typeface="Cordia New" pitchFamily="34" charset="-34"/>
-              </a:rPr>
-              <a:t>);</a:t>
-            </a:r>
-          </a:p>
-          <a:p>
-            <a:r>
-              <a:rPr lang="en-US" dirty="0" err="1" smtClean="0">
-                <a:latin typeface="Cordia New" pitchFamily="34" charset="-34"/>
-                <a:cs typeface="Cordia New" pitchFamily="34" charset="-34"/>
-              </a:rPr>
-              <a:t>myModule.printHello</a:t>
-            </a:r>
-            <a:r>
-              <a:rPr lang="en-US" dirty="0" smtClean="0">
-                <a:latin typeface="Cordia New" pitchFamily="34" charset="-34"/>
-                <a:cs typeface="Cordia New" pitchFamily="34" charset="-34"/>
-              </a:rPr>
-              <a:t>(); 	// Prints hello</a:t>
-            </a:r>
-          </a:p>
-          <a:p>
-            <a:r>
-              <a:rPr lang="en-US" dirty="0" smtClean="0">
-                <a:latin typeface="Cordia New" pitchFamily="34" charset="-34"/>
-                <a:cs typeface="Cordia New" pitchFamily="34" charset="-34"/>
-              </a:rPr>
-              <a:t>console.log( </a:t>
-            </a:r>
-            <a:r>
-              <a:rPr lang="en-US" dirty="0" err="1" smtClean="0">
-                <a:latin typeface="Cordia New" pitchFamily="34" charset="-34"/>
-                <a:cs typeface="Cordia New" pitchFamily="34" charset="-34"/>
-              </a:rPr>
-              <a:t>myModule.someValue</a:t>
-            </a:r>
-            <a:r>
-              <a:rPr lang="en-US" dirty="0">
-                <a:latin typeface="Cordia New" pitchFamily="34" charset="-34"/>
-                <a:cs typeface="Cordia New" pitchFamily="34" charset="-34"/>
-              </a:rPr>
-              <a:t> </a:t>
-            </a:r>
-            <a:r>
-              <a:rPr lang="en-US" dirty="0" smtClean="0">
-                <a:latin typeface="Cordia New" pitchFamily="34" charset="-34"/>
-                <a:cs typeface="Cordia New" pitchFamily="34" charset="-34"/>
-              </a:rPr>
-              <a:t>);	// Prints 510</a:t>
-            </a:r>
-          </a:p>
-          <a:p>
-            <a:r>
-              <a:rPr lang="en-US" dirty="0" smtClean="0">
-                <a:latin typeface="Cordia New" pitchFamily="34" charset="-34"/>
-                <a:cs typeface="Cordia New" pitchFamily="34" charset="-34"/>
-              </a:rPr>
-              <a:t>console.log( </a:t>
-            </a:r>
-            <a:r>
-              <a:rPr lang="en-US" dirty="0" err="1" smtClean="0">
-                <a:latin typeface="Cordia New" pitchFamily="34" charset="-34"/>
-                <a:cs typeface="Cordia New" pitchFamily="34" charset="-34"/>
-              </a:rPr>
-              <a:t>myModule</a:t>
-            </a:r>
-            <a:r>
-              <a:rPr lang="en-US" dirty="0" smtClean="0">
-                <a:latin typeface="Cordia New" pitchFamily="34" charset="-34"/>
-                <a:cs typeface="Cordia New" pitchFamily="34" charset="-34"/>
-              </a:rPr>
-              <a:t> ); 	// Prints module structure</a:t>
-            </a:r>
-          </a:p>
-          <a:p>
-            <a:endParaRPr lang="en-US" dirty="0">
-              <a:latin typeface="Cordia New" pitchFamily="34" charset="-34"/>
-              <a:cs typeface="Cordia New" pitchFamily="34" charset="-34"/>
-            </a:endParaRPr>
+                <a:hlinkClick r:id="rId3"/>
+              </a:rPr>
+              <a:t>http://blago.dachev.com/modules</a:t>
+            </a:r>
+            <a:endParaRPr lang="en-US" dirty="0" smtClean="0"/>
           </a:p>
         </p:txBody>
       </p:sp>
     </p:spTree>
     <p:extLst>
       <p:ext uri="{BB962C8B-B14F-4D97-AF65-F5344CB8AC3E}">
-        <p14:creationId xmlns:p14="http://schemas.microsoft.com/office/powerpoint/2010/main" val="4081223386"/>
+        <p14:creationId xmlns:p14="http://schemas.microsoft.com/office/powerpoint/2010/main" val="4160375298"/>
       </p:ext>
     </p:extLst>
   </p:cSld>
@@ -5050,7 +5070,7 @@
       </p:grpSpPr>
       <p:sp>
         <p:nvSpPr>
-          <p:cNvPr id="2" name="Title 1"/>
+          <p:cNvPr id="4" name="Title 3"/>
           <p:cNvSpPr>
             <a:spLocks noGrp="1"/>
           </p:cNvSpPr>
@@ -5065,7 +5085,7 @@
           <a:p>
             <a:r>
               <a:rPr lang="en-US" dirty="0" smtClean="0"/>
-              <a:t>NPM – Node package manager</a:t>
+              <a:t>Create a basic AIM API</a:t>
             </a:r>
             <a:endParaRPr lang="en-US" dirty="0"/>
           </a:p>
@@ -5073,12 +5093,12 @@
       </p:sp>
       <p:sp>
         <p:nvSpPr>
-          <p:cNvPr id="3" name="Content Placeholder 2"/>
-          <p:cNvSpPr>
-            <a:spLocks noGrp="1"/>
-          </p:cNvSpPr>
-          <p:nvPr>
-            <p:ph sz="quarter" idx="1"/>
+          <p:cNvPr id="5" name="Text Placeholder 4"/>
+          <p:cNvSpPr>
+            <a:spLocks noGrp="1"/>
+          </p:cNvSpPr>
+          <p:nvPr>
+            <p:ph type="body" idx="1"/>
           </p:nvPr>
         </p:nvSpPr>
         <p:spPr/>
@@ -5088,93 +5108,16 @@
           <a:p>
             <a:r>
               <a:rPr lang="en-US" dirty="0" smtClean="0"/>
-              <a:t>A wrapper for </a:t>
-            </a:r>
-            <a:r>
-              <a:rPr lang="en-US" dirty="0" err="1" smtClean="0"/>
-              <a:t>git</a:t>
-            </a:r>
-            <a:r>
-              <a:rPr lang="en-US" dirty="0" smtClean="0"/>
-              <a:t> with a public registry</a:t>
-            </a:r>
-          </a:p>
-          <a:p>
-            <a:r>
-              <a:rPr lang="en-US" dirty="0" smtClean="0"/>
-              <a:t>Anyone can write modules and add them to the registry</a:t>
-            </a:r>
-          </a:p>
-          <a:p>
-            <a:r>
-              <a:rPr lang="en-US" dirty="0" smtClean="0"/>
-              <a:t>“Installs” packages by cloning the repository into a </a:t>
-            </a:r>
-            <a:r>
-              <a:rPr lang="en-US" dirty="0" err="1" smtClean="0"/>
-              <a:t>node_modules</a:t>
-            </a:r>
-            <a:r>
-              <a:rPr lang="en-US" dirty="0" smtClean="0"/>
-              <a:t> folder within the project folder</a:t>
-            </a:r>
-          </a:p>
-          <a:p>
-            <a:r>
-              <a:rPr lang="en-US" dirty="0" smtClean="0"/>
-              <a:t>Can also install modules globally, cloning into the central </a:t>
-            </a:r>
-            <a:r>
-              <a:rPr lang="en-US" dirty="0" err="1" smtClean="0"/>
-              <a:t>node_modules</a:t>
-            </a:r>
-            <a:r>
-              <a:rPr lang="en-US" dirty="0" smtClean="0"/>
-              <a:t> folder</a:t>
-            </a:r>
-          </a:p>
-          <a:p>
-            <a:r>
-              <a:rPr lang="en-US" dirty="0" smtClean="0"/>
-              <a:t>NPM </a:t>
-            </a:r>
-            <a:r>
-              <a:rPr lang="en-US" dirty="0"/>
-              <a:t>Registry - </a:t>
-            </a:r>
-            <a:r>
-              <a:rPr lang="en-US" dirty="0">
-                <a:hlinkClick r:id="rId2"/>
-              </a:rPr>
-              <a:t>http://search.npmjs.org</a:t>
-            </a:r>
-            <a:r>
-              <a:rPr lang="en-US" dirty="0" smtClean="0">
-                <a:hlinkClick r:id="rId2"/>
-              </a:rPr>
-              <a:t>/</a:t>
-            </a:r>
-            <a:endParaRPr lang="en-US" dirty="0" smtClean="0"/>
-          </a:p>
-          <a:p>
-            <a:r>
-              <a:rPr lang="en-US" dirty="0" smtClean="0"/>
-              <a:t>Open Source – so people develop for it </a:t>
-            </a:r>
-            <a:r>
-              <a:rPr lang="en-US" dirty="0" smtClean="0">
-                <a:hlinkClick r:id="rId3"/>
-              </a:rPr>
-              <a:t>http://blago.dachev.com/modules</a:t>
-            </a:r>
-            <a:endParaRPr lang="en-US" dirty="0" smtClean="0"/>
+              <a:t>Allow us to connect to AIM, send, receive, and handle messages</a:t>
+            </a:r>
+            <a:endParaRPr lang="en-US" dirty="0"/>
           </a:p>
         </p:txBody>
       </p:sp>
     </p:spTree>
     <p:extLst>
       <p:ext uri="{BB962C8B-B14F-4D97-AF65-F5344CB8AC3E}">
-        <p14:creationId xmlns:p14="http://schemas.microsoft.com/office/powerpoint/2010/main" val="4160375298"/>
+        <p14:creationId xmlns:p14="http://schemas.microsoft.com/office/powerpoint/2010/main" val="686678396"/>
       </p:ext>
     </p:extLst>
   </p:cSld>
@@ -5285,17 +5228,15 @@
             </a:r>
             <a:r>
               <a:rPr lang="en-US" dirty="0" smtClean="0"/>
-              <a:t>() – respond to a message that contains some key (a command)</a:t>
-            </a:r>
-          </a:p>
-          <a:p>
-            <a:r>
-              <a:rPr lang="en-US" dirty="0" smtClean="0"/>
-              <a:t>Handle incoming messages and respond</a:t>
-            </a:r>
-            <a:endParaRPr lang="en-US" dirty="0"/>
-          </a:p>
-          <a:p>
+              <a:t>() – respond to a message that contains some key (a command</a:t>
+            </a:r>
+            <a:r>
+              <a:rPr lang="en-US" dirty="0" smtClean="0"/>
+              <a:t>)</a:t>
+            </a:r>
+          </a:p>
+          <a:p>
+            <a:pPr lvl="1"/>
             <a:endParaRPr lang="en-US" dirty="0" smtClean="0"/>
           </a:p>
           <a:p>
@@ -5361,7 +5302,7 @@
           <a:p>
             <a:r>
               <a:rPr lang="en-US" dirty="0" smtClean="0"/>
-              <a:t>Create a basic AIM API</a:t>
+              <a:t>Create a basic web server API</a:t>
             </a:r>
             <a:endParaRPr lang="en-US" dirty="0"/>
           </a:p>
@@ -5384,7 +5325,7 @@
           <a:p>
             <a:r>
               <a:rPr lang="en-US" dirty="0" smtClean="0"/>
-              <a:t>Allow us to connect to AIM, send, receive, and handle messages</a:t>
+              <a:t>Allow us to serve web pages to a client, and handle HTTP requests</a:t>
             </a:r>
             <a:endParaRPr lang="en-US" dirty="0"/>
           </a:p>
@@ -5393,7 +5334,7 @@
     </p:spTree>
     <p:extLst>
       <p:ext uri="{BB962C8B-B14F-4D97-AF65-F5344CB8AC3E}">
-        <p14:creationId xmlns:p14="http://schemas.microsoft.com/office/powerpoint/2010/main" val="686678396"/>
+        <p14:creationId xmlns:p14="http://schemas.microsoft.com/office/powerpoint/2010/main" val="350658846"/>
       </p:ext>
     </p:extLst>
   </p:cSld>
@@ -5464,63 +5405,64 @@
         </p:nvSpPr>
         <p:spPr/>
         <p:txBody>
-          <a:bodyPr/>
-          <a:lstStyle/>
-          <a:p>
-            <a:r>
-              <a:rPr lang="en-US" dirty="0" smtClean="0"/>
-              <a:t>Install the OSCAR node module</a:t>
-            </a:r>
-          </a:p>
-          <a:p>
-            <a:r>
-              <a:rPr lang="en-US" dirty="0" smtClean="0"/>
-              <a:t>Create a basic AIM interface</a:t>
+          <a:bodyPr>
+            <a:normAutofit/>
+          </a:bodyPr>
+          <a:lstStyle/>
+          <a:p>
+            <a:r>
+              <a:rPr lang="en-US" dirty="0" smtClean="0"/>
+              <a:t>Create a basic web server interface</a:t>
             </a:r>
           </a:p>
           <a:p>
             <a:pPr lvl="1"/>
             <a:r>
               <a:rPr lang="en-US" dirty="0" smtClean="0"/>
-              <a:t>connect() – setup and connect to AIM</a:t>
+              <a:t>Create a server and declare our handling routine</a:t>
             </a:r>
           </a:p>
           <a:p>
             <a:pPr lvl="1"/>
             <a:r>
+              <a:rPr lang="en-US" dirty="0" smtClean="0"/>
+              <a:t>listen() – tell our web server to listen to requests on some port with some host</a:t>
+            </a:r>
+          </a:p>
+          <a:p>
+            <a:pPr lvl="1"/>
+            <a:r>
               <a:rPr lang="en-US" dirty="0" err="1" smtClean="0"/>
-              <a:t>sendMessage</a:t>
-            </a:r>
-            <a:r>
-              <a:rPr lang="en-US" dirty="0" smtClean="0"/>
-              <a:t>() – send a message to some sender</a:t>
+              <a:t>addRequestHandler</a:t>
+            </a:r>
+            <a:r>
+              <a:rPr lang="en-US" dirty="0" smtClean="0"/>
+              <a:t>() – respond to a given HTTP request with some handling function</a:t>
             </a:r>
           </a:p>
           <a:p>
             <a:pPr lvl="1"/>
             <a:r>
               <a:rPr lang="en-US" dirty="0" err="1" smtClean="0"/>
-              <a:t>addKeyResponse</a:t>
-            </a:r>
-            <a:r>
-              <a:rPr lang="en-US" dirty="0" smtClean="0"/>
-              <a:t>() – respond to a message that contains some key (a command)</a:t>
-            </a:r>
-          </a:p>
-          <a:p>
-            <a:r>
-              <a:rPr lang="en-US" dirty="0" smtClean="0"/>
-              <a:t>Handle incoming messages and respond</a:t>
-            </a:r>
-            <a:endParaRPr lang="en-US" dirty="0"/>
-          </a:p>
-          <a:p>
+              <a:t>createFileHandler</a:t>
+            </a:r>
+            <a:r>
+              <a:rPr lang="en-US" dirty="0" smtClean="0"/>
+              <a:t>() – create a function to create a handler to respond to a request with the contents of a </a:t>
+            </a:r>
+            <a:r>
+              <a:rPr lang="en-US" dirty="0" smtClean="0"/>
+              <a:t>file</a:t>
+            </a:r>
+          </a:p>
+          <a:p>
+            <a:pPr lvl="1"/>
             <a:endParaRPr lang="en-US" dirty="0" smtClean="0"/>
           </a:p>
           <a:p>
             <a:r>
               <a:rPr lang="en-US" dirty="0" smtClean="0"/>
-              <a:t>(See code AIMTools.js and snackbot.js)</a:t>
+              <a:t>(See code ServerTools.js, index.html, and snackbot.js)</a:t>
             </a:r>
             <a:endParaRPr lang="en-US" dirty="0"/>
           </a:p>
@@ -5529,7 +5471,7 @@
     </p:spTree>
     <p:extLst>
       <p:ext uri="{BB962C8B-B14F-4D97-AF65-F5344CB8AC3E}">
-        <p14:creationId xmlns:p14="http://schemas.microsoft.com/office/powerpoint/2010/main" val="2244919368"/>
+        <p14:creationId xmlns:p14="http://schemas.microsoft.com/office/powerpoint/2010/main" val="2114505371"/>
       </p:ext>
     </p:extLst>
   </p:cSld>
@@ -5580,7 +5522,7 @@
           <a:p>
             <a:r>
               <a:rPr lang="en-US" dirty="0" smtClean="0"/>
-              <a:t>Create a basic web server API</a:t>
+              <a:t>Hosting the bot</a:t>
             </a:r>
             <a:endParaRPr lang="en-US" dirty="0"/>
           </a:p>
@@ -5603,7 +5545,15 @@
           <a:p>
             <a:r>
               <a:rPr lang="en-US" dirty="0" smtClean="0"/>
-              <a:t>Allow us to serve web pages to a client, and handle HTTP requests</a:t>
+              <a:t>Run the bot on a </a:t>
+            </a:r>
+            <a:r>
+              <a:rPr lang="en-US" dirty="0" err="1" smtClean="0"/>
+              <a:t>Heroku</a:t>
+            </a:r>
+            <a:r>
+              <a:rPr lang="en-US" dirty="0" smtClean="0"/>
+              <a:t> server</a:t>
             </a:r>
             <a:endParaRPr lang="en-US" dirty="0"/>
           </a:p>
@@ -5612,7 +5562,7 @@
     </p:spTree>
     <p:extLst>
       <p:ext uri="{BB962C8B-B14F-4D97-AF65-F5344CB8AC3E}">
-        <p14:creationId xmlns:p14="http://schemas.microsoft.com/office/powerpoint/2010/main" val="350658846"/>
+        <p14:creationId xmlns:p14="http://schemas.microsoft.com/office/powerpoint/2010/main" val="3862509054"/>
       </p:ext>
     </p:extLst>
   </p:cSld>
@@ -5648,7 +5598,7 @@
       </p:grpSpPr>
       <p:sp>
         <p:nvSpPr>
-          <p:cNvPr id="4" name="Title 3"/>
+          <p:cNvPr id="2" name="Title 1"/>
           <p:cNvSpPr>
             <a:spLocks noGrp="1"/>
           </p:cNvSpPr>
@@ -5658,14 +5608,16 @@
         </p:nvSpPr>
         <p:spPr/>
         <p:txBody>
-          <a:bodyPr>
-            <a:normAutofit/>
-          </a:bodyPr>
-          <a:lstStyle/>
-          <a:p>
-            <a:r>
-              <a:rPr lang="en-US" dirty="0" smtClean="0"/>
-              <a:t>What are we going to do</a:t>
+          <a:bodyPr/>
+          <a:lstStyle/>
+          <a:p>
+            <a:r>
+              <a:rPr lang="en-US" dirty="0" smtClean="0"/>
+              <a:t>What is </a:t>
+            </a:r>
+            <a:r>
+              <a:rPr lang="en-US" dirty="0" err="1" smtClean="0"/>
+              <a:t>Heroku</a:t>
             </a:r>
             <a:endParaRPr lang="en-US" dirty="0"/>
           </a:p>
@@ -5673,7 +5625,7 @@
       </p:sp>
       <p:sp>
         <p:nvSpPr>
-          <p:cNvPr id="5" name="Content Placeholder 4"/>
+          <p:cNvPr id="3" name="Content Placeholder 2"/>
           <p:cNvSpPr>
             <a:spLocks noGrp="1"/>
           </p:cNvSpPr>
@@ -5683,102 +5635,68 @@
         </p:nvSpPr>
         <p:spPr/>
         <p:txBody>
-          <a:bodyPr>
-            <a:normAutofit lnSpcReduction="10000"/>
-          </a:bodyPr>
-          <a:lstStyle/>
-          <a:p>
-            <a:r>
-              <a:rPr lang="en-US" dirty="0" smtClean="0"/>
-              <a:t>Create a basic web server interface</a:t>
+          <a:bodyPr/>
+          <a:lstStyle/>
+          <a:p>
+            <a:r>
+              <a:rPr lang="en-US" dirty="0" smtClean="0"/>
+              <a:t>A cloud based application platform built on Amazon web servers</a:t>
+            </a:r>
+          </a:p>
+          <a:p>
+            <a:r>
+              <a:rPr lang="en-US" dirty="0" smtClean="0"/>
+              <a:t>Code and changes are uploaded using </a:t>
+            </a:r>
+            <a:r>
+              <a:rPr lang="en-US" dirty="0" err="1" smtClean="0"/>
+              <a:t>git</a:t>
+            </a:r>
+            <a:endParaRPr lang="en-US" dirty="0" smtClean="0"/>
+          </a:p>
+          <a:p>
+            <a:r>
+              <a:rPr lang="en-US" dirty="0" smtClean="0"/>
+              <a:t>Free hosting for single processes (up to 750 CPU hours/month)</a:t>
+            </a:r>
+          </a:p>
+          <a:p>
+            <a:r>
+              <a:rPr lang="en-US" dirty="0" smtClean="0"/>
+              <a:t>Applications can be scaled up for money</a:t>
             </a:r>
           </a:p>
           <a:p>
             <a:pPr lvl="1"/>
             <a:r>
               <a:rPr lang="en-US" dirty="0" smtClean="0"/>
-              <a:t>Create a server and declare our handling routine</a:t>
-            </a:r>
-            <a:endParaRPr lang="en-US" dirty="0" smtClean="0"/>
+              <a:t>Web </a:t>
+            </a:r>
+            <a:r>
+              <a:rPr lang="en-US" dirty="0" err="1" smtClean="0"/>
+              <a:t>Dynos</a:t>
+            </a:r>
+            <a:r>
+              <a:rPr lang="en-US" dirty="0" smtClean="0"/>
+              <a:t> – runs your code – provides concurrency</a:t>
+            </a:r>
           </a:p>
           <a:p>
             <a:pPr lvl="1"/>
             <a:r>
               <a:rPr lang="en-US" dirty="0" smtClean="0"/>
-              <a:t>listen() </a:t>
-            </a:r>
-            <a:r>
-              <a:rPr lang="en-US" dirty="0" smtClean="0"/>
-              <a:t>– </a:t>
-            </a:r>
-            <a:r>
-              <a:rPr lang="en-US" dirty="0" smtClean="0"/>
-              <a:t>tell our web server to listen to requests on some port with some host</a:t>
-            </a:r>
-            <a:endParaRPr lang="en-US" dirty="0" smtClean="0"/>
-          </a:p>
-          <a:p>
-            <a:pPr lvl="1"/>
+              <a:t>Worker </a:t>
+            </a:r>
             <a:r>
               <a:rPr lang="en-US" dirty="0" err="1" smtClean="0"/>
-              <a:t>addRequestHandler</a:t>
-            </a:r>
-            <a:r>
-              <a:rPr lang="en-US" dirty="0" smtClean="0"/>
-              <a:t>() </a:t>
-            </a:r>
-            <a:r>
-              <a:rPr lang="en-US" dirty="0" smtClean="0"/>
-              <a:t>– </a:t>
-            </a:r>
-            <a:r>
-              <a:rPr lang="en-US" dirty="0" smtClean="0"/>
-              <a:t>respond to a given HTTP request with some handling function</a:t>
-            </a:r>
-          </a:p>
-          <a:p>
-            <a:pPr lvl="1"/>
-            <a:r>
-              <a:rPr lang="en-US" dirty="0" err="1" smtClean="0"/>
-              <a:t>createFileHandler</a:t>
-            </a:r>
-            <a:r>
-              <a:rPr lang="en-US" dirty="0" smtClean="0"/>
-              <a:t>() – create a function to create a handler to respond to a request with the contents of a file</a:t>
-            </a:r>
-            <a:endParaRPr lang="en-US" dirty="0" smtClean="0"/>
-          </a:p>
-          <a:p>
-            <a:r>
-              <a:rPr lang="en-US" dirty="0" smtClean="0"/>
-              <a:t>Handle incoming </a:t>
-            </a:r>
-            <a:r>
-              <a:rPr lang="en-US" dirty="0" smtClean="0"/>
-              <a:t>requests and </a:t>
-            </a:r>
-            <a:r>
-              <a:rPr lang="en-US" dirty="0" smtClean="0"/>
-              <a:t>respond</a:t>
-            </a:r>
-            <a:endParaRPr lang="en-US" dirty="0"/>
-          </a:p>
-          <a:p>
-            <a:endParaRPr lang="en-US" dirty="0" smtClean="0"/>
-          </a:p>
-          <a:p>
-            <a:r>
-              <a:rPr lang="en-US" dirty="0" smtClean="0"/>
-              <a:t>(See code </a:t>
-            </a:r>
-            <a:r>
-              <a:rPr lang="en-US" dirty="0" smtClean="0"/>
-              <a:t>ServerTools.js, index.html, and </a:t>
-            </a:r>
-            <a:r>
-              <a:rPr lang="en-US" dirty="0" smtClean="0"/>
-              <a:t>snackbot.js)</a:t>
-            </a:r>
+              <a:t>Dynos</a:t>
+            </a:r>
+            <a:r>
+              <a:rPr lang="en-US" dirty="0" smtClean="0"/>
+              <a:t> – runs background jobs – provides raw power</a:t>
+            </a:r>
+          </a:p>
+          <a:p>
             <a:endParaRPr lang="en-US" dirty="0"/>
           </a:p>
         </p:txBody>
@@ -5786,7 +5704,7 @@
     </p:spTree>
     <p:extLst>
       <p:ext uri="{BB962C8B-B14F-4D97-AF65-F5344CB8AC3E}">
-        <p14:creationId xmlns:p14="http://schemas.microsoft.com/office/powerpoint/2010/main" val="2114505371"/>
+        <p14:creationId xmlns:p14="http://schemas.microsoft.com/office/powerpoint/2010/main" val="2058482847"/>
       </p:ext>
     </p:extLst>
   </p:cSld>
@@ -5822,7 +5740,7 @@
       </p:grpSpPr>
       <p:sp>
         <p:nvSpPr>
-          <p:cNvPr id="4" name="Title 3"/>
+          <p:cNvPr id="2" name="Title 1"/>
           <p:cNvSpPr>
             <a:spLocks noGrp="1"/>
           </p:cNvSpPr>
@@ -5837,7 +5755,7 @@
           <a:p>
             <a:r>
               <a:rPr lang="en-US" dirty="0" smtClean="0"/>
-              <a:t>Hosting the bot</a:t>
+              <a:t>Setting up</a:t>
             </a:r>
             <a:endParaRPr lang="en-US" dirty="0"/>
           </a:p>
@@ -5845,12 +5763,12 @@
       </p:sp>
       <p:sp>
         <p:nvSpPr>
-          <p:cNvPr id="5" name="Text Placeholder 4"/>
-          <p:cNvSpPr>
-            <a:spLocks noGrp="1"/>
-          </p:cNvSpPr>
-          <p:nvPr>
-            <p:ph type="body" idx="1"/>
+          <p:cNvPr id="3" name="Content Placeholder 2"/>
+          <p:cNvSpPr>
+            <a:spLocks noGrp="1"/>
+          </p:cNvSpPr>
+          <p:nvPr>
+            <p:ph sz="quarter" idx="1"/>
           </p:nvPr>
         </p:nvSpPr>
         <p:spPr/>
@@ -5860,7 +5778,18 @@
           <a:p>
             <a:r>
               <a:rPr lang="en-US" dirty="0" smtClean="0"/>
-              <a:t>Run the bot on a </a:t>
+              <a:t>Two files needed</a:t>
+            </a:r>
+          </a:p>
+          <a:p>
+            <a:pPr lvl="1"/>
+            <a:r>
+              <a:rPr lang="en-US" dirty="0" err="1" smtClean="0"/>
+              <a:t>Procfile</a:t>
+            </a:r>
+            <a:r>
+              <a:rPr lang="en-US" dirty="0" smtClean="0"/>
+              <a:t> – tells </a:t>
             </a:r>
             <a:r>
               <a:rPr lang="en-US" dirty="0" err="1" smtClean="0"/>
@@ -5868,7 +5797,26 @@
             </a:r>
             <a:r>
               <a:rPr lang="en-US" dirty="0" smtClean="0"/>
-              <a:t> server</a:t>
+              <a:t> what command to run once to start the application</a:t>
+            </a:r>
+          </a:p>
+          <a:p>
+            <a:pPr lvl="1"/>
+            <a:r>
+              <a:rPr lang="en-US" dirty="0" err="1" smtClean="0"/>
+              <a:t>package.json</a:t>
+            </a:r>
+            <a:r>
+              <a:rPr lang="en-US" dirty="0" smtClean="0"/>
+              <a:t> – tells </a:t>
+            </a:r>
+            <a:r>
+              <a:rPr lang="en-US" dirty="0" err="1" smtClean="0"/>
+              <a:t>Heroku</a:t>
+            </a:r>
+            <a:r>
+              <a:rPr lang="en-US" dirty="0" smtClean="0"/>
+              <a:t> which NPM modules you’re using, and what versions of Node.js and NPM to use, among other things</a:t>
             </a:r>
             <a:endParaRPr lang="en-US" dirty="0"/>
           </a:p>
@@ -5877,20 +5825,13 @@
     </p:spTree>
     <p:extLst>
       <p:ext uri="{BB962C8B-B14F-4D97-AF65-F5344CB8AC3E}">
-        <p14:creationId xmlns:p14="http://schemas.microsoft.com/office/powerpoint/2010/main" val="3862509054"/>
+        <p14:creationId xmlns:p14="http://schemas.microsoft.com/office/powerpoint/2010/main" val="2398532503"/>
       </p:ext>
     </p:extLst>
   </p:cSld>
   <p:clrMapOvr>
     <a:masterClrMapping/>
   </p:clrMapOvr>
-  <p:timing>
-    <p:tnLst>
-      <p:par>
-        <p:cTn id="1" dur="indefinite" restart="never" nodeType="tmRoot"/>
-      </p:par>
-    </p:tnLst>
-  </p:timing>
 </p:sld>
 </file>
 
@@ -5974,8 +5915,19 @@
           <a:p>
             <a:r>
               <a:rPr lang="en-US" dirty="0" smtClean="0"/>
-              <a:t>NPM and NPM registry</a:t>
-            </a:r>
+              <a:t>NPM and NPM </a:t>
+            </a:r>
+            <a:r>
+              <a:rPr lang="en-US" dirty="0" smtClean="0"/>
+              <a:t>registry</a:t>
+            </a:r>
+          </a:p>
+          <a:p>
+            <a:r>
+              <a:rPr lang="en-US" dirty="0" smtClean="0"/>
+              <a:t>Node.js Design Patterns</a:t>
+            </a:r>
+            <a:endParaRPr lang="en-US" dirty="0" smtClean="0"/>
           </a:p>
           <a:p>
             <a:r>
@@ -5989,28 +5941,26 @@
               <a:rPr lang="en-US" dirty="0" smtClean="0"/>
               <a:t>AIM API</a:t>
             </a:r>
-            <a:endParaRPr lang="en-US" dirty="0" smtClean="0"/>
           </a:p>
           <a:p>
             <a:pPr lvl="1"/>
             <a:r>
               <a:rPr lang="en-US" dirty="0" smtClean="0"/>
-              <a:t>Server/HTTP API</a:t>
-            </a:r>
-            <a:endParaRPr lang="en-US" dirty="0" smtClean="0"/>
-          </a:p>
-          <a:p>
-            <a:pPr lvl="1"/>
-            <a:r>
-              <a:rPr lang="en-US" dirty="0" smtClean="0"/>
-              <a:t>Setup the bot!</a:t>
-            </a:r>
-            <a:endParaRPr lang="en-US" dirty="0" smtClean="0"/>
-          </a:p>
-          <a:p>
-            <a:r>
-              <a:rPr lang="en-US" dirty="0" smtClean="0"/>
-              <a:t>Snack bot in the clouds – host the bot</a:t>
+              <a:t>Server/HTTP </a:t>
+            </a:r>
+            <a:r>
+              <a:rPr lang="en-US" dirty="0" smtClean="0"/>
+              <a:t>API</a:t>
+            </a:r>
+          </a:p>
+          <a:p>
+            <a:r>
+              <a:rPr lang="en-US" dirty="0" smtClean="0"/>
+              <a:t>Snack </a:t>
+            </a:r>
+            <a:r>
+              <a:rPr lang="en-US" dirty="0" smtClean="0"/>
+              <a:t>bot in the clouds – host the bot</a:t>
             </a:r>
           </a:p>
           <a:p>
@@ -6027,7 +5977,6 @@
               <a:rPr lang="en-US" dirty="0" smtClean="0"/>
               <a:t>&amp; related considerations</a:t>
             </a:r>
-            <a:endParaRPr lang="en-US" dirty="0" smtClean="0"/>
           </a:p>
           <a:p>
             <a:pPr lvl="1"/>
@@ -6084,97 +6033,86 @@
         </p:nvSpPr>
         <p:spPr/>
         <p:txBody>
+          <a:bodyPr>
+            <a:normAutofit fontScale="90000"/>
+          </a:bodyPr>
+          <a:lstStyle/>
+          <a:p>
+            <a:r>
+              <a:rPr lang="en-US" dirty="0" smtClean="0"/>
+              <a:t>Dealing with private passwords in open source repositories	</a:t>
+            </a:r>
+            <a:endParaRPr lang="en-US" dirty="0"/>
+          </a:p>
+        </p:txBody>
+      </p:sp>
+      <p:sp>
+        <p:nvSpPr>
+          <p:cNvPr id="3" name="Content Placeholder 2"/>
+          <p:cNvSpPr>
+            <a:spLocks noGrp="1"/>
+          </p:cNvSpPr>
+          <p:nvPr>
+            <p:ph sz="quarter" idx="1"/>
+          </p:nvPr>
+        </p:nvSpPr>
+        <p:spPr/>
+        <p:txBody>
           <a:bodyPr/>
           <a:lstStyle/>
           <a:p>
             <a:r>
               <a:rPr lang="en-US" dirty="0" smtClean="0"/>
-              <a:t>What is </a:t>
+              <a:t>Can’t check passwords into repository</a:t>
+            </a:r>
+          </a:p>
+          <a:p>
+            <a:pPr lvl="1"/>
+            <a:r>
+              <a:rPr lang="en-US" dirty="0" smtClean="0"/>
+              <a:t>No way to have the passwords read from a file</a:t>
+            </a:r>
+          </a:p>
+          <a:p>
+            <a:r>
+              <a:rPr lang="en-US" dirty="0" smtClean="0"/>
+              <a:t>Several Solutions</a:t>
+            </a:r>
+          </a:p>
+          <a:p>
+            <a:pPr lvl="1"/>
+            <a:r>
+              <a:rPr lang="en-US" dirty="0" smtClean="0"/>
+              <a:t>Create a way to set the passwords from an admin page/setup</a:t>
+            </a:r>
+          </a:p>
+          <a:p>
+            <a:pPr lvl="1"/>
+            <a:r>
+              <a:rPr lang="en-US" dirty="0" smtClean="0"/>
+              <a:t>Retrieve the passwords from another domain that you control</a:t>
+            </a:r>
+          </a:p>
+          <a:p>
+            <a:pPr lvl="1"/>
+            <a:r>
+              <a:rPr lang="en-US" dirty="0" smtClean="0"/>
+              <a:t>Maintain separate states between the public repo and the </a:t>
             </a:r>
             <a:r>
               <a:rPr lang="en-US" dirty="0" err="1" smtClean="0"/>
               <a:t>Heroku</a:t>
             </a:r>
-            <a:endParaRPr lang="en-US" dirty="0"/>
-          </a:p>
-        </p:txBody>
-      </p:sp>
-      <p:sp>
-        <p:nvSpPr>
-          <p:cNvPr id="3" name="Content Placeholder 2"/>
-          <p:cNvSpPr>
-            <a:spLocks noGrp="1"/>
-          </p:cNvSpPr>
-          <p:nvPr>
-            <p:ph sz="quarter" idx="1"/>
-          </p:nvPr>
-        </p:nvSpPr>
-        <p:spPr/>
-        <p:txBody>
-          <a:bodyPr/>
-          <a:lstStyle/>
-          <a:p>
-            <a:r>
-              <a:rPr lang="en-US" dirty="0" smtClean="0"/>
-              <a:t>A cloud based application </a:t>
-            </a:r>
-            <a:r>
-              <a:rPr lang="en-US" dirty="0" smtClean="0"/>
-              <a:t>platform built on Amazon web servers</a:t>
-            </a:r>
-            <a:endParaRPr lang="en-US" dirty="0" smtClean="0"/>
-          </a:p>
-          <a:p>
-            <a:r>
-              <a:rPr lang="en-US" dirty="0" smtClean="0"/>
-              <a:t>Code and changes are uploaded using </a:t>
-            </a:r>
-            <a:r>
-              <a:rPr lang="en-US" dirty="0" err="1" smtClean="0"/>
-              <a:t>git</a:t>
-            </a:r>
-            <a:endParaRPr lang="en-US" dirty="0" smtClean="0"/>
-          </a:p>
-          <a:p>
-            <a:r>
-              <a:rPr lang="en-US" dirty="0" smtClean="0"/>
-              <a:t>Free hosting for single processes (up to 750 CPU hours/month)</a:t>
-            </a:r>
-          </a:p>
-          <a:p>
-            <a:r>
-              <a:rPr lang="en-US" dirty="0" smtClean="0"/>
-              <a:t>Applications can be scaled up for money</a:t>
+            <a:r>
+              <a:rPr lang="en-US" dirty="0" smtClean="0"/>
+              <a:t> server</a:t>
             </a:r>
           </a:p>
           <a:p>
             <a:pPr lvl="1"/>
             <a:r>
               <a:rPr lang="en-US" dirty="0" smtClean="0"/>
-              <a:t>Web </a:t>
-            </a:r>
-            <a:r>
-              <a:rPr lang="en-US" dirty="0" err="1" smtClean="0"/>
-              <a:t>Dynos</a:t>
-            </a:r>
-            <a:r>
-              <a:rPr lang="en-US" dirty="0" smtClean="0"/>
-              <a:t> – runs your code – provides concurrency</a:t>
-            </a:r>
-          </a:p>
-          <a:p>
-            <a:pPr lvl="1"/>
-            <a:r>
-              <a:rPr lang="en-US" dirty="0" smtClean="0"/>
-              <a:t>Worker </a:t>
-            </a:r>
-            <a:r>
-              <a:rPr lang="en-US" dirty="0" err="1" smtClean="0"/>
-              <a:t>Dynos</a:t>
-            </a:r>
-            <a:r>
-              <a:rPr lang="en-US" dirty="0" smtClean="0"/>
-              <a:t> – runs background jobs – provides raw power</a:t>
+              <a:t>Use environment variables</a:t>
             </a:r>
           </a:p>
           <a:p>
@@ -6185,20 +6123,13 @@
     </p:spTree>
     <p:extLst>
       <p:ext uri="{BB962C8B-B14F-4D97-AF65-F5344CB8AC3E}">
-        <p14:creationId xmlns:p14="http://schemas.microsoft.com/office/powerpoint/2010/main" val="2058482847"/>
+        <p14:creationId xmlns:p14="http://schemas.microsoft.com/office/powerpoint/2010/main" val="531209745"/>
       </p:ext>
     </p:extLst>
   </p:cSld>
   <p:clrMapOvr>
     <a:masterClrMapping/>
   </p:clrMapOvr>
-  <p:timing>
-    <p:tnLst>
-      <p:par>
-        <p:cTn id="1" dur="indefinite" restart="never" nodeType="tmRoot"/>
-      </p:par>
-    </p:tnLst>
-  </p:timing>
 </p:sld>
 </file>
 
@@ -6231,83 +6162,55 @@
         </p:nvSpPr>
         <p:spPr/>
         <p:txBody>
-          <a:bodyPr>
-            <a:normAutofit fontScale="90000"/>
-          </a:bodyPr>
-          <a:lstStyle/>
-          <a:p>
-            <a:r>
-              <a:rPr lang="en-US" dirty="0" smtClean="0"/>
-              <a:t>Dealing with private passwords in open source repositories	</a:t>
-            </a:r>
-            <a:endParaRPr lang="en-US" dirty="0"/>
-          </a:p>
-        </p:txBody>
-      </p:sp>
-      <p:sp>
-        <p:nvSpPr>
-          <p:cNvPr id="3" name="Content Placeholder 2"/>
-          <p:cNvSpPr>
-            <a:spLocks noGrp="1"/>
-          </p:cNvSpPr>
-          <p:nvPr>
-            <p:ph sz="quarter" idx="1"/>
-          </p:nvPr>
-        </p:nvSpPr>
-        <p:spPr/>
-        <p:txBody>
           <a:bodyPr/>
           <a:lstStyle/>
           <a:p>
-            <a:r>
-              <a:rPr lang="en-US" dirty="0" smtClean="0"/>
-              <a:t>Can’t check passwords into repository</a:t>
-            </a:r>
-          </a:p>
-          <a:p>
-            <a:pPr lvl="1"/>
-            <a:r>
-              <a:rPr lang="en-US" dirty="0" smtClean="0"/>
-              <a:t>No way to have the passwords read from a file</a:t>
-            </a:r>
-          </a:p>
-          <a:p>
-            <a:r>
-              <a:rPr lang="en-US" dirty="0" smtClean="0"/>
-              <a:t>Several Solutions</a:t>
-            </a:r>
-          </a:p>
-          <a:p>
-            <a:pPr lvl="1"/>
-            <a:r>
-              <a:rPr lang="en-US" dirty="0" smtClean="0"/>
-              <a:t>Create a way to set the passwords from an admin page/setup</a:t>
-            </a:r>
-          </a:p>
-          <a:p>
-            <a:pPr lvl="1"/>
-            <a:r>
-              <a:rPr lang="en-US" dirty="0" smtClean="0"/>
-              <a:t>Retrieve the passwords from another domain that you </a:t>
-            </a:r>
-            <a:r>
-              <a:rPr lang="en-US" dirty="0" smtClean="0"/>
-              <a:t>control</a:t>
-            </a:r>
-          </a:p>
-          <a:p>
-            <a:pPr lvl="1"/>
-            <a:r>
-              <a:rPr lang="en-US" dirty="0" smtClean="0"/>
-              <a:t>Maintain separate states between the public repo and the </a:t>
-            </a:r>
             <a:r>
               <a:rPr lang="en-US" dirty="0" err="1" smtClean="0"/>
               <a:t>Heroku</a:t>
             </a:r>
             <a:r>
               <a:rPr lang="en-US" dirty="0" smtClean="0"/>
-              <a:t> server</a:t>
+              <a:t> Environment Variables</a:t>
+            </a:r>
+            <a:endParaRPr lang="en-US" dirty="0"/>
+          </a:p>
+        </p:txBody>
+      </p:sp>
+      <p:sp>
+        <p:nvSpPr>
+          <p:cNvPr id="3" name="Content Placeholder 2"/>
+          <p:cNvSpPr>
+            <a:spLocks noGrp="1"/>
+          </p:cNvSpPr>
+          <p:nvPr>
+            <p:ph sz="quarter" idx="1"/>
+          </p:nvPr>
+        </p:nvSpPr>
+        <p:spPr/>
+        <p:txBody>
+          <a:bodyPr/>
+          <a:lstStyle/>
+          <a:p>
+            <a:r>
+              <a:rPr lang="en-US" dirty="0" err="1" smtClean="0"/>
+              <a:t>Heroku</a:t>
+            </a:r>
+            <a:r>
+              <a:rPr lang="en-US" dirty="0" smtClean="0"/>
+              <a:t> has what they call </a:t>
+            </a:r>
+            <a:r>
+              <a:rPr lang="en-US" dirty="0" err="1" smtClean="0"/>
+              <a:t>Config</a:t>
+            </a:r>
+            <a:r>
+              <a:rPr lang="en-US" dirty="0" smtClean="0"/>
+              <a:t> </a:t>
+            </a:r>
+            <a:r>
+              <a:rPr lang="en-US" dirty="0" err="1" smtClean="0"/>
+              <a:t>Vars</a:t>
             </a:r>
             <a:endParaRPr lang="en-US" dirty="0" smtClean="0"/>
           </a:p>
@@ -6315,24 +6218,225 @@
             <a:pPr lvl="1"/>
             <a:r>
               <a:rPr lang="en-US" dirty="0" smtClean="0"/>
-              <a:t>Use environment variables</a:t>
-            </a:r>
+              <a:t>Must be setup for each </a:t>
+            </a:r>
+            <a:r>
+              <a:rPr lang="en-US" dirty="0" err="1" smtClean="0"/>
+              <a:t>Heroku</a:t>
+            </a:r>
+            <a:r>
+              <a:rPr lang="en-US" dirty="0" smtClean="0"/>
+              <a:t> instance</a:t>
+            </a:r>
+          </a:p>
+          <a:p>
+            <a:pPr lvl="1"/>
+            <a:endParaRPr lang="en-US" dirty="0" smtClean="0"/>
           </a:p>
           <a:p>
             <a:endParaRPr lang="en-US" dirty="0"/>
+          </a:p>
+        </p:txBody>
+      </p:sp>
+      <p:sp>
+        <p:nvSpPr>
+          <p:cNvPr id="4" name="TextBox 3"/>
+          <p:cNvSpPr txBox="1"/>
+          <p:nvPr/>
+        </p:nvSpPr>
+        <p:spPr>
+          <a:xfrm>
+            <a:off x="2667000" y="3871490"/>
+            <a:ext cx="3886200" cy="923330"/>
+          </a:xfrm>
+          <a:prstGeom prst="rect">
+            <a:avLst/>
+          </a:prstGeom>
+          <a:noFill/>
+          <a:ln>
+            <a:solidFill>
+              <a:schemeClr val="accent1"/>
+            </a:solidFill>
+          </a:ln>
+        </p:spPr>
+        <p:txBody>
+          <a:bodyPr wrap="square" rtlCol="0">
+            <a:spAutoFit/>
+          </a:bodyPr>
+          <a:lstStyle/>
+          <a:p>
+            <a:pPr algn="ctr"/>
+            <a:r>
+              <a:rPr lang="en-US" dirty="0" smtClean="0">
+                <a:latin typeface="Cordia New" pitchFamily="34" charset="-34"/>
+                <a:cs typeface="Cordia New" pitchFamily="34" charset="-34"/>
+              </a:rPr>
+              <a:t>Example:</a:t>
+            </a:r>
+          </a:p>
+          <a:p>
+            <a:r>
+              <a:rPr lang="en-US" dirty="0" smtClean="0">
+                <a:latin typeface="Cordia New" pitchFamily="34" charset="-34"/>
+                <a:cs typeface="Cordia New" pitchFamily="34" charset="-34"/>
+              </a:rPr>
+              <a:t>$ </a:t>
+            </a:r>
+            <a:r>
+              <a:rPr lang="en-US" dirty="0">
+                <a:latin typeface="Cordia New" pitchFamily="34" charset="-34"/>
+                <a:cs typeface="Cordia New" pitchFamily="34" charset="-34"/>
+              </a:rPr>
+              <a:t>cd </a:t>
+            </a:r>
+            <a:r>
+              <a:rPr lang="en-US" dirty="0" err="1">
+                <a:latin typeface="Cordia New" pitchFamily="34" charset="-34"/>
+                <a:cs typeface="Cordia New" pitchFamily="34" charset="-34"/>
+              </a:rPr>
+              <a:t>myapp</a:t>
+            </a:r>
+            <a:r>
+              <a:rPr lang="en-US" dirty="0">
+                <a:latin typeface="Cordia New" pitchFamily="34" charset="-34"/>
+                <a:cs typeface="Cordia New" pitchFamily="34" charset="-34"/>
+              </a:rPr>
+              <a:t> $ </a:t>
+            </a:r>
+            <a:r>
+              <a:rPr lang="en-US" dirty="0" err="1">
+                <a:latin typeface="Cordia New" pitchFamily="34" charset="-34"/>
+                <a:cs typeface="Cordia New" pitchFamily="34" charset="-34"/>
+              </a:rPr>
+              <a:t>heroku</a:t>
+            </a:r>
+            <a:r>
+              <a:rPr lang="en-US" dirty="0">
+                <a:latin typeface="Cordia New" pitchFamily="34" charset="-34"/>
+                <a:cs typeface="Cordia New" pitchFamily="34" charset="-34"/>
+              </a:rPr>
+              <a:t> </a:t>
+            </a:r>
+            <a:r>
+              <a:rPr lang="en-US" dirty="0" err="1">
+                <a:latin typeface="Cordia New" pitchFamily="34" charset="-34"/>
+                <a:cs typeface="Cordia New" pitchFamily="34" charset="-34"/>
+              </a:rPr>
+              <a:t>config:add</a:t>
+            </a:r>
+            <a:r>
+              <a:rPr lang="en-US" dirty="0">
+                <a:latin typeface="Cordia New" pitchFamily="34" charset="-34"/>
+                <a:cs typeface="Cordia New" pitchFamily="34" charset="-34"/>
+              </a:rPr>
+              <a:t> S3_KEY=8N029N81 </a:t>
+            </a:r>
+            <a:r>
+              <a:rPr lang="en-US" dirty="0" smtClean="0">
+                <a:latin typeface="Cordia New" pitchFamily="34" charset="-34"/>
+                <a:cs typeface="Cordia New" pitchFamily="34" charset="-34"/>
+              </a:rPr>
+              <a:t>S3_SECRET=9s83109d3+583493190</a:t>
+            </a:r>
+          </a:p>
+        </p:txBody>
+      </p:sp>
+      <p:sp>
+        <p:nvSpPr>
+          <p:cNvPr id="5" name="TextBox 4"/>
+          <p:cNvSpPr txBox="1"/>
+          <p:nvPr/>
+        </p:nvSpPr>
+        <p:spPr>
+          <a:xfrm>
+            <a:off x="2667000" y="5272341"/>
+            <a:ext cx="3886200" cy="646331"/>
+          </a:xfrm>
+          <a:prstGeom prst="rect">
+            <a:avLst/>
+          </a:prstGeom>
+          <a:noFill/>
+          <a:ln>
+            <a:solidFill>
+              <a:schemeClr val="accent1"/>
+            </a:solidFill>
+          </a:ln>
+        </p:spPr>
+        <p:txBody>
+          <a:bodyPr wrap="square" rtlCol="0">
+            <a:spAutoFit/>
+          </a:bodyPr>
+          <a:lstStyle/>
+          <a:p>
+            <a:pPr algn="ctr"/>
+            <a:r>
+              <a:rPr lang="en-US" dirty="0" smtClean="0">
+                <a:latin typeface="Cordia New" pitchFamily="34" charset="-34"/>
+                <a:cs typeface="Cordia New" pitchFamily="34" charset="-34"/>
+              </a:rPr>
+              <a:t>JS Usage:</a:t>
+            </a:r>
+          </a:p>
+          <a:p>
+            <a:r>
+              <a:rPr lang="en-US" dirty="0" err="1" smtClean="0">
+                <a:latin typeface="Cordia New" pitchFamily="34" charset="-34"/>
+                <a:cs typeface="Cordia New" pitchFamily="34" charset="-34"/>
+              </a:rPr>
+              <a:t>var</a:t>
+            </a:r>
+            <a:r>
+              <a:rPr lang="en-US" dirty="0" smtClean="0">
+                <a:latin typeface="Cordia New" pitchFamily="34" charset="-34"/>
+                <a:cs typeface="Cordia New" pitchFamily="34" charset="-34"/>
+              </a:rPr>
+              <a:t> </a:t>
+            </a:r>
+            <a:r>
+              <a:rPr lang="en-US" dirty="0" err="1" smtClean="0">
+                <a:latin typeface="Cordia New" pitchFamily="34" charset="-34"/>
+                <a:cs typeface="Cordia New" pitchFamily="34" charset="-34"/>
+              </a:rPr>
+              <a:t>myEnv</a:t>
+            </a:r>
+            <a:r>
+              <a:rPr lang="en-US" dirty="0" smtClean="0">
+                <a:latin typeface="Cordia New" pitchFamily="34" charset="-34"/>
+                <a:cs typeface="Cordia New" pitchFamily="34" charset="-34"/>
+              </a:rPr>
+              <a:t> = </a:t>
+            </a:r>
+            <a:r>
+              <a:rPr lang="en-US" dirty="0" err="1" smtClean="0">
+                <a:latin typeface="Cordia New" pitchFamily="34" charset="-34"/>
+                <a:cs typeface="Cordia New" pitchFamily="34" charset="-34"/>
+              </a:rPr>
+              <a:t>process.env.MY_ENV</a:t>
+            </a:r>
+            <a:endParaRPr lang="en-US" dirty="0" smtClean="0">
+              <a:latin typeface="Cordia New" pitchFamily="34" charset="-34"/>
+              <a:cs typeface="Cordia New" pitchFamily="34" charset="-34"/>
+            </a:endParaRPr>
           </a:p>
         </p:txBody>
       </p:sp>
     </p:spTree>
     <p:extLst>
       <p:ext uri="{BB962C8B-B14F-4D97-AF65-F5344CB8AC3E}">
-        <p14:creationId xmlns:p14="http://schemas.microsoft.com/office/powerpoint/2010/main" val="531209745"/>
+        <p14:creationId xmlns:p14="http://schemas.microsoft.com/office/powerpoint/2010/main" val="4154251535"/>
       </p:ext>
     </p:extLst>
   </p:cSld>
   <p:clrMapOvr>
     <a:masterClrMapping/>
   </p:clrMapOvr>
+  <p:timing>
+    <p:tnLst>
+      <p:par>
+        <p:cTn id="1" dur="indefinite" restart="never" nodeType="tmRoot"/>
+      </p:par>
+    </p:tnLst>
+  </p:timing>
 </p:sld>
 </file>
 
@@ -6369,12 +6473,8 @@
           <a:lstStyle/>
           <a:p>
             <a:r>
-              <a:rPr lang="en-US" dirty="0" err="1" smtClean="0"/>
-              <a:t>Heroku</a:t>
-            </a:r>
-            <a:r>
-              <a:rPr lang="en-US" dirty="0" smtClean="0"/>
-              <a:t> Environment Variables</a:t>
+              <a:rPr lang="en-US" dirty="0" smtClean="0"/>
+              <a:t>Bot Defensive Measures</a:t>
             </a:r>
             <a:endParaRPr lang="en-US" dirty="0"/>
           </a:p>
@@ -6396,250 +6496,61 @@
           <a:lstStyle/>
           <a:p>
             <a:r>
-              <a:rPr lang="en-US" dirty="0" err="1" smtClean="0"/>
-              <a:t>Heroku</a:t>
-            </a:r>
-            <a:r>
-              <a:rPr lang="en-US" dirty="0" smtClean="0"/>
-              <a:t> has what they call </a:t>
-            </a:r>
-            <a:r>
-              <a:rPr lang="en-US" dirty="0" err="1" smtClean="0"/>
-              <a:t>Config</a:t>
-            </a:r>
-            <a:r>
-              <a:rPr lang="en-US" dirty="0" smtClean="0"/>
-              <a:t> </a:t>
-            </a:r>
-            <a:r>
-              <a:rPr lang="en-US" dirty="0" err="1" smtClean="0"/>
-              <a:t>Vars</a:t>
-            </a:r>
-            <a:endParaRPr lang="en-US" dirty="0" smtClean="0"/>
+              <a:rPr lang="en-US" dirty="0" smtClean="0"/>
+              <a:t>Be careful with passwords/login info</a:t>
+            </a:r>
+          </a:p>
+          <a:p>
+            <a:r>
+              <a:rPr lang="en-US" dirty="0" smtClean="0"/>
+              <a:t>Ignore messages from yourself explicitly</a:t>
+            </a:r>
+          </a:p>
+          <a:p>
+            <a:r>
+              <a:rPr lang="en-US" dirty="0" smtClean="0"/>
+              <a:t>Be on the lookout for others logging in on the same account</a:t>
+            </a:r>
           </a:p>
           <a:p>
             <a:pPr lvl="1"/>
             <a:r>
               <a:rPr lang="en-US" dirty="0" smtClean="0"/>
-              <a:t>Must be setup for each </a:t>
-            </a:r>
-            <a:r>
-              <a:rPr lang="en-US" dirty="0" err="1" smtClean="0"/>
-              <a:t>Heroku</a:t>
-            </a:r>
-            <a:r>
-              <a:rPr lang="en-US" dirty="0" smtClean="0"/>
-              <a:t> instance</a:t>
+              <a:t>Some API’s/formats will give you notice of it happening, before/instead of kicking you off</a:t>
             </a:r>
           </a:p>
           <a:p>
             <a:pPr lvl="1"/>
-            <a:endParaRPr lang="en-US" dirty="0" smtClean="0"/>
-          </a:p>
-          <a:p>
+            <a:r>
+              <a:rPr lang="en-US" dirty="0" smtClean="0"/>
+              <a:t>AIM allows you to respond to a system message with “1” to sign another account off</a:t>
+            </a:r>
+          </a:p>
+          <a:p>
+            <a:r>
+              <a:rPr lang="en-US" dirty="0" smtClean="0"/>
+              <a:t>Be wary of infinite loops/crashes due to high activity</a:t>
+            </a:r>
+          </a:p>
+          <a:p>
+            <a:r>
+              <a:rPr lang="en-US" dirty="0" smtClean="0"/>
+              <a:t>Debug locally on a different account from your production version</a:t>
+            </a:r>
             <a:endParaRPr lang="en-US" dirty="0"/>
-          </a:p>
-        </p:txBody>
-      </p:sp>
-      <p:sp>
-        <p:nvSpPr>
-          <p:cNvPr id="4" name="TextBox 3"/>
-          <p:cNvSpPr txBox="1"/>
-          <p:nvPr/>
-        </p:nvSpPr>
-        <p:spPr>
-          <a:xfrm>
-            <a:off x="2667000" y="3871490"/>
-            <a:ext cx="3886200" cy="923330"/>
-          </a:xfrm>
-          <a:prstGeom prst="rect">
-            <a:avLst/>
-          </a:prstGeom>
-          <a:noFill/>
-          <a:ln>
-            <a:solidFill>
-              <a:schemeClr val="accent1"/>
-            </a:solidFill>
-          </a:ln>
-        </p:spPr>
-        <p:txBody>
-          <a:bodyPr wrap="square" rtlCol="0">
-            <a:spAutoFit/>
-          </a:bodyPr>
-          <a:lstStyle/>
-          <a:p>
-            <a:pPr algn="ctr"/>
-            <a:r>
-              <a:rPr lang="en-US" dirty="0" smtClean="0">
-                <a:latin typeface="Cordia New" pitchFamily="34" charset="-34"/>
-                <a:cs typeface="Cordia New" pitchFamily="34" charset="-34"/>
-              </a:rPr>
-              <a:t>Example:</a:t>
-            </a:r>
-          </a:p>
-          <a:p>
-            <a:r>
-              <a:rPr lang="en-US" dirty="0" smtClean="0">
-                <a:latin typeface="Cordia New" pitchFamily="34" charset="-34"/>
-                <a:cs typeface="Cordia New" pitchFamily="34" charset="-34"/>
-              </a:rPr>
-              <a:t>$ </a:t>
-            </a:r>
-            <a:r>
-              <a:rPr lang="en-US" dirty="0">
-                <a:latin typeface="Cordia New" pitchFamily="34" charset="-34"/>
-                <a:cs typeface="Cordia New" pitchFamily="34" charset="-34"/>
-              </a:rPr>
-              <a:t>cd </a:t>
-            </a:r>
-            <a:r>
-              <a:rPr lang="en-US" dirty="0" err="1">
-                <a:latin typeface="Cordia New" pitchFamily="34" charset="-34"/>
-                <a:cs typeface="Cordia New" pitchFamily="34" charset="-34"/>
-              </a:rPr>
-              <a:t>myapp</a:t>
-            </a:r>
-            <a:r>
-              <a:rPr lang="en-US" dirty="0">
-                <a:latin typeface="Cordia New" pitchFamily="34" charset="-34"/>
-                <a:cs typeface="Cordia New" pitchFamily="34" charset="-34"/>
-              </a:rPr>
-              <a:t> $ </a:t>
-            </a:r>
-            <a:r>
-              <a:rPr lang="en-US" dirty="0" err="1">
-                <a:latin typeface="Cordia New" pitchFamily="34" charset="-34"/>
-                <a:cs typeface="Cordia New" pitchFamily="34" charset="-34"/>
-              </a:rPr>
-              <a:t>heroku</a:t>
-            </a:r>
-            <a:r>
-              <a:rPr lang="en-US" dirty="0">
-                <a:latin typeface="Cordia New" pitchFamily="34" charset="-34"/>
-                <a:cs typeface="Cordia New" pitchFamily="34" charset="-34"/>
-              </a:rPr>
-              <a:t> </a:t>
-            </a:r>
-            <a:r>
-              <a:rPr lang="en-US" dirty="0" err="1">
-                <a:latin typeface="Cordia New" pitchFamily="34" charset="-34"/>
-                <a:cs typeface="Cordia New" pitchFamily="34" charset="-34"/>
-              </a:rPr>
-              <a:t>config:add</a:t>
-            </a:r>
-            <a:r>
-              <a:rPr lang="en-US" dirty="0">
-                <a:latin typeface="Cordia New" pitchFamily="34" charset="-34"/>
-                <a:cs typeface="Cordia New" pitchFamily="34" charset="-34"/>
-              </a:rPr>
-              <a:t> S3_KEY=8N029N81 </a:t>
-            </a:r>
-            <a:r>
-              <a:rPr lang="en-US" dirty="0" smtClean="0">
-                <a:latin typeface="Cordia New" pitchFamily="34" charset="-34"/>
-                <a:cs typeface="Cordia New" pitchFamily="34" charset="-34"/>
-              </a:rPr>
-              <a:t>S3_SECRET=9s83109d3+583493190</a:t>
-            </a:r>
-          </a:p>
-        </p:txBody>
-      </p:sp>
-      <p:sp>
-        <p:nvSpPr>
-          <p:cNvPr id="5" name="TextBox 4"/>
-          <p:cNvSpPr txBox="1"/>
-          <p:nvPr/>
-        </p:nvSpPr>
-        <p:spPr>
-          <a:xfrm>
-            <a:off x="2667000" y="5272341"/>
-            <a:ext cx="3886200" cy="646331"/>
-          </a:xfrm>
-          <a:prstGeom prst="rect">
-            <a:avLst/>
-          </a:prstGeom>
-          <a:noFill/>
-          <a:ln>
-            <a:solidFill>
-              <a:schemeClr val="accent1"/>
-            </a:solidFill>
-          </a:ln>
-        </p:spPr>
-        <p:txBody>
-          <a:bodyPr wrap="square" rtlCol="0">
-            <a:spAutoFit/>
-          </a:bodyPr>
-          <a:lstStyle/>
-          <a:p>
-            <a:pPr algn="ctr"/>
-            <a:r>
-              <a:rPr lang="en-US" dirty="0" smtClean="0">
-                <a:latin typeface="Cordia New" pitchFamily="34" charset="-34"/>
-                <a:cs typeface="Cordia New" pitchFamily="34" charset="-34"/>
-              </a:rPr>
-              <a:t>JS Usage:</a:t>
-            </a:r>
-          </a:p>
-          <a:p>
-            <a:r>
-              <a:rPr lang="en-US" dirty="0" err="1" smtClean="0">
-                <a:latin typeface="Cordia New" pitchFamily="34" charset="-34"/>
-                <a:cs typeface="Cordia New" pitchFamily="34" charset="-34"/>
-              </a:rPr>
-              <a:t>var</a:t>
-            </a:r>
-            <a:r>
-              <a:rPr lang="en-US" dirty="0" smtClean="0">
-                <a:latin typeface="Cordia New" pitchFamily="34" charset="-34"/>
-                <a:cs typeface="Cordia New" pitchFamily="34" charset="-34"/>
-              </a:rPr>
-              <a:t> </a:t>
-            </a:r>
-            <a:r>
-              <a:rPr lang="en-US" dirty="0" err="1" smtClean="0">
-                <a:latin typeface="Cordia New" pitchFamily="34" charset="-34"/>
-                <a:cs typeface="Cordia New" pitchFamily="34" charset="-34"/>
-              </a:rPr>
-              <a:t>myEnv</a:t>
-            </a:r>
-            <a:r>
-              <a:rPr lang="en-US" dirty="0" smtClean="0">
-                <a:latin typeface="Cordia New" pitchFamily="34" charset="-34"/>
-                <a:cs typeface="Cordia New" pitchFamily="34" charset="-34"/>
-              </a:rPr>
-              <a:t> = </a:t>
-            </a:r>
-            <a:r>
-              <a:rPr lang="en-US" dirty="0" err="1" smtClean="0">
-                <a:latin typeface="Cordia New" pitchFamily="34" charset="-34"/>
-                <a:cs typeface="Cordia New" pitchFamily="34" charset="-34"/>
-              </a:rPr>
-              <a:t>process.env.MY_ENV</a:t>
-            </a:r>
-            <a:endParaRPr lang="en-US" dirty="0" smtClean="0">
-              <a:latin typeface="Cordia New" pitchFamily="34" charset="-34"/>
-              <a:cs typeface="Cordia New" pitchFamily="34" charset="-34"/>
-            </a:endParaRPr>
           </a:p>
         </p:txBody>
       </p:sp>
     </p:spTree>
     <p:extLst>
       <p:ext uri="{BB962C8B-B14F-4D97-AF65-F5344CB8AC3E}">
-        <p14:creationId xmlns:p14="http://schemas.microsoft.com/office/powerpoint/2010/main" val="4154251535"/>
+        <p14:creationId xmlns:p14="http://schemas.microsoft.com/office/powerpoint/2010/main" val="477290259"/>
       </p:ext>
     </p:extLst>
   </p:cSld>
   <p:clrMapOvr>
     <a:masterClrMapping/>
   </p:clrMapOvr>
-  <p:timing>
-    <p:tnLst>
-      <p:par>
-        <p:cTn id="1" dur="indefinite" restart="never" nodeType="tmRoot"/>
-      </p:par>
-    </p:tnLst>
-  </p:timing>
 </p:sld>
 </file>
 
@@ -6662,7 +6573,7 @@
       </p:grpSpPr>
       <p:sp>
         <p:nvSpPr>
-          <p:cNvPr id="2" name="Title 1"/>
+          <p:cNvPr id="4" name="Title 3"/>
           <p:cNvSpPr>
             <a:spLocks noGrp="1"/>
           </p:cNvSpPr>
@@ -6677,7 +6588,7 @@
           <a:p>
             <a:r>
               <a:rPr lang="en-US" dirty="0" smtClean="0"/>
-              <a:t>Bot defensive measures</a:t>
+              <a:t>C++ Node Extensions</a:t>
             </a:r>
             <a:endParaRPr lang="en-US" dirty="0"/>
           </a:p>
@@ -6685,12 +6596,12 @@
       </p:sp>
       <p:sp>
         <p:nvSpPr>
-          <p:cNvPr id="3" name="Content Placeholder 2"/>
-          <p:cNvSpPr>
-            <a:spLocks noGrp="1"/>
-          </p:cNvSpPr>
-          <p:nvPr>
-            <p:ph sz="quarter" idx="1"/>
+          <p:cNvPr id="5" name="Text Placeholder 4"/>
+          <p:cNvSpPr>
+            <a:spLocks noGrp="1"/>
+          </p:cNvSpPr>
+          <p:nvPr>
+            <p:ph type="body" idx="1"/>
           </p:nvPr>
         </p:nvSpPr>
         <p:spPr/>
@@ -6700,45 +6611,7 @@
           <a:p>
             <a:r>
               <a:rPr lang="en-US" dirty="0" smtClean="0"/>
-              <a:t>Be careful with passwords/login info</a:t>
-            </a:r>
-          </a:p>
-          <a:p>
-            <a:r>
-              <a:rPr lang="en-US" dirty="0" smtClean="0"/>
-              <a:t>Ignore messages from yourself explicitly</a:t>
-            </a:r>
-          </a:p>
-          <a:p>
-            <a:r>
-              <a:rPr lang="en-US" dirty="0" smtClean="0"/>
-              <a:t>Be on the lookout for others logging in on the same account</a:t>
-            </a:r>
-          </a:p>
-          <a:p>
-            <a:pPr lvl="1"/>
-            <a:r>
-              <a:rPr lang="en-US" dirty="0" smtClean="0"/>
-              <a:t>Some API’s/formats will give you notice of it happening, before/instead of kicking you off</a:t>
-            </a:r>
-          </a:p>
-          <a:p>
-            <a:pPr lvl="1"/>
-            <a:r>
-              <a:rPr lang="en-US" dirty="0" smtClean="0"/>
-              <a:t>AIM allows you to respond to a system message with “1” to sign another account off</a:t>
-            </a:r>
-          </a:p>
-          <a:p>
-            <a:r>
-              <a:rPr lang="en-US" dirty="0" smtClean="0"/>
-              <a:t>Be wary of infinite loops/crashes due to high activity</a:t>
-            </a:r>
-          </a:p>
-          <a:p>
-            <a:r>
-              <a:rPr lang="en-US" dirty="0" smtClean="0"/>
-              <a:t>Debug locally on a different account from your production version</a:t>
+              <a:t>Creating modules that interface with JavaScript, but can make native system calls, do processing, or any other task that would normally be difficult from JavaScript</a:t>
             </a:r>
             <a:endParaRPr lang="en-US" dirty="0"/>
           </a:p>
@@ -6747,7 +6620,208 @@
     </p:spTree>
     <p:extLst>
       <p:ext uri="{BB962C8B-B14F-4D97-AF65-F5344CB8AC3E}">
-        <p14:creationId xmlns:p14="http://schemas.microsoft.com/office/powerpoint/2010/main" val="477290259"/>
+        <p14:creationId xmlns:p14="http://schemas.microsoft.com/office/powerpoint/2010/main" val="1644306805"/>
+      </p:ext>
+    </p:extLst>
+  </p:cSld>
+  <p:clrMapOvr>
+    <a:masterClrMapping/>
+  </p:clrMapOvr>
+  <p:timing>
+    <p:tnLst>
+      <p:par>
+        <p:cTn id="1" dur="indefinite" restart="never" nodeType="tmRoot"/>
+      </p:par>
+    </p:tnLst>
+  </p:timing>
+</p:sld>
+</file>
+
+<file path=ppt/slides/slide24.xml><?xml version="1.0" encoding="utf-8"?>
+<p:sld xmlns:a="http://schemas.openxmlformats.org/drawingml/2006/main" xmlns:r="http://schemas.openxmlformats.org/officeDocument/2006/relationships" xmlns:p="http://schemas.openxmlformats.org/presentationml/2006/main">
+  <p:cSld>
+    <p:spTree>
+      <p:nvGrpSpPr>
+        <p:cNvPr id="1" name=""/>
+        <p:cNvGrpSpPr/>
+        <p:nvPr/>
+      </p:nvGrpSpPr>
+      <p:grpSpPr>
+        <a:xfrm>
+          <a:off x="0" y="0"/>
+          <a:ext cx="0" cy="0"/>
+          <a:chOff x="0" y="0"/>
+          <a:chExt cx="0" cy="0"/>
+        </a:xfrm>
+      </p:grpSpPr>
+      <p:sp>
+        <p:nvSpPr>
+          <p:cNvPr id="4" name="Title 3"/>
+          <p:cNvSpPr>
+            <a:spLocks noGrp="1"/>
+          </p:cNvSpPr>
+          <p:nvPr>
+            <p:ph type="title"/>
+          </p:nvPr>
+        </p:nvSpPr>
+        <p:spPr/>
+        <p:txBody>
+          <a:bodyPr>
+            <a:normAutofit/>
+          </a:bodyPr>
+          <a:lstStyle/>
+          <a:p>
+            <a:r>
+              <a:rPr lang="en-US" dirty="0" smtClean="0"/>
+              <a:t>Setup Node </a:t>
+            </a:r>
+            <a:r>
+              <a:rPr lang="en-US" dirty="0" err="1" smtClean="0"/>
+              <a:t>Addon</a:t>
+            </a:r>
+            <a:r>
+              <a:rPr lang="en-US" dirty="0" smtClean="0"/>
+              <a:t> Example </a:t>
+            </a:r>
+            <a:br>
+              <a:rPr lang="en-US" dirty="0" smtClean="0"/>
+            </a:br>
+            <a:r>
+              <a:rPr lang="en-US" sz="1800" dirty="0" smtClean="0"/>
+              <a:t>(windows only)</a:t>
+            </a:r>
+            <a:endParaRPr lang="en-US" sz="1800" dirty="0"/>
+          </a:p>
+        </p:txBody>
+      </p:sp>
+      <p:sp>
+        <p:nvSpPr>
+          <p:cNvPr id="5" name="Content Placeholder 4"/>
+          <p:cNvSpPr>
+            <a:spLocks noGrp="1"/>
+          </p:cNvSpPr>
+          <p:nvPr>
+            <p:ph sz="quarter" idx="1"/>
+          </p:nvPr>
+        </p:nvSpPr>
+        <p:spPr/>
+        <p:txBody>
+          <a:bodyPr/>
+          <a:lstStyle/>
+          <a:p>
+            <a:pPr marL="514350" indent="-514350">
+              <a:buAutoNum type="arabicParenR"/>
+            </a:pPr>
+            <a:r>
+              <a:rPr lang="en-US" dirty="0" smtClean="0"/>
+              <a:t>Clone Node.js </a:t>
+            </a:r>
+            <a:r>
+              <a:rPr lang="en-US" dirty="0"/>
+              <a:t>source repository (</a:t>
+            </a:r>
+            <a:r>
+              <a:rPr lang="en-US" dirty="0">
+                <a:hlinkClick r:id="rId2"/>
+              </a:rPr>
+              <a:t>https://</a:t>
+            </a:r>
+            <a:r>
+              <a:rPr lang="en-US" dirty="0" smtClean="0">
+                <a:hlinkClick r:id="rId2"/>
+              </a:rPr>
+              <a:t>github.com/joyent/node</a:t>
+            </a:r>
+            <a:r>
+              <a:rPr lang="en-US" dirty="0" smtClean="0"/>
+              <a:t>)</a:t>
+            </a:r>
+            <a:endParaRPr lang="en-US" dirty="0"/>
+          </a:p>
+          <a:p>
+            <a:pPr marL="514350" indent="-514350">
+              <a:buAutoNum type="arabicParenR"/>
+            </a:pPr>
+            <a:r>
+              <a:rPr lang="en-US" dirty="0" smtClean="0"/>
+              <a:t>Run vcbuild.bat – creates a visual studio solution</a:t>
+            </a:r>
+          </a:p>
+          <a:p>
+            <a:pPr marL="514350" indent="-514350">
+              <a:buAutoNum type="arabicParenR"/>
+            </a:pPr>
+            <a:r>
+              <a:rPr lang="en-US" dirty="0" smtClean="0"/>
+              <a:t>Open the solution and build</a:t>
+            </a:r>
+          </a:p>
+          <a:p>
+            <a:pPr marL="514350" indent="-514350">
+              <a:buAutoNum type="arabicParenR"/>
+            </a:pPr>
+            <a:r>
+              <a:rPr lang="en-US" dirty="0" smtClean="0"/>
+              <a:t>Open the example solution and build (</a:t>
+            </a:r>
+            <a:r>
+              <a:rPr lang="en-US" dirty="0" err="1" smtClean="0"/>
+              <a:t>SnackBot</a:t>
+            </a:r>
+            <a:r>
+              <a:rPr lang="en-US" dirty="0" smtClean="0"/>
+              <a:t>/</a:t>
+            </a:r>
+            <a:r>
+              <a:rPr lang="en-US" dirty="0" err="1" smtClean="0"/>
+              <a:t>Addon</a:t>
+            </a:r>
+            <a:r>
+              <a:rPr lang="en-US" dirty="0" smtClean="0"/>
+              <a:t>/testAddon.sln)</a:t>
+            </a:r>
+          </a:p>
+          <a:p>
+            <a:pPr marL="514350" indent="-514350">
+              <a:buAutoNum type="arabicParenR"/>
+            </a:pPr>
+            <a:r>
+              <a:rPr lang="en-US" dirty="0" smtClean="0"/>
+              <a:t>Move testAddon.dll into your project folder</a:t>
+            </a:r>
+          </a:p>
+          <a:p>
+            <a:pPr marL="514350" indent="-514350">
+              <a:buAutoNum type="arabicParenR"/>
+            </a:pPr>
+            <a:r>
+              <a:rPr lang="en-US" dirty="0" smtClean="0"/>
+              <a:t>Require the </a:t>
+            </a:r>
+            <a:r>
+              <a:rPr lang="en-US" dirty="0" err="1" smtClean="0"/>
+              <a:t>addon</a:t>
+            </a:r>
+            <a:r>
+              <a:rPr lang="en-US" dirty="0" smtClean="0"/>
+              <a:t> from a script and enjoy</a:t>
+            </a:r>
+            <a:r>
+              <a:rPr lang="en-US" smtClean="0"/>
+              <a:t>!</a:t>
+            </a:r>
+            <a:r>
+              <a:rPr lang="en-US"/>
+              <a:t> </a:t>
+            </a:r>
+            <a:endParaRPr lang="en-US" dirty="0" smtClean="0"/>
+          </a:p>
+        </p:txBody>
+      </p:sp>
+    </p:spTree>
+    <p:extLst>
+      <p:ext uri="{BB962C8B-B14F-4D97-AF65-F5344CB8AC3E}">
+        <p14:creationId xmlns:p14="http://schemas.microsoft.com/office/powerpoint/2010/main" val="1588988560"/>
       </p:ext>
     </p:extLst>
   </p:cSld>
@@ -7599,7 +7673,7 @@
           <a:p>
             <a:r>
               <a:rPr lang="en-US" dirty="0" smtClean="0"/>
-              <a:t>A data structure that stores a function, and the variables available within the scope in which the closure was created</a:t>
+              <a:t>A data structure that stores a function and the variables available within the scope in which the closure was created</a:t>
             </a:r>
           </a:p>
           <a:p>
@@ -7995,22 +8069,6 @@
             </a:r>
             <a:endParaRPr lang="en-US" dirty="0"/>
           </a:p>
-          <a:p>
-            <a:pPr lvl="1"/>
-            <a:r>
-              <a:rPr lang="en-US" dirty="0" smtClean="0"/>
-              <a:t>Node imports custom or 3</a:t>
-            </a:r>
-            <a:r>
-              <a:rPr lang="en-US" baseline="30000" dirty="0" smtClean="0"/>
-              <a:t>rd</a:t>
-            </a:r>
-            <a:r>
-              <a:rPr lang="en-US" dirty="0" smtClean="0"/>
-              <a:t> party modules with require()</a:t>
-            </a:r>
-            <a:endParaRPr lang="en-US" dirty="0"/>
-          </a:p>
         </p:txBody>
       </p:sp>
     </p:spTree>
@@ -8062,78 +8120,75 @@
         </p:nvSpPr>
         <p:spPr/>
         <p:txBody>
+          <a:bodyPr>
+            <a:normAutofit/>
+          </a:bodyPr>
+          <a:lstStyle/>
+          <a:p>
+            <a:r>
+              <a:rPr lang="en-US" dirty="0" smtClean="0"/>
+              <a:t>What is Node.js</a:t>
+            </a:r>
+            <a:endParaRPr lang="en-US" dirty="0"/>
+          </a:p>
+        </p:txBody>
+      </p:sp>
+      <p:sp>
+        <p:nvSpPr>
+          <p:cNvPr id="3" name="Content Placeholder 2"/>
+          <p:cNvSpPr>
+            <a:spLocks noGrp="1"/>
+          </p:cNvSpPr>
+          <p:nvPr>
+            <p:ph sz="quarter" idx="1"/>
+          </p:nvPr>
+        </p:nvSpPr>
+        <p:spPr/>
+        <p:txBody>
           <a:bodyPr/>
           <a:lstStyle/>
           <a:p>
             <a:r>
               <a:rPr lang="en-US" dirty="0" smtClean="0"/>
-              <a:t>Protecting Client Code</a:t>
-            </a:r>
-            <a:endParaRPr lang="en-US" dirty="0"/>
-          </a:p>
-        </p:txBody>
-      </p:sp>
-      <p:sp>
-        <p:nvSpPr>
-          <p:cNvPr id="3" name="Content Placeholder 2"/>
-          <p:cNvSpPr>
-            <a:spLocks noGrp="1"/>
-          </p:cNvSpPr>
-          <p:nvPr>
-            <p:ph sz="quarter" idx="1"/>
-          </p:nvPr>
-        </p:nvSpPr>
-        <p:spPr/>
-        <p:txBody>
-          <a:bodyPr/>
-          <a:lstStyle/>
-          <a:p>
-            <a:r>
-              <a:rPr lang="en-US" dirty="0" smtClean="0"/>
-              <a:t>Clients always get a copy of the client side code to be executed, but it can be as obfuscated as you want</a:t>
-            </a:r>
-          </a:p>
-          <a:p>
-            <a:r>
-              <a:rPr lang="en-US" dirty="0" smtClean="0"/>
-              <a:t>JavaScript’s can be extremely obfuscated.</a:t>
-            </a:r>
-          </a:p>
-          <a:p>
-            <a:r>
-              <a:rPr lang="en-US" dirty="0" smtClean="0"/>
-              <a:t>The only way to protect your client side code is to make it totally illegible</a:t>
-            </a:r>
-          </a:p>
-          <a:p>
-            <a:r>
-              <a:rPr lang="en-US" dirty="0" smtClean="0"/>
-              <a:t>Tools exist </a:t>
-            </a:r>
-            <a:r>
-              <a:rPr lang="en-US" dirty="0"/>
-              <a:t>to decode it: </a:t>
-            </a:r>
-            <a:r>
-              <a:rPr lang="en-US" dirty="0">
-                <a:hlinkClick r:id="rId2"/>
-              </a:rPr>
-              <a:t>http://jsbeautifier.org</a:t>
-            </a:r>
-            <a:r>
-              <a:rPr lang="en-US" dirty="0" smtClean="0">
-                <a:hlinkClick r:id="rId2"/>
-              </a:rPr>
-              <a:t>/</a:t>
-            </a:r>
-            <a:endParaRPr lang="en-US" dirty="0" smtClean="0"/>
+              <a:t>A wrapper around Google’s open source JavaScript engine V8</a:t>
+            </a:r>
+          </a:p>
+          <a:p>
+            <a:r>
+              <a:rPr lang="en-US" dirty="0" smtClean="0"/>
+              <a:t>Event loop driven web framework where server-side code is written in JavaScript</a:t>
+            </a:r>
+          </a:p>
+          <a:p>
+            <a:r>
+              <a:rPr lang="en-US" dirty="0" smtClean="0"/>
+              <a:t>Fast – No need to load an interpreter on each request like Apache</a:t>
+            </a:r>
+          </a:p>
+          <a:p>
+            <a:r>
+              <a:rPr lang="en-US" dirty="0" smtClean="0"/>
+              <a:t>Non-blocking – Makes no calls to I/O inside the event loop</a:t>
+            </a:r>
+          </a:p>
+          <a:p>
+            <a:r>
+              <a:rPr lang="en-US" dirty="0" smtClean="0"/>
+              <a:t>Callback based – Tells the OS that it should be notified when a connection is made, and then goes to sleep</a:t>
+            </a:r>
+          </a:p>
+          <a:p>
+            <a:r>
+              <a:rPr lang="en-US" dirty="0" smtClean="0"/>
+              <a:t>Cross platform, works on Mac, Windows, and Linux</a:t>
+            </a:r>
           </a:p>
         </p:txBody>
       </p:sp>
     </p:spTree>
     <p:extLst>
       <p:ext uri="{BB962C8B-B14F-4D97-AF65-F5344CB8AC3E}">
-        <p14:creationId xmlns:p14="http://schemas.microsoft.com/office/powerpoint/2010/main" val="2330671109"/>
+        <p14:creationId xmlns:p14="http://schemas.microsoft.com/office/powerpoint/2010/main" val="1445112939"/>
       </p:ext>
     </p:extLst>
   </p:cSld>
@@ -8180,13 +8235,62 @@
         <p:spPr/>
         <p:txBody>
           <a:bodyPr>
-            <a:normAutofit/>
+            <a:normAutofit fontScale="90000"/>
           </a:bodyPr>
           <a:lstStyle/>
           <a:p>
             <a:r>
-              <a:rPr lang="en-US" dirty="0" smtClean="0"/>
-              <a:t>What is Node.js</a:t>
+              <a:rPr lang="en-US" dirty="0"/>
+              <a:t>Node.js </a:t>
+            </a:r>
+            <a:r>
+              <a:rPr lang="en-US" dirty="0" smtClean="0"/>
+              <a:t>Performance </a:t>
+            </a:r>
+            <a:r>
+              <a:rPr lang="en-US" dirty="0" err="1" smtClean="0"/>
+              <a:t>vs</a:t>
+            </a:r>
+            <a:r>
+              <a:rPr lang="en-US" dirty="0" smtClean="0"/>
+              <a:t> Apache/PHP</a:t>
+            </a:r>
+            <a:r>
+              <a:rPr lang="en-US" dirty="0"/>
+              <a:t/>
+            </a:r>
+            <a:br>
+              <a:rPr lang="en-US" dirty="0"/>
+            </a:br>
+            <a:r>
+              <a:rPr lang="en-US" sz="1100" dirty="0" smtClean="0"/>
+              <a:t>Results from: http</a:t>
+            </a:r>
+            <a:r>
+              <a:rPr lang="en-US" sz="1100" dirty="0"/>
+              <a:t>://zgadzaj.com/benchmarking-nodejs-basic-performance-tests-against-apache-php</a:t>
+            </a:r>
+          </a:p>
+        </p:txBody>
+      </p:sp>
+      <p:sp>
+        <p:nvSpPr>
+          <p:cNvPr id="3" name="Content Placeholder 2"/>
+          <p:cNvSpPr>
+            <a:spLocks noGrp="1"/>
+          </p:cNvSpPr>
+          <p:nvPr>
+            <p:ph sz="quarter" idx="1"/>
+          </p:nvPr>
+        </p:nvSpPr>
+        <p:spPr/>
+        <p:txBody>
+          <a:bodyPr/>
+          <a:lstStyle/>
+          <a:p>
+            <a:r>
+              <a:rPr lang="en-US" dirty="0" smtClean="0"/>
+              <a:t>Node is fast!  Test: 1Mil requests</a:t>
             </a:r>
             <a:endParaRPr lang="en-US" dirty="0"/>
           </a:p>
@@ -8194,86 +8298,540 @@
       </p:sp>
       <p:sp>
         <p:nvSpPr>
-          <p:cNvPr id="3" name="Content Placeholder 2"/>
-          <p:cNvSpPr>
-            <a:spLocks noGrp="1"/>
-          </p:cNvSpPr>
-          <p:nvPr>
-            <p:ph sz="quarter" idx="1"/>
-          </p:nvPr>
-        </p:nvSpPr>
-        <p:spPr/>
-        <p:txBody>
-          <a:bodyPr/>
-          <a:lstStyle/>
-          <a:p>
-            <a:r>
-              <a:rPr lang="en-US" dirty="0" smtClean="0"/>
-              <a:t>A wrapper around Google’s open source JavaScript engine V8</a:t>
-            </a:r>
-          </a:p>
-          <a:p>
-            <a:r>
-              <a:rPr lang="en-US" dirty="0" smtClean="0"/>
-              <a:t>Event </a:t>
-            </a:r>
-            <a:r>
-              <a:rPr lang="en-US" dirty="0" smtClean="0"/>
-              <a:t>loop driven web framework where server-side code is written in JavaScript</a:t>
-            </a:r>
-          </a:p>
-          <a:p>
-            <a:r>
-              <a:rPr lang="en-US" dirty="0" smtClean="0"/>
-              <a:t>Fast – </a:t>
-            </a:r>
-            <a:r>
-              <a:rPr lang="en-US" dirty="0" smtClean="0"/>
-              <a:t>No need to load an interpreter on each request lik</a:t>
-            </a:r>
-            <a:r>
-              <a:rPr lang="en-US" dirty="0" smtClean="0"/>
-              <a:t>e Apache</a:t>
-            </a:r>
-            <a:endParaRPr lang="en-US" dirty="0" smtClean="0"/>
-          </a:p>
-          <a:p>
-            <a:r>
-              <a:rPr lang="en-US" dirty="0" smtClean="0"/>
-              <a:t>Non-blocking – Makes no </a:t>
-            </a:r>
-            <a:r>
-              <a:rPr lang="en-US" dirty="0" smtClean="0"/>
-              <a:t>calls </a:t>
-            </a:r>
-            <a:r>
-              <a:rPr lang="en-US" dirty="0" smtClean="0"/>
-              <a:t>to I/O inside the event loop</a:t>
-            </a:r>
-          </a:p>
-          <a:p>
-            <a:r>
-              <a:rPr lang="en-US" dirty="0" smtClean="0"/>
-              <a:t>Callback based – Tells the OS that it should be notified when a connection is made, and then goes to </a:t>
-            </a:r>
-            <a:r>
-              <a:rPr lang="en-US" dirty="0" smtClean="0"/>
-              <a:t>sleep</a:t>
-            </a:r>
-          </a:p>
-          <a:p>
-            <a:r>
-              <a:rPr lang="en-US" dirty="0" smtClean="0"/>
-              <a:t>Cross platform, works on Mac, Windows, and Linux</a:t>
-            </a:r>
-            <a:endParaRPr lang="en-US" dirty="0" smtClean="0"/>
+          <p:cNvPr id="4" name="TextBox 3"/>
+          <p:cNvSpPr txBox="1"/>
+          <p:nvPr/>
+        </p:nvSpPr>
+        <p:spPr>
+          <a:xfrm>
+            <a:off x="533400" y="1905000"/>
+            <a:ext cx="3886200" cy="4770537"/>
+          </a:xfrm>
+          <a:prstGeom prst="rect">
+            <a:avLst/>
+          </a:prstGeom>
+          <a:noFill/>
+          <a:ln>
+            <a:solidFill>
+              <a:schemeClr val="accent1"/>
+            </a:solidFill>
+          </a:ln>
+        </p:spPr>
+        <p:txBody>
+          <a:bodyPr wrap="square" rtlCol="0">
+            <a:spAutoFit/>
+          </a:bodyPr>
+          <a:lstStyle/>
+          <a:p>
+            <a:pPr algn="ctr"/>
+            <a:r>
+              <a:rPr lang="en-US" sz="1600" b="1" u="sng" dirty="0" smtClean="0">
+                <a:latin typeface="Cordia New" pitchFamily="34" charset="-34"/>
+                <a:cs typeface="Cordia New" pitchFamily="34" charset="-34"/>
+              </a:rPr>
+              <a:t>Node.js</a:t>
+            </a:r>
+          </a:p>
+          <a:p>
+            <a:r>
+              <a:rPr lang="en-US" sz="900" dirty="0" smtClean="0"/>
+              <a:t>Concurrency </a:t>
+            </a:r>
+            <a:r>
+              <a:rPr lang="en-US" sz="900" dirty="0"/>
+              <a:t>Level: 20000</a:t>
+            </a:r>
+          </a:p>
+          <a:p>
+            <a:r>
+              <a:rPr lang="en-US" sz="900" dirty="0"/>
+              <a:t>Time taken for tests: 1043.076 seconds</a:t>
+            </a:r>
+          </a:p>
+          <a:p>
+            <a:r>
+              <a:rPr lang="en-US" sz="900" dirty="0"/>
+              <a:t>Complete requests: 1000000</a:t>
+            </a:r>
+          </a:p>
+          <a:p>
+            <a:r>
+              <a:rPr lang="en-US" sz="900" dirty="0"/>
+              <a:t>Failed requests: 25227</a:t>
+            </a:r>
+          </a:p>
+          <a:p>
+            <a:r>
+              <a:rPr lang="en-US" sz="900" dirty="0"/>
+              <a:t>   (Connect: 0, Receive: 8409, Length: 8409, Exceptions: 8409)</a:t>
+            </a:r>
+          </a:p>
+          <a:p>
+            <a:r>
+              <a:rPr lang="en-US" sz="900" dirty="0"/>
+              <a:t>Write errors: 0</a:t>
+            </a:r>
+          </a:p>
+          <a:p>
+            <a:r>
+              <a:rPr lang="en-US" sz="900" dirty="0"/>
+              <a:t>Total transferred: 81265680 bytes</a:t>
+            </a:r>
+          </a:p>
+          <a:p>
+            <a:r>
+              <a:rPr lang="en-US" sz="900" dirty="0"/>
+              <a:t>HTML transferred: 18059040 bytes</a:t>
+            </a:r>
+          </a:p>
+          <a:p>
+            <a:r>
+              <a:rPr lang="en-US" sz="900" dirty="0"/>
+              <a:t>Requests per second: 958.70 [#/sec] (mean)</a:t>
+            </a:r>
+          </a:p>
+          <a:p>
+            <a:r>
+              <a:rPr lang="en-US" sz="900" dirty="0"/>
+              <a:t>Time per request: 20861.529 [</a:t>
+            </a:r>
+            <a:r>
+              <a:rPr lang="en-US" sz="900" dirty="0" err="1"/>
+              <a:t>ms</a:t>
+            </a:r>
+            <a:r>
+              <a:rPr lang="en-US" sz="900" dirty="0"/>
+              <a:t>] (mean)</a:t>
+            </a:r>
+          </a:p>
+          <a:p>
+            <a:r>
+              <a:rPr lang="en-US" sz="900" dirty="0"/>
+              <a:t>Time per request: 1.043 [</a:t>
+            </a:r>
+            <a:r>
+              <a:rPr lang="en-US" sz="900" dirty="0" err="1"/>
+              <a:t>ms</a:t>
+            </a:r>
+            <a:r>
+              <a:rPr lang="en-US" sz="900" dirty="0"/>
+              <a:t>] (mean, across all concurrent requests)</a:t>
+            </a:r>
+          </a:p>
+          <a:p>
+            <a:r>
+              <a:rPr lang="en-US" sz="900" dirty="0"/>
+              <a:t>Transfer rate: 76.08 [Kbytes/sec] received</a:t>
+            </a:r>
+          </a:p>
+          <a:p>
+            <a:r>
+              <a:rPr lang="en-US" sz="900" dirty="0"/>
+              <a:t/>
+            </a:r>
+            <a:br>
+              <a:rPr lang="en-US" sz="900" dirty="0"/>
+            </a:br>
+            <a:endParaRPr lang="en-US" sz="900" dirty="0"/>
+          </a:p>
+          <a:p>
+            <a:r>
+              <a:rPr lang="en-US" sz="900" dirty="0"/>
+              <a:t>Connection Times (</a:t>
+            </a:r>
+            <a:r>
+              <a:rPr lang="en-US" sz="900" dirty="0" err="1"/>
+              <a:t>ms</a:t>
+            </a:r>
+            <a:r>
+              <a:rPr lang="en-US" sz="900" dirty="0"/>
+              <a:t>)</a:t>
+            </a:r>
+          </a:p>
+          <a:p>
+            <a:r>
+              <a:rPr lang="en-US" sz="900" dirty="0"/>
+              <a:t>              min mean[+/-</a:t>
+            </a:r>
+            <a:r>
+              <a:rPr lang="en-US" sz="900" dirty="0" err="1"/>
+              <a:t>sd</a:t>
+            </a:r>
+            <a:r>
+              <a:rPr lang="en-US" sz="900" dirty="0"/>
+              <a:t>] median max</a:t>
+            </a:r>
+          </a:p>
+          <a:p>
+            <a:r>
+              <a:rPr lang="en-US" sz="900" dirty="0"/>
+              <a:t>Connect: 0 10201 2391.8 10840 20177</a:t>
+            </a:r>
+          </a:p>
+          <a:p>
+            <a:r>
+              <a:rPr lang="en-US" sz="900" dirty="0"/>
+              <a:t>Processing: 595 10455 3239.1 10904 39809</a:t>
+            </a:r>
+          </a:p>
+          <a:p>
+            <a:r>
+              <a:rPr lang="en-US" sz="900" dirty="0"/>
+              <a:t>Waiting: 0 8323 2331.0 8728 38740</a:t>
+            </a:r>
+          </a:p>
+          <a:p>
+            <a:r>
+              <a:rPr lang="en-US" sz="900" dirty="0"/>
+              <a:t>Total: 1181 20656 4758.5 21795 44333</a:t>
+            </a:r>
+          </a:p>
+          <a:p>
+            <a:r>
+              <a:rPr lang="en-US" sz="900" dirty="0"/>
+              <a:t/>
+            </a:r>
+            <a:br>
+              <a:rPr lang="en-US" sz="900" dirty="0"/>
+            </a:br>
+            <a:endParaRPr lang="en-US" sz="900" dirty="0"/>
+          </a:p>
+          <a:p>
+            <a:r>
+              <a:rPr lang="en-US" sz="900" dirty="0"/>
+              <a:t>Percentage of the requests served within a certain time (</a:t>
+            </a:r>
+            <a:r>
+              <a:rPr lang="en-US" sz="900" dirty="0" err="1"/>
+              <a:t>ms</a:t>
+            </a:r>
+            <a:r>
+              <a:rPr lang="en-US" sz="900" dirty="0"/>
+              <a:t>)</a:t>
+            </a:r>
+          </a:p>
+          <a:p>
+            <a:r>
+              <a:rPr lang="en-US" sz="900" dirty="0"/>
+              <a:t>  50% 21795</a:t>
+            </a:r>
+          </a:p>
+          <a:p>
+            <a:r>
+              <a:rPr lang="en-US" sz="900" dirty="0"/>
+              <a:t>  66% 21929</a:t>
+            </a:r>
+          </a:p>
+          <a:p>
+            <a:r>
+              <a:rPr lang="en-US" sz="900" dirty="0"/>
+              <a:t>  75% 22047</a:t>
+            </a:r>
+          </a:p>
+          <a:p>
+            <a:r>
+              <a:rPr lang="en-US" sz="900" dirty="0"/>
+              <a:t>  80% 22135</a:t>
+            </a:r>
+          </a:p>
+          <a:p>
+            <a:r>
+              <a:rPr lang="en-US" sz="900" dirty="0"/>
+              <a:t>  90% 22667</a:t>
+            </a:r>
+          </a:p>
+          <a:p>
+            <a:r>
+              <a:rPr lang="en-US" sz="900" dirty="0"/>
+              <a:t>  95% 24252</a:t>
+            </a:r>
+          </a:p>
+          <a:p>
+            <a:r>
+              <a:rPr lang="en-US" sz="900" dirty="0"/>
+              <a:t>  98% 24727</a:t>
+            </a:r>
+          </a:p>
+          <a:p>
+            <a:r>
+              <a:rPr lang="en-US" sz="900" dirty="0"/>
+              <a:t>  99% 25942</a:t>
+            </a:r>
+          </a:p>
+          <a:p>
+            <a:r>
+              <a:rPr lang="en-US" sz="900" dirty="0"/>
+              <a:t> 100% 44333 (longest request)</a:t>
+            </a:r>
+          </a:p>
+        </p:txBody>
+      </p:sp>
+      <p:sp>
+        <p:nvSpPr>
+          <p:cNvPr id="8" name="TextBox 7"/>
+          <p:cNvSpPr txBox="1"/>
+          <p:nvPr/>
+        </p:nvSpPr>
+        <p:spPr>
+          <a:xfrm>
+            <a:off x="4800600" y="1905000"/>
+            <a:ext cx="3886200" cy="4770537"/>
+          </a:xfrm>
+          <a:prstGeom prst="rect">
+            <a:avLst/>
+          </a:prstGeom>
+          <a:noFill/>
+          <a:ln>
+            <a:solidFill>
+              <a:schemeClr val="accent1"/>
+            </a:solidFill>
+          </a:ln>
+        </p:spPr>
+        <p:txBody>
+          <a:bodyPr wrap="square" rtlCol="0">
+            <a:spAutoFit/>
+          </a:bodyPr>
+          <a:lstStyle/>
+          <a:p>
+            <a:pPr algn="ctr"/>
+            <a:r>
+              <a:rPr lang="en-US" sz="1600" b="1" u="sng" dirty="0" smtClean="0">
+                <a:latin typeface="Cordia New" pitchFamily="34" charset="-34"/>
+                <a:cs typeface="Cordia New" pitchFamily="34" charset="-34"/>
+              </a:rPr>
+              <a:t>Apache/PHP</a:t>
+            </a:r>
+          </a:p>
+          <a:p>
+            <a:r>
+              <a:rPr lang="en-US" sz="900" dirty="0"/>
+              <a:t>Concurrency Level: 20000</a:t>
+            </a:r>
+          </a:p>
+          <a:p>
+            <a:r>
+              <a:rPr lang="en-US" sz="900" dirty="0"/>
+              <a:t>Time taken for tests: 3570.753 seconds</a:t>
+            </a:r>
+          </a:p>
+          <a:p>
+            <a:r>
+              <a:rPr lang="en-US" sz="900" dirty="0"/>
+              <a:t>Complete requests: 1000000</a:t>
+            </a:r>
+          </a:p>
+          <a:p>
+            <a:r>
+              <a:rPr lang="en-US" sz="900" dirty="0"/>
+              <a:t>Failed requests: 2617614</a:t>
+            </a:r>
+          </a:p>
+          <a:p>
+            <a:r>
+              <a:rPr lang="en-US" sz="900" dirty="0"/>
+              <a:t>   (Connect: 0, Receive: 848121, Length: 886497, Exceptions: 882996)</a:t>
+            </a:r>
+          </a:p>
+          <a:p>
+            <a:r>
+              <a:rPr lang="en-US" sz="900" dirty="0"/>
+              <a:t>Write errors: 0</a:t>
+            </a:r>
+          </a:p>
+          <a:p>
+            <a:r>
+              <a:rPr lang="en-US" sz="900" dirty="0"/>
+              <a:t>Total transferred: 36832520 bytes</a:t>
+            </a:r>
+          </a:p>
+          <a:p>
+            <a:r>
+              <a:rPr lang="en-US" sz="900" dirty="0"/>
+              <a:t>HTML transferred: 2372264 bytes</a:t>
+            </a:r>
+          </a:p>
+          <a:p>
+            <a:r>
+              <a:rPr lang="en-US" sz="900" dirty="0"/>
+              <a:t>Requests per second: 280.05 [#/sec] (mean)</a:t>
+            </a:r>
+          </a:p>
+          <a:p>
+            <a:r>
+              <a:rPr lang="en-US" sz="900" dirty="0"/>
+              <a:t>Time per request: 71415.058 [</a:t>
+            </a:r>
+            <a:r>
+              <a:rPr lang="en-US" sz="900" dirty="0" err="1"/>
+              <a:t>ms</a:t>
+            </a:r>
+            <a:r>
+              <a:rPr lang="en-US" sz="900" dirty="0"/>
+              <a:t>] (mean)</a:t>
+            </a:r>
+          </a:p>
+          <a:p>
+            <a:r>
+              <a:rPr lang="en-US" sz="900" dirty="0"/>
+              <a:t>Time per request: 3.571 [</a:t>
+            </a:r>
+            <a:r>
+              <a:rPr lang="en-US" sz="900" dirty="0" err="1"/>
+              <a:t>ms</a:t>
+            </a:r>
+            <a:r>
+              <a:rPr lang="en-US" sz="900" dirty="0"/>
+              <a:t>] (mean, across all concurrent requests)</a:t>
+            </a:r>
+          </a:p>
+          <a:p>
+            <a:r>
+              <a:rPr lang="en-US" sz="900" dirty="0"/>
+              <a:t>Transfer rate: 10.07 [Kbytes/sec] received</a:t>
+            </a:r>
+          </a:p>
+          <a:p>
+            <a:r>
+              <a:rPr lang="en-US" sz="900" dirty="0"/>
+              <a:t/>
+            </a:r>
+            <a:br>
+              <a:rPr lang="en-US" sz="900" dirty="0"/>
+            </a:br>
+            <a:endParaRPr lang="en-US" sz="900" dirty="0"/>
+          </a:p>
+          <a:p>
+            <a:r>
+              <a:rPr lang="en-US" sz="900" dirty="0"/>
+              <a:t>Connection Times (</a:t>
+            </a:r>
+            <a:r>
+              <a:rPr lang="en-US" sz="900" dirty="0" err="1"/>
+              <a:t>ms</a:t>
+            </a:r>
+            <a:r>
+              <a:rPr lang="en-US" sz="900" dirty="0"/>
+              <a:t>)</a:t>
+            </a:r>
+          </a:p>
+          <a:p>
+            <a:r>
+              <a:rPr lang="en-US" sz="900" dirty="0"/>
+              <a:t>              min mean[+/-</a:t>
+            </a:r>
+            <a:r>
+              <a:rPr lang="en-US" sz="900" dirty="0" err="1"/>
+              <a:t>sd</a:t>
+            </a:r>
+            <a:r>
+              <a:rPr lang="en-US" sz="900" dirty="0"/>
+              <a:t>] median max</a:t>
+            </a:r>
+          </a:p>
+          <a:p>
+            <a:r>
+              <a:rPr lang="en-US" sz="900" dirty="0"/>
+              <a:t>Connect: 0 4259 14734.0 0 79497</a:t>
+            </a:r>
+          </a:p>
+          <a:p>
+            <a:r>
+              <a:rPr lang="en-US" sz="900" dirty="0"/>
+              <a:t>Processing: 4 64979 51442.2 65543 381910</a:t>
+            </a:r>
+          </a:p>
+          <a:p>
+            <a:r>
+              <a:rPr lang="en-US" sz="900" dirty="0"/>
+              <a:t>Waiting: 0 2725 16784.2 0 249108</a:t>
+            </a:r>
+          </a:p>
+          <a:p>
+            <a:r>
+              <a:rPr lang="en-US" sz="900" dirty="0"/>
+              <a:t>Total: 87 69238 56233.8 68138 426365</a:t>
+            </a:r>
+          </a:p>
+          <a:p>
+            <a:endParaRPr lang="en-US" sz="900" dirty="0" smtClean="0"/>
+          </a:p>
+          <a:p>
+            <a:endParaRPr lang="en-US" sz="900" dirty="0"/>
+          </a:p>
+          <a:p>
+            <a:r>
+              <a:rPr lang="en-US" sz="900" dirty="0"/>
+              <a:t>Percentage of the requests served within a certain time (</a:t>
+            </a:r>
+            <a:r>
+              <a:rPr lang="en-US" sz="900" dirty="0" err="1"/>
+              <a:t>ms</a:t>
+            </a:r>
+            <a:r>
+              <a:rPr lang="en-US" sz="900" dirty="0"/>
+              <a:t>)</a:t>
+            </a:r>
+          </a:p>
+          <a:p>
+            <a:r>
+              <a:rPr lang="en-US" sz="900" dirty="0"/>
+              <a:t>  50% 68138</a:t>
+            </a:r>
+          </a:p>
+          <a:p>
+            <a:r>
+              <a:rPr lang="en-US" sz="900" dirty="0"/>
+              <a:t>  66% 80099</a:t>
+            </a:r>
+          </a:p>
+          <a:p>
+            <a:r>
+              <a:rPr lang="en-US" sz="900" dirty="0"/>
+              <a:t>  75% 84390</a:t>
+            </a:r>
+          </a:p>
+          <a:p>
+            <a:r>
+              <a:rPr lang="en-US" sz="900" dirty="0"/>
+              <a:t>  80% 85475</a:t>
+            </a:r>
+          </a:p>
+          <a:p>
+            <a:r>
+              <a:rPr lang="en-US" sz="900" dirty="0"/>
+              <a:t>  90% 91309</a:t>
+            </a:r>
+          </a:p>
+          <a:p>
+            <a:r>
+              <a:rPr lang="en-US" sz="900" dirty="0"/>
+              <a:t>  95% 134983</a:t>
+            </a:r>
+          </a:p>
+          <a:p>
+            <a:r>
+              <a:rPr lang="en-US" sz="900" dirty="0"/>
+              <a:t>  98% 303390</a:t>
+            </a:r>
+          </a:p>
+          <a:p>
+            <a:r>
+              <a:rPr lang="en-US" sz="900" dirty="0"/>
+              <a:t>  99% 333308</a:t>
+            </a:r>
+          </a:p>
+          <a:p>
+            <a:r>
+              <a:rPr lang="en-US" sz="900" dirty="0"/>
+              <a:t> 100% 426365 (longest request)</a:t>
+            </a:r>
           </a:p>
         </p:txBody>
       </p:sp>
     </p:spTree>
     <p:extLst>
       <p:ext uri="{BB962C8B-B14F-4D97-AF65-F5344CB8AC3E}">
-        <p14:creationId xmlns:p14="http://schemas.microsoft.com/office/powerpoint/2010/main" val="1445112939"/>
+        <p14:creationId xmlns:p14="http://schemas.microsoft.com/office/powerpoint/2010/main" val="2814319056"/>
       </p:ext>
     </p:extLst>
   </p:cSld>
@@ -8319,604 +8877,102 @@
         </p:nvSpPr>
         <p:spPr/>
         <p:txBody>
-          <a:bodyPr>
-            <a:normAutofit fontScale="90000"/>
-          </a:bodyPr>
-          <a:lstStyle/>
-          <a:p>
-            <a:r>
-              <a:rPr lang="en-US" dirty="0"/>
-              <a:t>Node.js </a:t>
-            </a:r>
-            <a:r>
-              <a:rPr lang="en-US" dirty="0" smtClean="0"/>
-              <a:t>Performance </a:t>
+          <a:bodyPr/>
+          <a:lstStyle/>
+          <a:p>
+            <a:r>
+              <a:rPr lang="en-US" dirty="0" smtClean="0"/>
+              <a:t>Node Require</a:t>
+            </a:r>
+            <a:endParaRPr lang="en-US" dirty="0"/>
+          </a:p>
+        </p:txBody>
+      </p:sp>
+      <p:sp>
+        <p:nvSpPr>
+          <p:cNvPr id="3" name="Content Placeholder 2"/>
+          <p:cNvSpPr>
+            <a:spLocks noGrp="1"/>
+          </p:cNvSpPr>
+          <p:nvPr>
+            <p:ph sz="quarter" idx="1"/>
+          </p:nvPr>
+        </p:nvSpPr>
+        <p:spPr/>
+        <p:txBody>
+          <a:bodyPr/>
+          <a:lstStyle/>
+          <a:p>
+            <a:r>
+              <a:rPr lang="en-US" dirty="0" smtClean="0"/>
+              <a:t>Rough equivalent of #include in C++, but returns an object</a:t>
+            </a:r>
+          </a:p>
+          <a:p>
+            <a:r>
+              <a:rPr lang="en-US" dirty="0" smtClean="0"/>
+              <a:t>Some modules written by </a:t>
             </a:r>
             <a:r>
               <a:rPr lang="en-US" dirty="0" err="1" smtClean="0"/>
-              <a:t>vs</a:t>
-            </a:r>
-            <a:r>
-              <a:rPr lang="en-US" dirty="0" smtClean="0"/>
-              <a:t> Apache/PHP</a:t>
-            </a:r>
-            <a:r>
-              <a:rPr lang="en-US" dirty="0"/>
-              <a:t/>
-            </a:r>
-            <a:br>
-              <a:rPr lang="en-US" dirty="0"/>
-            </a:br>
-            <a:r>
-              <a:rPr lang="en-US" sz="1100" dirty="0" smtClean="0"/>
-              <a:t>Results from: http</a:t>
-            </a:r>
-            <a:r>
-              <a:rPr lang="en-US" sz="1100" dirty="0"/>
-              <a:t>://zgadzaj.com/benchmarking-nodejs-basic-performance-tests-against-apache-php</a:t>
-            </a:r>
-          </a:p>
-        </p:txBody>
-      </p:sp>
-      <p:sp>
-        <p:nvSpPr>
-          <p:cNvPr id="3" name="Content Placeholder 2"/>
-          <p:cNvSpPr>
-            <a:spLocks noGrp="1"/>
-          </p:cNvSpPr>
-          <p:nvPr>
-            <p:ph sz="quarter" idx="1"/>
-          </p:nvPr>
-        </p:nvSpPr>
-        <p:spPr/>
-        <p:txBody>
-          <a:bodyPr/>
-          <a:lstStyle/>
-          <a:p>
-            <a:r>
-              <a:rPr lang="en-US" dirty="0" smtClean="0"/>
-              <a:t>Node is fast! 1Mil requests 20k at a time:</a:t>
+              <a:t>Joyent</a:t>
+            </a:r>
+            <a:r>
+              <a:rPr lang="en-US" dirty="0" smtClean="0"/>
+              <a:t>, some by 3</a:t>
+            </a:r>
+            <a:r>
+              <a:rPr lang="en-US" baseline="30000" dirty="0" smtClean="0"/>
+              <a:t>rd</a:t>
+            </a:r>
+            <a:r>
+              <a:rPr lang="en-US" dirty="0" smtClean="0"/>
+              <a:t> parties</a:t>
+            </a:r>
+          </a:p>
+          <a:p>
+            <a:r>
+              <a:rPr lang="en-US" dirty="0" smtClean="0"/>
+              <a:t>ex. “</a:t>
+            </a:r>
+            <a:r>
+              <a:rPr lang="en-US" dirty="0" err="1" smtClean="0"/>
+              <a:t>var</a:t>
+            </a:r>
+            <a:r>
+              <a:rPr lang="en-US" dirty="0" smtClean="0"/>
+              <a:t> </a:t>
+            </a:r>
+            <a:r>
+              <a:rPr lang="en-US" dirty="0" err="1" smtClean="0"/>
+              <a:t>myModule</a:t>
+            </a:r>
+            <a:r>
+              <a:rPr lang="en-US" dirty="0" smtClean="0"/>
+              <a:t> = require(‘</a:t>
+            </a:r>
+            <a:r>
+              <a:rPr lang="en-US" dirty="0" err="1" smtClean="0"/>
+              <a:t>someModule</a:t>
+            </a:r>
+            <a:r>
+              <a:rPr lang="en-US" dirty="0" smtClean="0"/>
+              <a:t>’);”</a:t>
+            </a:r>
+          </a:p>
+          <a:p>
+            <a:r>
+              <a:rPr lang="en-US" dirty="0" smtClean="0"/>
+              <a:t>Solves the problem of having multiple classes in JavaScript (by allowing you to put things in multiple files)</a:t>
             </a:r>
             <a:endParaRPr lang="en-US" dirty="0"/>
-          </a:p>
-        </p:txBody>
-      </p:sp>
-      <p:sp>
-        <p:nvSpPr>
-          <p:cNvPr id="4" name="TextBox 3"/>
-          <p:cNvSpPr txBox="1"/>
-          <p:nvPr/>
-        </p:nvSpPr>
-        <p:spPr>
-          <a:xfrm>
-            <a:off x="533400" y="1905000"/>
-            <a:ext cx="3886200" cy="4770537"/>
-          </a:xfrm>
-          <a:prstGeom prst="rect">
-            <a:avLst/>
-          </a:prstGeom>
-          <a:noFill/>
-          <a:ln>
-            <a:solidFill>
-              <a:schemeClr val="accent1"/>
-            </a:solidFill>
-          </a:ln>
-        </p:spPr>
-        <p:txBody>
-          <a:bodyPr wrap="square" rtlCol="0">
-            <a:spAutoFit/>
-          </a:bodyPr>
-          <a:lstStyle/>
-          <a:p>
-            <a:pPr algn="ctr"/>
-            <a:r>
-              <a:rPr lang="en-US" sz="1600" b="1" u="sng" dirty="0" smtClean="0">
-                <a:latin typeface="Cordia New" pitchFamily="34" charset="-34"/>
-                <a:cs typeface="Cordia New" pitchFamily="34" charset="-34"/>
-              </a:rPr>
-              <a:t>Node.js</a:t>
-            </a:r>
-          </a:p>
-          <a:p>
-            <a:r>
-              <a:rPr lang="en-US" sz="900" dirty="0" smtClean="0"/>
-              <a:t>Concurrency </a:t>
-            </a:r>
-            <a:r>
-              <a:rPr lang="en-US" sz="900" dirty="0"/>
-              <a:t>Level: 20000</a:t>
-            </a:r>
-          </a:p>
-          <a:p>
-            <a:r>
-              <a:rPr lang="en-US" sz="900" dirty="0"/>
-              <a:t>Time taken for tests: 1043.076 seconds</a:t>
-            </a:r>
-          </a:p>
-          <a:p>
-            <a:r>
-              <a:rPr lang="en-US" sz="900" dirty="0"/>
-              <a:t>Complete requests: 1000000</a:t>
-            </a:r>
-          </a:p>
-          <a:p>
-            <a:r>
-              <a:rPr lang="en-US" sz="900" dirty="0"/>
-              <a:t>Failed requests: 25227</a:t>
-            </a:r>
-          </a:p>
-          <a:p>
-            <a:r>
-              <a:rPr lang="en-US" sz="900" dirty="0"/>
-              <a:t>   (Connect: 0, Receive: 8409, Length: 8409, Exceptions: 8409)</a:t>
-            </a:r>
-          </a:p>
-          <a:p>
-            <a:r>
-              <a:rPr lang="en-US" sz="900" dirty="0"/>
-              <a:t>Write errors: 0</a:t>
-            </a:r>
-          </a:p>
-          <a:p>
-            <a:r>
-              <a:rPr lang="en-US" sz="900" dirty="0"/>
-              <a:t>Total transferred: 81265680 bytes</a:t>
-            </a:r>
-          </a:p>
-          <a:p>
-            <a:r>
-              <a:rPr lang="en-US" sz="900" dirty="0"/>
-              <a:t>HTML transferred: 18059040 bytes</a:t>
-            </a:r>
-          </a:p>
-          <a:p>
-            <a:r>
-              <a:rPr lang="en-US" sz="900" dirty="0"/>
-              <a:t>Requests per second: 958.70 [#/sec] (mean)</a:t>
-            </a:r>
-          </a:p>
-          <a:p>
-            <a:r>
-              <a:rPr lang="en-US" sz="900" dirty="0"/>
-              <a:t>Time per request: 20861.529 [</a:t>
-            </a:r>
-            <a:r>
-              <a:rPr lang="en-US" sz="900" dirty="0" err="1"/>
-              <a:t>ms</a:t>
-            </a:r>
-            <a:r>
-              <a:rPr lang="en-US" sz="900" dirty="0"/>
-              <a:t>] (mean)</a:t>
-            </a:r>
-          </a:p>
-          <a:p>
-            <a:r>
-              <a:rPr lang="en-US" sz="900" dirty="0"/>
-              <a:t>Time per request: 1.043 [</a:t>
-            </a:r>
-            <a:r>
-              <a:rPr lang="en-US" sz="900" dirty="0" err="1"/>
-              <a:t>ms</a:t>
-            </a:r>
-            <a:r>
-              <a:rPr lang="en-US" sz="900" dirty="0"/>
-              <a:t>] (mean, across all concurrent requests)</a:t>
-            </a:r>
-          </a:p>
-          <a:p>
-            <a:r>
-              <a:rPr lang="en-US" sz="900" dirty="0"/>
-              <a:t>Transfer rate: 76.08 [Kbytes/sec] received</a:t>
-            </a:r>
-          </a:p>
-          <a:p>
-            <a:r>
-              <a:rPr lang="en-US" sz="900" dirty="0"/>
-              <a:t/>
-            </a:r>
-            <a:br>
-              <a:rPr lang="en-US" sz="900" dirty="0"/>
-            </a:br>
-            <a:endParaRPr lang="en-US" sz="900" dirty="0"/>
-          </a:p>
-          <a:p>
-            <a:r>
-              <a:rPr lang="en-US" sz="900" dirty="0"/>
-              <a:t>Connection Times (</a:t>
-            </a:r>
-            <a:r>
-              <a:rPr lang="en-US" sz="900" dirty="0" err="1"/>
-              <a:t>ms</a:t>
-            </a:r>
-            <a:r>
-              <a:rPr lang="en-US" sz="900" dirty="0"/>
-              <a:t>)</a:t>
-            </a:r>
-          </a:p>
-          <a:p>
-            <a:r>
-              <a:rPr lang="en-US" sz="900" dirty="0"/>
-              <a:t>              min mean[+/-</a:t>
-            </a:r>
-            <a:r>
-              <a:rPr lang="en-US" sz="900" dirty="0" err="1"/>
-              <a:t>sd</a:t>
-            </a:r>
-            <a:r>
-              <a:rPr lang="en-US" sz="900" dirty="0"/>
-              <a:t>] median max</a:t>
-            </a:r>
-          </a:p>
-          <a:p>
-            <a:r>
-              <a:rPr lang="en-US" sz="900" dirty="0"/>
-              <a:t>Connect: 0 10201 2391.8 10840 20177</a:t>
-            </a:r>
-          </a:p>
-          <a:p>
-            <a:r>
-              <a:rPr lang="en-US" sz="900" dirty="0"/>
-              <a:t>Processing: 595 10455 3239.1 10904 39809</a:t>
-            </a:r>
-          </a:p>
-          <a:p>
-            <a:r>
-              <a:rPr lang="en-US" sz="900" dirty="0"/>
-              <a:t>Waiting: 0 8323 2331.0 8728 38740</a:t>
-            </a:r>
-          </a:p>
-          <a:p>
-            <a:r>
-              <a:rPr lang="en-US" sz="900" dirty="0"/>
-              <a:t>Total: 1181 20656 4758.5 21795 44333</a:t>
-            </a:r>
-          </a:p>
-          <a:p>
-            <a:r>
-              <a:rPr lang="en-US" sz="900" dirty="0"/>
-              <a:t/>
-            </a:r>
-            <a:br>
-              <a:rPr lang="en-US" sz="900" dirty="0"/>
-            </a:br>
-            <a:endParaRPr lang="en-US" sz="900" dirty="0"/>
-          </a:p>
-          <a:p>
-            <a:r>
-              <a:rPr lang="en-US" sz="900" dirty="0"/>
-              <a:t>Percentage of the requests served within a certain time (</a:t>
-            </a:r>
-            <a:r>
-              <a:rPr lang="en-US" sz="900" dirty="0" err="1"/>
-              <a:t>ms</a:t>
-            </a:r>
-            <a:r>
-              <a:rPr lang="en-US" sz="900" dirty="0"/>
-              <a:t>)</a:t>
-            </a:r>
-          </a:p>
-          <a:p>
-            <a:r>
-              <a:rPr lang="en-US" sz="900" dirty="0"/>
-              <a:t>  50% 21795</a:t>
-            </a:r>
-          </a:p>
-          <a:p>
-            <a:r>
-              <a:rPr lang="en-US" sz="900" dirty="0"/>
-              <a:t>  66% 21929</a:t>
-            </a:r>
-          </a:p>
-          <a:p>
-            <a:r>
-              <a:rPr lang="en-US" sz="900" dirty="0"/>
-              <a:t>  75% 22047</a:t>
-            </a:r>
-          </a:p>
-          <a:p>
-            <a:r>
-              <a:rPr lang="en-US" sz="900" dirty="0"/>
-              <a:t>  80% 22135</a:t>
-            </a:r>
-          </a:p>
-          <a:p>
-            <a:r>
-              <a:rPr lang="en-US" sz="900" dirty="0"/>
-              <a:t>  90% 22667</a:t>
-            </a:r>
-          </a:p>
-          <a:p>
-            <a:r>
-              <a:rPr lang="en-US" sz="900" dirty="0"/>
-              <a:t>  95% 24252</a:t>
-            </a:r>
-          </a:p>
-          <a:p>
-            <a:r>
-              <a:rPr lang="en-US" sz="900" dirty="0"/>
-              <a:t>  98% 24727</a:t>
-            </a:r>
-          </a:p>
-          <a:p>
-            <a:r>
-              <a:rPr lang="en-US" sz="900" dirty="0"/>
-              <a:t>  99% 25942</a:t>
-            </a:r>
-          </a:p>
-          <a:p>
-            <a:r>
-              <a:rPr lang="en-US" sz="900" dirty="0"/>
-              <a:t> 100% 44333 (longest request)</a:t>
-            </a:r>
-          </a:p>
-        </p:txBody>
-      </p:sp>
-      <p:sp>
-        <p:nvSpPr>
-          <p:cNvPr id="8" name="TextBox 7"/>
-          <p:cNvSpPr txBox="1"/>
-          <p:nvPr/>
-        </p:nvSpPr>
-        <p:spPr>
-          <a:xfrm>
-            <a:off x="4800600" y="1905000"/>
-            <a:ext cx="3886200" cy="4770537"/>
-          </a:xfrm>
-          <a:prstGeom prst="rect">
-            <a:avLst/>
-          </a:prstGeom>
-          <a:noFill/>
-          <a:ln>
-            <a:solidFill>
-              <a:schemeClr val="accent1"/>
-            </a:solidFill>
-          </a:ln>
-        </p:spPr>
-        <p:txBody>
-          <a:bodyPr wrap="square" rtlCol="0">
-            <a:spAutoFit/>
-          </a:bodyPr>
-          <a:lstStyle/>
-          <a:p>
-            <a:pPr algn="ctr"/>
-            <a:r>
-              <a:rPr lang="en-US" sz="1600" b="1" u="sng" dirty="0" smtClean="0">
-                <a:latin typeface="Cordia New" pitchFamily="34" charset="-34"/>
-                <a:cs typeface="Cordia New" pitchFamily="34" charset="-34"/>
-              </a:rPr>
-              <a:t>Apache/PHP</a:t>
-            </a:r>
-          </a:p>
-          <a:p>
-            <a:r>
-              <a:rPr lang="en-US" sz="900" dirty="0"/>
-              <a:t>Concurrency Level: 20000</a:t>
-            </a:r>
-          </a:p>
-          <a:p>
-            <a:r>
-              <a:rPr lang="en-US" sz="900" dirty="0"/>
-              <a:t>Time taken for tests: 3570.753 seconds</a:t>
-            </a:r>
-          </a:p>
-          <a:p>
-            <a:r>
-              <a:rPr lang="en-US" sz="900" dirty="0"/>
-              <a:t>Complete requests: 1000000</a:t>
-            </a:r>
-          </a:p>
-          <a:p>
-            <a:r>
-              <a:rPr lang="en-US" sz="900" dirty="0"/>
-              <a:t>Failed requests: 2617614</a:t>
-            </a:r>
-          </a:p>
-          <a:p>
-            <a:r>
-              <a:rPr lang="en-US" sz="900" dirty="0"/>
-              <a:t>   (Connect: 0, Receive: 848121, Length: 886497, Exceptions: 882996)</a:t>
-            </a:r>
-          </a:p>
-          <a:p>
-            <a:r>
-              <a:rPr lang="en-US" sz="900" dirty="0"/>
-              <a:t>Write errors: 0</a:t>
-            </a:r>
-          </a:p>
-          <a:p>
-            <a:r>
-              <a:rPr lang="en-US" sz="900" dirty="0"/>
-              <a:t>Total transferred: 36832520 bytes</a:t>
-            </a:r>
-          </a:p>
-          <a:p>
-            <a:r>
-              <a:rPr lang="en-US" sz="900" dirty="0"/>
-              <a:t>HTML transferred: 2372264 bytes</a:t>
-            </a:r>
-          </a:p>
-          <a:p>
-            <a:r>
-              <a:rPr lang="en-US" sz="900" dirty="0"/>
-              <a:t>Requests per second: 280.05 [#/sec] (mean)</a:t>
-            </a:r>
-          </a:p>
-          <a:p>
-            <a:r>
-              <a:rPr lang="en-US" sz="900" dirty="0"/>
-              <a:t>Time per request: 71415.058 [</a:t>
-            </a:r>
-            <a:r>
-              <a:rPr lang="en-US" sz="900" dirty="0" err="1"/>
-              <a:t>ms</a:t>
-            </a:r>
-            <a:r>
-              <a:rPr lang="en-US" sz="900" dirty="0"/>
-              <a:t>] (mean)</a:t>
-            </a:r>
-          </a:p>
-          <a:p>
-            <a:r>
-              <a:rPr lang="en-US" sz="900" dirty="0"/>
-              <a:t>Time per request: 3.571 [</a:t>
-            </a:r>
-            <a:r>
-              <a:rPr lang="en-US" sz="900" dirty="0" err="1"/>
-              <a:t>ms</a:t>
-            </a:r>
-            <a:r>
-              <a:rPr lang="en-US" sz="900" dirty="0"/>
-              <a:t>] (mean, across all concurrent requests)</a:t>
-            </a:r>
-          </a:p>
-          <a:p>
-            <a:r>
-              <a:rPr lang="en-US" sz="900" dirty="0"/>
-              <a:t>Transfer rate: 10.07 [Kbytes/sec] received</a:t>
-            </a:r>
-          </a:p>
-          <a:p>
-            <a:r>
-              <a:rPr lang="en-US" sz="900" dirty="0"/>
-              <a:t/>
-            </a:r>
-            <a:br>
-              <a:rPr lang="en-US" sz="900" dirty="0"/>
-            </a:br>
-            <a:endParaRPr lang="en-US" sz="900" dirty="0"/>
-          </a:p>
-          <a:p>
-            <a:r>
-              <a:rPr lang="en-US" sz="900" dirty="0"/>
-              <a:t>Connection Times (</a:t>
-            </a:r>
-            <a:r>
-              <a:rPr lang="en-US" sz="900" dirty="0" err="1"/>
-              <a:t>ms</a:t>
-            </a:r>
-            <a:r>
-              <a:rPr lang="en-US" sz="900" dirty="0"/>
-              <a:t>)</a:t>
-            </a:r>
-          </a:p>
-          <a:p>
-            <a:r>
-              <a:rPr lang="en-US" sz="900" dirty="0"/>
-              <a:t>              min mean[+/-</a:t>
-            </a:r>
-            <a:r>
-              <a:rPr lang="en-US" sz="900" dirty="0" err="1"/>
-              <a:t>sd</a:t>
-            </a:r>
-            <a:r>
-              <a:rPr lang="en-US" sz="900" dirty="0"/>
-              <a:t>] median max</a:t>
-            </a:r>
-          </a:p>
-          <a:p>
-            <a:r>
-              <a:rPr lang="en-US" sz="900" dirty="0"/>
-              <a:t>Connect: 0 4259 14734.0 0 79497</a:t>
-            </a:r>
-          </a:p>
-          <a:p>
-            <a:r>
-              <a:rPr lang="en-US" sz="900" dirty="0"/>
-              <a:t>Processing: 4 64979 51442.2 65543 381910</a:t>
-            </a:r>
-          </a:p>
-          <a:p>
-            <a:r>
-              <a:rPr lang="en-US" sz="900" dirty="0"/>
-              <a:t>Waiting: 0 2725 16784.2 0 249108</a:t>
-            </a:r>
-          </a:p>
-          <a:p>
-            <a:r>
-              <a:rPr lang="en-US" sz="900" dirty="0"/>
-              <a:t>Total: 87 69238 56233.8 68138 426365</a:t>
-            </a:r>
-          </a:p>
-          <a:p>
-            <a:endParaRPr lang="en-US" sz="900" dirty="0" smtClean="0"/>
-          </a:p>
-          <a:p>
-            <a:endParaRPr lang="en-US" sz="900" dirty="0"/>
-          </a:p>
-          <a:p>
-            <a:r>
-              <a:rPr lang="en-US" sz="900" dirty="0"/>
-              <a:t>Percentage of the requests served within a certain time (</a:t>
-            </a:r>
-            <a:r>
-              <a:rPr lang="en-US" sz="900" dirty="0" err="1"/>
-              <a:t>ms</a:t>
-            </a:r>
-            <a:r>
-              <a:rPr lang="en-US" sz="900" dirty="0"/>
-              <a:t>)</a:t>
-            </a:r>
-          </a:p>
-          <a:p>
-            <a:r>
-              <a:rPr lang="en-US" sz="900" dirty="0"/>
-              <a:t>  50% 68138</a:t>
-            </a:r>
-          </a:p>
-          <a:p>
-            <a:r>
-              <a:rPr lang="en-US" sz="900" dirty="0"/>
-              <a:t>  66% 80099</a:t>
-            </a:r>
-          </a:p>
-          <a:p>
-            <a:r>
-              <a:rPr lang="en-US" sz="900" dirty="0"/>
-              <a:t>  75% 84390</a:t>
-            </a:r>
-          </a:p>
-          <a:p>
-            <a:r>
-              <a:rPr lang="en-US" sz="900" dirty="0"/>
-              <a:t>  80% 85475</a:t>
-            </a:r>
-          </a:p>
-          <a:p>
-            <a:r>
-              <a:rPr lang="en-US" sz="900" dirty="0"/>
-              <a:t>  90% 91309</a:t>
-            </a:r>
-          </a:p>
-          <a:p>
-            <a:r>
-              <a:rPr lang="en-US" sz="900" dirty="0"/>
-              <a:t>  95% 134983</a:t>
-            </a:r>
-          </a:p>
-          <a:p>
-            <a:r>
-              <a:rPr lang="en-US" sz="900" dirty="0"/>
-              <a:t>  98% 303390</a:t>
-            </a:r>
-          </a:p>
-          <a:p>
-            <a:r>
-              <a:rPr lang="en-US" sz="900" dirty="0"/>
-              <a:t>  99% 333308</a:t>
-            </a:r>
-          </a:p>
-          <a:p>
-            <a:r>
-              <a:rPr lang="en-US" sz="900" dirty="0"/>
-              <a:t> 100% 426365 (longest request)</a:t>
-            </a:r>
           </a:p>
         </p:txBody>
       </p:sp>
     </p:spTree>
     <p:extLst>
       <p:ext uri="{BB962C8B-B14F-4D97-AF65-F5344CB8AC3E}">
-        <p14:creationId xmlns:p14="http://schemas.microsoft.com/office/powerpoint/2010/main" val="2814319056"/>
+        <p14:creationId xmlns:p14="http://schemas.microsoft.com/office/powerpoint/2010/main" val="2340034774"/>
       </p:ext>
     </p:extLst>
   </p:cSld>
